--- a/TUGAS2_CHATSERVER/DRAFT-CHAT-SERVER.pptx
+++ b/TUGAS2_CHATSERVER/DRAFT-CHAT-SERVER.pptx
@@ -10,13 +10,13 @@
     <p:sldId id="268" r:id="rId4"/>
     <p:sldId id="258" r:id="rId5"/>
     <p:sldId id="257" r:id="rId6"/>
-    <p:sldId id="267" r:id="rId7"/>
+    <p:sldId id="270" r:id="rId7"/>
     <p:sldId id="260" r:id="rId8"/>
     <p:sldId id="259" r:id="rId9"/>
     <p:sldId id="261" r:id="rId10"/>
     <p:sldId id="262" r:id="rId11"/>
     <p:sldId id="263" r:id="rId12"/>
-    <p:sldId id="269" r:id="rId13"/>
+    <p:sldId id="271" r:id="rId13"/>
     <p:sldId id="264" r:id="rId14"/>
     <p:sldId id="265" r:id="rId15"/>
     <p:sldId id="266" r:id="rId16"/>
@@ -118,6 +118,11 @@
       </a:defRPr>
     </a:lvl9pPr>
   </p:defaultTextStyle>
+  <p:extLst>
+    <p:ext uri="{EFAFB233-063F-42B5-8137-9DF3F51BA10A}">
+      <p15:sldGuideLst xmlns:p15="http://schemas.microsoft.com/office/powerpoint/2012/main"/>
+    </p:ext>
+  </p:extLst>
 </p:presentation>
 </file>
 
@@ -4860,7 +4865,7 @@
         </p:nvSpPr>
         <p:spPr>
           <a:xfrm>
-            <a:off x="1523880" y="3344517"/>
+            <a:off x="1413521" y="3123799"/>
             <a:ext cx="9143640" cy="3166634"/>
           </a:xfrm>
           <a:prstGeom prst="rect">
@@ -5676,7 +5681,99 @@
               <a:buChar char="•"/>
             </a:pPr>
             <a:r>
-              <a:rPr lang="en-US" sz="2200" b="0" strike="noStrike" spc="-1" dirty="0" err="1">
+              <a:rPr lang="en-US" sz="2200" b="0" strike="noStrike" spc="-1" dirty="0" smtClean="0">
+                <a:solidFill>
+                  <a:srgbClr val="FFFFFF"/>
+                </a:solidFill>
+                <a:uFill>
+                  <a:solidFill>
+                    <a:srgbClr val="FFFFFF"/>
+                  </a:solidFill>
+                </a:uFill>
+                <a:latin typeface="Trebuchet MS"/>
+              </a:rPr>
+              <a:t>20: Data </a:t>
+            </a:r>
+            <a:r>
+              <a:rPr lang="en-US" sz="2200" b="0" strike="noStrike" spc="-1" dirty="0" err="1" smtClean="0">
+                <a:solidFill>
+                  <a:srgbClr val="FFFFFF"/>
+                </a:solidFill>
+                <a:uFill>
+                  <a:solidFill>
+                    <a:srgbClr val="FFFFFF"/>
+                  </a:solidFill>
+                </a:uFill>
+                <a:latin typeface="Trebuchet MS"/>
+              </a:rPr>
+              <a:t>Berhasil</a:t>
+            </a:r>
+            <a:r>
+              <a:rPr lang="en-US" sz="2200" b="0" strike="noStrike" spc="-1" dirty="0" smtClean="0">
+                <a:solidFill>
+                  <a:srgbClr val="FFFFFF"/>
+                </a:solidFill>
+                <a:uFill>
+                  <a:solidFill>
+                    <a:srgbClr val="FFFFFF"/>
+                  </a:solidFill>
+                </a:uFill>
+                <a:latin typeface="Trebuchet MS"/>
+              </a:rPr>
+              <a:t> </a:t>
+            </a:r>
+            <a:r>
+              <a:rPr lang="en-US" sz="2200" spc="-1" dirty="0" err="1" smtClean="0">
+                <a:solidFill>
+                  <a:srgbClr val="FFFFFF"/>
+                </a:solidFill>
+                <a:uFill>
+                  <a:solidFill>
+                    <a:srgbClr val="FFFFFF"/>
+                  </a:solidFill>
+                </a:uFill>
+                <a:latin typeface="Trebuchet MS"/>
+              </a:rPr>
+              <a:t>Diterima</a:t>
+            </a:r>
+            <a:endParaRPr lang="en-US" sz="2200" spc="-1" dirty="0" smtClean="0">
+              <a:solidFill>
+                <a:srgbClr val="FFFFFF"/>
+              </a:solidFill>
+              <a:uFill>
+                <a:solidFill>
+                  <a:srgbClr val="FFFFFF"/>
+                </a:solidFill>
+              </a:uFill>
+              <a:latin typeface="Trebuchet MS"/>
+            </a:endParaRPr>
+          </a:p>
+          <a:p>
+            <a:pPr marL="914760" lvl="2">
+              <a:lnSpc>
+                <a:spcPct val="100000"/>
+              </a:lnSpc>
+              <a:buClr>
+                <a:srgbClr val="FFFFFF"/>
+              </a:buClr>
+            </a:pPr>
+            <a:r>
+              <a:rPr lang="en-US" sz="2200" b="0" strike="noStrike" spc="-1" dirty="0" smtClean="0">
+                <a:solidFill>
+                  <a:srgbClr val="FFFFFF"/>
+                </a:solidFill>
+                <a:uFill>
+                  <a:solidFill>
+                    <a:srgbClr val="FFFFFF"/>
+                  </a:solidFill>
+                </a:uFill>
+                <a:latin typeface="Trebuchet MS"/>
+                <a:sym typeface="Wingdings" panose="05000000000000000000" pitchFamily="2" charset="2"/>
+              </a:rPr>
+              <a:t> </a:t>
+            </a:r>
+            <a:r>
+              <a:rPr lang="en-US" sz="2200" b="0" strike="noStrike" spc="-1" dirty="0" err="1" smtClean="0">
                 <a:solidFill>
                   <a:srgbClr val="FFFFFF"/>
                 </a:solidFill>
@@ -5690,7 +5787,7 @@
               <a:t>Sukses</a:t>
             </a:r>
             <a:r>
-              <a:rPr lang="en-US" sz="2200" b="0" strike="noStrike" spc="-1" dirty="0">
+              <a:rPr lang="en-US" sz="2200" b="0" strike="noStrike" spc="-1" dirty="0" smtClean="0">
                 <a:solidFill>
                   <a:srgbClr val="FFFFFF"/>
                 </a:solidFill>
@@ -5704,7 +5801,7 @@
               <a:t> &gt; </a:t>
             </a:r>
             <a:r>
-              <a:rPr lang="en-US" sz="2200" b="0" strike="noStrike" spc="-1" dirty="0" err="1">
+              <a:rPr lang="en-US" sz="2200" b="0" strike="noStrike" spc="-1" dirty="0" err="1" smtClean="0">
                 <a:solidFill>
                   <a:srgbClr val="FFFFFF"/>
                 </a:solidFill>
@@ -5718,7 +5815,7 @@
               <a:t>daftar</a:t>
             </a:r>
             <a:r>
-              <a:rPr lang="en-US" sz="2200" b="0" strike="noStrike" spc="-1" dirty="0">
+              <a:rPr lang="en-US" sz="2200" b="0" strike="noStrike" spc="-1" dirty="0" smtClean="0">
                 <a:solidFill>
                   <a:srgbClr val="FFFFFF"/>
                 </a:solidFill>
@@ -5732,7 +5829,7 @@
               <a:t> </a:t>
             </a:r>
             <a:r>
-              <a:rPr lang="en-US" sz="2200" b="0" strike="noStrike" spc="-1" dirty="0" err="1">
+              <a:rPr lang="en-US" sz="2200" b="0" strike="noStrike" spc="-1" dirty="0" err="1" smtClean="0">
                 <a:solidFill>
                   <a:srgbClr val="FFFFFF"/>
                 </a:solidFill>
@@ -5746,7 +5843,7 @@
               <a:t>grup</a:t>
             </a:r>
             <a:r>
-              <a:rPr lang="en-US" sz="2200" b="0" strike="noStrike" spc="-1" dirty="0">
+              <a:rPr lang="en-US" sz="2200" b="0" strike="noStrike" spc="-1" dirty="0" smtClean="0">
                 <a:solidFill>
                   <a:srgbClr val="FFFFFF"/>
                 </a:solidFill>
@@ -5760,7 +5857,7 @@
               <a:t> </a:t>
             </a:r>
             <a:r>
-              <a:rPr lang="en-US" sz="2200" b="0" strike="noStrike" spc="-1" dirty="0" err="1">
+              <a:rPr lang="en-US" sz="2200" b="0" strike="noStrike" spc="-1" dirty="0" err="1" smtClean="0">
                 <a:solidFill>
                   <a:srgbClr val="FFFFFF"/>
                 </a:solidFill>
@@ -5773,7 +5870,7 @@
               </a:rPr>
               <a:t>ditampilkan</a:t>
             </a:r>
-            <a:endParaRPr lang="en-US" sz="2200" b="0" strike="noStrike" spc="-1" dirty="0">
+            <a:endParaRPr lang="en-US" sz="2200" b="0" strike="noStrike" spc="-1" dirty="0" smtClean="0">
               <a:solidFill>
                 <a:srgbClr val="FFFFFF"/>
               </a:solidFill>
@@ -5797,7 +5894,21 @@
               <a:buChar char="•"/>
             </a:pPr>
             <a:r>
-              <a:rPr lang="en-US" sz="2200" b="0" strike="noStrike" spc="-1" dirty="0" err="1">
+              <a:rPr lang="en-US" sz="2200" b="0" strike="noStrike" spc="-1" dirty="0" smtClean="0">
+                <a:solidFill>
+                  <a:srgbClr val="FFFFFF"/>
+                </a:solidFill>
+                <a:uFill>
+                  <a:solidFill>
+                    <a:srgbClr val="FFFFFF"/>
+                  </a:solidFill>
+                </a:uFill>
+                <a:latin typeface="Trebuchet MS"/>
+              </a:rPr>
+              <a:t>21: Data </a:t>
+            </a:r>
+            <a:r>
+              <a:rPr lang="en-US" sz="2200" b="0" strike="noStrike" spc="-1" dirty="0" err="1" smtClean="0">
                 <a:solidFill>
                   <a:srgbClr val="FFFFFF"/>
                 </a:solidFill>
@@ -5811,6 +5922,98 @@
               <a:t>Gagal</a:t>
             </a:r>
             <a:r>
+              <a:rPr lang="en-US" sz="2200" b="0" strike="noStrike" spc="-1" dirty="0" smtClean="0">
+                <a:solidFill>
+                  <a:srgbClr val="FFFFFF"/>
+                </a:solidFill>
+                <a:uFill>
+                  <a:solidFill>
+                    <a:srgbClr val="FFFFFF"/>
+                  </a:solidFill>
+                </a:uFill>
+                <a:latin typeface="Trebuchet MS"/>
+              </a:rPr>
+              <a:t> </a:t>
+            </a:r>
+            <a:r>
+              <a:rPr lang="en-US" sz="2200" b="0" strike="noStrike" spc="-1" dirty="0" err="1" smtClean="0">
+                <a:solidFill>
+                  <a:srgbClr val="FFFFFF"/>
+                </a:solidFill>
+                <a:uFill>
+                  <a:solidFill>
+                    <a:srgbClr val="FFFFFF"/>
+                  </a:solidFill>
+                </a:uFill>
+                <a:latin typeface="Trebuchet MS"/>
+              </a:rPr>
+              <a:t>Diterima</a:t>
+            </a:r>
+            <a:endParaRPr lang="en-US" sz="2200" b="0" strike="noStrike" spc="-1" dirty="0" smtClean="0">
+              <a:solidFill>
+                <a:srgbClr val="FFFFFF"/>
+              </a:solidFill>
+              <a:uFill>
+                <a:solidFill>
+                  <a:srgbClr val="FFFFFF"/>
+                </a:solidFill>
+              </a:uFill>
+              <a:latin typeface="Trebuchet MS"/>
+            </a:endParaRPr>
+          </a:p>
+          <a:p>
+            <a:pPr marL="914760" lvl="2">
+              <a:lnSpc>
+                <a:spcPct val="100000"/>
+              </a:lnSpc>
+              <a:buClr>
+                <a:srgbClr val="FFFFFF"/>
+              </a:buClr>
+            </a:pPr>
+            <a:r>
+              <a:rPr lang="en-US" sz="2200" spc="-1" dirty="0" smtClean="0">
+                <a:solidFill>
+                  <a:srgbClr val="FFFFFF"/>
+                </a:solidFill>
+                <a:uFill>
+                  <a:solidFill>
+                    <a:srgbClr val="FFFFFF"/>
+                  </a:solidFill>
+                </a:uFill>
+                <a:latin typeface="Trebuchet MS"/>
+                <a:sym typeface="Wingdings" panose="05000000000000000000" pitchFamily="2" charset="2"/>
+              </a:rPr>
+              <a:t> </a:t>
+            </a:r>
+            <a:r>
+              <a:rPr lang="en-US" sz="2200" b="0" strike="noStrike" spc="-1" dirty="0" err="1" smtClean="0">
+                <a:solidFill>
+                  <a:srgbClr val="FFFFFF"/>
+                </a:solidFill>
+                <a:uFill>
+                  <a:solidFill>
+                    <a:srgbClr val="FFFFFF"/>
+                  </a:solidFill>
+                </a:uFill>
+                <a:latin typeface="Trebuchet MS"/>
+              </a:rPr>
+              <a:t>Gagal</a:t>
+            </a:r>
+            <a:r>
+              <a:rPr lang="en-US" sz="2200" b="0" strike="noStrike" spc="-1" dirty="0" smtClean="0">
+                <a:solidFill>
+                  <a:srgbClr val="FFFFFF"/>
+                </a:solidFill>
+                <a:uFill>
+                  <a:solidFill>
+                    <a:srgbClr val="FFFFFF"/>
+                  </a:solidFill>
+                </a:uFill>
+                <a:latin typeface="Trebuchet MS"/>
+              </a:rPr>
+              <a:t> </a:t>
+            </a:r>
+            <a:r>
               <a:rPr lang="en-US" sz="2200" b="0" strike="noStrike" spc="-1" dirty="0">
                 <a:solidFill>
                   <a:srgbClr val="FFFFFF"/>
@@ -5822,7 +6025,7 @@
                 </a:uFill>
                 <a:latin typeface="Trebuchet MS"/>
               </a:rPr>
-              <a:t> &gt; USER_NAME </a:t>
+              <a:t>&gt; USER_NAME </a:t>
             </a:r>
             <a:r>
               <a:rPr lang="en-US" sz="2200" b="0" strike="noStrike" spc="-1" dirty="0" err="1">
@@ -5970,740 +6173,7 @@
       </p:grpSpPr>
       <p:sp>
         <p:nvSpPr>
-          <p:cNvPr id="3" name="Subtitle 2"/>
-          <p:cNvSpPr>
-            <a:spLocks noGrp="1"/>
-          </p:cNvSpPr>
-          <p:nvPr>
-            <p:ph type="subTitle"/>
-          </p:nvPr>
-        </p:nvSpPr>
-        <p:spPr>
-          <a:xfrm>
-            <a:off x="0" y="1825560"/>
-            <a:ext cx="12192000" cy="5032440"/>
-          </a:xfrm>
-        </p:spPr>
-        <p:txBody>
-          <a:bodyPr lIns="91440" tIns="45720" rIns="91440" bIns="45720" anchor="t" anchorCtr="0"/>
-          <a:lstStyle/>
-          <a:p>
-            <a:pPr indent="-228240">
-              <a:buClr>
-                <a:srgbClr val="FFFFFF"/>
-              </a:buClr>
-              <a:buFont typeface="Arial"/>
-              <a:buChar char="•"/>
-            </a:pPr>
-            <a:r>
-              <a:rPr lang="en-US" sz="3000" b="0" strike="noStrike" spc="-1" dirty="0" smtClean="0">
-                <a:solidFill>
-                  <a:srgbClr val="00B0F0"/>
-                </a:solidFill>
-                <a:uFill>
-                  <a:solidFill>
-                    <a:srgbClr val="FFFFFF"/>
-                  </a:solidFill>
-                </a:uFill>
-                <a:latin typeface="Trebuchet MS"/>
-              </a:rPr>
-              <a:t>KELUAR GRUP</a:t>
-            </a:r>
-            <a:endParaRPr lang="en-US" sz="3000" spc="-1" dirty="0">
-              <a:solidFill>
-                <a:srgbClr val="00B0F0"/>
-              </a:solidFill>
-              <a:uFill>
-                <a:solidFill>
-                  <a:srgbClr val="FFFFFF"/>
-                </a:solidFill>
-              </a:uFill>
-              <a:latin typeface="Calibri"/>
-            </a:endParaRPr>
-          </a:p>
-          <a:p>
-            <a:pPr lvl="1" indent="-228240">
-              <a:lnSpc>
-                <a:spcPct val="100000"/>
-              </a:lnSpc>
-              <a:buClr>
-                <a:srgbClr val="FFFFFF"/>
-              </a:buClr>
-              <a:buFont typeface="Arial"/>
-              <a:buChar char="•"/>
-            </a:pPr>
-            <a:r>
-              <a:rPr lang="en-US" sz="2200" spc="-1" dirty="0" smtClean="0">
-                <a:solidFill>
-                  <a:srgbClr val="FFFFFF"/>
-                </a:solidFill>
-                <a:uFill>
-                  <a:solidFill>
-                    <a:srgbClr val="FFFFFF"/>
-                  </a:solidFill>
-                </a:uFill>
-                <a:latin typeface="Trebuchet MS"/>
-              </a:rPr>
-              <a:t>DESKRIPSI:</a:t>
-            </a:r>
-          </a:p>
-          <a:p>
-            <a:pPr lvl="2" indent="-228240">
-              <a:lnSpc>
-                <a:spcPct val="100000"/>
-              </a:lnSpc>
-              <a:buClr>
-                <a:srgbClr val="FFFFFF"/>
-              </a:buClr>
-              <a:buFont typeface="Arial"/>
-              <a:buChar char="•"/>
-            </a:pPr>
-            <a:r>
-              <a:rPr lang="en-US" sz="2200" spc="-1" dirty="0" smtClean="0">
-                <a:solidFill>
-                  <a:srgbClr val="FFFFFF"/>
-                </a:solidFill>
-                <a:uFill>
-                  <a:solidFill>
-                    <a:srgbClr val="FFFFFF"/>
-                  </a:solidFill>
-                </a:uFill>
-                <a:latin typeface="Trebuchet MS"/>
-              </a:rPr>
-              <a:t>User </a:t>
-            </a:r>
-            <a:r>
-              <a:rPr lang="en-US" sz="2200" spc="-1" dirty="0" err="1" smtClean="0">
-                <a:solidFill>
-                  <a:srgbClr val="FFFFFF"/>
-                </a:solidFill>
-                <a:uFill>
-                  <a:solidFill>
-                    <a:srgbClr val="FFFFFF"/>
-                  </a:solidFill>
-                </a:uFill>
-                <a:latin typeface="Trebuchet MS"/>
-              </a:rPr>
-              <a:t>dapat</a:t>
-            </a:r>
-            <a:r>
-              <a:rPr lang="en-US" sz="2200" spc="-1" dirty="0" smtClean="0">
-                <a:solidFill>
-                  <a:srgbClr val="FFFFFF"/>
-                </a:solidFill>
-                <a:uFill>
-                  <a:solidFill>
-                    <a:srgbClr val="FFFFFF"/>
-                  </a:solidFill>
-                </a:uFill>
-                <a:latin typeface="Trebuchet MS"/>
-              </a:rPr>
-              <a:t> </a:t>
-            </a:r>
-            <a:r>
-              <a:rPr lang="en-US" sz="2200" spc="-1" dirty="0" err="1" smtClean="0">
-                <a:solidFill>
-                  <a:srgbClr val="FFFFFF"/>
-                </a:solidFill>
-                <a:uFill>
-                  <a:solidFill>
-                    <a:srgbClr val="FFFFFF"/>
-                  </a:solidFill>
-                </a:uFill>
-                <a:latin typeface="Trebuchet MS"/>
-              </a:rPr>
-              <a:t>keluar</a:t>
-            </a:r>
-            <a:r>
-              <a:rPr lang="en-US" sz="2200" spc="-1" dirty="0" smtClean="0">
-                <a:solidFill>
-                  <a:srgbClr val="FFFFFF"/>
-                </a:solidFill>
-                <a:uFill>
-                  <a:solidFill>
-                    <a:srgbClr val="FFFFFF"/>
-                  </a:solidFill>
-                </a:uFill>
-                <a:latin typeface="Trebuchet MS"/>
-              </a:rPr>
-              <a:t> </a:t>
-            </a:r>
-            <a:r>
-              <a:rPr lang="en-US" sz="2200" spc="-1" dirty="0" err="1" smtClean="0">
-                <a:solidFill>
-                  <a:srgbClr val="FFFFFF"/>
-                </a:solidFill>
-                <a:uFill>
-                  <a:solidFill>
-                    <a:srgbClr val="FFFFFF"/>
-                  </a:solidFill>
-                </a:uFill>
-                <a:latin typeface="Trebuchet MS"/>
-              </a:rPr>
-              <a:t>dari</a:t>
-            </a:r>
-            <a:r>
-              <a:rPr lang="en-US" sz="2200" spc="-1" dirty="0" smtClean="0">
-                <a:solidFill>
-                  <a:srgbClr val="FFFFFF"/>
-                </a:solidFill>
-                <a:uFill>
-                  <a:solidFill>
-                    <a:srgbClr val="FFFFFF"/>
-                  </a:solidFill>
-                </a:uFill>
-                <a:latin typeface="Trebuchet MS"/>
-              </a:rPr>
-              <a:t> </a:t>
-            </a:r>
-            <a:r>
-              <a:rPr lang="en-US" sz="2200" spc="-1" dirty="0" err="1" smtClean="0">
-                <a:solidFill>
-                  <a:srgbClr val="FFFFFF"/>
-                </a:solidFill>
-                <a:uFill>
-                  <a:solidFill>
-                    <a:srgbClr val="FFFFFF"/>
-                  </a:solidFill>
-                </a:uFill>
-                <a:latin typeface="Trebuchet MS"/>
-              </a:rPr>
-              <a:t>grup</a:t>
-            </a:r>
-            <a:r>
-              <a:rPr lang="en-US" sz="2200" spc="-1" dirty="0" smtClean="0">
-                <a:solidFill>
-                  <a:srgbClr val="FFFFFF"/>
-                </a:solidFill>
-                <a:uFill>
-                  <a:solidFill>
-                    <a:srgbClr val="FFFFFF"/>
-                  </a:solidFill>
-                </a:uFill>
-                <a:latin typeface="Trebuchet MS"/>
-              </a:rPr>
-              <a:t>.</a:t>
-            </a:r>
-          </a:p>
-          <a:p>
-            <a:pPr lvl="1" indent="-228240">
-              <a:lnSpc>
-                <a:spcPct val="100000"/>
-              </a:lnSpc>
-              <a:buClr>
-                <a:srgbClr val="FFFFFF"/>
-              </a:buClr>
-              <a:buFont typeface="Arial"/>
-              <a:buChar char="•"/>
-            </a:pPr>
-            <a:r>
-              <a:rPr lang="en-US" sz="2200" b="0" strike="noStrike" spc="-1" dirty="0" smtClean="0">
-                <a:solidFill>
-                  <a:srgbClr val="FFFFFF"/>
-                </a:solidFill>
-                <a:uFill>
-                  <a:solidFill>
-                    <a:srgbClr val="FFFFFF"/>
-                  </a:solidFill>
-                </a:uFill>
-                <a:latin typeface="Trebuchet MS"/>
-              </a:rPr>
-              <a:t>FORMAT MESSAGE:</a:t>
-            </a:r>
-            <a:endParaRPr lang="en-US" sz="2200" b="0" strike="noStrike" spc="-1" dirty="0" smtClean="0">
-              <a:solidFill>
-                <a:srgbClr val="FFFFFF"/>
-              </a:solidFill>
-              <a:uFill>
-                <a:solidFill>
-                  <a:srgbClr val="FFFFFF"/>
-                </a:solidFill>
-              </a:uFill>
-              <a:latin typeface="Calibri"/>
-            </a:endParaRPr>
-          </a:p>
-          <a:p>
-            <a:pPr lvl="2" indent="-228240">
-              <a:lnSpc>
-                <a:spcPct val="100000"/>
-              </a:lnSpc>
-              <a:buClr>
-                <a:srgbClr val="FFFFFF"/>
-              </a:buClr>
-              <a:buFont typeface="Arial"/>
-              <a:buChar char="•"/>
-            </a:pPr>
-            <a:r>
-              <a:rPr lang="en-US" sz="2200" b="0" strike="noStrike" spc="-1" dirty="0" smtClean="0">
-                <a:solidFill>
-                  <a:srgbClr val="FFFF00"/>
-                </a:solidFill>
-                <a:uFill>
-                  <a:solidFill>
-                    <a:srgbClr val="FFFFFF"/>
-                  </a:solidFill>
-                </a:uFill>
-                <a:latin typeface="Trebuchet MS"/>
-              </a:rPr>
-              <a:t>KGRUP</a:t>
-            </a:r>
-            <a:r>
-              <a:rPr lang="en-US" sz="2200" b="0" strike="noStrike" spc="-1" dirty="0" smtClean="0">
-                <a:solidFill>
-                  <a:srgbClr val="FFFFFF"/>
-                </a:solidFill>
-                <a:uFill>
-                  <a:solidFill>
-                    <a:srgbClr val="FFFFFF"/>
-                  </a:solidFill>
-                </a:uFill>
-                <a:latin typeface="Trebuchet MS"/>
-              </a:rPr>
-              <a:t> </a:t>
-            </a:r>
-            <a:r>
-              <a:rPr lang="en-US" sz="2200" b="0" strike="noStrike" spc="-1" dirty="0" err="1" smtClean="0">
-                <a:solidFill>
-                  <a:srgbClr val="FFFFFF"/>
-                </a:solidFill>
-                <a:uFill>
-                  <a:solidFill>
-                    <a:srgbClr val="FFFFFF"/>
-                  </a:solidFill>
-                </a:uFill>
-                <a:latin typeface="Trebuchet MS"/>
-              </a:rPr>
-              <a:t>spasi</a:t>
-            </a:r>
-            <a:r>
-              <a:rPr lang="en-US" sz="2200" b="0" strike="noStrike" spc="-1" dirty="0" smtClean="0">
-                <a:solidFill>
-                  <a:srgbClr val="FFFFFF"/>
-                </a:solidFill>
-                <a:uFill>
-                  <a:solidFill>
-                    <a:srgbClr val="FFFFFF"/>
-                  </a:solidFill>
-                </a:uFill>
-                <a:latin typeface="Trebuchet MS"/>
-              </a:rPr>
-              <a:t> </a:t>
-            </a:r>
-            <a:r>
-              <a:rPr lang="en-US" sz="2200" b="0" strike="noStrike" spc="-1" dirty="0" smtClean="0">
-                <a:solidFill>
-                  <a:srgbClr val="FFFF00"/>
-                </a:solidFill>
-                <a:uFill>
-                  <a:solidFill>
-                    <a:srgbClr val="FFFFFF"/>
-                  </a:solidFill>
-                </a:uFill>
-                <a:latin typeface="Trebuchet MS"/>
-              </a:rPr>
-              <a:t>NAMA_GRUP</a:t>
-            </a:r>
-            <a:endParaRPr lang="en-US" sz="2200" b="0" strike="noStrike" spc="-1" dirty="0" smtClean="0">
-              <a:solidFill>
-                <a:srgbClr val="FFFF00"/>
-              </a:solidFill>
-              <a:uFill>
-                <a:solidFill>
-                  <a:srgbClr val="FFFFFF"/>
-                </a:solidFill>
-              </a:uFill>
-              <a:latin typeface="Calibri"/>
-            </a:endParaRPr>
-          </a:p>
-          <a:p>
-            <a:pPr lvl="1" indent="-228240">
-              <a:lnSpc>
-                <a:spcPct val="100000"/>
-              </a:lnSpc>
-              <a:buClr>
-                <a:srgbClr val="FFFFFF"/>
-              </a:buClr>
-              <a:buFont typeface="Arial"/>
-              <a:buChar char="•"/>
-            </a:pPr>
-            <a:r>
-              <a:rPr lang="en-US" sz="2200" b="0" strike="noStrike" spc="-1" dirty="0" smtClean="0">
-                <a:solidFill>
-                  <a:srgbClr val="FFFFFF"/>
-                </a:solidFill>
-                <a:uFill>
-                  <a:solidFill>
-                    <a:srgbClr val="FFFFFF"/>
-                  </a:solidFill>
-                </a:uFill>
-                <a:latin typeface="Trebuchet MS"/>
-              </a:rPr>
-              <a:t>PARAMETER:</a:t>
-            </a:r>
-            <a:endParaRPr lang="en-US" sz="2200" b="0" strike="noStrike" spc="-1" dirty="0" smtClean="0">
-              <a:solidFill>
-                <a:srgbClr val="FFFFFF"/>
-              </a:solidFill>
-              <a:uFill>
-                <a:solidFill>
-                  <a:srgbClr val="FFFFFF"/>
-                </a:solidFill>
-              </a:uFill>
-              <a:latin typeface="Calibri"/>
-            </a:endParaRPr>
-          </a:p>
-          <a:p>
-            <a:pPr lvl="2" indent="-228240">
-              <a:lnSpc>
-                <a:spcPct val="100000"/>
-              </a:lnSpc>
-              <a:buClr>
-                <a:srgbClr val="FFFFFF"/>
-              </a:buClr>
-              <a:buFont typeface="Arial"/>
-              <a:buChar char="•"/>
-            </a:pPr>
-            <a:r>
-              <a:rPr lang="en-US" sz="2200" b="0" strike="noStrike" spc="-1" dirty="0" smtClean="0">
-                <a:solidFill>
-                  <a:srgbClr val="FFFFFF"/>
-                </a:solidFill>
-                <a:uFill>
-                  <a:solidFill>
-                    <a:srgbClr val="FFFFFF"/>
-                  </a:solidFill>
-                </a:uFill>
-                <a:latin typeface="Trebuchet MS"/>
-              </a:rPr>
-              <a:t>NAMA_GRUP</a:t>
-            </a:r>
-            <a:endParaRPr lang="en-US" sz="2200" b="0" strike="noStrike" spc="-1" dirty="0" smtClean="0">
-              <a:solidFill>
-                <a:srgbClr val="FFFFFF"/>
-              </a:solidFill>
-              <a:uFill>
-                <a:solidFill>
-                  <a:srgbClr val="FFFFFF"/>
-                </a:solidFill>
-              </a:uFill>
-              <a:latin typeface="Calibri"/>
-            </a:endParaRPr>
-          </a:p>
-          <a:p>
-            <a:pPr lvl="1" indent="-228240">
-              <a:lnSpc>
-                <a:spcPct val="100000"/>
-              </a:lnSpc>
-              <a:buClr>
-                <a:srgbClr val="FFFFFF"/>
-              </a:buClr>
-              <a:buFont typeface="Arial"/>
-              <a:buChar char="•"/>
-            </a:pPr>
-            <a:r>
-              <a:rPr lang="en-US" sz="2200" b="0" strike="noStrike" spc="-1" dirty="0" smtClean="0">
-                <a:solidFill>
-                  <a:srgbClr val="FFFFFF"/>
-                </a:solidFill>
-                <a:uFill>
-                  <a:solidFill>
-                    <a:srgbClr val="FFFFFF"/>
-                  </a:solidFill>
-                </a:uFill>
-                <a:latin typeface="Trebuchet MS"/>
-              </a:rPr>
-              <a:t>RETURN&gt;</a:t>
-            </a:r>
-            <a:endParaRPr lang="en-US" sz="2200" b="0" strike="noStrike" spc="-1" dirty="0" smtClean="0">
-              <a:solidFill>
-                <a:srgbClr val="FFFFFF"/>
-              </a:solidFill>
-              <a:uFill>
-                <a:solidFill>
-                  <a:srgbClr val="FFFFFF"/>
-                </a:solidFill>
-              </a:uFill>
-              <a:latin typeface="Calibri"/>
-            </a:endParaRPr>
-          </a:p>
-          <a:p>
-            <a:pPr lvl="2" indent="-228240">
-              <a:lnSpc>
-                <a:spcPct val="100000"/>
-              </a:lnSpc>
-              <a:buClr>
-                <a:srgbClr val="FFFFFF"/>
-              </a:buClr>
-              <a:buFont typeface="Arial"/>
-              <a:buChar char="•"/>
-            </a:pPr>
-            <a:r>
-              <a:rPr lang="en-US" sz="2200" b="0" strike="noStrike" spc="-1" dirty="0" err="1" smtClean="0">
-                <a:solidFill>
-                  <a:srgbClr val="FFFFFF"/>
-                </a:solidFill>
-                <a:uFill>
-                  <a:solidFill>
-                    <a:srgbClr val="FFFFFF"/>
-                  </a:solidFill>
-                </a:uFill>
-                <a:latin typeface="Trebuchet MS"/>
-              </a:rPr>
-              <a:t>Sukses</a:t>
-            </a:r>
-            <a:r>
-              <a:rPr lang="en-US" sz="2200" b="0" strike="noStrike" spc="-1" dirty="0" smtClean="0">
-                <a:solidFill>
-                  <a:srgbClr val="FFFFFF"/>
-                </a:solidFill>
-                <a:uFill>
-                  <a:solidFill>
-                    <a:srgbClr val="FFFFFF"/>
-                  </a:solidFill>
-                </a:uFill>
-                <a:latin typeface="Trebuchet MS"/>
-              </a:rPr>
-              <a:t> &gt; </a:t>
-            </a:r>
-            <a:r>
-              <a:rPr lang="en-US" sz="2200" b="0" strike="noStrike" spc="-1" dirty="0" err="1" smtClean="0">
-                <a:solidFill>
-                  <a:srgbClr val="FFFFFF"/>
-                </a:solidFill>
-                <a:uFill>
-                  <a:solidFill>
-                    <a:srgbClr val="FFFFFF"/>
-                  </a:solidFill>
-                </a:uFill>
-                <a:latin typeface="Trebuchet MS"/>
-              </a:rPr>
-              <a:t>daftar</a:t>
-            </a:r>
-            <a:r>
-              <a:rPr lang="en-US" sz="2200" b="0" strike="noStrike" spc="-1" dirty="0" smtClean="0">
-                <a:solidFill>
-                  <a:srgbClr val="FFFFFF"/>
-                </a:solidFill>
-                <a:uFill>
-                  <a:solidFill>
-                    <a:srgbClr val="FFFFFF"/>
-                  </a:solidFill>
-                </a:uFill>
-                <a:latin typeface="Trebuchet MS"/>
-              </a:rPr>
-              <a:t> </a:t>
-            </a:r>
-            <a:r>
-              <a:rPr lang="en-US" sz="2200" b="0" strike="noStrike" spc="-1" dirty="0" err="1" smtClean="0">
-                <a:solidFill>
-                  <a:srgbClr val="FFFFFF"/>
-                </a:solidFill>
-                <a:uFill>
-                  <a:solidFill>
-                    <a:srgbClr val="FFFFFF"/>
-                  </a:solidFill>
-                </a:uFill>
-                <a:latin typeface="Trebuchet MS"/>
-              </a:rPr>
-              <a:t>grup</a:t>
-            </a:r>
-            <a:r>
-              <a:rPr lang="en-US" sz="2200" b="0" strike="noStrike" spc="-1" dirty="0" smtClean="0">
-                <a:solidFill>
-                  <a:srgbClr val="FFFFFF"/>
-                </a:solidFill>
-                <a:uFill>
-                  <a:solidFill>
-                    <a:srgbClr val="FFFFFF"/>
-                  </a:solidFill>
-                </a:uFill>
-                <a:latin typeface="Trebuchet MS"/>
-              </a:rPr>
-              <a:t> </a:t>
-            </a:r>
-            <a:r>
-              <a:rPr lang="en-US" sz="2200" b="0" strike="noStrike" spc="-1" dirty="0" err="1" smtClean="0">
-                <a:solidFill>
-                  <a:srgbClr val="FFFFFF"/>
-                </a:solidFill>
-                <a:uFill>
-                  <a:solidFill>
-                    <a:srgbClr val="FFFFFF"/>
-                  </a:solidFill>
-                </a:uFill>
-                <a:latin typeface="Trebuchet MS"/>
-              </a:rPr>
-              <a:t>ditampilkan</a:t>
-            </a:r>
-            <a:endParaRPr lang="en-US" sz="2200" b="0" strike="noStrike" spc="-1" dirty="0" smtClean="0">
-              <a:solidFill>
-                <a:srgbClr val="FFFFFF"/>
-              </a:solidFill>
-              <a:uFill>
-                <a:solidFill>
-                  <a:srgbClr val="FFFFFF"/>
-                </a:solidFill>
-              </a:uFill>
-              <a:latin typeface="Calibri"/>
-            </a:endParaRPr>
-          </a:p>
-          <a:p>
-            <a:pPr lvl="2" indent="-228240">
-              <a:lnSpc>
-                <a:spcPct val="100000"/>
-              </a:lnSpc>
-              <a:buClr>
-                <a:srgbClr val="FFFFFF"/>
-              </a:buClr>
-              <a:buFont typeface="Arial"/>
-              <a:buChar char="•"/>
-            </a:pPr>
-            <a:r>
-              <a:rPr lang="en-US" sz="2200" b="0" strike="noStrike" spc="-1" dirty="0" err="1" smtClean="0">
-                <a:solidFill>
-                  <a:srgbClr val="FFFFFF"/>
-                </a:solidFill>
-                <a:uFill>
-                  <a:solidFill>
-                    <a:srgbClr val="FFFFFF"/>
-                  </a:solidFill>
-                </a:uFill>
-                <a:latin typeface="Trebuchet MS"/>
-              </a:rPr>
-              <a:t>Gagal</a:t>
-            </a:r>
-            <a:r>
-              <a:rPr lang="en-US" sz="2200" b="0" strike="noStrike" spc="-1" dirty="0" smtClean="0">
-                <a:solidFill>
-                  <a:srgbClr val="FFFFFF"/>
-                </a:solidFill>
-                <a:uFill>
-                  <a:solidFill>
-                    <a:srgbClr val="FFFFFF"/>
-                  </a:solidFill>
-                </a:uFill>
-                <a:latin typeface="Trebuchet MS"/>
-              </a:rPr>
-              <a:t> &gt; USER_NAME </a:t>
-            </a:r>
-            <a:r>
-              <a:rPr lang="en-US" sz="2200" b="0" strike="noStrike" spc="-1" dirty="0" err="1" smtClean="0">
-                <a:solidFill>
-                  <a:srgbClr val="FFFFFF"/>
-                </a:solidFill>
-                <a:uFill>
-                  <a:solidFill>
-                    <a:srgbClr val="FFFFFF"/>
-                  </a:solidFill>
-                </a:uFill>
-                <a:latin typeface="Trebuchet MS"/>
-              </a:rPr>
-              <a:t>belum</a:t>
-            </a:r>
-            <a:r>
-              <a:rPr lang="en-US" sz="2200" b="0" strike="noStrike" spc="-1" dirty="0" smtClean="0">
-                <a:solidFill>
-                  <a:srgbClr val="FFFFFF"/>
-                </a:solidFill>
-                <a:uFill>
-                  <a:solidFill>
-                    <a:srgbClr val="FFFFFF"/>
-                  </a:solidFill>
-                </a:uFill>
-                <a:latin typeface="Trebuchet MS"/>
-              </a:rPr>
-              <a:t> </a:t>
-            </a:r>
-            <a:r>
-              <a:rPr lang="en-US" sz="2200" b="0" strike="noStrike" spc="-1" dirty="0" err="1" smtClean="0">
-                <a:solidFill>
-                  <a:srgbClr val="FFFFFF"/>
-                </a:solidFill>
-                <a:uFill>
-                  <a:solidFill>
-                    <a:srgbClr val="FFFFFF"/>
-                  </a:solidFill>
-                </a:uFill>
-                <a:latin typeface="Trebuchet MS"/>
-              </a:rPr>
-              <a:t>terautentikasi</a:t>
-            </a:r>
-            <a:r>
-              <a:rPr lang="en-US" sz="2200" b="0" strike="noStrike" spc="-1" dirty="0" smtClean="0">
-                <a:solidFill>
-                  <a:srgbClr val="FFFFFF"/>
-                </a:solidFill>
-                <a:uFill>
-                  <a:solidFill>
-                    <a:srgbClr val="FFFFFF"/>
-                  </a:solidFill>
-                </a:uFill>
-                <a:latin typeface="Trebuchet MS"/>
-              </a:rPr>
-              <a:t>, NAMA_GRUP </a:t>
-            </a:r>
-            <a:r>
-              <a:rPr lang="en-US" sz="2200" b="0" strike="noStrike" spc="-1" dirty="0" err="1" smtClean="0">
-                <a:solidFill>
-                  <a:srgbClr val="FFFFFF"/>
-                </a:solidFill>
-                <a:uFill>
-                  <a:solidFill>
-                    <a:srgbClr val="FFFFFF"/>
-                  </a:solidFill>
-                </a:uFill>
-                <a:latin typeface="Trebuchet MS"/>
-              </a:rPr>
-              <a:t>tidak</a:t>
-            </a:r>
-            <a:r>
-              <a:rPr lang="en-US" sz="2200" b="0" strike="noStrike" spc="-1" dirty="0" smtClean="0">
-                <a:solidFill>
-                  <a:srgbClr val="FFFFFF"/>
-                </a:solidFill>
-                <a:uFill>
-                  <a:solidFill>
-                    <a:srgbClr val="FFFFFF"/>
-                  </a:solidFill>
-                </a:uFill>
-                <a:latin typeface="Trebuchet MS"/>
-              </a:rPr>
-              <a:t> </a:t>
-            </a:r>
-            <a:r>
-              <a:rPr lang="en-US" sz="2200" b="0" strike="noStrike" spc="-1" dirty="0" err="1" smtClean="0">
-                <a:solidFill>
-                  <a:srgbClr val="FFFFFF"/>
-                </a:solidFill>
-                <a:uFill>
-                  <a:solidFill>
-                    <a:srgbClr val="FFFFFF"/>
-                  </a:solidFill>
-                </a:uFill>
-                <a:latin typeface="Trebuchet MS"/>
-              </a:rPr>
-              <a:t>tersedia</a:t>
-            </a:r>
-            <a:endParaRPr lang="en-US" sz="2200" b="0" strike="noStrike" spc="-1" dirty="0" smtClean="0">
-              <a:solidFill>
-                <a:srgbClr val="FFFFFF"/>
-              </a:solidFill>
-              <a:uFill>
-                <a:solidFill>
-                  <a:srgbClr val="FFFFFF"/>
-                </a:solidFill>
-              </a:uFill>
-              <a:latin typeface="Calibri"/>
-            </a:endParaRPr>
-          </a:p>
-          <a:p>
-            <a:endParaRPr lang="en-US" dirty="0"/>
-          </a:p>
-        </p:txBody>
-      </p:sp>
-      <p:sp>
-        <p:nvSpPr>
-          <p:cNvPr id="4" name="TextShape 1"/>
+          <p:cNvPr id="92" name="TextShape 1"/>
           <p:cNvSpPr txBox="1"/>
           <p:nvPr/>
         </p:nvSpPr>
@@ -6730,20 +6200,798 @@
               </a:lnSpc>
             </a:pPr>
             <a:r>
-              <a:rPr lang="en-US" sz="6000" b="0" strike="noStrike" spc="-1">
-                <a:solidFill>
-                  <a:srgbClr val="FFFFFF"/>
-                </a:solidFill>
-                <a:uFill>
-                  <a:solidFill>
-                    <a:srgbClr val="FFFFFF"/>
-                  </a:solidFill>
-                </a:uFill>
-                <a:latin typeface="Trebuchet MS"/>
-              </a:rPr>
-              <a:t>GRUP(Lanjutan)</a:t>
-            </a:r>
-            <a:endParaRPr lang="en-US" sz="2800" b="0" strike="noStrike" spc="-1">
+              <a:rPr lang="en-US" sz="6000" b="0" strike="noStrike" spc="-1" dirty="0">
+                <a:solidFill>
+                  <a:srgbClr val="FFFFFF"/>
+                </a:solidFill>
+                <a:uFill>
+                  <a:solidFill>
+                    <a:srgbClr val="FFFFFF"/>
+                  </a:solidFill>
+                </a:uFill>
+                <a:latin typeface="Trebuchet MS"/>
+              </a:rPr>
+              <a:t>GRUP(</a:t>
+            </a:r>
+            <a:r>
+              <a:rPr lang="en-US" sz="6000" b="0" strike="noStrike" spc="-1" dirty="0" err="1">
+                <a:solidFill>
+                  <a:srgbClr val="FFFFFF"/>
+                </a:solidFill>
+                <a:uFill>
+                  <a:solidFill>
+                    <a:srgbClr val="FFFFFF"/>
+                  </a:solidFill>
+                </a:uFill>
+                <a:latin typeface="Trebuchet MS"/>
+              </a:rPr>
+              <a:t>Lanjutan</a:t>
+            </a:r>
+            <a:r>
+              <a:rPr lang="en-US" sz="6000" b="0" strike="noStrike" spc="-1" dirty="0">
+                <a:solidFill>
+                  <a:srgbClr val="FFFFFF"/>
+                </a:solidFill>
+                <a:uFill>
+                  <a:solidFill>
+                    <a:srgbClr val="FFFFFF"/>
+                  </a:solidFill>
+                </a:uFill>
+                <a:latin typeface="Trebuchet MS"/>
+              </a:rPr>
+              <a:t>)</a:t>
+            </a:r>
+            <a:endParaRPr lang="en-US" sz="2800" b="0" strike="noStrike" spc="-1" dirty="0">
+              <a:solidFill>
+                <a:srgbClr val="FFFFFF"/>
+              </a:solidFill>
+              <a:uFill>
+                <a:solidFill>
+                  <a:srgbClr val="FFFFFF"/>
+                </a:solidFill>
+              </a:uFill>
+              <a:latin typeface="Calibri"/>
+            </a:endParaRPr>
+          </a:p>
+        </p:txBody>
+      </p:sp>
+      <p:sp>
+        <p:nvSpPr>
+          <p:cNvPr id="93" name="TextShape 2"/>
+          <p:cNvSpPr txBox="1"/>
+          <p:nvPr/>
+        </p:nvSpPr>
+        <p:spPr>
+          <a:xfrm>
+            <a:off x="0" y="1828800"/>
+            <a:ext cx="12192000" cy="5029200"/>
+          </a:xfrm>
+          <a:prstGeom prst="rect">
+            <a:avLst/>
+          </a:prstGeom>
+          <a:noFill/>
+          <a:ln>
+            <a:noFill/>
+          </a:ln>
+        </p:spPr>
+        <p:txBody>
+          <a:bodyPr/>
+          <a:lstStyle/>
+          <a:p>
+            <a:pPr marL="228600" indent="-228240">
+              <a:lnSpc>
+                <a:spcPct val="90000"/>
+              </a:lnSpc>
+              <a:buClr>
+                <a:srgbClr val="FFFFFF"/>
+              </a:buClr>
+              <a:buFont typeface="Arial"/>
+              <a:buChar char="•"/>
+            </a:pPr>
+            <a:r>
+              <a:rPr lang="en-US" sz="3000" b="0" strike="noStrike" spc="-1" dirty="0" smtClean="0">
+                <a:solidFill>
+                  <a:srgbClr val="00B0F0"/>
+                </a:solidFill>
+                <a:uFill>
+                  <a:solidFill>
+                    <a:srgbClr val="FFFFFF"/>
+                  </a:solidFill>
+                </a:uFill>
+                <a:latin typeface="Trebuchet MS"/>
+              </a:rPr>
+              <a:t>KELUAR </a:t>
+            </a:r>
+            <a:r>
+              <a:rPr lang="en-US" sz="3000" b="0" strike="noStrike" spc="-1" dirty="0">
+                <a:solidFill>
+                  <a:srgbClr val="00B0F0"/>
+                </a:solidFill>
+                <a:uFill>
+                  <a:solidFill>
+                    <a:srgbClr val="FFFFFF"/>
+                  </a:solidFill>
+                </a:uFill>
+                <a:latin typeface="Trebuchet MS"/>
+              </a:rPr>
+              <a:t>GRUP</a:t>
+            </a:r>
+            <a:endParaRPr lang="en-US" sz="3000" b="0" strike="noStrike" spc="-1" dirty="0">
+              <a:solidFill>
+                <a:srgbClr val="00B0F0"/>
+              </a:solidFill>
+              <a:uFill>
+                <a:solidFill>
+                  <a:srgbClr val="FFFFFF"/>
+                </a:solidFill>
+              </a:uFill>
+              <a:latin typeface="Calibri"/>
+            </a:endParaRPr>
+          </a:p>
+          <a:p>
+            <a:pPr marL="685800" lvl="1" indent="-228240">
+              <a:lnSpc>
+                <a:spcPct val="100000"/>
+              </a:lnSpc>
+              <a:buClr>
+                <a:srgbClr val="FFFFFF"/>
+              </a:buClr>
+              <a:buFont typeface="Arial"/>
+              <a:buChar char="•"/>
+            </a:pPr>
+            <a:r>
+              <a:rPr lang="en-US" sz="2200" b="0" strike="noStrike" spc="-1" dirty="0" smtClean="0">
+                <a:solidFill>
+                  <a:srgbClr val="FFFFFF"/>
+                </a:solidFill>
+                <a:uFill>
+                  <a:solidFill>
+                    <a:srgbClr val="FFFFFF"/>
+                  </a:solidFill>
+                </a:uFill>
+                <a:latin typeface="Trebuchet MS"/>
+              </a:rPr>
+              <a:t>DESKRIPSI:</a:t>
+            </a:r>
+          </a:p>
+          <a:p>
+            <a:pPr marL="914760" lvl="2">
+              <a:buClr>
+                <a:srgbClr val="FFFFFF"/>
+              </a:buClr>
+            </a:pPr>
+            <a:r>
+              <a:rPr lang="en-US" sz="2200" spc="-1" dirty="0">
+                <a:solidFill>
+                  <a:srgbClr val="FFFFFF"/>
+                </a:solidFill>
+                <a:uFill>
+                  <a:solidFill>
+                    <a:srgbClr val="FFFFFF"/>
+                  </a:solidFill>
+                </a:uFill>
+                <a:latin typeface="Trebuchet MS"/>
+              </a:rPr>
+              <a:t>User </a:t>
+            </a:r>
+            <a:r>
+              <a:rPr lang="en-US" sz="2200" spc="-1" dirty="0" err="1">
+                <a:solidFill>
+                  <a:srgbClr val="FFFFFF"/>
+                </a:solidFill>
+                <a:uFill>
+                  <a:solidFill>
+                    <a:srgbClr val="FFFFFF"/>
+                  </a:solidFill>
+                </a:uFill>
+                <a:latin typeface="Trebuchet MS"/>
+              </a:rPr>
+              <a:t>dapat</a:t>
+            </a:r>
+            <a:r>
+              <a:rPr lang="en-US" sz="2200" spc="-1" dirty="0">
+                <a:solidFill>
+                  <a:srgbClr val="FFFFFF"/>
+                </a:solidFill>
+                <a:uFill>
+                  <a:solidFill>
+                    <a:srgbClr val="FFFFFF"/>
+                  </a:solidFill>
+                </a:uFill>
+                <a:latin typeface="Trebuchet MS"/>
+              </a:rPr>
+              <a:t> </a:t>
+            </a:r>
+            <a:r>
+              <a:rPr lang="en-US" sz="2200" spc="-1" dirty="0" err="1">
+                <a:solidFill>
+                  <a:srgbClr val="FFFFFF"/>
+                </a:solidFill>
+                <a:uFill>
+                  <a:solidFill>
+                    <a:srgbClr val="FFFFFF"/>
+                  </a:solidFill>
+                </a:uFill>
+                <a:latin typeface="Trebuchet MS"/>
+              </a:rPr>
+              <a:t>keluar</a:t>
+            </a:r>
+            <a:r>
+              <a:rPr lang="en-US" sz="2200" spc="-1" dirty="0">
+                <a:solidFill>
+                  <a:srgbClr val="FFFFFF"/>
+                </a:solidFill>
+                <a:uFill>
+                  <a:solidFill>
+                    <a:srgbClr val="FFFFFF"/>
+                  </a:solidFill>
+                </a:uFill>
+                <a:latin typeface="Trebuchet MS"/>
+              </a:rPr>
+              <a:t> </a:t>
+            </a:r>
+            <a:r>
+              <a:rPr lang="en-US" sz="2200" spc="-1" dirty="0" err="1">
+                <a:solidFill>
+                  <a:srgbClr val="FFFFFF"/>
+                </a:solidFill>
+                <a:uFill>
+                  <a:solidFill>
+                    <a:srgbClr val="FFFFFF"/>
+                  </a:solidFill>
+                </a:uFill>
+                <a:latin typeface="Trebuchet MS"/>
+              </a:rPr>
+              <a:t>dari</a:t>
+            </a:r>
+            <a:r>
+              <a:rPr lang="en-US" sz="2200" spc="-1" dirty="0">
+                <a:solidFill>
+                  <a:srgbClr val="FFFFFF"/>
+                </a:solidFill>
+                <a:uFill>
+                  <a:solidFill>
+                    <a:srgbClr val="FFFFFF"/>
+                  </a:solidFill>
+                </a:uFill>
+                <a:latin typeface="Trebuchet MS"/>
+              </a:rPr>
+              <a:t> </a:t>
+            </a:r>
+            <a:r>
+              <a:rPr lang="en-US" sz="2200" spc="-1" dirty="0" err="1">
+                <a:solidFill>
+                  <a:srgbClr val="FFFFFF"/>
+                </a:solidFill>
+                <a:uFill>
+                  <a:solidFill>
+                    <a:srgbClr val="FFFFFF"/>
+                  </a:solidFill>
+                </a:uFill>
+                <a:latin typeface="Trebuchet MS"/>
+              </a:rPr>
+              <a:t>grup</a:t>
+            </a:r>
+            <a:r>
+              <a:rPr lang="en-US" sz="2200" spc="-1" dirty="0">
+                <a:solidFill>
+                  <a:srgbClr val="FFFFFF"/>
+                </a:solidFill>
+                <a:uFill>
+                  <a:solidFill>
+                    <a:srgbClr val="FFFFFF"/>
+                  </a:solidFill>
+                </a:uFill>
+                <a:latin typeface="Trebuchet MS"/>
+              </a:rPr>
+              <a:t>.</a:t>
+            </a:r>
+            <a:endParaRPr lang="en-US" sz="2200" b="0" strike="noStrike" spc="-1" dirty="0" smtClean="0">
+              <a:solidFill>
+                <a:srgbClr val="FFFFFF"/>
+              </a:solidFill>
+              <a:uFill>
+                <a:solidFill>
+                  <a:srgbClr val="FFFFFF"/>
+                </a:solidFill>
+              </a:uFill>
+              <a:latin typeface="Trebuchet MS"/>
+            </a:endParaRPr>
+          </a:p>
+          <a:p>
+            <a:pPr marL="685800" lvl="1" indent="-228240">
+              <a:lnSpc>
+                <a:spcPct val="100000"/>
+              </a:lnSpc>
+              <a:buClr>
+                <a:srgbClr val="FFFFFF"/>
+              </a:buClr>
+              <a:buFont typeface="Arial"/>
+              <a:buChar char="•"/>
+            </a:pPr>
+            <a:r>
+              <a:rPr lang="en-US" sz="2200" b="0" strike="noStrike" spc="-1" dirty="0" smtClean="0">
+                <a:solidFill>
+                  <a:srgbClr val="FFFFFF"/>
+                </a:solidFill>
+                <a:uFill>
+                  <a:solidFill>
+                    <a:srgbClr val="FFFFFF"/>
+                  </a:solidFill>
+                </a:uFill>
+                <a:latin typeface="Trebuchet MS"/>
+              </a:rPr>
+              <a:t>FORMAT MESSAGE:</a:t>
+            </a:r>
+            <a:endParaRPr lang="en-US" sz="2200" b="0" strike="noStrike" spc="-1" dirty="0">
+              <a:solidFill>
+                <a:srgbClr val="FFFFFF"/>
+              </a:solidFill>
+              <a:uFill>
+                <a:solidFill>
+                  <a:srgbClr val="FFFFFF"/>
+                </a:solidFill>
+              </a:uFill>
+              <a:latin typeface="Calibri"/>
+            </a:endParaRPr>
+          </a:p>
+          <a:p>
+            <a:pPr marL="1150938" lvl="2" indent="-236538">
+              <a:lnSpc>
+                <a:spcPct val="100000"/>
+              </a:lnSpc>
+              <a:buClr>
+                <a:srgbClr val="FFFFFF"/>
+              </a:buClr>
+              <a:buFont typeface="Arial"/>
+              <a:buChar char="•"/>
+            </a:pPr>
+            <a:r>
+              <a:rPr lang="en-US" sz="2200" spc="-1" dirty="0">
+                <a:solidFill>
+                  <a:srgbClr val="FFFF00"/>
+                </a:solidFill>
+                <a:uFill>
+                  <a:solidFill>
+                    <a:srgbClr val="FFFFFF"/>
+                  </a:solidFill>
+                </a:uFill>
+                <a:latin typeface="Trebuchet MS"/>
+              </a:rPr>
+              <a:t>KGRUP</a:t>
+            </a:r>
+            <a:r>
+              <a:rPr lang="en-US" sz="2200" spc="-1" dirty="0">
+                <a:solidFill>
+                  <a:srgbClr val="FFFFFF"/>
+                </a:solidFill>
+                <a:uFill>
+                  <a:solidFill>
+                    <a:srgbClr val="FFFFFF"/>
+                  </a:solidFill>
+                </a:uFill>
+                <a:latin typeface="Trebuchet MS"/>
+              </a:rPr>
+              <a:t> </a:t>
+            </a:r>
+            <a:r>
+              <a:rPr lang="en-US" sz="2200" spc="-1" dirty="0" err="1">
+                <a:solidFill>
+                  <a:srgbClr val="FFFFFF"/>
+                </a:solidFill>
+                <a:uFill>
+                  <a:solidFill>
+                    <a:srgbClr val="FFFFFF"/>
+                  </a:solidFill>
+                </a:uFill>
+                <a:latin typeface="Trebuchet MS"/>
+              </a:rPr>
+              <a:t>spasi</a:t>
+            </a:r>
+            <a:r>
+              <a:rPr lang="en-US" sz="2200" spc="-1" dirty="0">
+                <a:solidFill>
+                  <a:srgbClr val="FFFFFF"/>
+                </a:solidFill>
+                <a:uFill>
+                  <a:solidFill>
+                    <a:srgbClr val="FFFFFF"/>
+                  </a:solidFill>
+                </a:uFill>
+                <a:latin typeface="Trebuchet MS"/>
+              </a:rPr>
+              <a:t> </a:t>
+            </a:r>
+            <a:r>
+              <a:rPr lang="en-US" sz="2200" spc="-1" dirty="0">
+                <a:solidFill>
+                  <a:srgbClr val="FFFF00"/>
+                </a:solidFill>
+                <a:uFill>
+                  <a:solidFill>
+                    <a:srgbClr val="FFFFFF"/>
+                  </a:solidFill>
+                </a:uFill>
+                <a:latin typeface="Trebuchet MS"/>
+              </a:rPr>
+              <a:t>NAMA_GRUP</a:t>
+            </a:r>
+            <a:endParaRPr lang="en-US" sz="2200" spc="-1" dirty="0">
+              <a:solidFill>
+                <a:srgbClr val="FFFF00"/>
+              </a:solidFill>
+              <a:uFill>
+                <a:solidFill>
+                  <a:srgbClr val="FFFFFF"/>
+                </a:solidFill>
+              </a:uFill>
+              <a:latin typeface="Calibri"/>
+            </a:endParaRPr>
+          </a:p>
+          <a:p>
+            <a:pPr marL="685800" lvl="1" indent="-228240">
+              <a:lnSpc>
+                <a:spcPct val="100000"/>
+              </a:lnSpc>
+              <a:buClr>
+                <a:srgbClr val="FFFFFF"/>
+              </a:buClr>
+              <a:buFont typeface="Arial"/>
+              <a:buChar char="•"/>
+            </a:pPr>
+            <a:r>
+              <a:rPr lang="en-US" sz="2200" b="0" strike="noStrike" spc="-1" dirty="0" smtClean="0">
+                <a:solidFill>
+                  <a:srgbClr val="FFFFFF"/>
+                </a:solidFill>
+                <a:uFill>
+                  <a:solidFill>
+                    <a:srgbClr val="FFFFFF"/>
+                  </a:solidFill>
+                </a:uFill>
+                <a:latin typeface="Trebuchet MS"/>
+              </a:rPr>
+              <a:t>PARAMETER</a:t>
+            </a:r>
+            <a:r>
+              <a:rPr lang="en-US" sz="2200" b="0" strike="noStrike" spc="-1" dirty="0" smtClean="0">
+                <a:solidFill>
+                  <a:srgbClr val="FFFFFF"/>
+                </a:solidFill>
+                <a:uFill>
+                  <a:solidFill>
+                    <a:srgbClr val="FFFFFF"/>
+                  </a:solidFill>
+                </a:uFill>
+                <a:latin typeface="Trebuchet MS"/>
+              </a:rPr>
+              <a:t>:</a:t>
+            </a:r>
+            <a:endParaRPr lang="en-US" sz="2200" b="0" strike="noStrike" spc="-1" dirty="0">
+              <a:solidFill>
+                <a:srgbClr val="FFFFFF"/>
+              </a:solidFill>
+              <a:uFill>
+                <a:solidFill>
+                  <a:srgbClr val="FFFFFF"/>
+                </a:solidFill>
+              </a:uFill>
+              <a:latin typeface="Calibri"/>
+            </a:endParaRPr>
+          </a:p>
+          <a:p>
+            <a:pPr marL="1143000" lvl="2" indent="-228240">
+              <a:lnSpc>
+                <a:spcPct val="100000"/>
+              </a:lnSpc>
+              <a:buClr>
+                <a:srgbClr val="FFFFFF"/>
+              </a:buClr>
+              <a:buFont typeface="Arial"/>
+              <a:buChar char="•"/>
+            </a:pPr>
+            <a:r>
+              <a:rPr lang="en-US" sz="2200" spc="-1" dirty="0" smtClean="0">
+                <a:solidFill>
+                  <a:srgbClr val="FFFFFF"/>
+                </a:solidFill>
+                <a:uFill>
+                  <a:solidFill>
+                    <a:srgbClr val="FFFFFF"/>
+                  </a:solidFill>
+                </a:uFill>
+                <a:latin typeface="Trebuchet MS"/>
+              </a:rPr>
+              <a:t>NAMA_GRUP</a:t>
+            </a:r>
+            <a:endParaRPr lang="en-US" sz="2200" b="0" strike="noStrike" spc="-1" dirty="0">
+              <a:solidFill>
+                <a:srgbClr val="FFFFFF"/>
+              </a:solidFill>
+              <a:uFill>
+                <a:solidFill>
+                  <a:srgbClr val="FFFFFF"/>
+                </a:solidFill>
+              </a:uFill>
+              <a:latin typeface="Calibri"/>
+            </a:endParaRPr>
+          </a:p>
+          <a:p>
+            <a:pPr marL="685800" lvl="1" indent="-228240">
+              <a:lnSpc>
+                <a:spcPct val="100000"/>
+              </a:lnSpc>
+              <a:buClr>
+                <a:srgbClr val="FFFFFF"/>
+              </a:buClr>
+              <a:buFont typeface="Arial"/>
+              <a:buChar char="•"/>
+            </a:pPr>
+            <a:r>
+              <a:rPr lang="en-US" sz="2200" b="0" strike="noStrike" spc="-1" dirty="0" smtClean="0">
+                <a:solidFill>
+                  <a:srgbClr val="FFFFFF"/>
+                </a:solidFill>
+                <a:uFill>
+                  <a:solidFill>
+                    <a:srgbClr val="FFFFFF"/>
+                  </a:solidFill>
+                </a:uFill>
+                <a:latin typeface="Trebuchet MS"/>
+              </a:rPr>
+              <a:t>RETURN&gt;</a:t>
+            </a:r>
+            <a:endParaRPr lang="en-US" sz="2200" b="0" strike="noStrike" spc="-1" dirty="0">
+              <a:solidFill>
+                <a:srgbClr val="FFFFFF"/>
+              </a:solidFill>
+              <a:uFill>
+                <a:solidFill>
+                  <a:srgbClr val="FFFFFF"/>
+                </a:solidFill>
+              </a:uFill>
+              <a:latin typeface="Calibri"/>
+            </a:endParaRPr>
+          </a:p>
+          <a:p>
+            <a:pPr marL="1143000" lvl="2" indent="-228240">
+              <a:lnSpc>
+                <a:spcPct val="100000"/>
+              </a:lnSpc>
+              <a:buClr>
+                <a:srgbClr val="FFFFFF"/>
+              </a:buClr>
+              <a:buFont typeface="Arial"/>
+              <a:buChar char="•"/>
+            </a:pPr>
+            <a:r>
+              <a:rPr lang="en-US" sz="2200" b="0" strike="noStrike" spc="-1" dirty="0" smtClean="0">
+                <a:solidFill>
+                  <a:srgbClr val="FFFFFF"/>
+                </a:solidFill>
+                <a:uFill>
+                  <a:solidFill>
+                    <a:srgbClr val="FFFFFF"/>
+                  </a:solidFill>
+                </a:uFill>
+                <a:latin typeface="Trebuchet MS"/>
+              </a:rPr>
+              <a:t>16: </a:t>
+            </a:r>
+            <a:r>
+              <a:rPr lang="en-US" sz="2200" b="0" strike="noStrike" spc="-1" dirty="0" err="1" smtClean="0">
+                <a:solidFill>
+                  <a:srgbClr val="FFFFFF"/>
+                </a:solidFill>
+                <a:uFill>
+                  <a:solidFill>
+                    <a:srgbClr val="FFFFFF"/>
+                  </a:solidFill>
+                </a:uFill>
+                <a:latin typeface="Trebuchet MS"/>
+              </a:rPr>
+              <a:t>Keluar</a:t>
+            </a:r>
+            <a:r>
+              <a:rPr lang="en-US" sz="2200" b="0" strike="noStrike" spc="-1" dirty="0" smtClean="0">
+                <a:solidFill>
+                  <a:srgbClr val="FFFFFF"/>
+                </a:solidFill>
+                <a:uFill>
+                  <a:solidFill>
+                    <a:srgbClr val="FFFFFF"/>
+                  </a:solidFill>
+                </a:uFill>
+                <a:latin typeface="Trebuchet MS"/>
+              </a:rPr>
+              <a:t> </a:t>
+            </a:r>
+            <a:r>
+              <a:rPr lang="en-US" sz="2200" b="0" strike="noStrike" spc="-1" dirty="0" err="1" smtClean="0">
+                <a:solidFill>
+                  <a:srgbClr val="FFFFFF"/>
+                </a:solidFill>
+                <a:uFill>
+                  <a:solidFill>
+                    <a:srgbClr val="FFFFFF"/>
+                  </a:solidFill>
+                </a:uFill>
+                <a:latin typeface="Trebuchet MS"/>
+              </a:rPr>
+              <a:t>Grup</a:t>
+            </a:r>
+            <a:r>
+              <a:rPr lang="en-US" sz="2200" b="0" strike="noStrike" spc="-1" dirty="0" smtClean="0">
+                <a:solidFill>
+                  <a:srgbClr val="FFFFFF"/>
+                </a:solidFill>
+                <a:uFill>
+                  <a:solidFill>
+                    <a:srgbClr val="FFFFFF"/>
+                  </a:solidFill>
+                </a:uFill>
+                <a:latin typeface="Trebuchet MS"/>
+              </a:rPr>
+              <a:t> </a:t>
+            </a:r>
+            <a:r>
+              <a:rPr lang="en-US" sz="2200" b="0" strike="noStrike" spc="-1" dirty="0" err="1" smtClean="0">
+                <a:solidFill>
+                  <a:srgbClr val="FFFFFF"/>
+                </a:solidFill>
+                <a:uFill>
+                  <a:solidFill>
+                    <a:srgbClr val="FFFFFF"/>
+                  </a:solidFill>
+                </a:uFill>
+                <a:latin typeface="Trebuchet MS"/>
+              </a:rPr>
+              <a:t>Berhasil</a:t>
+            </a:r>
+            <a:endParaRPr lang="en-US" sz="2200" b="0" strike="noStrike" spc="-1" dirty="0" smtClean="0">
+              <a:solidFill>
+                <a:srgbClr val="FFFFFF"/>
+              </a:solidFill>
+              <a:uFill>
+                <a:solidFill>
+                  <a:srgbClr val="FFFFFF"/>
+                </a:solidFill>
+              </a:uFill>
+              <a:latin typeface="Trebuchet MS"/>
+            </a:endParaRPr>
+          </a:p>
+          <a:p>
+            <a:pPr marL="1143000" lvl="2" indent="-228240">
+              <a:lnSpc>
+                <a:spcPct val="100000"/>
+              </a:lnSpc>
+              <a:buClr>
+                <a:srgbClr val="FFFFFF"/>
+              </a:buClr>
+              <a:buFont typeface="Arial"/>
+              <a:buChar char="•"/>
+            </a:pPr>
+            <a:r>
+              <a:rPr lang="en-US" sz="2200" b="0" strike="noStrike" spc="-1" dirty="0" smtClean="0">
+                <a:solidFill>
+                  <a:srgbClr val="FFFFFF"/>
+                </a:solidFill>
+                <a:uFill>
+                  <a:solidFill>
+                    <a:srgbClr val="FFFFFF"/>
+                  </a:solidFill>
+                </a:uFill>
+                <a:latin typeface="Trebuchet MS"/>
+              </a:rPr>
+              <a:t>17: </a:t>
+            </a:r>
+            <a:r>
+              <a:rPr lang="en-US" sz="2200" b="0" strike="noStrike" spc="-1" dirty="0" err="1" smtClean="0">
+                <a:solidFill>
+                  <a:srgbClr val="FFFFFF"/>
+                </a:solidFill>
+                <a:uFill>
+                  <a:solidFill>
+                    <a:srgbClr val="FFFFFF"/>
+                  </a:solidFill>
+                </a:uFill>
+                <a:latin typeface="Trebuchet MS"/>
+              </a:rPr>
+              <a:t>Keluar</a:t>
+            </a:r>
+            <a:r>
+              <a:rPr lang="en-US" sz="2200" b="0" strike="noStrike" spc="-1" dirty="0" smtClean="0">
+                <a:solidFill>
+                  <a:srgbClr val="FFFFFF"/>
+                </a:solidFill>
+                <a:uFill>
+                  <a:solidFill>
+                    <a:srgbClr val="FFFFFF"/>
+                  </a:solidFill>
+                </a:uFill>
+                <a:latin typeface="Trebuchet MS"/>
+              </a:rPr>
+              <a:t> </a:t>
+            </a:r>
+            <a:r>
+              <a:rPr lang="en-US" sz="2200" b="0" strike="noStrike" spc="-1" dirty="0" err="1" smtClean="0">
+                <a:solidFill>
+                  <a:srgbClr val="FFFFFF"/>
+                </a:solidFill>
+                <a:uFill>
+                  <a:solidFill>
+                    <a:srgbClr val="FFFFFF"/>
+                  </a:solidFill>
+                </a:uFill>
+                <a:latin typeface="Trebuchet MS"/>
+              </a:rPr>
+              <a:t>Grup</a:t>
+            </a:r>
+            <a:r>
+              <a:rPr lang="en-US" sz="2200" b="0" strike="noStrike" spc="-1" dirty="0" smtClean="0">
+                <a:solidFill>
+                  <a:srgbClr val="FFFFFF"/>
+                </a:solidFill>
+                <a:uFill>
+                  <a:solidFill>
+                    <a:srgbClr val="FFFFFF"/>
+                  </a:solidFill>
+                </a:uFill>
+                <a:latin typeface="Trebuchet MS"/>
+              </a:rPr>
+              <a:t> </a:t>
+            </a:r>
+            <a:r>
+              <a:rPr lang="en-US" sz="2200" b="0" strike="noStrike" spc="-1" dirty="0" err="1" smtClean="0">
+                <a:solidFill>
+                  <a:srgbClr val="FFFFFF"/>
+                </a:solidFill>
+                <a:uFill>
+                  <a:solidFill>
+                    <a:srgbClr val="FFFFFF"/>
+                  </a:solidFill>
+                </a:uFill>
+                <a:latin typeface="Trebuchet MS"/>
+              </a:rPr>
+              <a:t>Gagal</a:t>
+            </a:r>
+            <a:endParaRPr lang="en-US" sz="2200" b="0" strike="noStrike" spc="-1" dirty="0" smtClean="0">
+              <a:solidFill>
+                <a:srgbClr val="FFFFFF"/>
+              </a:solidFill>
+              <a:uFill>
+                <a:solidFill>
+                  <a:srgbClr val="FFFFFF"/>
+                </a:solidFill>
+              </a:uFill>
+              <a:latin typeface="Trebuchet MS"/>
+            </a:endParaRPr>
+          </a:p>
+          <a:p>
+            <a:pPr>
+              <a:lnSpc>
+                <a:spcPct val="90000"/>
+              </a:lnSpc>
+            </a:pPr>
+            <a:endParaRPr lang="en-US" sz="2200" b="0" strike="noStrike" spc="-1" dirty="0">
+              <a:solidFill>
+                <a:srgbClr val="FFFFFF"/>
+              </a:solidFill>
+              <a:uFill>
+                <a:solidFill>
+                  <a:srgbClr val="FFFFFF"/>
+                </a:solidFill>
+              </a:uFill>
+              <a:latin typeface="Calibri"/>
+            </a:endParaRPr>
+          </a:p>
+          <a:p>
+            <a:pPr>
+              <a:lnSpc>
+                <a:spcPct val="90000"/>
+              </a:lnSpc>
+            </a:pPr>
+            <a:endParaRPr lang="en-US" sz="2200" b="0" strike="noStrike" spc="-1" dirty="0">
               <a:solidFill>
                 <a:srgbClr val="FFFFFF"/>
               </a:solidFill>
@@ -6760,7 +7008,7 @@
     </p:spTree>
     <p:extLst>
       <p:ext uri="{BB962C8B-B14F-4D97-AF65-F5344CB8AC3E}">
-        <p14:creationId xmlns:p14="http://schemas.microsoft.com/office/powerpoint/2010/main" val="1759822384"/>
+        <p14:creationId xmlns:p14="http://schemas.microsoft.com/office/powerpoint/2010/main" val="2623540419"/>
       </p:ext>
     </p:extLst>
   </p:cSld>
@@ -6770,7 +7018,27 @@
   <p:timing>
     <p:tnLst>
       <p:par>
-        <p:cTn id="1" dur="indefinite" restart="never" nodeType="tmRoot"/>
+        <p:cTn id="1" dur="indefinite" restart="never" nodeType="tmRoot">
+          <p:childTnLst>
+            <p:seq>
+              <p:cTn id="2" nodeType="mainSeq"/>
+              <p:prevCondLst>
+                <p:cond evt="onPrev" delay="0">
+                  <p:tgtEl>
+                    <p:sldTgt/>
+                  </p:tgtEl>
+                </p:cond>
+              </p:prevCondLst>
+              <p:nextCondLst>
+                <p:cond evt="onNext" delay="0">
+                  <p:tgtEl>
+                    <p:sldTgt/>
+                  </p:tgtEl>
+                </p:cond>
+              </p:nextCondLst>
+            </p:seq>
+          </p:childTnLst>
+        </p:cTn>
       </p:par>
     </p:tnLst>
   </p:timing>
@@ -7397,49 +7665,35 @@
               <a:buChar char="•"/>
             </a:pPr>
             <a:r>
-              <a:rPr lang="en-US" sz="2200" b="0" strike="noStrike" spc="-1" dirty="0" err="1">
-                <a:solidFill>
-                  <a:srgbClr val="FFFFFF"/>
-                </a:solidFill>
-                <a:uFill>
-                  <a:solidFill>
-                    <a:srgbClr val="FFFFFF"/>
-                  </a:solidFill>
-                </a:uFill>
-                <a:latin typeface="Trebuchet MS"/>
-              </a:rPr>
-              <a:t>Sukses</a:t>
-            </a:r>
-            <a:r>
-              <a:rPr lang="en-US" sz="2200" b="0" strike="noStrike" spc="-1" dirty="0">
-                <a:solidFill>
-                  <a:srgbClr val="FFFFFF"/>
-                </a:solidFill>
-                <a:uFill>
-                  <a:solidFill>
-                    <a:srgbClr val="FFFFFF"/>
-                  </a:solidFill>
-                </a:uFill>
-                <a:latin typeface="Trebuchet MS"/>
-              </a:rPr>
-              <a:t> &gt; </a:t>
-            </a:r>
-            <a:r>
-              <a:rPr lang="en-US" sz="2200" b="0" strike="noStrike" spc="-1" dirty="0" err="1">
-                <a:solidFill>
-                  <a:srgbClr val="FFFFFF"/>
-                </a:solidFill>
-                <a:uFill>
-                  <a:solidFill>
-                    <a:srgbClr val="FFFFFF"/>
-                  </a:solidFill>
-                </a:uFill>
-                <a:latin typeface="Trebuchet MS"/>
-              </a:rPr>
-              <a:t>daftar</a:t>
-            </a:r>
-            <a:r>
-              <a:rPr lang="en-US" sz="2200" b="0" strike="noStrike" spc="-1" dirty="0">
+              <a:rPr lang="en-US" sz="2200" b="0" strike="noStrike" spc="-1" dirty="0" smtClean="0">
+                <a:solidFill>
+                  <a:srgbClr val="FFFFFF"/>
+                </a:solidFill>
+                <a:uFill>
+                  <a:solidFill>
+                    <a:srgbClr val="FFFFFF"/>
+                  </a:solidFill>
+                </a:uFill>
+                <a:latin typeface="Trebuchet MS"/>
+              </a:rPr>
+              <a:t>18: </a:t>
+            </a:r>
+            <a:r>
+              <a:rPr lang="en-US" sz="2200" b="0" strike="noStrike" spc="-1" dirty="0" err="1" smtClean="0">
+                <a:solidFill>
+                  <a:srgbClr val="FFFFFF"/>
+                </a:solidFill>
+                <a:uFill>
+                  <a:solidFill>
+                    <a:srgbClr val="FFFFFF"/>
+                  </a:solidFill>
+                </a:uFill>
+                <a:latin typeface="Trebuchet MS"/>
+              </a:rPr>
+              <a:t>Hapus</a:t>
+            </a:r>
+            <a:r>
+              <a:rPr lang="en-US" sz="2200" b="0" strike="noStrike" spc="-1" dirty="0" smtClean="0">
                 <a:solidFill>
                   <a:srgbClr val="FFFFFF"/>
                 </a:solidFill>
@@ -7453,21 +7707,21 @@
               <a:t> </a:t>
             </a:r>
             <a:r>
-              <a:rPr lang="en-US" sz="2200" b="0" strike="noStrike" spc="-1" dirty="0" err="1">
-                <a:solidFill>
-                  <a:srgbClr val="FFFFFF"/>
-                </a:solidFill>
-                <a:uFill>
-                  <a:solidFill>
-                    <a:srgbClr val="FFFFFF"/>
-                  </a:solidFill>
-                </a:uFill>
-                <a:latin typeface="Trebuchet MS"/>
-              </a:rPr>
-              <a:t>grup</a:t>
-            </a:r>
-            <a:r>
-              <a:rPr lang="en-US" sz="2200" b="0" strike="noStrike" spc="-1" dirty="0">
+              <a:rPr lang="en-US" sz="2200" b="0" strike="noStrike" spc="-1" dirty="0" err="1" smtClean="0">
+                <a:solidFill>
+                  <a:srgbClr val="FFFFFF"/>
+                </a:solidFill>
+                <a:uFill>
+                  <a:solidFill>
+                    <a:srgbClr val="FFFFFF"/>
+                  </a:solidFill>
+                </a:uFill>
+                <a:latin typeface="Trebuchet MS"/>
+              </a:rPr>
+              <a:t>Grup</a:t>
+            </a:r>
+            <a:r>
+              <a:rPr lang="en-US" sz="2200" b="0" strike="noStrike" spc="-1" dirty="0" smtClean="0">
                 <a:solidFill>
                   <a:srgbClr val="FFFFFF"/>
                 </a:solidFill>
@@ -7481,18 +7735,18 @@
               <a:t> </a:t>
             </a:r>
             <a:r>
-              <a:rPr lang="en-US" sz="2200" b="0" strike="noStrike" spc="-1" dirty="0" err="1">
-                <a:solidFill>
-                  <a:srgbClr val="FFFFFF"/>
-                </a:solidFill>
-                <a:uFill>
-                  <a:solidFill>
-                    <a:srgbClr val="FFFFFF"/>
-                  </a:solidFill>
-                </a:uFill>
-                <a:latin typeface="Trebuchet MS"/>
-              </a:rPr>
-              <a:t>ditampilkan</a:t>
+              <a:rPr lang="en-US" sz="2200" b="0" strike="noStrike" spc="-1" dirty="0" err="1" smtClean="0">
+                <a:solidFill>
+                  <a:srgbClr val="FFFFFF"/>
+                </a:solidFill>
+                <a:uFill>
+                  <a:solidFill>
+                    <a:srgbClr val="FFFFFF"/>
+                  </a:solidFill>
+                </a:uFill>
+                <a:latin typeface="Trebuchet MS"/>
+              </a:rPr>
+              <a:t>Berhasil</a:t>
             </a:r>
             <a:endParaRPr lang="en-US" sz="2200" b="0" strike="noStrike" spc="-1" dirty="0">
               <a:solidFill>
@@ -7518,7 +7772,77 @@
               <a:buChar char="•"/>
             </a:pPr>
             <a:r>
-              <a:rPr lang="en-US" sz="2200" b="0" strike="noStrike" spc="-1" dirty="0" err="1">
+              <a:rPr lang="en-US" sz="2200" b="0" strike="noStrike" spc="-1" dirty="0" smtClean="0">
+                <a:solidFill>
+                  <a:srgbClr val="FFFFFF"/>
+                </a:solidFill>
+                <a:uFill>
+                  <a:solidFill>
+                    <a:srgbClr val="FFFFFF"/>
+                  </a:solidFill>
+                </a:uFill>
+                <a:latin typeface="Trebuchet MS"/>
+              </a:rPr>
+              <a:t>19: </a:t>
+            </a:r>
+            <a:r>
+              <a:rPr lang="en-US" sz="2200" b="0" strike="noStrike" spc="-1" dirty="0" err="1" smtClean="0">
+                <a:solidFill>
+                  <a:srgbClr val="FFFFFF"/>
+                </a:solidFill>
+                <a:uFill>
+                  <a:solidFill>
+                    <a:srgbClr val="FFFFFF"/>
+                  </a:solidFill>
+                </a:uFill>
+                <a:latin typeface="Trebuchet MS"/>
+              </a:rPr>
+              <a:t>Hapus</a:t>
+            </a:r>
+            <a:r>
+              <a:rPr lang="en-US" sz="2200" b="0" strike="noStrike" spc="-1" dirty="0" smtClean="0">
+                <a:solidFill>
+                  <a:srgbClr val="FFFFFF"/>
+                </a:solidFill>
+                <a:uFill>
+                  <a:solidFill>
+                    <a:srgbClr val="FFFFFF"/>
+                  </a:solidFill>
+                </a:uFill>
+                <a:latin typeface="Trebuchet MS"/>
+              </a:rPr>
+              <a:t> </a:t>
+            </a:r>
+            <a:r>
+              <a:rPr lang="en-US" sz="2200" b="0" strike="noStrike" spc="-1" dirty="0" err="1" smtClean="0">
+                <a:solidFill>
+                  <a:srgbClr val="FFFFFF"/>
+                </a:solidFill>
+                <a:uFill>
+                  <a:solidFill>
+                    <a:srgbClr val="FFFFFF"/>
+                  </a:solidFill>
+                </a:uFill>
+                <a:latin typeface="Trebuchet MS"/>
+              </a:rPr>
+              <a:t>Grup</a:t>
+            </a:r>
+            <a:r>
+              <a:rPr lang="en-US" sz="2200" b="0" strike="noStrike" spc="-1" dirty="0" smtClean="0">
+                <a:solidFill>
+                  <a:srgbClr val="FFFFFF"/>
+                </a:solidFill>
+                <a:uFill>
+                  <a:solidFill>
+                    <a:srgbClr val="FFFFFF"/>
+                  </a:solidFill>
+                </a:uFill>
+                <a:latin typeface="Trebuchet MS"/>
+              </a:rPr>
+              <a:t> </a:t>
+            </a:r>
+            <a:r>
+              <a:rPr lang="en-US" sz="2200" b="0" strike="noStrike" spc="-1" dirty="0" err="1" smtClean="0">
                 <a:solidFill>
                   <a:srgbClr val="FFFFFF"/>
                 </a:solidFill>
@@ -7531,6 +7855,70 @@
               </a:rPr>
               <a:t>Gagal</a:t>
             </a:r>
+            <a:endParaRPr lang="en-US" sz="2200" b="0" strike="noStrike" spc="-1" dirty="0" smtClean="0">
+              <a:solidFill>
+                <a:srgbClr val="FFFFFF"/>
+              </a:solidFill>
+              <a:uFill>
+                <a:solidFill>
+                  <a:srgbClr val="FFFFFF"/>
+                </a:solidFill>
+              </a:uFill>
+              <a:latin typeface="Trebuchet MS"/>
+            </a:endParaRPr>
+          </a:p>
+          <a:p>
+            <a:pPr marL="914760" lvl="2">
+              <a:lnSpc>
+                <a:spcPct val="100000"/>
+              </a:lnSpc>
+              <a:buClr>
+                <a:srgbClr val="FFFFFF"/>
+              </a:buClr>
+            </a:pPr>
+            <a:r>
+              <a:rPr lang="en-US" sz="2200" spc="-1" dirty="0" smtClean="0">
+                <a:solidFill>
+                  <a:srgbClr val="FFFFFF"/>
+                </a:solidFill>
+                <a:uFill>
+                  <a:solidFill>
+                    <a:srgbClr val="FFFFFF"/>
+                  </a:solidFill>
+                </a:uFill>
+                <a:latin typeface="Trebuchet MS"/>
+                <a:sym typeface="Wingdings" panose="05000000000000000000" pitchFamily="2" charset="2"/>
+              </a:rPr>
+              <a:t> </a:t>
+            </a:r>
+            <a:r>
+              <a:rPr lang="en-US" sz="2200" b="0" strike="noStrike" spc="-1" dirty="0" err="1" smtClean="0">
+                <a:solidFill>
+                  <a:srgbClr val="FFFFFF"/>
+                </a:solidFill>
+                <a:uFill>
+                  <a:solidFill>
+                    <a:srgbClr val="FFFFFF"/>
+                  </a:solidFill>
+                </a:uFill>
+                <a:latin typeface="Trebuchet MS"/>
+              </a:rPr>
+              <a:t>Gagal</a:t>
+            </a:r>
+            <a:r>
+              <a:rPr lang="en-US" sz="2200" b="0" strike="noStrike" spc="-1" dirty="0" smtClean="0">
+                <a:solidFill>
+                  <a:srgbClr val="FFFFFF"/>
+                </a:solidFill>
+                <a:uFill>
+                  <a:solidFill>
+                    <a:srgbClr val="FFFFFF"/>
+                  </a:solidFill>
+                </a:uFill>
+                <a:latin typeface="Trebuchet MS"/>
+              </a:rPr>
+              <a:t> </a:t>
+            </a:r>
             <a:r>
               <a:rPr lang="en-US" sz="2200" b="0" strike="noStrike" spc="-1" dirty="0">
                 <a:solidFill>
@@ -7543,7 +7931,7 @@
                 </a:uFill>
                 <a:latin typeface="Trebuchet MS"/>
               </a:rPr>
-              <a:t> &gt; USER_NAME </a:t>
+              <a:t>&gt; USER_NAME </a:t>
             </a:r>
             <a:r>
               <a:rPr lang="en-US" sz="2200" b="0" strike="noStrike" spc="-1" dirty="0" err="1">
@@ -8230,7 +8618,99 @@
               <a:buChar char="•"/>
             </a:pPr>
             <a:r>
-              <a:rPr lang="en-US" sz="2200" b="0" strike="noStrike" spc="-1" dirty="0" err="1">
+              <a:rPr lang="en-US" sz="2200" b="0" strike="noStrike" spc="-1" dirty="0" smtClean="0">
+                <a:solidFill>
+                  <a:srgbClr val="FFFFFF"/>
+                </a:solidFill>
+                <a:uFill>
+                  <a:solidFill>
+                    <a:srgbClr val="FFFFFF"/>
+                  </a:solidFill>
+                </a:uFill>
+                <a:latin typeface="Trebuchet MS"/>
+              </a:rPr>
+              <a:t>20: Data </a:t>
+            </a:r>
+            <a:r>
+              <a:rPr lang="en-US" sz="2200" b="0" strike="noStrike" spc="-1" dirty="0" err="1" smtClean="0">
+                <a:solidFill>
+                  <a:srgbClr val="FFFFFF"/>
+                </a:solidFill>
+                <a:uFill>
+                  <a:solidFill>
+                    <a:srgbClr val="FFFFFF"/>
+                  </a:solidFill>
+                </a:uFill>
+                <a:latin typeface="Trebuchet MS"/>
+              </a:rPr>
+              <a:t>Berhasil</a:t>
+            </a:r>
+            <a:r>
+              <a:rPr lang="en-US" sz="2200" b="0" strike="noStrike" spc="-1" dirty="0" smtClean="0">
+                <a:solidFill>
+                  <a:srgbClr val="FFFFFF"/>
+                </a:solidFill>
+                <a:uFill>
+                  <a:solidFill>
+                    <a:srgbClr val="FFFFFF"/>
+                  </a:solidFill>
+                </a:uFill>
+                <a:latin typeface="Trebuchet MS"/>
+              </a:rPr>
+              <a:t> </a:t>
+            </a:r>
+            <a:r>
+              <a:rPr lang="en-US" sz="2200" b="0" strike="noStrike" spc="-1" dirty="0" err="1" smtClean="0">
+                <a:solidFill>
+                  <a:srgbClr val="FFFFFF"/>
+                </a:solidFill>
+                <a:uFill>
+                  <a:solidFill>
+                    <a:srgbClr val="FFFFFF"/>
+                  </a:solidFill>
+                </a:uFill>
+                <a:latin typeface="Trebuchet MS"/>
+              </a:rPr>
+              <a:t>Diterima</a:t>
+            </a:r>
+            <a:endParaRPr lang="en-US" sz="2200" b="0" strike="noStrike" spc="-1" dirty="0" smtClean="0">
+              <a:solidFill>
+                <a:srgbClr val="FFFFFF"/>
+              </a:solidFill>
+              <a:uFill>
+                <a:solidFill>
+                  <a:srgbClr val="FFFFFF"/>
+                </a:solidFill>
+              </a:uFill>
+              <a:latin typeface="Trebuchet MS"/>
+            </a:endParaRPr>
+          </a:p>
+          <a:p>
+            <a:pPr marL="914760" lvl="2">
+              <a:lnSpc>
+                <a:spcPct val="100000"/>
+              </a:lnSpc>
+              <a:buClr>
+                <a:srgbClr val="FFFFFF"/>
+              </a:buClr>
+            </a:pPr>
+            <a:r>
+              <a:rPr lang="en-US" sz="2200" spc="-1" dirty="0" smtClean="0">
+                <a:solidFill>
+                  <a:srgbClr val="FFFFFF"/>
+                </a:solidFill>
+                <a:uFill>
+                  <a:solidFill>
+                    <a:srgbClr val="FFFFFF"/>
+                  </a:solidFill>
+                </a:uFill>
+                <a:latin typeface="Trebuchet MS"/>
+                <a:sym typeface="Wingdings" panose="05000000000000000000" pitchFamily="2" charset="2"/>
+              </a:rPr>
+              <a:t> </a:t>
+            </a:r>
+            <a:r>
+              <a:rPr lang="en-US" sz="2200" spc="-1" dirty="0" err="1">
                 <a:solidFill>
                   <a:srgbClr val="FFFFFF"/>
                 </a:solidFill>
@@ -8244,7 +8724,7 @@
               <a:t>Sukses</a:t>
             </a:r>
             <a:r>
-              <a:rPr lang="en-US" sz="2200" b="0" strike="noStrike" spc="-1" dirty="0">
+              <a:rPr lang="en-US" sz="2200" spc="-1" dirty="0">
                 <a:solidFill>
                   <a:srgbClr val="FFFFFF"/>
                 </a:solidFill>
@@ -8258,7 +8738,7 @@
               <a:t> &gt; </a:t>
             </a:r>
             <a:r>
-              <a:rPr lang="en-US" sz="2200" b="0" strike="noStrike" spc="-1" dirty="0" err="1">
+              <a:rPr lang="en-US" sz="2200" spc="-1" dirty="0" err="1">
                 <a:solidFill>
                   <a:srgbClr val="FFFFFF"/>
                 </a:solidFill>
@@ -8272,7 +8752,7 @@
               <a:t>nama</a:t>
             </a:r>
             <a:r>
-              <a:rPr lang="en-US" sz="2200" b="0" strike="noStrike" spc="-1" dirty="0">
+              <a:rPr lang="en-US" sz="2200" spc="-1" dirty="0">
                 <a:solidFill>
                   <a:srgbClr val="FFFFFF"/>
                 </a:solidFill>
@@ -8286,7 +8766,7 @@
               <a:t> </a:t>
             </a:r>
             <a:r>
-              <a:rPr lang="en-US" sz="2200" b="0" strike="noStrike" spc="-1" dirty="0" err="1">
+              <a:rPr lang="en-US" sz="2200" spc="-1" dirty="0" err="1">
                 <a:solidFill>
                   <a:srgbClr val="FFFFFF"/>
                 </a:solidFill>
@@ -8300,7 +8780,7 @@
               <a:t>grup</a:t>
             </a:r>
             <a:r>
-              <a:rPr lang="en-US" sz="2200" b="0" strike="noStrike" spc="-1" dirty="0">
+              <a:rPr lang="en-US" sz="2200" spc="-1" dirty="0">
                 <a:solidFill>
                   <a:srgbClr val="FFFFFF"/>
                 </a:solidFill>
@@ -8314,7 +8794,7 @@
               <a:t> yang </a:t>
             </a:r>
             <a:r>
-              <a:rPr lang="en-US" sz="2200" b="0" strike="noStrike" spc="-1" dirty="0" err="1">
+              <a:rPr lang="en-US" sz="2200" spc="-1" dirty="0" err="1">
                 <a:solidFill>
                   <a:srgbClr val="FFFFFF"/>
                 </a:solidFill>
@@ -8328,7 +8808,7 @@
               <a:t>sedang</a:t>
             </a:r>
             <a:r>
-              <a:rPr lang="en-US" sz="2200" b="0" strike="noStrike" spc="-1" dirty="0">
+              <a:rPr lang="en-US" sz="2200" spc="-1" dirty="0">
                 <a:solidFill>
                   <a:srgbClr val="FFFFFF"/>
                 </a:solidFill>
@@ -8342,7 +8822,7 @@
               <a:t> </a:t>
             </a:r>
             <a:r>
-              <a:rPr lang="en-US" sz="2200" b="0" strike="noStrike" spc="-1" dirty="0" err="1">
+              <a:rPr lang="en-US" sz="2200" spc="-1" dirty="0" err="1">
                 <a:solidFill>
                   <a:srgbClr val="FFFFFF"/>
                 </a:solidFill>
@@ -8356,7 +8836,7 @@
               <a:t>dimasuki</a:t>
             </a:r>
             <a:r>
-              <a:rPr lang="en-US" sz="2200" b="0" strike="noStrike" spc="-1" dirty="0">
+              <a:rPr lang="en-US" sz="2200" spc="-1" dirty="0">
                 <a:solidFill>
                   <a:srgbClr val="FFFFFF"/>
                 </a:solidFill>
@@ -8370,7 +8850,7 @@
               <a:t> </a:t>
             </a:r>
             <a:r>
-              <a:rPr lang="en-US" sz="2200" b="0" strike="noStrike" spc="-1" dirty="0" err="1">
+              <a:rPr lang="en-US" sz="2200" spc="-1" dirty="0" err="1">
                 <a:solidFill>
                   <a:srgbClr val="FFFFFF"/>
                 </a:solidFill>
@@ -8384,7 +8864,7 @@
               <a:t>seorang</a:t>
             </a:r>
             <a:r>
-              <a:rPr lang="en-US" sz="2200" b="0" strike="noStrike" spc="-1" dirty="0">
+              <a:rPr lang="en-US" sz="2200" spc="-1" dirty="0">
                 <a:solidFill>
                   <a:srgbClr val="FFFFFF"/>
                 </a:solidFill>
@@ -8398,7 +8878,7 @@
               <a:t> user </a:t>
             </a:r>
             <a:r>
-              <a:rPr lang="en-US" sz="2200" b="0" strike="noStrike" spc="-1" dirty="0" err="1">
+              <a:rPr lang="en-US" sz="2200" spc="-1" dirty="0" err="1">
                 <a:solidFill>
                   <a:srgbClr val="FFFFFF"/>
                 </a:solidFill>
@@ -8411,16 +8891,95 @@
               </a:rPr>
               <a:t>ditampilkan</a:t>
             </a:r>
-            <a:endParaRPr lang="en-US" sz="2200" b="0" strike="noStrike" spc="-1" dirty="0">
-              <a:solidFill>
-                <a:srgbClr val="FFFFFF"/>
-              </a:solidFill>
-              <a:uFill>
-                <a:solidFill>
-                  <a:srgbClr val="FFFFFF"/>
-                </a:solidFill>
-              </a:uFill>
-              <a:latin typeface="Calibri"/>
+            <a:endParaRPr lang="en-US" sz="2200" b="0" strike="noStrike" spc="-1" dirty="0" smtClean="0">
+              <a:solidFill>
+                <a:srgbClr val="FFFFFF"/>
+              </a:solidFill>
+              <a:uFill>
+                <a:solidFill>
+                  <a:srgbClr val="FFFFFF"/>
+                </a:solidFill>
+              </a:uFill>
+              <a:latin typeface="Trebuchet MS"/>
+            </a:endParaRPr>
+          </a:p>
+          <a:p>
+            <a:pPr marL="1143000" lvl="2" indent="-228240">
+              <a:lnSpc>
+                <a:spcPct val="100000"/>
+              </a:lnSpc>
+              <a:buClr>
+                <a:srgbClr val="FFFFFF"/>
+              </a:buClr>
+              <a:buFont typeface="Arial"/>
+              <a:buChar char="•"/>
+            </a:pPr>
+            <a:r>
+              <a:rPr lang="en-US" sz="2200" spc="-1" dirty="0" smtClean="0">
+                <a:solidFill>
+                  <a:srgbClr val="FFFFFF"/>
+                </a:solidFill>
+                <a:uFill>
+                  <a:solidFill>
+                    <a:srgbClr val="FFFFFF"/>
+                  </a:solidFill>
+                </a:uFill>
+                <a:latin typeface="Trebuchet MS"/>
+              </a:rPr>
+              <a:t>21: Data </a:t>
+            </a:r>
+            <a:r>
+              <a:rPr lang="en-US" sz="2200" spc="-1" dirty="0" err="1" smtClean="0">
+                <a:solidFill>
+                  <a:srgbClr val="FFFFFF"/>
+                </a:solidFill>
+                <a:uFill>
+                  <a:solidFill>
+                    <a:srgbClr val="FFFFFF"/>
+                  </a:solidFill>
+                </a:uFill>
+                <a:latin typeface="Trebuchet MS"/>
+              </a:rPr>
+              <a:t>Gagal</a:t>
+            </a:r>
+            <a:r>
+              <a:rPr lang="en-US" sz="2200" spc="-1" dirty="0" smtClean="0">
+                <a:solidFill>
+                  <a:srgbClr val="FFFFFF"/>
+                </a:solidFill>
+                <a:uFill>
+                  <a:solidFill>
+                    <a:srgbClr val="FFFFFF"/>
+                  </a:solidFill>
+                </a:uFill>
+                <a:latin typeface="Trebuchet MS"/>
+              </a:rPr>
+              <a:t> </a:t>
+            </a:r>
+            <a:r>
+              <a:rPr lang="en-US" sz="2200" spc="-1" dirty="0" err="1" smtClean="0">
+                <a:solidFill>
+                  <a:srgbClr val="FFFFFF"/>
+                </a:solidFill>
+                <a:uFill>
+                  <a:solidFill>
+                    <a:srgbClr val="FFFFFF"/>
+                  </a:solidFill>
+                </a:uFill>
+                <a:latin typeface="Trebuchet MS"/>
+              </a:rPr>
+              <a:t>Diterima</a:t>
+            </a:r>
+            <a:endParaRPr lang="en-US" sz="2200" b="0" strike="noStrike" spc="-1" dirty="0" smtClean="0">
+              <a:solidFill>
+                <a:srgbClr val="FFFFFF"/>
+              </a:solidFill>
+              <a:uFill>
+                <a:solidFill>
+                  <a:srgbClr val="FFFFFF"/>
+                </a:solidFill>
+              </a:uFill>
+              <a:latin typeface="Trebuchet MS"/>
             </a:endParaRPr>
           </a:p>
         </p:txBody>
@@ -8628,7 +9187,12 @@
             <p:ph type="subTitle"/>
           </p:nvPr>
         </p:nvSpPr>
-        <p:spPr/>
+        <p:spPr>
+          <a:xfrm>
+            <a:off x="838080" y="3313191"/>
+            <a:ext cx="10515240" cy="1325160"/>
+          </a:xfrm>
+        </p:spPr>
         <p:txBody>
           <a:bodyPr/>
           <a:lstStyle/>
@@ -8637,7 +9201,7 @@
               <a:buNone/>
             </a:pPr>
             <a:r>
-              <a:rPr lang="en-US" dirty="0" err="1" smtClean="0">
+              <a:rPr lang="en-US" sz="3200" dirty="0" err="1" smtClean="0">
                 <a:solidFill>
                   <a:schemeClr val="bg1"/>
                 </a:solidFill>
@@ -8646,7 +9210,7 @@
               <a:t>Merupakan</a:t>
             </a:r>
             <a:r>
-              <a:rPr lang="en-US" dirty="0" smtClean="0">
+              <a:rPr lang="en-US" sz="3200" dirty="0" smtClean="0">
                 <a:solidFill>
                   <a:schemeClr val="bg1"/>
                 </a:solidFill>
@@ -8655,7 +9219,7 @@
               <a:t> </a:t>
             </a:r>
             <a:r>
-              <a:rPr lang="en-US" dirty="0" err="1" smtClean="0">
+              <a:rPr lang="en-US" sz="3200" dirty="0" err="1" smtClean="0">
                 <a:solidFill>
                   <a:schemeClr val="bg1"/>
                 </a:solidFill>
@@ -8664,7 +9228,7 @@
               <a:t>aplikasi</a:t>
             </a:r>
             <a:r>
-              <a:rPr lang="en-US" dirty="0" smtClean="0">
+              <a:rPr lang="en-US" sz="3200" dirty="0" smtClean="0">
                 <a:solidFill>
                   <a:schemeClr val="bg1"/>
                 </a:solidFill>
@@ -8673,7 +9237,7 @@
               <a:t> chatting </a:t>
             </a:r>
             <a:r>
-              <a:rPr lang="en-US" dirty="0" err="1" smtClean="0">
+              <a:rPr lang="en-US" sz="3200" dirty="0" err="1" smtClean="0">
                 <a:solidFill>
                   <a:schemeClr val="bg1"/>
                 </a:solidFill>
@@ -8682,7 +9246,7 @@
               <a:t>untuk</a:t>
             </a:r>
             <a:r>
-              <a:rPr lang="en-US" dirty="0" smtClean="0">
+              <a:rPr lang="en-US" sz="3200" dirty="0" smtClean="0">
                 <a:solidFill>
                   <a:schemeClr val="bg1"/>
                 </a:solidFill>
@@ -8691,7 +9255,7 @@
               <a:t> </a:t>
             </a:r>
             <a:r>
-              <a:rPr lang="en-US" dirty="0" err="1" smtClean="0">
+              <a:rPr lang="en-US" sz="3200" dirty="0" err="1" smtClean="0">
                 <a:solidFill>
                   <a:schemeClr val="bg1"/>
                 </a:solidFill>
@@ -8700,7 +9264,7 @@
               <a:t>berkomunikasi</a:t>
             </a:r>
             <a:r>
-              <a:rPr lang="en-US" dirty="0" smtClean="0">
+              <a:rPr lang="en-US" sz="3200" dirty="0" smtClean="0">
                 <a:solidFill>
                   <a:schemeClr val="bg1"/>
                 </a:solidFill>
@@ -8709,7 +9273,7 @@
               <a:t> </a:t>
             </a:r>
             <a:r>
-              <a:rPr lang="en-US" dirty="0" err="1" smtClean="0">
+              <a:rPr lang="en-US" sz="3200" dirty="0" err="1" smtClean="0">
                 <a:solidFill>
                   <a:schemeClr val="bg1"/>
                 </a:solidFill>
@@ -8718,7 +9282,7 @@
               <a:t>dalam</a:t>
             </a:r>
             <a:r>
-              <a:rPr lang="en-US" dirty="0" smtClean="0">
+              <a:rPr lang="en-US" sz="3200" dirty="0" smtClean="0">
                 <a:solidFill>
                   <a:schemeClr val="bg1"/>
                 </a:solidFill>
@@ -8727,7 +9291,7 @@
               <a:t> </a:t>
             </a:r>
             <a:r>
-              <a:rPr lang="en-US" dirty="0" err="1" smtClean="0">
+              <a:rPr lang="en-US" sz="3200" dirty="0" err="1" smtClean="0">
                 <a:solidFill>
                   <a:schemeClr val="bg1"/>
                 </a:solidFill>
@@ -8736,7 +9300,7 @@
               <a:t>sebuah</a:t>
             </a:r>
             <a:r>
-              <a:rPr lang="en-US" dirty="0" smtClean="0">
+              <a:rPr lang="en-US" sz="3200" dirty="0" smtClean="0">
                 <a:solidFill>
                   <a:schemeClr val="bg1"/>
                 </a:solidFill>
@@ -8745,7 +9309,7 @@
               <a:t> </a:t>
             </a:r>
             <a:r>
-              <a:rPr lang="en-US" dirty="0" err="1" smtClean="0">
+              <a:rPr lang="en-US" sz="3200" dirty="0" err="1" smtClean="0">
                 <a:solidFill>
                   <a:schemeClr val="bg1"/>
                 </a:solidFill>
@@ -8754,7 +9318,7 @@
               <a:t>jaringan</a:t>
             </a:r>
             <a:r>
-              <a:rPr lang="en-US" dirty="0" smtClean="0">
+              <a:rPr lang="en-US" sz="3200" dirty="0" smtClean="0">
                 <a:solidFill>
                   <a:schemeClr val="bg1"/>
                 </a:solidFill>
@@ -8763,7 +9327,7 @@
               <a:t> server. </a:t>
             </a:r>
             <a:r>
-              <a:rPr lang="en-US" dirty="0" err="1" smtClean="0">
+              <a:rPr lang="en-US" sz="3200" dirty="0" err="1" smtClean="0">
                 <a:solidFill>
                   <a:schemeClr val="bg1"/>
                 </a:solidFill>
@@ -8772,7 +9336,7 @@
               <a:t>Fitur-fitur</a:t>
             </a:r>
             <a:r>
-              <a:rPr lang="en-US" dirty="0" smtClean="0">
+              <a:rPr lang="en-US" sz="3200" dirty="0" smtClean="0">
                 <a:solidFill>
                   <a:schemeClr val="bg1"/>
                 </a:solidFill>
@@ -8781,7 +9345,7 @@
               <a:t> yang </a:t>
             </a:r>
             <a:r>
-              <a:rPr lang="en-US" dirty="0" err="1" smtClean="0">
+              <a:rPr lang="en-US" sz="3200" dirty="0" err="1" smtClean="0">
                 <a:solidFill>
                   <a:schemeClr val="bg1"/>
                 </a:solidFill>
@@ -8790,7 +9354,7 @@
               <a:t>dimiliki</a:t>
             </a:r>
             <a:r>
-              <a:rPr lang="en-US" dirty="0" smtClean="0">
+              <a:rPr lang="en-US" sz="3200" dirty="0" smtClean="0">
                 <a:solidFill>
                   <a:schemeClr val="bg1"/>
                 </a:solidFill>
@@ -8799,7 +9363,7 @@
               <a:t> </a:t>
             </a:r>
             <a:r>
-              <a:rPr lang="en-US" dirty="0" err="1" smtClean="0">
+              <a:rPr lang="en-US" sz="3200" dirty="0" err="1" smtClean="0">
                 <a:solidFill>
                   <a:schemeClr val="bg1"/>
                 </a:solidFill>
@@ -8808,7 +9372,7 @@
               <a:t>adalah</a:t>
             </a:r>
             <a:r>
-              <a:rPr lang="en-US" dirty="0" smtClean="0">
+              <a:rPr lang="en-US" sz="3200" dirty="0" smtClean="0">
                 <a:solidFill>
                   <a:schemeClr val="bg1"/>
                 </a:solidFill>
@@ -8817,7 +9381,7 @@
               <a:t> </a:t>
             </a:r>
             <a:r>
-              <a:rPr lang="en-US" dirty="0" err="1" smtClean="0">
+              <a:rPr lang="en-US" sz="3200" dirty="0" err="1" smtClean="0">
                 <a:solidFill>
                   <a:schemeClr val="bg1"/>
                 </a:solidFill>
@@ -8826,7 +9390,7 @@
               <a:t>daftar</a:t>
             </a:r>
             <a:r>
-              <a:rPr lang="en-US" dirty="0" smtClean="0">
+              <a:rPr lang="en-US" sz="3200" dirty="0" smtClean="0">
                 <a:solidFill>
                   <a:schemeClr val="bg1"/>
                 </a:solidFill>
@@ -8835,7 +9399,7 @@
               <a:t>, login, logout, </a:t>
             </a:r>
             <a:r>
-              <a:rPr lang="en-US" dirty="0" err="1" smtClean="0">
+              <a:rPr lang="en-US" sz="3200" dirty="0" err="1" smtClean="0">
                 <a:solidFill>
                   <a:schemeClr val="bg1"/>
                 </a:solidFill>
@@ -8844,7 +9408,7 @@
               <a:t>mengirim</a:t>
             </a:r>
             <a:r>
-              <a:rPr lang="en-US" dirty="0" smtClean="0">
+              <a:rPr lang="en-US" sz="3200" dirty="0" smtClean="0">
                 <a:solidFill>
                   <a:schemeClr val="bg1"/>
                 </a:solidFill>
@@ -8853,7 +9417,7 @@
               <a:t> </a:t>
             </a:r>
             <a:r>
-              <a:rPr lang="en-US" dirty="0" err="1" smtClean="0">
+              <a:rPr lang="en-US" sz="3200" dirty="0" err="1" smtClean="0">
                 <a:solidFill>
                   <a:schemeClr val="bg1"/>
                 </a:solidFill>
@@ -8862,7 +9426,7 @@
               <a:t>pesan</a:t>
             </a:r>
             <a:r>
-              <a:rPr lang="en-US" dirty="0" smtClean="0">
+              <a:rPr lang="en-US" sz="3200" dirty="0" smtClean="0">
                 <a:solidFill>
                   <a:schemeClr val="bg1"/>
                 </a:solidFill>
@@ -8871,7 +9435,7 @@
               <a:t> private, </a:t>
             </a:r>
             <a:r>
-              <a:rPr lang="en-US" dirty="0" err="1" smtClean="0">
+              <a:rPr lang="en-US" sz="3200" dirty="0" err="1" smtClean="0">
                 <a:solidFill>
                   <a:schemeClr val="bg1"/>
                 </a:solidFill>
@@ -8880,7 +9444,7 @@
               <a:t>mengirim</a:t>
             </a:r>
             <a:r>
-              <a:rPr lang="en-US" dirty="0" smtClean="0">
+              <a:rPr lang="en-US" sz="3200" dirty="0" smtClean="0">
                 <a:solidFill>
                   <a:schemeClr val="bg1"/>
                 </a:solidFill>
@@ -8889,7 +9453,7 @@
               <a:t> </a:t>
             </a:r>
             <a:r>
-              <a:rPr lang="en-US" dirty="0" err="1" smtClean="0">
+              <a:rPr lang="en-US" sz="3200" dirty="0" err="1" smtClean="0">
                 <a:solidFill>
                   <a:schemeClr val="bg1"/>
                 </a:solidFill>
@@ -8898,7 +9462,7 @@
               <a:t>pesan</a:t>
             </a:r>
             <a:r>
-              <a:rPr lang="en-US" dirty="0" smtClean="0">
+              <a:rPr lang="en-US" sz="3200" dirty="0" smtClean="0">
                 <a:solidFill>
                   <a:schemeClr val="bg1"/>
                 </a:solidFill>
@@ -8907,7 +9471,7 @@
               <a:t> </a:t>
             </a:r>
             <a:r>
-              <a:rPr lang="en-US" dirty="0" err="1" smtClean="0">
+              <a:rPr lang="en-US" sz="3200" dirty="0" err="1" smtClean="0">
                 <a:solidFill>
                   <a:schemeClr val="bg1"/>
                 </a:solidFill>
@@ -8916,7 +9480,7 @@
               <a:t>ke</a:t>
             </a:r>
             <a:r>
-              <a:rPr lang="en-US" dirty="0" smtClean="0">
+              <a:rPr lang="en-US" sz="3200" dirty="0" smtClean="0">
                 <a:solidFill>
                   <a:schemeClr val="bg1"/>
                 </a:solidFill>
@@ -8925,7 +9489,7 @@
               <a:t> </a:t>
             </a:r>
             <a:r>
-              <a:rPr lang="en-US" dirty="0" err="1" smtClean="0">
+              <a:rPr lang="en-US" sz="3200" dirty="0" err="1" smtClean="0">
                 <a:solidFill>
                   <a:schemeClr val="bg1"/>
                 </a:solidFill>
@@ -8934,7 +9498,7 @@
               <a:t>grup</a:t>
             </a:r>
             <a:r>
-              <a:rPr lang="en-US" dirty="0" smtClean="0">
+              <a:rPr lang="en-US" sz="3200" dirty="0" smtClean="0">
                 <a:solidFill>
                   <a:schemeClr val="bg1"/>
                 </a:solidFill>
@@ -8943,7 +9507,7 @@
               <a:t>, </a:t>
             </a:r>
             <a:r>
-              <a:rPr lang="en-US" dirty="0" err="1" smtClean="0">
+              <a:rPr lang="en-US" sz="3200" dirty="0" err="1" smtClean="0">
                 <a:solidFill>
                   <a:schemeClr val="bg1"/>
                 </a:solidFill>
@@ -8952,7 +9516,7 @@
               <a:t>buat</a:t>
             </a:r>
             <a:r>
-              <a:rPr lang="en-US" dirty="0" smtClean="0">
+              <a:rPr lang="en-US" sz="3200" dirty="0" smtClean="0">
                 <a:solidFill>
                   <a:schemeClr val="bg1"/>
                 </a:solidFill>
@@ -8961,7 +9525,7 @@
               <a:t> </a:t>
             </a:r>
             <a:r>
-              <a:rPr lang="en-US" dirty="0" err="1" smtClean="0">
+              <a:rPr lang="en-US" sz="3200" dirty="0" err="1" smtClean="0">
                 <a:solidFill>
                   <a:schemeClr val="bg1"/>
                 </a:solidFill>
@@ -8970,7 +9534,7 @@
               <a:t>grup</a:t>
             </a:r>
             <a:r>
-              <a:rPr lang="en-US" dirty="0" smtClean="0">
+              <a:rPr lang="en-US" sz="3200" dirty="0" smtClean="0">
                 <a:solidFill>
                   <a:schemeClr val="bg1"/>
                 </a:solidFill>
@@ -8979,7 +9543,7 @@
               <a:t>, </a:t>
             </a:r>
             <a:r>
-              <a:rPr lang="en-US" dirty="0" err="1" smtClean="0">
+              <a:rPr lang="en-US" sz="3200" dirty="0" err="1" smtClean="0">
                 <a:solidFill>
                   <a:schemeClr val="bg1"/>
                 </a:solidFill>
@@ -8988,7 +9552,7 @@
               <a:t>gabung</a:t>
             </a:r>
             <a:r>
-              <a:rPr lang="en-US" dirty="0" smtClean="0">
+              <a:rPr lang="en-US" sz="3200" dirty="0" smtClean="0">
                 <a:solidFill>
                   <a:schemeClr val="bg1"/>
                 </a:solidFill>
@@ -8997,7 +9561,7 @@
               <a:t> </a:t>
             </a:r>
             <a:r>
-              <a:rPr lang="en-US" dirty="0" err="1" smtClean="0">
+              <a:rPr lang="en-US" sz="3200" dirty="0" err="1" smtClean="0">
                 <a:solidFill>
                   <a:schemeClr val="bg1"/>
                 </a:solidFill>
@@ -9006,7 +9570,7 @@
               <a:t>grup</a:t>
             </a:r>
             <a:r>
-              <a:rPr lang="en-US" dirty="0" smtClean="0">
+              <a:rPr lang="en-US" sz="3200" dirty="0" smtClean="0">
                 <a:solidFill>
                   <a:schemeClr val="bg1"/>
                 </a:solidFill>
@@ -9015,7 +9579,7 @@
               <a:t>, </a:t>
             </a:r>
             <a:r>
-              <a:rPr lang="en-US" dirty="0" err="1" smtClean="0">
+              <a:rPr lang="en-US" sz="3200" dirty="0" err="1" smtClean="0">
                 <a:solidFill>
                   <a:schemeClr val="bg1"/>
                 </a:solidFill>
@@ -9024,7 +9588,7 @@
               <a:t>keluar</a:t>
             </a:r>
             <a:r>
-              <a:rPr lang="en-US" dirty="0" smtClean="0">
+              <a:rPr lang="en-US" sz="3200" dirty="0" smtClean="0">
                 <a:solidFill>
                   <a:schemeClr val="bg1"/>
                 </a:solidFill>
@@ -9033,7 +9597,7 @@
               <a:t> </a:t>
             </a:r>
             <a:r>
-              <a:rPr lang="en-US" dirty="0" err="1" smtClean="0">
+              <a:rPr lang="en-US" sz="3200" dirty="0" err="1" smtClean="0">
                 <a:solidFill>
                   <a:schemeClr val="bg1"/>
                 </a:solidFill>
@@ -9042,7 +9606,7 @@
               <a:t>grup</a:t>
             </a:r>
             <a:r>
-              <a:rPr lang="en-US" dirty="0" smtClean="0">
+              <a:rPr lang="en-US" sz="3200" dirty="0" smtClean="0">
                 <a:solidFill>
                   <a:schemeClr val="bg1"/>
                 </a:solidFill>
@@ -9051,7 +9615,7 @@
               <a:t>, </a:t>
             </a:r>
             <a:r>
-              <a:rPr lang="en-US" dirty="0" err="1" smtClean="0">
+              <a:rPr lang="en-US" sz="3200" dirty="0" err="1" smtClean="0">
                 <a:solidFill>
                   <a:schemeClr val="bg1"/>
                 </a:solidFill>
@@ -9060,7 +9624,7 @@
               <a:t>tampil</a:t>
             </a:r>
             <a:r>
-              <a:rPr lang="en-US" dirty="0" smtClean="0">
+              <a:rPr lang="en-US" sz="3200" dirty="0" smtClean="0">
                 <a:solidFill>
                   <a:schemeClr val="bg1"/>
                 </a:solidFill>
@@ -9069,7 +9633,7 @@
               <a:t> </a:t>
             </a:r>
             <a:r>
-              <a:rPr lang="en-US" dirty="0" err="1" smtClean="0">
+              <a:rPr lang="en-US" sz="3200" dirty="0" err="1" smtClean="0">
                 <a:solidFill>
                   <a:schemeClr val="bg1"/>
                 </a:solidFill>
@@ -9078,7 +9642,7 @@
               <a:t>grup</a:t>
             </a:r>
             <a:r>
-              <a:rPr lang="en-US" dirty="0" smtClean="0">
+              <a:rPr lang="en-US" sz="3200" dirty="0" smtClean="0">
                 <a:solidFill>
                   <a:schemeClr val="bg1"/>
                 </a:solidFill>
@@ -9087,7 +9651,7 @@
               <a:t>, </a:t>
             </a:r>
             <a:r>
-              <a:rPr lang="en-US" dirty="0" err="1" smtClean="0">
+              <a:rPr lang="en-US" sz="3200" dirty="0" err="1" smtClean="0">
                 <a:solidFill>
                   <a:schemeClr val="bg1"/>
                 </a:solidFill>
@@ -9096,7 +9660,7 @@
               <a:t>dan</a:t>
             </a:r>
             <a:r>
-              <a:rPr lang="en-US" dirty="0" smtClean="0">
+              <a:rPr lang="en-US" sz="3200" dirty="0" smtClean="0">
                 <a:solidFill>
                   <a:schemeClr val="bg1"/>
                 </a:solidFill>
@@ -9105,7 +9669,7 @@
               <a:t> print </a:t>
             </a:r>
             <a:r>
-              <a:rPr lang="en-US" dirty="0" err="1" smtClean="0">
+              <a:rPr lang="en-US" sz="3200" dirty="0" err="1" smtClean="0">
                 <a:solidFill>
                   <a:schemeClr val="bg1"/>
                 </a:solidFill>
@@ -9114,7 +9678,7 @@
               <a:t>grup</a:t>
             </a:r>
             <a:r>
-              <a:rPr lang="en-US" dirty="0" smtClean="0">
+              <a:rPr lang="en-US" sz="3200" dirty="0" smtClean="0">
                 <a:solidFill>
                   <a:schemeClr val="bg1"/>
                 </a:solidFill>
@@ -9123,7 +9687,7 @@
               <a:t> </a:t>
             </a:r>
             <a:r>
-              <a:rPr lang="en-US" dirty="0" err="1" smtClean="0">
+              <a:rPr lang="en-US" sz="3200" dirty="0" err="1" smtClean="0">
                 <a:solidFill>
                   <a:schemeClr val="bg1"/>
                 </a:solidFill>
@@ -9132,7 +9696,7 @@
               <a:t>sekarang</a:t>
             </a:r>
             <a:r>
-              <a:rPr lang="en-US" dirty="0" smtClean="0">
+              <a:rPr lang="en-US" sz="3200" dirty="0" smtClean="0">
                 <a:solidFill>
                   <a:schemeClr val="bg1"/>
                 </a:solidFill>
@@ -9140,7 +9704,7 @@
               </a:rPr>
               <a:t>.</a:t>
             </a:r>
-            <a:endParaRPr lang="en-US" dirty="0">
+            <a:endParaRPr lang="en-US" sz="3200" dirty="0">
               <a:solidFill>
                 <a:schemeClr val="bg1"/>
               </a:solidFill>
@@ -9334,21 +9898,7 @@
                 </a:uFill>
                 <a:latin typeface="Trebuchet MS"/>
               </a:rPr>
-              <a:t>belu</a:t>
-            </a:r>
-            <a:r>
-              <a:rPr lang="en-US" sz="2200" spc="-1" dirty="0" err="1" smtClean="0">
-                <a:solidFill>
-                  <a:srgbClr val="FFFFFF"/>
-                </a:solidFill>
-                <a:uFill>
-                  <a:solidFill>
-                    <a:srgbClr val="FFFFFF"/>
-                  </a:solidFill>
-                </a:uFill>
-                <a:latin typeface="Trebuchet MS"/>
-              </a:rPr>
-              <a:t>m</a:t>
+              <a:t>belum</a:t>
             </a:r>
             <a:r>
               <a:rPr lang="en-US" sz="2200" spc="-1" dirty="0" smtClean="0">
@@ -9902,7 +10452,35 @@
                 </a:uFill>
                 <a:latin typeface="Trebuchet MS"/>
               </a:rPr>
-              <a:t>	DAFTAR </a:t>
+              <a:t>	</a:t>
+            </a:r>
+            <a:r>
+              <a:rPr lang="en-US" sz="2200" b="0" strike="noStrike" spc="-1" dirty="0" smtClean="0">
+                <a:solidFill>
+                  <a:srgbClr val="FFFF00"/>
+                </a:solidFill>
+                <a:uFill>
+                  <a:solidFill>
+                    <a:srgbClr val="FFFFFF"/>
+                  </a:solidFill>
+                </a:uFill>
+                <a:latin typeface="Trebuchet MS"/>
+              </a:rPr>
+              <a:t>DAFTAR</a:t>
+            </a:r>
+            <a:r>
+              <a:rPr lang="en-US" sz="2200" b="0" strike="noStrike" spc="-1" dirty="0" smtClean="0">
+                <a:solidFill>
+                  <a:srgbClr val="FFFFFF"/>
+                </a:solidFill>
+                <a:uFill>
+                  <a:solidFill>
+                    <a:srgbClr val="FFFFFF"/>
+                  </a:solidFill>
+                </a:uFill>
+                <a:latin typeface="Trebuchet MS"/>
+              </a:rPr>
+              <a:t> </a:t>
             </a:r>
             <a:r>
               <a:rPr lang="en-US" sz="2200" b="0" strike="noStrike" spc="-1" dirty="0" err="1">
@@ -10094,43 +10672,6 @@
             </a:endParaRPr>
           </a:p>
           <a:p>
-            <a:pPr marL="1143000" lvl="2" indent="-228240">
-              <a:lnSpc>
-                <a:spcPct val="100000"/>
-              </a:lnSpc>
-              <a:buClr>
-                <a:srgbClr val="FFFFFF"/>
-              </a:buClr>
-              <a:buFont typeface="Arial"/>
-              <a:buChar char="•"/>
-            </a:pPr>
-            <a:r>
-              <a:rPr lang="en-US" sz="2200" b="0" strike="noStrike" spc="-1" dirty="0" err="1" smtClean="0">
-                <a:solidFill>
-                  <a:srgbClr val="FFFFFF"/>
-                </a:solidFill>
-                <a:uFill>
-                  <a:solidFill>
-                    <a:srgbClr val="FFFFFF"/>
-                  </a:solidFill>
-                </a:uFill>
-                <a:latin typeface="Trebuchet MS"/>
-              </a:rPr>
-              <a:t>Sukses</a:t>
-            </a:r>
-            <a:endParaRPr lang="en-US" sz="2200" b="0" strike="noStrike" spc="-1" dirty="0" smtClean="0">
-              <a:solidFill>
-                <a:srgbClr val="FFFFFF"/>
-              </a:solidFill>
-              <a:uFill>
-                <a:solidFill>
-                  <a:srgbClr val="FFFFFF"/>
-                </a:solidFill>
-              </a:uFill>
-              <a:latin typeface="Trebuchet MS"/>
-            </a:endParaRPr>
-          </a:p>
-          <a:p>
             <a:pPr marL="914760" lvl="2">
               <a:lnSpc>
                 <a:spcPct val="100000"/>
@@ -10195,7 +10736,7 @@
               </a:rPr>
               <a:t>Berhasil</a:t>
             </a:r>
-            <a:endParaRPr lang="en-US" sz="2200" b="0" strike="noStrike" spc="-1" dirty="0">
+            <a:endParaRPr lang="en-US" sz="2200" b="0" strike="noStrike" spc="-1" dirty="0" smtClean="0">
               <a:solidFill>
                 <a:srgbClr val="FFFFFF"/>
               </a:solidFill>
@@ -10205,43 +10746,6 @@
                 </a:solidFill>
               </a:uFill>
               <a:latin typeface="Calibri"/>
-            </a:endParaRPr>
-          </a:p>
-          <a:p>
-            <a:pPr marL="1143000" lvl="2" indent="-228240">
-              <a:lnSpc>
-                <a:spcPct val="100000"/>
-              </a:lnSpc>
-              <a:buClr>
-                <a:srgbClr val="FFFFFF"/>
-              </a:buClr>
-              <a:buFont typeface="Arial"/>
-              <a:buChar char="•"/>
-            </a:pPr>
-            <a:r>
-              <a:rPr lang="en-US" sz="2200" b="0" strike="noStrike" spc="-1" dirty="0" err="1" smtClean="0">
-                <a:solidFill>
-                  <a:srgbClr val="FFFFFF"/>
-                </a:solidFill>
-                <a:uFill>
-                  <a:solidFill>
-                    <a:srgbClr val="FFFFFF"/>
-                  </a:solidFill>
-                </a:uFill>
-                <a:latin typeface="Trebuchet MS"/>
-              </a:rPr>
-              <a:t>Gagal</a:t>
-            </a:r>
-            <a:endParaRPr lang="en-US" sz="2200" b="0" strike="noStrike" spc="-1" dirty="0" smtClean="0">
-              <a:solidFill>
-                <a:srgbClr val="FFFFFF"/>
-              </a:solidFill>
-              <a:uFill>
-                <a:solidFill>
-                  <a:srgbClr val="FFFFFF"/>
-                </a:solidFill>
-              </a:uFill>
-              <a:latin typeface="Trebuchet MS"/>
             </a:endParaRPr>
           </a:p>
           <a:p>
@@ -10265,7 +10769,21 @@
                 </a:uFill>
                 <a:latin typeface="Trebuchet MS"/>
               </a:rPr>
-              <a:t>9: </a:t>
+              <a:t>9</a:t>
+            </a:r>
+            <a:r>
+              <a:rPr lang="en-US" sz="2200" spc="-1" dirty="0" smtClean="0">
+                <a:solidFill>
+                  <a:srgbClr val="FFFFFF"/>
+                </a:solidFill>
+                <a:uFill>
+                  <a:solidFill>
+                    <a:srgbClr val="FFFFFF"/>
+                  </a:solidFill>
+                </a:uFill>
+                <a:latin typeface="Trebuchet MS"/>
+              </a:rPr>
+              <a:t>: </a:t>
             </a:r>
             <a:r>
               <a:rPr lang="en-US" sz="2200" spc="-1" dirty="0" err="1" smtClean="0">
@@ -10931,7 +11449,231 @@
               <a:t>akses</a:t>
             </a:r>
             <a:r>
-              <a:rPr lang="en-US" sz="2200" b="0" strike="noStrike" spc="-1" dirty="0" smtClean="0">
+              <a:rPr lang="en-US" sz="2200" spc="-1" dirty="0">
+                <a:solidFill>
+                  <a:srgbClr val="FFFFFF"/>
+                </a:solidFill>
+                <a:uFill>
+                  <a:solidFill>
+                    <a:srgbClr val="FFFFFF"/>
+                  </a:solidFill>
+                </a:uFill>
+                <a:latin typeface="Trebuchet MS"/>
+              </a:rPr>
+              <a:t>. </a:t>
+            </a:r>
+            <a:r>
+              <a:rPr lang="en-US" sz="2200" spc="-1" dirty="0" err="1" smtClean="0">
+                <a:solidFill>
+                  <a:srgbClr val="FFFFFF"/>
+                </a:solidFill>
+                <a:uFill>
+                  <a:solidFill>
+                    <a:srgbClr val="FFFFFF"/>
+                  </a:solidFill>
+                </a:uFill>
+                <a:latin typeface="Trebuchet MS"/>
+              </a:rPr>
+              <a:t>Ketika</a:t>
+            </a:r>
+            <a:r>
+              <a:rPr lang="en-US" sz="2200" spc="-1" dirty="0" smtClean="0">
+                <a:solidFill>
+                  <a:srgbClr val="FFFFFF"/>
+                </a:solidFill>
+                <a:uFill>
+                  <a:solidFill>
+                    <a:srgbClr val="FFFFFF"/>
+                  </a:solidFill>
+                </a:uFill>
+                <a:latin typeface="Trebuchet MS"/>
+              </a:rPr>
+              <a:t> </a:t>
+            </a:r>
+            <a:r>
+              <a:rPr lang="en-US" sz="2200" spc="-1" dirty="0">
+                <a:solidFill>
+                  <a:srgbClr val="FFFFFF"/>
+                </a:solidFill>
+                <a:uFill>
+                  <a:solidFill>
+                    <a:srgbClr val="FFFFFF"/>
+                  </a:solidFill>
+                </a:uFill>
+                <a:latin typeface="Trebuchet MS"/>
+              </a:rPr>
+              <a:t>login </a:t>
+            </a:r>
+            <a:r>
+              <a:rPr lang="en-US" sz="2200" spc="-1" dirty="0" err="1" smtClean="0">
+                <a:solidFill>
+                  <a:srgbClr val="FFFFFF"/>
+                </a:solidFill>
+                <a:uFill>
+                  <a:solidFill>
+                    <a:srgbClr val="FFFFFF"/>
+                  </a:solidFill>
+                </a:uFill>
+                <a:latin typeface="Trebuchet MS"/>
+              </a:rPr>
+              <a:t>dipanggil</a:t>
+            </a:r>
+            <a:r>
+              <a:rPr lang="en-US" sz="2200" spc="-1" dirty="0" smtClean="0">
+                <a:solidFill>
+                  <a:srgbClr val="FFFFFF"/>
+                </a:solidFill>
+                <a:uFill>
+                  <a:solidFill>
+                    <a:srgbClr val="FFFFFF"/>
+                  </a:solidFill>
+                </a:uFill>
+                <a:latin typeface="Trebuchet MS"/>
+              </a:rPr>
+              <a:t>, </a:t>
+            </a:r>
+            <a:r>
+              <a:rPr lang="en-US" sz="2200" spc="-1" dirty="0" err="1">
+                <a:solidFill>
+                  <a:srgbClr val="FFFFFF"/>
+                </a:solidFill>
+                <a:uFill>
+                  <a:solidFill>
+                    <a:srgbClr val="FFFFFF"/>
+                  </a:solidFill>
+                </a:uFill>
+                <a:latin typeface="Trebuchet MS"/>
+              </a:rPr>
+              <a:t>maka</a:t>
+            </a:r>
+            <a:r>
+              <a:rPr lang="en-US" sz="2200" spc="-1" dirty="0">
+                <a:solidFill>
+                  <a:srgbClr val="FFFFFF"/>
+                </a:solidFill>
+                <a:uFill>
+                  <a:solidFill>
+                    <a:srgbClr val="FFFFFF"/>
+                  </a:solidFill>
+                </a:uFill>
+                <a:latin typeface="Trebuchet MS"/>
+              </a:rPr>
+              <a:t> </a:t>
+            </a:r>
+            <a:r>
+              <a:rPr lang="en-US" sz="2200" spc="-1" dirty="0" smtClean="0">
+                <a:solidFill>
+                  <a:srgbClr val="FFFFFF"/>
+                </a:solidFill>
+                <a:uFill>
+                  <a:solidFill>
+                    <a:srgbClr val="FFFFFF"/>
+                  </a:solidFill>
+                </a:uFill>
+                <a:latin typeface="Trebuchet MS"/>
+              </a:rPr>
+              <a:t>server </a:t>
+            </a:r>
+            <a:r>
+              <a:rPr lang="en-US" sz="2200" spc="-1" dirty="0" err="1" smtClean="0">
+                <a:solidFill>
+                  <a:srgbClr val="FFFFFF"/>
+                </a:solidFill>
+                <a:uFill>
+                  <a:solidFill>
+                    <a:srgbClr val="FFFFFF"/>
+                  </a:solidFill>
+                </a:uFill>
+                <a:latin typeface="Trebuchet MS"/>
+              </a:rPr>
+              <a:t>akan</a:t>
+            </a:r>
+            <a:r>
+              <a:rPr lang="en-US" sz="2200" spc="-1" dirty="0" smtClean="0">
+                <a:solidFill>
+                  <a:srgbClr val="FFFFFF"/>
+                </a:solidFill>
+                <a:uFill>
+                  <a:solidFill>
+                    <a:srgbClr val="FFFFFF"/>
+                  </a:solidFill>
+                </a:uFill>
+                <a:latin typeface="Trebuchet MS"/>
+              </a:rPr>
+              <a:t> </a:t>
+            </a:r>
+            <a:r>
+              <a:rPr lang="en-US" sz="2200" spc="-1" dirty="0" err="1">
+                <a:solidFill>
+                  <a:srgbClr val="FFFFFF"/>
+                </a:solidFill>
+                <a:uFill>
+                  <a:solidFill>
+                    <a:srgbClr val="FFFFFF"/>
+                  </a:solidFill>
+                </a:uFill>
+                <a:latin typeface="Trebuchet MS"/>
+              </a:rPr>
+              <a:t>membaca</a:t>
+            </a:r>
+            <a:r>
+              <a:rPr lang="en-US" sz="2200" spc="-1" dirty="0">
+                <a:solidFill>
+                  <a:srgbClr val="FFFFFF"/>
+                </a:solidFill>
+                <a:uFill>
+                  <a:solidFill>
+                    <a:srgbClr val="FFFFFF"/>
+                  </a:solidFill>
+                </a:uFill>
+                <a:latin typeface="Trebuchet MS"/>
+              </a:rPr>
+              <a:t> file pesan.txt, yang </a:t>
+            </a:r>
+            <a:r>
+              <a:rPr lang="en-US" sz="2200" spc="-1" dirty="0" err="1">
+                <a:solidFill>
+                  <a:srgbClr val="FFFFFF"/>
+                </a:solidFill>
+                <a:uFill>
+                  <a:solidFill>
+                    <a:srgbClr val="FFFFFF"/>
+                  </a:solidFill>
+                </a:uFill>
+                <a:latin typeface="Trebuchet MS"/>
+              </a:rPr>
+              <a:t>berisi</a:t>
+            </a:r>
+            <a:r>
+              <a:rPr lang="en-US" sz="2200" spc="-1" dirty="0">
+                <a:solidFill>
+                  <a:srgbClr val="FFFFFF"/>
+                </a:solidFill>
+                <a:uFill>
+                  <a:solidFill>
+                    <a:srgbClr val="FFFFFF"/>
+                  </a:solidFill>
+                </a:uFill>
+                <a:latin typeface="Trebuchet MS"/>
+              </a:rPr>
+              <a:t> queue </a:t>
+            </a:r>
+            <a:r>
+              <a:rPr lang="en-US" sz="2200" spc="-1" dirty="0" err="1">
+                <a:solidFill>
+                  <a:srgbClr val="FFFFFF"/>
+                </a:solidFill>
+                <a:uFill>
+                  <a:solidFill>
+                    <a:srgbClr val="FFFFFF"/>
+                  </a:solidFill>
+                </a:uFill>
+                <a:latin typeface="Trebuchet MS"/>
+              </a:rPr>
+              <a:t>pesan</a:t>
+            </a:r>
+            <a:r>
+              <a:rPr lang="en-US" sz="2200" spc="-1" dirty="0">
                 <a:solidFill>
                   <a:srgbClr val="FFFFFF"/>
                 </a:solidFill>
@@ -11007,16 +11749,30 @@
             <a:r>
               <a:rPr lang="en-US" sz="2200" b="0" strike="noStrike" spc="-1" dirty="0" smtClean="0">
                 <a:solidFill>
-                  <a:srgbClr val="FFFFFF"/>
-                </a:solidFill>
-                <a:uFill>
-                  <a:solidFill>
-                    <a:srgbClr val="FFFFFF"/>
-                  </a:solidFill>
-                </a:uFill>
-                <a:latin typeface="Trebuchet MS"/>
-              </a:rPr>
-              <a:t>LOGIN </a:t>
+                  <a:srgbClr val="FFFF00"/>
+                </a:solidFill>
+                <a:uFill>
+                  <a:solidFill>
+                    <a:srgbClr val="FFFFFF"/>
+                  </a:solidFill>
+                </a:uFill>
+                <a:latin typeface="Trebuchet MS"/>
+              </a:rPr>
+              <a:t>LOGIN</a:t>
+            </a:r>
+            <a:r>
+              <a:rPr lang="en-US" sz="2200" b="0" strike="noStrike" spc="-1" dirty="0" smtClean="0">
+                <a:solidFill>
+                  <a:srgbClr val="FFFFFF"/>
+                </a:solidFill>
+                <a:uFill>
+                  <a:solidFill>
+                    <a:srgbClr val="FFFFFF"/>
+                  </a:solidFill>
+                </a:uFill>
+                <a:latin typeface="Trebuchet MS"/>
+              </a:rPr>
+              <a:t> </a:t>
             </a:r>
             <a:r>
               <a:rPr lang="en-US" sz="2200" b="0" strike="noStrike" spc="-1" dirty="0" err="1">
@@ -11194,43 +11950,6 @@
             </a:endParaRPr>
           </a:p>
           <a:p>
-            <a:pPr marL="1143000" lvl="2" indent="-228240">
-              <a:lnSpc>
-                <a:spcPct val="100000"/>
-              </a:lnSpc>
-              <a:buClr>
-                <a:srgbClr val="FFFFFF"/>
-              </a:buClr>
-              <a:buFont typeface="Arial"/>
-              <a:buChar char="•"/>
-            </a:pPr>
-            <a:r>
-              <a:rPr lang="en-US" sz="2200" b="0" strike="noStrike" spc="-1" dirty="0" err="1" smtClean="0">
-                <a:solidFill>
-                  <a:srgbClr val="FFFFFF"/>
-                </a:solidFill>
-                <a:uFill>
-                  <a:solidFill>
-                    <a:srgbClr val="FFFFFF"/>
-                  </a:solidFill>
-                </a:uFill>
-                <a:latin typeface="Trebuchet MS"/>
-              </a:rPr>
-              <a:t>Sukses</a:t>
-            </a:r>
-            <a:endParaRPr lang="en-US" sz="2200" b="0" strike="noStrike" spc="-1" dirty="0" smtClean="0">
-              <a:solidFill>
-                <a:srgbClr val="FFFFFF"/>
-              </a:solidFill>
-              <a:uFill>
-                <a:solidFill>
-                  <a:srgbClr val="FFFFFF"/>
-                </a:solidFill>
-              </a:uFill>
-              <a:latin typeface="Trebuchet MS"/>
-            </a:endParaRPr>
-          </a:p>
-          <a:p>
             <a:pPr marL="914760" lvl="2">
               <a:lnSpc>
                 <a:spcPct val="100000"/>
@@ -11251,21 +11970,21 @@
                 </a:uFill>
                 <a:latin typeface="Trebuchet MS"/>
               </a:rPr>
-              <a:t>1: Login </a:t>
-            </a:r>
-            <a:r>
-              <a:rPr lang="en-US" sz="2200" spc="-1" dirty="0" err="1">
-                <a:solidFill>
-                  <a:srgbClr val="FFFFFF"/>
-                </a:solidFill>
-                <a:uFill>
-                  <a:solidFill>
-                    <a:srgbClr val="FFFFFF"/>
-                  </a:solidFill>
-                </a:uFill>
-                <a:latin typeface="Trebuchet MS"/>
-              </a:rPr>
-              <a:t>B</a:t>
+              <a:t>1</a:t>
+            </a:r>
+            <a:r>
+              <a:rPr lang="en-US" sz="2200" spc="-1" dirty="0" smtClean="0">
+                <a:solidFill>
+                  <a:srgbClr val="FFFFFF"/>
+                </a:solidFill>
+                <a:uFill>
+                  <a:solidFill>
+                    <a:srgbClr val="FFFFFF"/>
+                  </a:solidFill>
+                </a:uFill>
+                <a:latin typeface="Trebuchet MS"/>
+              </a:rPr>
+              <a:t>: Login </a:t>
             </a:r>
             <a:r>
               <a:rPr lang="en-US" sz="2200" spc="-1" dirty="0" err="1" smtClean="0">
@@ -11279,44 +11998,7 @@
                 </a:uFill>
                 <a:latin typeface="Trebuchet MS"/>
               </a:rPr>
-              <a:t>erhasil</a:t>
-            </a:r>
-            <a:endParaRPr lang="en-US" sz="2200" b="0" strike="noStrike" spc="-1" dirty="0">
-              <a:solidFill>
-                <a:srgbClr val="FFFFFF"/>
-              </a:solidFill>
-              <a:uFill>
-                <a:solidFill>
-                  <a:srgbClr val="FFFFFF"/>
-                </a:solidFill>
-              </a:uFill>
-              <a:latin typeface="Calibri"/>
-            </a:endParaRPr>
-          </a:p>
-          <a:p>
-            <a:pPr marL="1143000" lvl="2" indent="-228240">
-              <a:lnSpc>
-                <a:spcPct val="100000"/>
-              </a:lnSpc>
-              <a:buClr>
-                <a:srgbClr val="FFFFFF"/>
-              </a:buClr>
-              <a:buFont typeface="Arial"/>
-              <a:buChar char="•"/>
-            </a:pPr>
-            <a:r>
-              <a:rPr lang="en-US" sz="2200" b="0" strike="noStrike" spc="-1" dirty="0" err="1" smtClean="0">
-                <a:solidFill>
-                  <a:srgbClr val="FFFFFF"/>
-                </a:solidFill>
-                <a:uFill>
-                  <a:solidFill>
-                    <a:srgbClr val="FFFFFF"/>
-                  </a:solidFill>
-                </a:uFill>
-                <a:latin typeface="Trebuchet MS"/>
-              </a:rPr>
-              <a:t>Gagal</a:t>
+              <a:t>Berhasil</a:t>
             </a:r>
             <a:endParaRPr lang="en-US" sz="2200" b="0" strike="noStrike" spc="-1" dirty="0" smtClean="0">
               <a:solidFill>
@@ -11685,25 +12367,31 @@
       </p:grpSpPr>
       <p:sp>
         <p:nvSpPr>
-          <p:cNvPr id="3" name="Subtitle 2"/>
-          <p:cNvSpPr>
-            <a:spLocks noGrp="1"/>
-          </p:cNvSpPr>
-          <p:nvPr>
-            <p:ph type="subTitle"/>
-          </p:nvPr>
+          <p:cNvPr id="81" name="TextShape 2"/>
+          <p:cNvSpPr txBox="1"/>
+          <p:nvPr/>
         </p:nvSpPr>
         <p:spPr>
           <a:xfrm>
             <a:off x="0" y="1828800"/>
             <a:ext cx="12192000" cy="5029200"/>
           </a:xfrm>
+          <a:prstGeom prst="rect">
+            <a:avLst/>
+          </a:prstGeom>
+          <a:noFill/>
+          <a:ln>
+            <a:noFill/>
+          </a:ln>
         </p:spPr>
         <p:txBody>
-          <a:bodyPr wrap="square" lIns="91440" tIns="45720" rIns="91440" bIns="45720" anchor="t" anchorCtr="0"/>
+          <a:bodyPr/>
           <a:lstStyle/>
           <a:p>
-            <a:pPr indent="-228240">
+            <a:pPr marL="228600" indent="-228240">
+              <a:lnSpc>
+                <a:spcPct val="90000"/>
+              </a:lnSpc>
               <a:buClr>
                 <a:srgbClr val="FFFFFF"/>
               </a:buClr>
@@ -11711,7 +12399,7 @@
               <a:buChar char="•"/>
             </a:pPr>
             <a:r>
-              <a:rPr lang="en-US" sz="3000" spc="-1" dirty="0">
+              <a:rPr lang="en-US" sz="3000" b="0" strike="noStrike" spc="-1" dirty="0" smtClean="0">
                 <a:solidFill>
                   <a:srgbClr val="00B0F0"/>
                 </a:solidFill>
@@ -11726,7 +12414,7 @@
             </a:r>
           </a:p>
           <a:p>
-            <a:pPr lvl="1" indent="-228240">
+            <a:pPr marL="685800" lvl="1" indent="-228240">
               <a:lnSpc>
                 <a:spcPct val="100000"/>
               </a:lnSpc>
@@ -11748,9 +12436,23 @@
                 </a:uFill>
                 <a:latin typeface="Trebuchet MS"/>
               </a:rPr>
-              <a:t>DESKRIPSI: </a:t>
-            </a:r>
-            <a:endParaRPr lang="en-US" sz="2200" b="0" strike="noStrike" spc="-1" dirty="0" smtClean="0">
+              <a:t>D</a:t>
+            </a:r>
+            <a:r>
+              <a:rPr lang="en-US" sz="2200" b="0" strike="noStrike" spc="-1" dirty="0" smtClean="0">
+                <a:solidFill>
+                  <a:srgbClr val="FFFFFF"/>
+                </a:solidFill>
+                <a:uFill>
+                  <a:solidFill>
+                    <a:srgbClr val="FFFFFF"/>
+                  </a:solidFill>
+                </a:uFill>
+                <a:latin typeface="Trebuchet MS"/>
+              </a:rPr>
+              <a:t>ESKRIPSI: </a:t>
+            </a:r>
+            <a:endParaRPr lang="en-US" sz="2200" spc="-1" dirty="0">
               <a:solidFill>
                 <a:srgbClr val="FFFFFF"/>
               </a:solidFill>
@@ -11763,16 +12465,57 @@
             </a:endParaRPr>
           </a:p>
           <a:p>
-            <a:pPr marL="686160" lvl="2" indent="0">
+            <a:pPr marL="457560" lvl="1">
               <a:lnSpc>
                 <a:spcPct val="100000"/>
               </a:lnSpc>
               <a:buClr>
                 <a:srgbClr val="FFFFFF"/>
               </a:buClr>
-              <a:buNone/>
             </a:pPr>
             <a:r>
+              <a:rPr lang="en-US" sz="2200" spc="-1" dirty="0" smtClean="0">
+                <a:solidFill>
+                  <a:srgbClr val="FFFFFF"/>
+                </a:solidFill>
+                <a:uFill>
+                  <a:solidFill>
+                    <a:srgbClr val="FFFFFF"/>
+                  </a:solidFill>
+                </a:uFill>
+                <a:latin typeface="Calibri"/>
+              </a:rPr>
+              <a:t>	</a:t>
+            </a:r>
+            <a:r>
+              <a:rPr lang="en-US" sz="2200" spc="-1" dirty="0" smtClean="0">
+                <a:solidFill>
+                  <a:srgbClr val="FFFFFF"/>
+                </a:solidFill>
+                <a:uFill>
+                  <a:solidFill>
+                    <a:srgbClr val="FFFFFF"/>
+                  </a:solidFill>
+                </a:uFill>
+                <a:latin typeface="Trebuchet MS"/>
+              </a:rPr>
+              <a:t>User </a:t>
+            </a:r>
+            <a:r>
+              <a:rPr lang="en-US" sz="2200" spc="-1" dirty="0" err="1">
+                <a:solidFill>
+                  <a:srgbClr val="FFFFFF"/>
+                </a:solidFill>
+                <a:uFill>
+                  <a:solidFill>
+                    <a:srgbClr val="FFFFFF"/>
+                  </a:solidFill>
+                </a:uFill>
+                <a:latin typeface="Trebuchet MS"/>
+              </a:rPr>
+              <a:t>melakukan</a:t>
+            </a:r>
+            <a:r>
               <a:rPr lang="en-US" sz="2200" spc="-1" dirty="0">
                 <a:solidFill>
                   <a:srgbClr val="FFFFFF"/>
@@ -11784,7 +12527,7 @@
                 </a:uFill>
                 <a:latin typeface="Trebuchet MS"/>
               </a:rPr>
-              <a:t>User </a:t>
+              <a:t> logout </a:t>
             </a:r>
             <a:r>
               <a:rPr lang="en-US" sz="2200" spc="-1" dirty="0" err="1">
@@ -11798,7 +12541,7 @@
                 </a:uFill>
                 <a:latin typeface="Trebuchet MS"/>
               </a:rPr>
-              <a:t>melakukan</a:t>
+              <a:t>akun</a:t>
             </a:r>
             <a:r>
               <a:rPr lang="en-US" sz="2200" spc="-1" dirty="0">
@@ -11812,7 +12555,7 @@
                 </a:uFill>
                 <a:latin typeface="Trebuchet MS"/>
               </a:rPr>
-              <a:t> logout </a:t>
+              <a:t> </a:t>
             </a:r>
             <a:r>
               <a:rPr lang="en-US" sz="2200" spc="-1" dirty="0" err="1">
@@ -11826,7 +12569,7 @@
                 </a:uFill>
                 <a:latin typeface="Trebuchet MS"/>
               </a:rPr>
-              <a:t>akun</a:t>
+              <a:t>saat</a:t>
             </a:r>
             <a:r>
               <a:rPr lang="en-US" sz="2200" spc="-1" dirty="0">
@@ -11854,37 +12597,9 @@
                 </a:uFill>
                 <a:latin typeface="Trebuchet MS"/>
               </a:rPr>
-              <a:t>saat</a:t>
-            </a:r>
-            <a:r>
-              <a:rPr lang="en-US" sz="2200" spc="-1" dirty="0">
-                <a:solidFill>
-                  <a:srgbClr val="FFFFFF"/>
-                </a:solidFill>
-                <a:uFill>
-                  <a:solidFill>
-                    <a:srgbClr val="FFFFFF"/>
-                  </a:solidFill>
-                </a:uFill>
-                <a:latin typeface="Trebuchet MS"/>
-              </a:rPr>
-              <a:t> </a:t>
-            </a:r>
-            <a:r>
-              <a:rPr lang="en-US" sz="2200" spc="-1" dirty="0" err="1">
-                <a:solidFill>
-                  <a:srgbClr val="FFFFFF"/>
-                </a:solidFill>
-                <a:uFill>
-                  <a:solidFill>
-                    <a:srgbClr val="FFFFFF"/>
-                  </a:solidFill>
-                </a:uFill>
-                <a:latin typeface="Trebuchet MS"/>
-              </a:rPr>
               <a:t>ini</a:t>
             </a:r>
-            <a:endParaRPr lang="en-US" sz="2200" b="0" strike="noStrike" spc="-1" dirty="0" smtClean="0">
+            <a:endParaRPr lang="en-US" sz="2200" spc="-1" dirty="0">
               <a:solidFill>
                 <a:srgbClr val="FFFFFF"/>
               </a:solidFill>
@@ -11897,7 +12612,7 @@
             </a:endParaRPr>
           </a:p>
           <a:p>
-            <a:pPr lvl="1" indent="-228240">
+            <a:pPr marL="685800" lvl="1" indent="-228240">
               <a:lnSpc>
                 <a:spcPct val="100000"/>
               </a:lnSpc>
@@ -11908,18 +12623,18 @@
               <a:buChar char="•"/>
             </a:pPr>
             <a:r>
-              <a:rPr lang="en-US" sz="2200" spc="-1" dirty="0" smtClean="0">
-                <a:solidFill>
-                  <a:srgbClr val="FFFFFF"/>
-                </a:solidFill>
-                <a:uFill>
-                  <a:solidFill>
-                    <a:srgbClr val="FFFFFF"/>
-                  </a:solidFill>
-                </a:uFill>
-                <a:latin typeface="Trebuchet MS"/>
-              </a:rPr>
-              <a:t>FORMAT MESSAGE:</a:t>
+              <a:rPr lang="en-US" sz="2200" b="0" strike="noStrike" spc="-1" dirty="0" smtClean="0">
+                <a:solidFill>
+                  <a:srgbClr val="FFFFFF"/>
+                </a:solidFill>
+                <a:uFill>
+                  <a:solidFill>
+                    <a:srgbClr val="FFFFFF"/>
+                  </a:solidFill>
+                </a:uFill>
+                <a:latin typeface="Trebuchet MS"/>
+              </a:rPr>
+              <a:t>FORMAT MESSAGE: </a:t>
             </a:r>
             <a:endParaRPr lang="en-US" sz="2200" b="0" strike="noStrike" spc="-1" dirty="0" smtClean="0">
               <a:solidFill>
@@ -11934,7 +12649,7 @@
             </a:endParaRPr>
           </a:p>
           <a:p>
-            <a:pPr lvl="2" indent="-228240">
+            <a:pPr marL="1143000" lvl="2" indent="-228240">
               <a:lnSpc>
                 <a:spcPct val="100000"/>
               </a:lnSpc>
@@ -11945,7 +12660,7 @@
               <a:buChar char="•"/>
             </a:pPr>
             <a:r>
-              <a:rPr lang="en-US" sz="2200" spc="-1" dirty="0" smtClean="0">
+              <a:rPr lang="en-US" sz="2200" b="0" strike="noStrike" spc="-1" dirty="0" smtClean="0">
                 <a:solidFill>
                   <a:srgbClr val="FFFF00"/>
                 </a:solidFill>
@@ -11971,7 +12686,7 @@
             </a:endParaRPr>
           </a:p>
           <a:p>
-            <a:pPr lvl="1" indent="-228240">
+            <a:pPr marL="685800" lvl="1" indent="-228240">
               <a:lnSpc>
                 <a:spcPct val="100000"/>
               </a:lnSpc>
@@ -12008,17 +12723,43 @@
             </a:endParaRPr>
           </a:p>
           <a:p>
-            <a:pPr lvl="2" indent="-228240">
+            <a:pPr marL="914760" lvl="2">
               <a:lnSpc>
                 <a:spcPct val="100000"/>
               </a:lnSpc>
               <a:buClr>
                 <a:srgbClr val="FFFFFF"/>
               </a:buClr>
-              <a:buFont typeface="Arial"/>
-              <a:buChar char="•"/>
             </a:pPr>
             <a:r>
+              <a:rPr lang="en-US" sz="2200" spc="-1" dirty="0" smtClean="0">
+                <a:solidFill>
+                  <a:srgbClr val="FFFFFF"/>
+                </a:solidFill>
+                <a:uFill>
+                  <a:solidFill>
+                    <a:srgbClr val="FFFFFF"/>
+                  </a:solidFill>
+                </a:uFill>
+                <a:latin typeface="Trebuchet MS"/>
+              </a:rPr>
+              <a:t>6</a:t>
+            </a:r>
+            <a:r>
+              <a:rPr lang="en-US" sz="2200" spc="-1" dirty="0" smtClean="0">
+                <a:solidFill>
+                  <a:srgbClr val="FFFFFF"/>
+                </a:solidFill>
+                <a:uFill>
+                  <a:solidFill>
+                    <a:srgbClr val="FFFFFF"/>
+                  </a:solidFill>
+                </a:uFill>
+                <a:latin typeface="Trebuchet MS"/>
+              </a:rPr>
+              <a:t>: Logout </a:t>
+            </a:r>
+            <a:r>
               <a:rPr lang="en-US" sz="2200" spc="-1" dirty="0" err="1" smtClean="0">
                 <a:solidFill>
                   <a:srgbClr val="FFFFFF"/>
@@ -12030,9 +12771,9 @@
                 </a:uFill>
                 <a:latin typeface="Trebuchet MS"/>
               </a:rPr>
-              <a:t>Sukses</a:t>
-            </a:r>
-            <a:endParaRPr lang="en-US" sz="2200" spc="-1" dirty="0">
+              <a:t>Berhasil</a:t>
+            </a:r>
+            <a:endParaRPr lang="en-US" sz="2200" b="0" strike="noStrike" spc="-1" dirty="0" smtClean="0">
               <a:solidFill>
                 <a:srgbClr val="FFFFFF"/>
               </a:solidFill>
@@ -12045,14 +12786,13 @@
             </a:endParaRPr>
           </a:p>
           <a:p>
-            <a:pPr marL="686160" lvl="2" indent="0">
+            <a:pPr marL="914760" lvl="2">
               <a:lnSpc>
                 <a:spcPct val="100000"/>
               </a:lnSpc>
               <a:buClr>
                 <a:srgbClr val="FFFFFF"/>
               </a:buClr>
-              <a:buNone/>
             </a:pPr>
             <a:r>
               <a:rPr lang="en-US" sz="2200" spc="-1" dirty="0" smtClean="0">
@@ -12066,7 +12806,7 @@
                 </a:uFill>
                 <a:latin typeface="Trebuchet MS"/>
               </a:rPr>
-              <a:t>6: Logout </a:t>
+              <a:t>7: Logout </a:t>
             </a:r>
             <a:r>
               <a:rPr lang="en-US" sz="2200" spc="-1" dirty="0" err="1">
@@ -12080,9 +12820,23 @@
                 </a:uFill>
                 <a:latin typeface="Trebuchet MS"/>
               </a:rPr>
-              <a:t>Berhasil</a:t>
-            </a:r>
-            <a:endParaRPr lang="en-US" sz="2200" spc="-1" dirty="0">
+              <a:t>G</a:t>
+            </a:r>
+            <a:r>
+              <a:rPr lang="en-US" sz="2200" spc="-1" dirty="0" err="1" smtClean="0">
+                <a:solidFill>
+                  <a:srgbClr val="FFFFFF"/>
+                </a:solidFill>
+                <a:uFill>
+                  <a:solidFill>
+                    <a:srgbClr val="FFFFFF"/>
+                  </a:solidFill>
+                </a:uFill>
+                <a:latin typeface="Trebuchet MS"/>
+              </a:rPr>
+              <a:t>agal</a:t>
+            </a:r>
+            <a:endParaRPr lang="en-US" sz="2200" b="0" strike="noStrike" spc="-1" dirty="0">
               <a:solidFill>
                 <a:srgbClr val="FFFFFF"/>
               </a:solidFill>
@@ -12095,7 +12849,7 @@
             </a:endParaRPr>
           </a:p>
           <a:p>
-            <a:pPr lvl="2" indent="-228240">
+            <a:pPr marL="685800" lvl="1" indent="-228240">
               <a:lnSpc>
                 <a:spcPct val="100000"/>
               </a:lnSpc>
@@ -12106,41 +12860,33 @@
               <a:buChar char="•"/>
             </a:pPr>
             <a:r>
-              <a:rPr lang="en-US" sz="2200" spc="-1" dirty="0" err="1">
-                <a:solidFill>
-                  <a:srgbClr val="FFFFFF"/>
-                </a:solidFill>
-                <a:uFill>
-                  <a:solidFill>
-                    <a:srgbClr val="FFFFFF"/>
-                  </a:solidFill>
-                </a:uFill>
-                <a:latin typeface="Trebuchet MS"/>
-              </a:rPr>
-              <a:t>Gagal</a:t>
-            </a:r>
-            <a:endParaRPr lang="en-US" sz="2200" spc="-1" dirty="0">
-              <a:solidFill>
-                <a:srgbClr val="FFFFFF"/>
-              </a:solidFill>
-              <a:uFill>
-                <a:solidFill>
-                  <a:srgbClr val="FFFFFF"/>
-                </a:solidFill>
-              </a:uFill>
-              <a:latin typeface="Trebuchet MS"/>
-            </a:endParaRPr>
-          </a:p>
-          <a:p>
-            <a:pPr marL="686160" lvl="2" indent="0">
-              <a:lnSpc>
-                <a:spcPct val="100000"/>
-              </a:lnSpc>
-              <a:buClr>
-                <a:srgbClr val="FFFFFF"/>
-              </a:buClr>
-              <a:buNone/>
-            </a:pPr>
+              <a:rPr lang="en-US" sz="2200" b="0" strike="noStrike" spc="-1" dirty="0" smtClean="0">
+                <a:solidFill>
+                  <a:srgbClr val="FFFFFF"/>
+                </a:solidFill>
+                <a:uFill>
+                  <a:solidFill>
+                    <a:srgbClr val="FFFFFF"/>
+                  </a:solidFill>
+                </a:uFill>
+                <a:latin typeface="Trebuchet MS"/>
+              </a:rPr>
+              <a:t>PARAMETER:</a:t>
+            </a:r>
+            <a:r>
+              <a:rPr lang="en-US" sz="2200" spc="-1" dirty="0">
+                <a:solidFill>
+                  <a:srgbClr val="FFFFFF"/>
+                </a:solidFill>
+                <a:uFill>
+                  <a:solidFill>
+                    <a:srgbClr val="FFFFFF"/>
+                  </a:solidFill>
+                </a:uFill>
+                <a:latin typeface="Calibri"/>
+              </a:rPr>
+              <a:t> </a:t>
+            </a:r>
             <a:r>
               <a:rPr lang="en-US" sz="2200" spc="-1" dirty="0" smtClean="0">
                 <a:solidFill>
@@ -12153,23 +12899,9 @@
                 </a:uFill>
                 <a:latin typeface="Trebuchet MS"/>
               </a:rPr>
-              <a:t>7: Logout </a:t>
-            </a:r>
-            <a:r>
-              <a:rPr lang="en-US" sz="2200" spc="-1" dirty="0" err="1">
-                <a:solidFill>
-                  <a:srgbClr val="FFFFFF"/>
-                </a:solidFill>
-                <a:uFill>
-                  <a:solidFill>
-                    <a:srgbClr val="FFFFFF"/>
-                  </a:solidFill>
-                </a:uFill>
-                <a:latin typeface="Trebuchet MS"/>
-              </a:rPr>
-              <a:t>Gagal</a:t>
-            </a:r>
-            <a:endParaRPr lang="en-US" sz="2200" spc="-1" dirty="0">
+              <a:t>-</a:t>
+            </a:r>
+            <a:endParaRPr lang="en-US" sz="2200" b="0" strike="noStrike" spc="-1" dirty="0">
               <a:solidFill>
                 <a:srgbClr val="FFFFFF"/>
               </a:solidFill>
@@ -12180,49 +12912,6 @@
               </a:uFill>
               <a:latin typeface="Calibri"/>
             </a:endParaRPr>
-          </a:p>
-          <a:p>
-            <a:pPr lvl="1" indent="-228240">
-              <a:lnSpc>
-                <a:spcPct val="100000"/>
-              </a:lnSpc>
-              <a:buClr>
-                <a:srgbClr val="FFFFFF"/>
-              </a:buClr>
-              <a:buFont typeface="Arial"/>
-              <a:buChar char="•"/>
-            </a:pPr>
-            <a:r>
-              <a:rPr lang="en-US" sz="2200" spc="-1" dirty="0" smtClean="0">
-                <a:solidFill>
-                  <a:srgbClr val="FFFFFF"/>
-                </a:solidFill>
-                <a:uFill>
-                  <a:solidFill>
-                    <a:srgbClr val="FFFFFF"/>
-                  </a:solidFill>
-                </a:uFill>
-                <a:latin typeface="Trebuchet MS"/>
-              </a:rPr>
-              <a:t>PARAMETER : -</a:t>
-            </a:r>
-            <a:endParaRPr lang="en-US" sz="2200" b="0" strike="noStrike" spc="-1" dirty="0" smtClean="0">
-              <a:solidFill>
-                <a:srgbClr val="FFFFFF"/>
-              </a:solidFill>
-              <a:uFill>
-                <a:solidFill>
-                  <a:srgbClr val="FFFFFF"/>
-                </a:solidFill>
-              </a:uFill>
-              <a:latin typeface="Calibri"/>
-            </a:endParaRPr>
-          </a:p>
-          <a:p>
-            <a:pPr marL="0" indent="0">
-              <a:buNone/>
-            </a:pPr>
-            <a:endParaRPr lang="en-US" sz="2200" dirty="0"/>
           </a:p>
         </p:txBody>
       </p:sp>
@@ -12313,7 +13002,7 @@
     </p:spTree>
     <p:extLst>
       <p:ext uri="{BB962C8B-B14F-4D97-AF65-F5344CB8AC3E}">
-        <p14:creationId xmlns:p14="http://schemas.microsoft.com/office/powerpoint/2010/main" val="1027500171"/>
+        <p14:creationId xmlns:p14="http://schemas.microsoft.com/office/powerpoint/2010/main" val="2977831812"/>
       </p:ext>
     </p:extLst>
   </p:cSld>
@@ -12323,7 +13012,27 @@
   <p:timing>
     <p:tnLst>
       <p:par>
-        <p:cTn id="1" dur="indefinite" restart="never" nodeType="tmRoot"/>
+        <p:cTn id="1" dur="indefinite" restart="never" nodeType="tmRoot">
+          <p:childTnLst>
+            <p:seq>
+              <p:cTn id="2" nodeType="mainSeq"/>
+              <p:prevCondLst>
+                <p:cond evt="onPrev" delay="0">
+                  <p:tgtEl>
+                    <p:sldTgt/>
+                  </p:tgtEl>
+                </p:cond>
+              </p:prevCondLst>
+              <p:nextCondLst>
+                <p:cond evt="onNext" delay="0">
+                  <p:tgtEl>
+                    <p:sldTgt/>
+                  </p:tgtEl>
+                </p:cond>
+              </p:nextCondLst>
+            </p:seq>
+          </p:childTnLst>
+        </p:cTn>
       </p:par>
     </p:tnLst>
   </p:timing>
@@ -12621,7 +13330,273 @@
                 </a:uFill>
                 <a:latin typeface="Trebuchet MS"/>
               </a:rPr>
-              <a:t> user lain.</a:t>
+              <a:t> user lain</a:t>
+            </a:r>
+            <a:r>
+              <a:rPr lang="en-US" sz="2200" spc="-1" dirty="0">
+                <a:solidFill>
+                  <a:srgbClr val="FFFFFF"/>
+                </a:solidFill>
+                <a:uFill>
+                  <a:solidFill>
+                    <a:srgbClr val="FFFFFF"/>
+                  </a:solidFill>
+                </a:uFill>
+                <a:latin typeface="Trebuchet MS"/>
+              </a:rPr>
+              <a:t>. </a:t>
+            </a:r>
+            <a:r>
+              <a:rPr lang="en-US" sz="2200" spc="-1" dirty="0" err="1" smtClean="0">
+                <a:solidFill>
+                  <a:srgbClr val="FFFFFF"/>
+                </a:solidFill>
+                <a:uFill>
+                  <a:solidFill>
+                    <a:srgbClr val="FFFFFF"/>
+                  </a:solidFill>
+                </a:uFill>
+                <a:latin typeface="Trebuchet MS"/>
+              </a:rPr>
+              <a:t>Ketika</a:t>
+            </a:r>
+            <a:r>
+              <a:rPr lang="en-US" sz="2200" spc="-1" dirty="0" smtClean="0">
+                <a:solidFill>
+                  <a:srgbClr val="FFFFFF"/>
+                </a:solidFill>
+                <a:uFill>
+                  <a:solidFill>
+                    <a:srgbClr val="FFFFFF"/>
+                  </a:solidFill>
+                </a:uFill>
+                <a:latin typeface="Trebuchet MS"/>
+              </a:rPr>
+              <a:t> </a:t>
+            </a:r>
+            <a:r>
+              <a:rPr lang="en-US" sz="2200" spc="-1" dirty="0">
+                <a:solidFill>
+                  <a:srgbClr val="FFFFFF"/>
+                </a:solidFill>
+                <a:uFill>
+                  <a:solidFill>
+                    <a:srgbClr val="FFFFFF"/>
+                  </a:solidFill>
+                </a:uFill>
+                <a:latin typeface="Trebuchet MS"/>
+              </a:rPr>
+              <a:t>user yang </a:t>
+            </a:r>
+            <a:r>
+              <a:rPr lang="en-US" sz="2200" spc="-1" dirty="0" err="1">
+                <a:solidFill>
+                  <a:srgbClr val="FFFFFF"/>
+                </a:solidFill>
+                <a:uFill>
+                  <a:solidFill>
+                    <a:srgbClr val="FFFFFF"/>
+                  </a:solidFill>
+                </a:uFill>
+                <a:latin typeface="Trebuchet MS"/>
+              </a:rPr>
+              <a:t>dituju</a:t>
+            </a:r>
+            <a:r>
+              <a:rPr lang="en-US" sz="2200" spc="-1" dirty="0">
+                <a:solidFill>
+                  <a:srgbClr val="FFFFFF"/>
+                </a:solidFill>
+                <a:uFill>
+                  <a:solidFill>
+                    <a:srgbClr val="FFFFFF"/>
+                  </a:solidFill>
+                </a:uFill>
+                <a:latin typeface="Trebuchet MS"/>
+              </a:rPr>
+              <a:t> </a:t>
+            </a:r>
+            <a:r>
+              <a:rPr lang="en-US" sz="2200" spc="-1" dirty="0" err="1">
+                <a:solidFill>
+                  <a:srgbClr val="FFFFFF"/>
+                </a:solidFill>
+                <a:uFill>
+                  <a:solidFill>
+                    <a:srgbClr val="FFFFFF"/>
+                  </a:solidFill>
+                </a:uFill>
+                <a:latin typeface="Trebuchet MS"/>
+              </a:rPr>
+              <a:t>sedang</a:t>
+            </a:r>
+            <a:r>
+              <a:rPr lang="en-US" sz="2200" spc="-1" dirty="0">
+                <a:solidFill>
+                  <a:srgbClr val="FFFFFF"/>
+                </a:solidFill>
+                <a:uFill>
+                  <a:solidFill>
+                    <a:srgbClr val="FFFFFF"/>
+                  </a:solidFill>
+                </a:uFill>
+                <a:latin typeface="Trebuchet MS"/>
+              </a:rPr>
+              <a:t> offline </a:t>
+            </a:r>
+            <a:r>
+              <a:rPr lang="en-US" sz="2200" spc="-1" dirty="0" err="1">
+                <a:solidFill>
+                  <a:srgbClr val="FFFFFF"/>
+                </a:solidFill>
+                <a:uFill>
+                  <a:solidFill>
+                    <a:srgbClr val="FFFFFF"/>
+                  </a:solidFill>
+                </a:uFill>
+                <a:latin typeface="Trebuchet MS"/>
+              </a:rPr>
+              <a:t>maka</a:t>
+            </a:r>
+            <a:r>
+              <a:rPr lang="en-US" sz="2200" spc="-1" dirty="0">
+                <a:solidFill>
+                  <a:srgbClr val="FFFFFF"/>
+                </a:solidFill>
+                <a:uFill>
+                  <a:solidFill>
+                    <a:srgbClr val="FFFFFF"/>
+                  </a:solidFill>
+                </a:uFill>
+                <a:latin typeface="Trebuchet MS"/>
+              </a:rPr>
+              <a:t> </a:t>
+            </a:r>
+            <a:r>
+              <a:rPr lang="en-US" sz="2200" spc="-1" dirty="0" err="1">
+                <a:solidFill>
+                  <a:srgbClr val="FFFFFF"/>
+                </a:solidFill>
+                <a:uFill>
+                  <a:solidFill>
+                    <a:srgbClr val="FFFFFF"/>
+                  </a:solidFill>
+                </a:uFill>
+                <a:latin typeface="Trebuchet MS"/>
+              </a:rPr>
+              <a:t>pesan</a:t>
+            </a:r>
+            <a:r>
+              <a:rPr lang="en-US" sz="2200" spc="-1" dirty="0">
+                <a:solidFill>
+                  <a:srgbClr val="FFFFFF"/>
+                </a:solidFill>
+                <a:uFill>
+                  <a:solidFill>
+                    <a:srgbClr val="FFFFFF"/>
+                  </a:solidFill>
+                </a:uFill>
+                <a:latin typeface="Trebuchet MS"/>
+              </a:rPr>
+              <a:t> </a:t>
+            </a:r>
+            <a:r>
+              <a:rPr lang="en-US" sz="2200" spc="-1" dirty="0" err="1">
+                <a:solidFill>
+                  <a:srgbClr val="FFFFFF"/>
+                </a:solidFill>
+                <a:uFill>
+                  <a:solidFill>
+                    <a:srgbClr val="FFFFFF"/>
+                  </a:solidFill>
+                </a:uFill>
+                <a:latin typeface="Trebuchet MS"/>
+              </a:rPr>
+              <a:t>akan</a:t>
+            </a:r>
+            <a:r>
+              <a:rPr lang="en-US" sz="2200" spc="-1" dirty="0">
+                <a:solidFill>
+                  <a:srgbClr val="FFFFFF"/>
+                </a:solidFill>
+                <a:uFill>
+                  <a:solidFill>
+                    <a:srgbClr val="FFFFFF"/>
+                  </a:solidFill>
+                </a:uFill>
+                <a:latin typeface="Trebuchet MS"/>
+              </a:rPr>
+              <a:t> </a:t>
+            </a:r>
+            <a:r>
+              <a:rPr lang="en-US" sz="2200" spc="-1" dirty="0" err="1">
+                <a:solidFill>
+                  <a:srgbClr val="FFFFFF"/>
+                </a:solidFill>
+                <a:uFill>
+                  <a:solidFill>
+                    <a:srgbClr val="FFFFFF"/>
+                  </a:solidFill>
+                </a:uFill>
+                <a:latin typeface="Trebuchet MS"/>
+              </a:rPr>
+              <a:t>dimasukkan</a:t>
+            </a:r>
+            <a:r>
+              <a:rPr lang="en-US" sz="2200" spc="-1" dirty="0">
+                <a:solidFill>
+                  <a:srgbClr val="FFFFFF"/>
+                </a:solidFill>
+                <a:uFill>
+                  <a:solidFill>
+                    <a:srgbClr val="FFFFFF"/>
+                  </a:solidFill>
+                </a:uFill>
+                <a:latin typeface="Trebuchet MS"/>
+              </a:rPr>
+              <a:t> </a:t>
+            </a:r>
+            <a:r>
+              <a:rPr lang="en-US" sz="2200" spc="-1" dirty="0" err="1">
+                <a:solidFill>
+                  <a:srgbClr val="FFFFFF"/>
+                </a:solidFill>
+                <a:uFill>
+                  <a:solidFill>
+                    <a:srgbClr val="FFFFFF"/>
+                  </a:solidFill>
+                </a:uFill>
+                <a:latin typeface="Trebuchet MS"/>
+              </a:rPr>
+              <a:t>dalam</a:t>
+            </a:r>
+            <a:r>
+              <a:rPr lang="en-US" sz="2200" spc="-1" dirty="0">
+                <a:solidFill>
+                  <a:srgbClr val="FFFFFF"/>
+                </a:solidFill>
+                <a:uFill>
+                  <a:solidFill>
+                    <a:srgbClr val="FFFFFF"/>
+                  </a:solidFill>
+                </a:uFill>
+                <a:latin typeface="Trebuchet MS"/>
+              </a:rPr>
+              <a:t> file </a:t>
+            </a:r>
+            <a:r>
+              <a:rPr lang="en-US" sz="2200" spc="-1" dirty="0" smtClean="0">
+                <a:solidFill>
+                  <a:srgbClr val="FFFFFF"/>
+                </a:solidFill>
+                <a:uFill>
+                  <a:solidFill>
+                    <a:srgbClr val="FFFFFF"/>
+                  </a:solidFill>
+                </a:uFill>
+                <a:latin typeface="Trebuchet MS"/>
+              </a:rPr>
+              <a:t>txt.</a:t>
             </a:r>
             <a:endParaRPr lang="en-US" sz="2200" b="0" strike="noStrike" spc="-1" dirty="0" smtClean="0">
               <a:solidFill>
@@ -12946,42 +13921,101 @@
               </a:rPr>
               <a:t>RETURN&gt; </a:t>
             </a:r>
-            <a:endParaRPr lang="en-US" sz="2200" b="0" strike="noStrike" spc="-1" dirty="0">
-              <a:solidFill>
-                <a:srgbClr val="FFFFFF"/>
-              </a:solidFill>
-              <a:uFill>
-                <a:solidFill>
-                  <a:srgbClr val="FFFFFF"/>
-                </a:solidFill>
-              </a:uFill>
-              <a:latin typeface="Calibri"/>
-            </a:endParaRPr>
-          </a:p>
-          <a:p>
-            <a:pPr marL="1143000" lvl="2" indent="-228240">
+          </a:p>
+          <a:p>
+            <a:pPr marL="1257660" lvl="2" indent="-342900">
               <a:lnSpc>
                 <a:spcPct val="100000"/>
               </a:lnSpc>
               <a:buClr>
                 <a:srgbClr val="FFFFFF"/>
               </a:buClr>
-              <a:buFont typeface="Arial"/>
+              <a:buFont typeface="Arial" panose="020B0604020202020204" pitchFamily="34" charset="0"/>
               <a:buChar char="•"/>
             </a:pPr>
             <a:r>
-              <a:rPr lang="en-US" sz="2200" b="0" strike="noStrike" spc="-1" dirty="0" err="1" smtClean="0">
-                <a:solidFill>
-                  <a:srgbClr val="FFFFFF"/>
-                </a:solidFill>
-                <a:uFill>
-                  <a:solidFill>
-                    <a:srgbClr val="FFFFFF"/>
-                  </a:solidFill>
-                </a:uFill>
-                <a:latin typeface="Trebuchet MS"/>
-              </a:rPr>
-              <a:t>Sukses</a:t>
+              <a:rPr lang="en-US" sz="2200" spc="-1" dirty="0" smtClean="0">
+                <a:solidFill>
+                  <a:srgbClr val="FFFFFF"/>
+                </a:solidFill>
+                <a:uFill>
+                  <a:solidFill>
+                    <a:srgbClr val="FFFFFF"/>
+                  </a:solidFill>
+                </a:uFill>
+                <a:latin typeface="Trebuchet MS"/>
+              </a:rPr>
+              <a:t>3: </a:t>
+            </a:r>
+            <a:r>
+              <a:rPr lang="en-US" sz="2200" spc="-1" dirty="0" err="1" smtClean="0">
+                <a:solidFill>
+                  <a:srgbClr val="FFFFFF"/>
+                </a:solidFill>
+                <a:uFill>
+                  <a:solidFill>
+                    <a:srgbClr val="FFFFFF"/>
+                  </a:solidFill>
+                </a:uFill>
+                <a:latin typeface="Trebuchet MS"/>
+              </a:rPr>
+              <a:t>Kirim</a:t>
+            </a:r>
+            <a:r>
+              <a:rPr lang="en-US" sz="2200" spc="-1" dirty="0" smtClean="0">
+                <a:solidFill>
+                  <a:srgbClr val="FFFFFF"/>
+                </a:solidFill>
+                <a:uFill>
+                  <a:solidFill>
+                    <a:srgbClr val="FFFFFF"/>
+                  </a:solidFill>
+                </a:uFill>
+                <a:latin typeface="Trebuchet MS"/>
+              </a:rPr>
+              <a:t> </a:t>
+            </a:r>
+            <a:r>
+              <a:rPr lang="en-US" sz="2200" spc="-1" dirty="0" err="1" smtClean="0">
+                <a:solidFill>
+                  <a:srgbClr val="FFFFFF"/>
+                </a:solidFill>
+                <a:uFill>
+                  <a:solidFill>
+                    <a:srgbClr val="FFFFFF"/>
+                  </a:solidFill>
+                </a:uFill>
+                <a:latin typeface="Trebuchet MS"/>
+              </a:rPr>
+              <a:t>pesan</a:t>
+            </a:r>
+            <a:r>
+              <a:rPr lang="en-US" sz="2200" spc="-1" dirty="0" smtClean="0">
+                <a:solidFill>
+                  <a:srgbClr val="FFFFFF"/>
+                </a:solidFill>
+                <a:uFill>
+                  <a:solidFill>
+                    <a:srgbClr val="FFFFFF"/>
+                  </a:solidFill>
+                </a:uFill>
+                <a:latin typeface="Trebuchet MS"/>
+              </a:rPr>
+              <a:t> </a:t>
+            </a:r>
+            <a:r>
+              <a:rPr lang="en-US" sz="2200" spc="-1" dirty="0" err="1" smtClean="0">
+                <a:solidFill>
+                  <a:srgbClr val="FFFFFF"/>
+                </a:solidFill>
+                <a:uFill>
+                  <a:solidFill>
+                    <a:srgbClr val="FFFFFF"/>
+                  </a:solidFill>
+                </a:uFill>
+                <a:latin typeface="Trebuchet MS"/>
+              </a:rPr>
+              <a:t>berhasil</a:t>
             </a:r>
             <a:endParaRPr lang="en-US" sz="2200" b="0" strike="noStrike" spc="-1" dirty="0" smtClean="0">
               <a:solidFill>
@@ -12992,126 +14026,144 @@
                   <a:srgbClr val="FFFFFF"/>
                 </a:solidFill>
               </a:uFill>
-              <a:latin typeface="Trebuchet MS"/>
-            </a:endParaRPr>
-          </a:p>
-          <a:p>
-            <a:pPr marL="914760" lvl="2">
-              <a:lnSpc>
-                <a:spcPct val="100000"/>
-              </a:lnSpc>
+              <a:latin typeface="Calibri"/>
+            </a:endParaRPr>
+          </a:p>
+          <a:p>
+            <a:pPr marL="1257660" lvl="2" indent="-342900">
               <a:buClr>
                 <a:srgbClr val="FFFFFF"/>
               </a:buClr>
-            </a:pPr>
-            <a:r>
-              <a:rPr lang="en-US" sz="2200" spc="-1" dirty="0" smtClean="0">
-                <a:solidFill>
-                  <a:srgbClr val="FFFFFF"/>
-                </a:solidFill>
-                <a:uFill>
-                  <a:solidFill>
-                    <a:srgbClr val="FFFFFF"/>
-                  </a:solidFill>
-                </a:uFill>
-                <a:latin typeface="Trebuchet MS"/>
-              </a:rPr>
-              <a:t>3: </a:t>
-            </a:r>
-            <a:r>
-              <a:rPr lang="en-US" sz="2200" spc="-1" dirty="0" err="1" smtClean="0">
-                <a:solidFill>
-                  <a:srgbClr val="FFFFFF"/>
-                </a:solidFill>
-                <a:uFill>
-                  <a:solidFill>
-                    <a:srgbClr val="FFFFFF"/>
-                  </a:solidFill>
-                </a:uFill>
-                <a:latin typeface="Trebuchet MS"/>
-              </a:rPr>
-              <a:t>Kirim</a:t>
-            </a:r>
-            <a:r>
-              <a:rPr lang="en-US" sz="2200" spc="-1" dirty="0" smtClean="0">
-                <a:solidFill>
-                  <a:srgbClr val="FFFFFF"/>
-                </a:solidFill>
-                <a:uFill>
-                  <a:solidFill>
-                    <a:srgbClr val="FFFFFF"/>
-                  </a:solidFill>
-                </a:uFill>
-                <a:latin typeface="Trebuchet MS"/>
-              </a:rPr>
-              <a:t> </a:t>
-            </a:r>
-            <a:r>
-              <a:rPr lang="en-US" sz="2200" spc="-1" dirty="0" err="1" smtClean="0">
-                <a:solidFill>
-                  <a:srgbClr val="FFFFFF"/>
-                </a:solidFill>
-                <a:uFill>
-                  <a:solidFill>
-                    <a:srgbClr val="FFFFFF"/>
-                  </a:solidFill>
-                </a:uFill>
-                <a:latin typeface="Trebuchet MS"/>
-              </a:rPr>
-              <a:t>pesan</a:t>
-            </a:r>
-            <a:r>
-              <a:rPr lang="en-US" sz="2200" spc="-1" dirty="0" smtClean="0">
-                <a:solidFill>
-                  <a:srgbClr val="FFFFFF"/>
-                </a:solidFill>
-                <a:uFill>
-                  <a:solidFill>
-                    <a:srgbClr val="FFFFFF"/>
-                  </a:solidFill>
-                </a:uFill>
-                <a:latin typeface="Trebuchet MS"/>
-              </a:rPr>
-              <a:t> </a:t>
-            </a:r>
-            <a:r>
-              <a:rPr lang="en-US" sz="2200" spc="-1" dirty="0" err="1" smtClean="0">
-                <a:solidFill>
-                  <a:srgbClr val="FFFFFF"/>
-                </a:solidFill>
-                <a:uFill>
-                  <a:solidFill>
-                    <a:srgbClr val="FFFFFF"/>
-                  </a:solidFill>
-                </a:uFill>
-                <a:latin typeface="Trebuchet MS"/>
-              </a:rPr>
-              <a:t>berhasil</a:t>
-            </a:r>
-            <a:endParaRPr lang="en-US" sz="2200" b="0" strike="noStrike" spc="-1" dirty="0" smtClean="0">
-              <a:solidFill>
-                <a:srgbClr val="FFFFFF"/>
-              </a:solidFill>
-              <a:uFill>
-                <a:solidFill>
-                  <a:srgbClr val="FFFFFF"/>
-                </a:solidFill>
-              </a:uFill>
-              <a:latin typeface="Calibri"/>
-            </a:endParaRPr>
-          </a:p>
-          <a:p>
-            <a:pPr marL="1143000" lvl="2" indent="-228240">
-              <a:lnSpc>
-                <a:spcPct val="100000"/>
-              </a:lnSpc>
-              <a:buClr>
-                <a:srgbClr val="FFFFFF"/>
-              </a:buClr>
-              <a:buFont typeface="Arial"/>
+              <a:buFont typeface="Arial" panose="020B0604020202020204" pitchFamily="34" charset="0"/>
               <a:buChar char="•"/>
             </a:pPr>
             <a:r>
+              <a:rPr lang="en-US" sz="2200" spc="-1" dirty="0" smtClean="0">
+                <a:solidFill>
+                  <a:srgbClr val="FFFFFF"/>
+                </a:solidFill>
+                <a:uFill>
+                  <a:solidFill>
+                    <a:srgbClr val="FFFFFF"/>
+                  </a:solidFill>
+                </a:uFill>
+                <a:latin typeface="Trebuchet MS"/>
+              </a:rPr>
+              <a:t>4</a:t>
+            </a:r>
+            <a:r>
+              <a:rPr lang="en-US" sz="2200" spc="-1" dirty="0" smtClean="0">
+                <a:solidFill>
+                  <a:srgbClr val="FFFFFF"/>
+                </a:solidFill>
+                <a:uFill>
+                  <a:solidFill>
+                    <a:srgbClr val="FFFFFF"/>
+                  </a:solidFill>
+                </a:uFill>
+                <a:latin typeface="Trebuchet MS"/>
+              </a:rPr>
+              <a:t>: </a:t>
+            </a:r>
+            <a:r>
+              <a:rPr lang="en-US" sz="2200" spc="-1" dirty="0" err="1" smtClean="0">
+                <a:solidFill>
+                  <a:srgbClr val="FFFFFF"/>
+                </a:solidFill>
+                <a:uFill>
+                  <a:solidFill>
+                    <a:srgbClr val="FFFFFF"/>
+                  </a:solidFill>
+                </a:uFill>
+                <a:latin typeface="Trebuchet MS"/>
+              </a:rPr>
+              <a:t>Kirim</a:t>
+            </a:r>
+            <a:r>
+              <a:rPr lang="en-US" sz="2200" spc="-1" dirty="0" smtClean="0">
+                <a:solidFill>
+                  <a:srgbClr val="FFFFFF"/>
+                </a:solidFill>
+                <a:uFill>
+                  <a:solidFill>
+                    <a:srgbClr val="FFFFFF"/>
+                  </a:solidFill>
+                </a:uFill>
+                <a:latin typeface="Trebuchet MS"/>
+              </a:rPr>
+              <a:t> </a:t>
+            </a:r>
+            <a:r>
+              <a:rPr lang="en-US" sz="2200" spc="-1" dirty="0" err="1" smtClean="0">
+                <a:solidFill>
+                  <a:srgbClr val="FFFFFF"/>
+                </a:solidFill>
+                <a:uFill>
+                  <a:solidFill>
+                    <a:srgbClr val="FFFFFF"/>
+                  </a:solidFill>
+                </a:uFill>
+                <a:latin typeface="Trebuchet MS"/>
+              </a:rPr>
+              <a:t>pesan</a:t>
+            </a:r>
+            <a:r>
+              <a:rPr lang="en-US" sz="2200" spc="-1" dirty="0" smtClean="0">
+                <a:solidFill>
+                  <a:srgbClr val="FFFFFF"/>
+                </a:solidFill>
+                <a:uFill>
+                  <a:solidFill>
+                    <a:srgbClr val="FFFFFF"/>
+                  </a:solidFill>
+                </a:uFill>
+                <a:latin typeface="Trebuchet MS"/>
+              </a:rPr>
+              <a:t> </a:t>
+            </a:r>
+            <a:r>
+              <a:rPr lang="en-US" sz="2200" spc="-1" dirty="0" err="1" smtClean="0">
+                <a:solidFill>
+                  <a:srgbClr val="FFFFFF"/>
+                </a:solidFill>
+                <a:uFill>
+                  <a:solidFill>
+                    <a:srgbClr val="FFFFFF"/>
+                  </a:solidFill>
+                </a:uFill>
+                <a:latin typeface="Trebuchet MS"/>
+              </a:rPr>
+              <a:t>gagal</a:t>
+            </a:r>
+            <a:r>
+              <a:rPr lang="en-US" sz="2200" spc="-1" dirty="0" smtClean="0">
+                <a:solidFill>
+                  <a:srgbClr val="FFFFFF"/>
+                </a:solidFill>
+                <a:uFill>
+                  <a:solidFill>
+                    <a:srgbClr val="FFFFFF"/>
+                  </a:solidFill>
+                </a:uFill>
+                <a:latin typeface="Trebuchet MS"/>
+              </a:rPr>
+              <a:t> (</a:t>
+            </a:r>
+            <a:r>
+              <a:rPr lang="en-US" sz="2200" b="0" strike="noStrike" spc="-1" dirty="0" smtClean="0">
+                <a:solidFill>
+                  <a:srgbClr val="FFFFFF"/>
+                </a:solidFill>
+                <a:uFill>
+                  <a:solidFill>
+                    <a:srgbClr val="FFFFFF"/>
+                  </a:solidFill>
+                </a:uFill>
+                <a:latin typeface="Trebuchet MS"/>
+              </a:rPr>
+              <a:t>USER_NAME_TUJUAN </a:t>
+            </a:r>
+            <a:r>
               <a:rPr lang="en-US" sz="2200" b="0" strike="noStrike" spc="-1" dirty="0" err="1" smtClean="0">
                 <a:solidFill>
                   <a:srgbClr val="FFFFFF"/>
@@ -13123,7 +14175,7 @@
                 </a:uFill>
                 <a:latin typeface="Trebuchet MS"/>
               </a:rPr>
-              <a:t>Gagal</a:t>
+              <a:t>tidak</a:t>
             </a:r>
             <a:r>
               <a:rPr lang="en-US" sz="2200" b="0" strike="noStrike" spc="-1" dirty="0" smtClean="0">
@@ -13139,187 +14191,42 @@
               </a:rPr>
               <a:t> </a:t>
             </a:r>
-          </a:p>
-          <a:p>
-            <a:pPr marL="914760" lvl="2">
+            <a:r>
+              <a:rPr lang="en-US" sz="2200" b="0" strike="noStrike" spc="-1" dirty="0" err="1" smtClean="0">
+                <a:solidFill>
+                  <a:srgbClr val="FFFFFF"/>
+                </a:solidFill>
+                <a:uFill>
+                  <a:solidFill>
+                    <a:srgbClr val="FFFFFF"/>
+                  </a:solidFill>
+                </a:uFill>
+                <a:latin typeface="Trebuchet MS"/>
+              </a:rPr>
+              <a:t>ada</a:t>
+            </a:r>
+            <a:r>
+              <a:rPr lang="en-US" sz="2200" spc="-1" dirty="0" smtClean="0">
+                <a:solidFill>
+                  <a:srgbClr val="FFFFFF"/>
+                </a:solidFill>
+                <a:uFill>
+                  <a:solidFill>
+                    <a:srgbClr val="FFFFFF"/>
+                  </a:solidFill>
+                </a:uFill>
+                <a:latin typeface="Trebuchet MS"/>
+              </a:rPr>
+              <a:t>)</a:t>
+            </a:r>
+          </a:p>
+          <a:p>
+            <a:pPr marL="1257660" lvl="2" indent="-342900">
               <a:buClr>
                 <a:srgbClr val="FFFFFF"/>
               </a:buClr>
-            </a:pPr>
-            <a:r>
-              <a:rPr lang="en-US" sz="2200" spc="-1" dirty="0" smtClean="0">
-                <a:solidFill>
-                  <a:srgbClr val="FFFFFF"/>
-                </a:solidFill>
-                <a:uFill>
-                  <a:solidFill>
-                    <a:srgbClr val="FFFFFF"/>
-                  </a:solidFill>
-                </a:uFill>
-                <a:latin typeface="Trebuchet MS"/>
-              </a:rPr>
-              <a:t>4: </a:t>
-            </a:r>
-            <a:r>
-              <a:rPr lang="en-US" sz="2200" spc="-1" dirty="0" err="1" smtClean="0">
-                <a:solidFill>
-                  <a:srgbClr val="FFFFFF"/>
-                </a:solidFill>
-                <a:uFill>
-                  <a:solidFill>
-                    <a:srgbClr val="FFFFFF"/>
-                  </a:solidFill>
-                </a:uFill>
-                <a:latin typeface="Trebuchet MS"/>
-              </a:rPr>
-              <a:t>Kirim</a:t>
-            </a:r>
-            <a:r>
-              <a:rPr lang="en-US" sz="2200" spc="-1" dirty="0" smtClean="0">
-                <a:solidFill>
-                  <a:srgbClr val="FFFFFF"/>
-                </a:solidFill>
-                <a:uFill>
-                  <a:solidFill>
-                    <a:srgbClr val="FFFFFF"/>
-                  </a:solidFill>
-                </a:uFill>
-                <a:latin typeface="Trebuchet MS"/>
-              </a:rPr>
-              <a:t> </a:t>
-            </a:r>
-            <a:r>
-              <a:rPr lang="en-US" sz="2200" spc="-1" dirty="0" err="1" smtClean="0">
-                <a:solidFill>
-                  <a:srgbClr val="FFFFFF"/>
-                </a:solidFill>
-                <a:uFill>
-                  <a:solidFill>
-                    <a:srgbClr val="FFFFFF"/>
-                  </a:solidFill>
-                </a:uFill>
-                <a:latin typeface="Trebuchet MS"/>
-              </a:rPr>
-              <a:t>pesan</a:t>
-            </a:r>
-            <a:r>
-              <a:rPr lang="en-US" sz="2200" spc="-1" dirty="0" smtClean="0">
-                <a:solidFill>
-                  <a:srgbClr val="FFFFFF"/>
-                </a:solidFill>
-                <a:uFill>
-                  <a:solidFill>
-                    <a:srgbClr val="FFFFFF"/>
-                  </a:solidFill>
-                </a:uFill>
-                <a:latin typeface="Trebuchet MS"/>
-              </a:rPr>
-              <a:t> </a:t>
-            </a:r>
-            <a:r>
-              <a:rPr lang="en-US" sz="2200" spc="-1" dirty="0" err="1" smtClean="0">
-                <a:solidFill>
-                  <a:srgbClr val="FFFFFF"/>
-                </a:solidFill>
-                <a:uFill>
-                  <a:solidFill>
-                    <a:srgbClr val="FFFFFF"/>
-                  </a:solidFill>
-                </a:uFill>
-                <a:latin typeface="Trebuchet MS"/>
-              </a:rPr>
-              <a:t>gagal</a:t>
-            </a:r>
-            <a:r>
-              <a:rPr lang="en-US" sz="2200" spc="-1" dirty="0" smtClean="0">
-                <a:solidFill>
-                  <a:srgbClr val="FFFFFF"/>
-                </a:solidFill>
-                <a:uFill>
-                  <a:solidFill>
-                    <a:srgbClr val="FFFFFF"/>
-                  </a:solidFill>
-                </a:uFill>
-                <a:latin typeface="Trebuchet MS"/>
-              </a:rPr>
-              <a:t> (</a:t>
-            </a:r>
-            <a:r>
-              <a:rPr lang="en-US" sz="2200" b="0" strike="noStrike" spc="-1" dirty="0" smtClean="0">
-                <a:solidFill>
-                  <a:srgbClr val="FFFFFF"/>
-                </a:solidFill>
-                <a:uFill>
-                  <a:solidFill>
-                    <a:srgbClr val="FFFFFF"/>
-                  </a:solidFill>
-                </a:uFill>
-                <a:latin typeface="Trebuchet MS"/>
-              </a:rPr>
-              <a:t>USER_NAME_TUJUAN </a:t>
-            </a:r>
-            <a:r>
-              <a:rPr lang="en-US" sz="2200" b="0" strike="noStrike" spc="-1" dirty="0" err="1" smtClean="0">
-                <a:solidFill>
-                  <a:srgbClr val="FFFFFF"/>
-                </a:solidFill>
-                <a:uFill>
-                  <a:solidFill>
-                    <a:srgbClr val="FFFFFF"/>
-                  </a:solidFill>
-                </a:uFill>
-                <a:latin typeface="Trebuchet MS"/>
-              </a:rPr>
-              <a:t>tidak</a:t>
-            </a:r>
-            <a:r>
-              <a:rPr lang="en-US" sz="2200" b="0" strike="noStrike" spc="-1" dirty="0" smtClean="0">
-                <a:solidFill>
-                  <a:srgbClr val="FFFFFF"/>
-                </a:solidFill>
-                <a:uFill>
-                  <a:solidFill>
-                    <a:srgbClr val="FFFFFF"/>
-                  </a:solidFill>
-                </a:uFill>
-                <a:latin typeface="Trebuchet MS"/>
-              </a:rPr>
-              <a:t> </a:t>
-            </a:r>
-            <a:r>
-              <a:rPr lang="en-US" sz="2200" b="0" strike="noStrike" spc="-1" dirty="0" err="1" smtClean="0">
-                <a:solidFill>
-                  <a:srgbClr val="FFFFFF"/>
-                </a:solidFill>
-                <a:uFill>
-                  <a:solidFill>
-                    <a:srgbClr val="FFFFFF"/>
-                  </a:solidFill>
-                </a:uFill>
-                <a:latin typeface="Trebuchet MS"/>
-              </a:rPr>
-              <a:t>ada</a:t>
-            </a:r>
-            <a:r>
-              <a:rPr lang="en-US" sz="2200" spc="-1" dirty="0" smtClean="0">
-                <a:solidFill>
-                  <a:srgbClr val="FFFFFF"/>
-                </a:solidFill>
-                <a:uFill>
-                  <a:solidFill>
-                    <a:srgbClr val="FFFFFF"/>
-                  </a:solidFill>
-                </a:uFill>
-                <a:latin typeface="Trebuchet MS"/>
-              </a:rPr>
-              <a:t>)</a:t>
-            </a:r>
-          </a:p>
-          <a:p>
-            <a:pPr marL="914760" lvl="2">
-              <a:buClr>
-                <a:srgbClr val="FFFFFF"/>
-              </a:buClr>
+              <a:buFont typeface="Arial" panose="020B0604020202020204" pitchFamily="34" charset="0"/>
+              <a:buChar char="•"/>
             </a:pPr>
             <a:r>
               <a:rPr lang="en-US" sz="2200" spc="-1" dirty="0" smtClean="0">
@@ -14183,31 +15090,101 @@
             </a:endParaRPr>
           </a:p>
           <a:p>
-            <a:pPr marL="1143000" lvl="2" indent="-228240">
+            <a:pPr marL="1257660" lvl="2" indent="-342900">
               <a:lnSpc>
                 <a:spcPct val="100000"/>
               </a:lnSpc>
               <a:buClr>
                 <a:srgbClr val="FFFFFF"/>
               </a:buClr>
-              <a:buFont typeface="Arial"/>
+              <a:buFont typeface="Arial" panose="020B0604020202020204" pitchFamily="34" charset="0"/>
               <a:buChar char="•"/>
             </a:pPr>
             <a:r>
-              <a:rPr lang="en-US" sz="2200" b="0" strike="noStrike" spc="-1" dirty="0" err="1">
-                <a:solidFill>
-                  <a:srgbClr val="FFFFFF"/>
-                </a:solidFill>
-                <a:uFill>
-                  <a:solidFill>
-                    <a:srgbClr val="FFFFFF"/>
-                  </a:solidFill>
-                </a:uFill>
-                <a:latin typeface="Trebuchet MS"/>
-              </a:rPr>
-              <a:t>Sukses</a:t>
-            </a:r>
-            <a:endParaRPr lang="en-US" sz="2200" b="0" strike="noStrike" spc="-1" dirty="0">
+              <a:rPr lang="en-US" sz="2200" spc="-1" dirty="0">
+                <a:solidFill>
+                  <a:srgbClr val="FFFFFF"/>
+                </a:solidFill>
+                <a:uFill>
+                  <a:solidFill>
+                    <a:srgbClr val="FFFFFF"/>
+                  </a:solidFill>
+                </a:uFill>
+                <a:latin typeface="Trebuchet MS"/>
+              </a:rPr>
+              <a:t>3: </a:t>
+            </a:r>
+            <a:r>
+              <a:rPr lang="en-US" sz="2200" spc="-1" dirty="0" err="1">
+                <a:solidFill>
+                  <a:srgbClr val="FFFFFF"/>
+                </a:solidFill>
+                <a:uFill>
+                  <a:solidFill>
+                    <a:srgbClr val="FFFFFF"/>
+                  </a:solidFill>
+                </a:uFill>
+                <a:latin typeface="Trebuchet MS"/>
+              </a:rPr>
+              <a:t>Kirim</a:t>
+            </a:r>
+            <a:r>
+              <a:rPr lang="en-US" sz="2200" spc="-1" dirty="0">
+                <a:solidFill>
+                  <a:srgbClr val="FFFFFF"/>
+                </a:solidFill>
+                <a:uFill>
+                  <a:solidFill>
+                    <a:srgbClr val="FFFFFF"/>
+                  </a:solidFill>
+                </a:uFill>
+                <a:latin typeface="Trebuchet MS"/>
+              </a:rPr>
+              <a:t> </a:t>
+            </a:r>
+            <a:r>
+              <a:rPr lang="en-US" sz="2200" spc="-1" dirty="0" err="1">
+                <a:solidFill>
+                  <a:srgbClr val="FFFFFF"/>
+                </a:solidFill>
+                <a:uFill>
+                  <a:solidFill>
+                    <a:srgbClr val="FFFFFF"/>
+                  </a:solidFill>
+                </a:uFill>
+                <a:latin typeface="Trebuchet MS"/>
+              </a:rPr>
+              <a:t>pesan</a:t>
+            </a:r>
+            <a:r>
+              <a:rPr lang="en-US" sz="2200" spc="-1" dirty="0">
+                <a:solidFill>
+                  <a:srgbClr val="FFFFFF"/>
+                </a:solidFill>
+                <a:uFill>
+                  <a:solidFill>
+                    <a:srgbClr val="FFFFFF"/>
+                  </a:solidFill>
+                </a:uFill>
+                <a:latin typeface="Trebuchet MS"/>
+              </a:rPr>
+              <a:t> </a:t>
+            </a:r>
+            <a:r>
+              <a:rPr lang="en-US" sz="2200" spc="-1" dirty="0" err="1">
+                <a:solidFill>
+                  <a:srgbClr val="FFFFFF"/>
+                </a:solidFill>
+                <a:uFill>
+                  <a:solidFill>
+                    <a:srgbClr val="FFFFFF"/>
+                  </a:solidFill>
+                </a:uFill>
+                <a:latin typeface="Trebuchet MS"/>
+              </a:rPr>
+              <a:t>berhasil</a:t>
+            </a:r>
+            <a:endParaRPr lang="en-US" sz="2200" spc="-1" dirty="0">
               <a:solidFill>
                 <a:srgbClr val="FFFFFF"/>
               </a:solidFill>
@@ -14220,60 +15197,43 @@
             </a:endParaRPr>
           </a:p>
           <a:p>
-            <a:pPr marL="1143000" lvl="2" indent="-228240">
-              <a:lnSpc>
-                <a:spcPct val="100000"/>
-              </a:lnSpc>
+            <a:pPr marL="1257660" lvl="2" indent="-342900">
               <a:buClr>
                 <a:srgbClr val="FFFFFF"/>
               </a:buClr>
-              <a:buFont typeface="Arial"/>
+              <a:buFont typeface="Arial" panose="020B0604020202020204" pitchFamily="34" charset="0"/>
               <a:buChar char="•"/>
             </a:pPr>
             <a:r>
-              <a:rPr lang="en-US" sz="2200" b="0" strike="noStrike" spc="-1" dirty="0" err="1">
-                <a:solidFill>
-                  <a:srgbClr val="FFFFFF"/>
-                </a:solidFill>
-                <a:uFill>
-                  <a:solidFill>
-                    <a:srgbClr val="FFFFFF"/>
-                  </a:solidFill>
-                </a:uFill>
-                <a:latin typeface="Trebuchet MS"/>
-              </a:rPr>
-              <a:t>Gagal</a:t>
-            </a:r>
-            <a:r>
-              <a:rPr lang="en-US" sz="2200" b="0" strike="noStrike" spc="-1" dirty="0">
-                <a:solidFill>
-                  <a:srgbClr val="FFFFFF"/>
-                </a:solidFill>
-                <a:uFill>
-                  <a:solidFill>
-                    <a:srgbClr val="FFFFFF"/>
-                  </a:solidFill>
-                </a:uFill>
-                <a:latin typeface="Trebuchet MS"/>
-              </a:rPr>
-              <a:t> &gt; USER_NAME </a:t>
-            </a:r>
-            <a:r>
-              <a:rPr lang="en-US" sz="2200" b="0" strike="noStrike" spc="-1" dirty="0" err="1">
-                <a:solidFill>
-                  <a:srgbClr val="FFFFFF"/>
-                </a:solidFill>
-                <a:uFill>
-                  <a:solidFill>
-                    <a:srgbClr val="FFFFFF"/>
-                  </a:solidFill>
-                </a:uFill>
-                <a:latin typeface="Trebuchet MS"/>
-              </a:rPr>
-              <a:t>belum</a:t>
-            </a:r>
-            <a:r>
-              <a:rPr lang="en-US" sz="2200" b="0" strike="noStrike" spc="-1" dirty="0">
+              <a:rPr lang="en-US" sz="2200" spc="-1" dirty="0">
+                <a:solidFill>
+                  <a:srgbClr val="FFFFFF"/>
+                </a:solidFill>
+                <a:uFill>
+                  <a:solidFill>
+                    <a:srgbClr val="FFFFFF"/>
+                  </a:solidFill>
+                </a:uFill>
+                <a:latin typeface="Trebuchet MS"/>
+              </a:rPr>
+              <a:t>4: </a:t>
+            </a:r>
+            <a:r>
+              <a:rPr lang="en-US" sz="2200" spc="-1" dirty="0" err="1">
+                <a:solidFill>
+                  <a:srgbClr val="FFFFFF"/>
+                </a:solidFill>
+                <a:uFill>
+                  <a:solidFill>
+                    <a:srgbClr val="FFFFFF"/>
+                  </a:solidFill>
+                </a:uFill>
+                <a:latin typeface="Trebuchet MS"/>
+              </a:rPr>
+              <a:t>Kirim</a:t>
+            </a:r>
+            <a:r>
+              <a:rPr lang="en-US" sz="2200" spc="-1" dirty="0">
                 <a:solidFill>
                   <a:srgbClr val="FFFFFF"/>
                 </a:solidFill>
@@ -14287,30 +15247,117 @@
               <a:t> </a:t>
             </a:r>
             <a:r>
-              <a:rPr lang="en-US" sz="2200" b="0" strike="noStrike" spc="-1" dirty="0" err="1">
-                <a:solidFill>
-                  <a:srgbClr val="FFFFFF"/>
-                </a:solidFill>
-                <a:uFill>
-                  <a:solidFill>
-                    <a:srgbClr val="FFFFFF"/>
-                  </a:solidFill>
-                </a:uFill>
-                <a:latin typeface="Trebuchet MS"/>
-              </a:rPr>
-              <a:t>terautentikasi</a:t>
-            </a:r>
-            <a:endParaRPr lang="en-US" sz="2200" b="0" strike="noStrike" spc="-1" dirty="0">
-              <a:solidFill>
-                <a:srgbClr val="FFFFFF"/>
-              </a:solidFill>
-              <a:uFill>
-                <a:solidFill>
-                  <a:srgbClr val="FFFFFF"/>
-                </a:solidFill>
-              </a:uFill>
-              <a:latin typeface="Calibri"/>
-            </a:endParaRPr>
+              <a:rPr lang="en-US" sz="2200" spc="-1" dirty="0" err="1">
+                <a:solidFill>
+                  <a:srgbClr val="FFFFFF"/>
+                </a:solidFill>
+                <a:uFill>
+                  <a:solidFill>
+                    <a:srgbClr val="FFFFFF"/>
+                  </a:solidFill>
+                </a:uFill>
+                <a:latin typeface="Trebuchet MS"/>
+              </a:rPr>
+              <a:t>pesan</a:t>
+            </a:r>
+            <a:r>
+              <a:rPr lang="en-US" sz="2200" spc="-1" dirty="0">
+                <a:solidFill>
+                  <a:srgbClr val="FFFFFF"/>
+                </a:solidFill>
+                <a:uFill>
+                  <a:solidFill>
+                    <a:srgbClr val="FFFFFF"/>
+                  </a:solidFill>
+                </a:uFill>
+                <a:latin typeface="Trebuchet MS"/>
+              </a:rPr>
+              <a:t> </a:t>
+            </a:r>
+            <a:r>
+              <a:rPr lang="en-US" sz="2200" spc="-1" dirty="0" err="1">
+                <a:solidFill>
+                  <a:srgbClr val="FFFFFF"/>
+                </a:solidFill>
+                <a:uFill>
+                  <a:solidFill>
+                    <a:srgbClr val="FFFFFF"/>
+                  </a:solidFill>
+                </a:uFill>
+                <a:latin typeface="Trebuchet MS"/>
+              </a:rPr>
+              <a:t>gagal</a:t>
+            </a:r>
+            <a:r>
+              <a:rPr lang="en-US" sz="2200" spc="-1" dirty="0">
+                <a:solidFill>
+                  <a:srgbClr val="FFFFFF"/>
+                </a:solidFill>
+                <a:uFill>
+                  <a:solidFill>
+                    <a:srgbClr val="FFFFFF"/>
+                  </a:solidFill>
+                </a:uFill>
+                <a:latin typeface="Trebuchet MS"/>
+              </a:rPr>
+              <a:t> (USER_NAME_TUJUAN </a:t>
+            </a:r>
+            <a:r>
+              <a:rPr lang="en-US" sz="2200" spc="-1" dirty="0" err="1">
+                <a:solidFill>
+                  <a:srgbClr val="FFFFFF"/>
+                </a:solidFill>
+                <a:uFill>
+                  <a:solidFill>
+                    <a:srgbClr val="FFFFFF"/>
+                  </a:solidFill>
+                </a:uFill>
+                <a:latin typeface="Trebuchet MS"/>
+              </a:rPr>
+              <a:t>tidak</a:t>
+            </a:r>
+            <a:r>
+              <a:rPr lang="en-US" sz="2200" spc="-1" dirty="0">
+                <a:solidFill>
+                  <a:srgbClr val="FFFFFF"/>
+                </a:solidFill>
+                <a:uFill>
+                  <a:solidFill>
+                    <a:srgbClr val="FFFFFF"/>
+                  </a:solidFill>
+                </a:uFill>
+                <a:latin typeface="Trebuchet MS"/>
+              </a:rPr>
+              <a:t> </a:t>
+            </a:r>
+            <a:r>
+              <a:rPr lang="en-US" sz="2200" spc="-1" dirty="0" err="1">
+                <a:solidFill>
+                  <a:srgbClr val="FFFFFF"/>
+                </a:solidFill>
+                <a:uFill>
+                  <a:solidFill>
+                    <a:srgbClr val="FFFFFF"/>
+                  </a:solidFill>
+                </a:uFill>
+                <a:latin typeface="Trebuchet MS"/>
+              </a:rPr>
+              <a:t>ada</a:t>
+            </a:r>
+            <a:r>
+              <a:rPr lang="en-US" sz="2200" spc="-1" dirty="0">
+                <a:solidFill>
+                  <a:srgbClr val="FFFFFF"/>
+                </a:solidFill>
+                <a:uFill>
+                  <a:solidFill>
+                    <a:srgbClr val="FFFFFF"/>
+                  </a:solidFill>
+                </a:uFill>
+                <a:latin typeface="Trebuchet MS"/>
+              </a:rPr>
+              <a:t>)</a:t>
+            </a:r>
           </a:p>
         </p:txBody>
       </p:sp>
@@ -15098,7 +16145,77 @@
               <a:buChar char="•"/>
             </a:pPr>
             <a:r>
-              <a:rPr lang="en-US" sz="2200" b="0" strike="noStrike" spc="-1" dirty="0" err="1">
+              <a:rPr lang="en-US" sz="2200" b="0" strike="noStrike" spc="-1" dirty="0" smtClean="0">
+                <a:solidFill>
+                  <a:srgbClr val="FFFFFF"/>
+                </a:solidFill>
+                <a:uFill>
+                  <a:solidFill>
+                    <a:srgbClr val="FFFFFF"/>
+                  </a:solidFill>
+                </a:uFill>
+                <a:latin typeface="Trebuchet MS"/>
+              </a:rPr>
+              <a:t>13: </a:t>
+            </a:r>
+            <a:r>
+              <a:rPr lang="en-US" sz="2200" b="0" strike="noStrike" spc="-1" dirty="0" err="1" smtClean="0">
+                <a:solidFill>
+                  <a:srgbClr val="FFFFFF"/>
+                </a:solidFill>
+                <a:uFill>
+                  <a:solidFill>
+                    <a:srgbClr val="FFFFFF"/>
+                  </a:solidFill>
+                </a:uFill>
+                <a:latin typeface="Trebuchet MS"/>
+              </a:rPr>
+              <a:t>Buat</a:t>
+            </a:r>
+            <a:r>
+              <a:rPr lang="en-US" sz="2200" b="0" strike="noStrike" spc="-1" dirty="0" smtClean="0">
+                <a:solidFill>
+                  <a:srgbClr val="FFFFFF"/>
+                </a:solidFill>
+                <a:uFill>
+                  <a:solidFill>
+                    <a:srgbClr val="FFFFFF"/>
+                  </a:solidFill>
+                </a:uFill>
+                <a:latin typeface="Trebuchet MS"/>
+              </a:rPr>
+              <a:t> </a:t>
+            </a:r>
+            <a:r>
+              <a:rPr lang="en-US" sz="2200" b="0" strike="noStrike" spc="-1" dirty="0" err="1" smtClean="0">
+                <a:solidFill>
+                  <a:srgbClr val="FFFFFF"/>
+                </a:solidFill>
+                <a:uFill>
+                  <a:solidFill>
+                    <a:srgbClr val="FFFFFF"/>
+                  </a:solidFill>
+                </a:uFill>
+                <a:latin typeface="Trebuchet MS"/>
+              </a:rPr>
+              <a:t>Grup</a:t>
+            </a:r>
+            <a:r>
+              <a:rPr lang="en-US" sz="2200" b="0" strike="noStrike" spc="-1" dirty="0" smtClean="0">
+                <a:solidFill>
+                  <a:srgbClr val="FFFFFF"/>
+                </a:solidFill>
+                <a:uFill>
+                  <a:solidFill>
+                    <a:srgbClr val="FFFFFF"/>
+                  </a:solidFill>
+                </a:uFill>
+                <a:latin typeface="Trebuchet MS"/>
+              </a:rPr>
+              <a:t> </a:t>
+            </a:r>
+            <a:r>
+              <a:rPr lang="en-US" sz="2200" b="0" strike="noStrike" spc="-1" dirty="0" err="1" smtClean="0">
                 <a:solidFill>
                   <a:srgbClr val="FFFFFF"/>
                 </a:solidFill>
@@ -15135,7 +16252,77 @@
               <a:buChar char="•"/>
             </a:pPr>
             <a:r>
-              <a:rPr lang="en-US" sz="2200" b="0" strike="noStrike" spc="-1" dirty="0" err="1">
+              <a:rPr lang="en-US" sz="2200" b="0" strike="noStrike" spc="-1" dirty="0" smtClean="0">
+                <a:solidFill>
+                  <a:srgbClr val="FFFFFF"/>
+                </a:solidFill>
+                <a:uFill>
+                  <a:solidFill>
+                    <a:srgbClr val="FFFFFF"/>
+                  </a:solidFill>
+                </a:uFill>
+                <a:latin typeface="Trebuchet MS"/>
+              </a:rPr>
+              <a:t>14: </a:t>
+            </a:r>
+            <a:r>
+              <a:rPr lang="en-US" sz="2200" b="0" strike="noStrike" spc="-1" dirty="0" err="1" smtClean="0">
+                <a:solidFill>
+                  <a:srgbClr val="FFFFFF"/>
+                </a:solidFill>
+                <a:uFill>
+                  <a:solidFill>
+                    <a:srgbClr val="FFFFFF"/>
+                  </a:solidFill>
+                </a:uFill>
+                <a:latin typeface="Trebuchet MS"/>
+              </a:rPr>
+              <a:t>Buat</a:t>
+            </a:r>
+            <a:r>
+              <a:rPr lang="en-US" sz="2200" b="0" strike="noStrike" spc="-1" dirty="0" smtClean="0">
+                <a:solidFill>
+                  <a:srgbClr val="FFFFFF"/>
+                </a:solidFill>
+                <a:uFill>
+                  <a:solidFill>
+                    <a:srgbClr val="FFFFFF"/>
+                  </a:solidFill>
+                </a:uFill>
+                <a:latin typeface="Trebuchet MS"/>
+              </a:rPr>
+              <a:t> </a:t>
+            </a:r>
+            <a:r>
+              <a:rPr lang="en-US" sz="2200" b="0" strike="noStrike" spc="-1" dirty="0" err="1" smtClean="0">
+                <a:solidFill>
+                  <a:srgbClr val="FFFFFF"/>
+                </a:solidFill>
+                <a:uFill>
+                  <a:solidFill>
+                    <a:srgbClr val="FFFFFF"/>
+                  </a:solidFill>
+                </a:uFill>
+                <a:latin typeface="Trebuchet MS"/>
+              </a:rPr>
+              <a:t>Grup</a:t>
+            </a:r>
+            <a:r>
+              <a:rPr lang="en-US" sz="2200" b="0" strike="noStrike" spc="-1" dirty="0" smtClean="0">
+                <a:solidFill>
+                  <a:srgbClr val="FFFFFF"/>
+                </a:solidFill>
+                <a:uFill>
+                  <a:solidFill>
+                    <a:srgbClr val="FFFFFF"/>
+                  </a:solidFill>
+                </a:uFill>
+                <a:latin typeface="Trebuchet MS"/>
+              </a:rPr>
+              <a:t> </a:t>
+            </a:r>
+            <a:r>
+              <a:rPr lang="en-US" sz="2200" b="0" strike="noStrike" spc="-1" dirty="0" err="1" smtClean="0">
                 <a:solidFill>
                   <a:srgbClr val="FFFFFF"/>
                 </a:solidFill>
@@ -15148,6 +16335,70 @@
               </a:rPr>
               <a:t>Gagal</a:t>
             </a:r>
+            <a:endParaRPr lang="en-US" sz="2200" b="0" strike="noStrike" spc="-1" dirty="0" smtClean="0">
+              <a:solidFill>
+                <a:srgbClr val="FFFFFF"/>
+              </a:solidFill>
+              <a:uFill>
+                <a:solidFill>
+                  <a:srgbClr val="FFFFFF"/>
+                </a:solidFill>
+              </a:uFill>
+              <a:latin typeface="Trebuchet MS"/>
+            </a:endParaRPr>
+          </a:p>
+          <a:p>
+            <a:pPr marL="914760" lvl="2">
+              <a:lnSpc>
+                <a:spcPct val="100000"/>
+              </a:lnSpc>
+              <a:buClr>
+                <a:srgbClr val="FFFFFF"/>
+              </a:buClr>
+            </a:pPr>
+            <a:r>
+              <a:rPr lang="en-US" sz="2200" spc="-1" dirty="0" smtClean="0">
+                <a:solidFill>
+                  <a:srgbClr val="FFFFFF"/>
+                </a:solidFill>
+                <a:uFill>
+                  <a:solidFill>
+                    <a:srgbClr val="FFFFFF"/>
+                  </a:solidFill>
+                </a:uFill>
+                <a:latin typeface="Trebuchet MS"/>
+                <a:sym typeface="Wingdings" panose="05000000000000000000" pitchFamily="2" charset="2"/>
+              </a:rPr>
+              <a:t> </a:t>
+            </a:r>
+            <a:r>
+              <a:rPr lang="en-US" sz="2200" b="0" strike="noStrike" spc="-1" dirty="0" err="1" smtClean="0">
+                <a:solidFill>
+                  <a:srgbClr val="FFFFFF"/>
+                </a:solidFill>
+                <a:uFill>
+                  <a:solidFill>
+                    <a:srgbClr val="FFFFFF"/>
+                  </a:solidFill>
+                </a:uFill>
+                <a:latin typeface="Trebuchet MS"/>
+              </a:rPr>
+              <a:t>Gagal</a:t>
+            </a:r>
+            <a:r>
+              <a:rPr lang="en-US" sz="2200" b="0" strike="noStrike" spc="-1" dirty="0" smtClean="0">
+                <a:solidFill>
+                  <a:srgbClr val="FFFFFF"/>
+                </a:solidFill>
+                <a:uFill>
+                  <a:solidFill>
+                    <a:srgbClr val="FFFFFF"/>
+                  </a:solidFill>
+                </a:uFill>
+                <a:latin typeface="Trebuchet MS"/>
+              </a:rPr>
+              <a:t> </a:t>
+            </a:r>
             <a:r>
               <a:rPr lang="en-US" sz="2200" b="0" strike="noStrike" spc="-1" dirty="0">
                 <a:solidFill>
@@ -15160,7 +16411,7 @@
                 </a:uFill>
                 <a:latin typeface="Trebuchet MS"/>
               </a:rPr>
-              <a:t> &gt; </a:t>
+              <a:t>&gt; </a:t>
             </a:r>
             <a:r>
               <a:rPr lang="en-US" sz="2200" b="0" strike="noStrike" spc="-1" dirty="0" err="1">
@@ -16021,7 +17272,77 @@
               <a:buChar char="•"/>
             </a:pPr>
             <a:r>
-              <a:rPr lang="en-US" sz="2200" b="0" strike="noStrike" spc="-1" dirty="0" err="1">
+              <a:rPr lang="en-US" sz="2200" b="0" strike="noStrike" spc="-1" dirty="0" smtClean="0">
+                <a:solidFill>
+                  <a:srgbClr val="FFFFFF"/>
+                </a:solidFill>
+                <a:uFill>
+                  <a:solidFill>
+                    <a:srgbClr val="FFFFFF"/>
+                  </a:solidFill>
+                </a:uFill>
+                <a:latin typeface="Trebuchet MS"/>
+              </a:rPr>
+              <a:t>12: </a:t>
+            </a:r>
+            <a:r>
+              <a:rPr lang="en-US" sz="2200" b="0" strike="noStrike" spc="-1" dirty="0" err="1" smtClean="0">
+                <a:solidFill>
+                  <a:srgbClr val="FFFFFF"/>
+                </a:solidFill>
+                <a:uFill>
+                  <a:solidFill>
+                    <a:srgbClr val="FFFFFF"/>
+                  </a:solidFill>
+                </a:uFill>
+                <a:latin typeface="Trebuchet MS"/>
+              </a:rPr>
+              <a:t>Gabung</a:t>
+            </a:r>
+            <a:r>
+              <a:rPr lang="en-US" sz="2200" b="0" strike="noStrike" spc="-1" dirty="0" smtClean="0">
+                <a:solidFill>
+                  <a:srgbClr val="FFFFFF"/>
+                </a:solidFill>
+                <a:uFill>
+                  <a:solidFill>
+                    <a:srgbClr val="FFFFFF"/>
+                  </a:solidFill>
+                </a:uFill>
+                <a:latin typeface="Trebuchet MS"/>
+              </a:rPr>
+              <a:t> </a:t>
+            </a:r>
+            <a:r>
+              <a:rPr lang="en-US" sz="2200" b="0" strike="noStrike" spc="-1" dirty="0" err="1" smtClean="0">
+                <a:solidFill>
+                  <a:srgbClr val="FFFFFF"/>
+                </a:solidFill>
+                <a:uFill>
+                  <a:solidFill>
+                    <a:srgbClr val="FFFFFF"/>
+                  </a:solidFill>
+                </a:uFill>
+                <a:latin typeface="Trebuchet MS"/>
+              </a:rPr>
+              <a:t>Grup</a:t>
+            </a:r>
+            <a:r>
+              <a:rPr lang="en-US" sz="2200" b="0" strike="noStrike" spc="-1" dirty="0" smtClean="0">
+                <a:solidFill>
+                  <a:srgbClr val="FFFFFF"/>
+                </a:solidFill>
+                <a:uFill>
+                  <a:solidFill>
+                    <a:srgbClr val="FFFFFF"/>
+                  </a:solidFill>
+                </a:uFill>
+                <a:latin typeface="Trebuchet MS"/>
+              </a:rPr>
+              <a:t> “NAMA_GRUP” </a:t>
+            </a:r>
+            <a:r>
+              <a:rPr lang="en-US" sz="2200" b="0" strike="noStrike" spc="-1" dirty="0" err="1" smtClean="0">
                 <a:solidFill>
                   <a:srgbClr val="FFFFFF"/>
                 </a:solidFill>
@@ -16058,7 +17379,77 @@
               <a:buChar char="•"/>
             </a:pPr>
             <a:r>
-              <a:rPr lang="en-US" sz="2200" b="0" strike="noStrike" spc="-1" dirty="0" err="1">
+              <a:rPr lang="en-US" sz="2200" b="0" strike="noStrike" spc="-1" dirty="0" smtClean="0">
+                <a:solidFill>
+                  <a:srgbClr val="FFFFFF"/>
+                </a:solidFill>
+                <a:uFill>
+                  <a:solidFill>
+                    <a:srgbClr val="FFFFFF"/>
+                  </a:solidFill>
+                </a:uFill>
+                <a:latin typeface="Trebuchet MS"/>
+              </a:rPr>
+              <a:t>15: </a:t>
+            </a:r>
+            <a:r>
+              <a:rPr lang="en-US" sz="2200" b="0" strike="noStrike" spc="-1" dirty="0" err="1" smtClean="0">
+                <a:solidFill>
+                  <a:srgbClr val="FFFFFF"/>
+                </a:solidFill>
+                <a:uFill>
+                  <a:solidFill>
+                    <a:srgbClr val="FFFFFF"/>
+                  </a:solidFill>
+                </a:uFill>
+                <a:latin typeface="Trebuchet MS"/>
+              </a:rPr>
+              <a:t>Gabung</a:t>
+            </a:r>
+            <a:r>
+              <a:rPr lang="en-US" sz="2200" b="0" strike="noStrike" spc="-1" dirty="0" smtClean="0">
+                <a:solidFill>
+                  <a:srgbClr val="FFFFFF"/>
+                </a:solidFill>
+                <a:uFill>
+                  <a:solidFill>
+                    <a:srgbClr val="FFFFFF"/>
+                  </a:solidFill>
+                </a:uFill>
+                <a:latin typeface="Trebuchet MS"/>
+              </a:rPr>
+              <a:t> </a:t>
+            </a:r>
+            <a:r>
+              <a:rPr lang="en-US" sz="2200" b="0" strike="noStrike" spc="-1" dirty="0" err="1" smtClean="0">
+                <a:solidFill>
+                  <a:srgbClr val="FFFFFF"/>
+                </a:solidFill>
+                <a:uFill>
+                  <a:solidFill>
+                    <a:srgbClr val="FFFFFF"/>
+                  </a:solidFill>
+                </a:uFill>
+                <a:latin typeface="Trebuchet MS"/>
+              </a:rPr>
+              <a:t>Grup</a:t>
+            </a:r>
+            <a:r>
+              <a:rPr lang="en-US" sz="2200" b="0" strike="noStrike" spc="-1" dirty="0" smtClean="0">
+                <a:solidFill>
+                  <a:srgbClr val="FFFFFF"/>
+                </a:solidFill>
+                <a:uFill>
+                  <a:solidFill>
+                    <a:srgbClr val="FFFFFF"/>
+                  </a:solidFill>
+                </a:uFill>
+                <a:latin typeface="Trebuchet MS"/>
+              </a:rPr>
+              <a:t> </a:t>
+            </a:r>
+            <a:r>
+              <a:rPr lang="en-US" sz="2200" b="0" strike="noStrike" spc="-1" dirty="0" err="1" smtClean="0">
                 <a:solidFill>
                   <a:srgbClr val="FFFFFF"/>
                 </a:solidFill>
@@ -16071,6 +17462,70 @@
               </a:rPr>
               <a:t>Gagal</a:t>
             </a:r>
+            <a:endParaRPr lang="en-US" sz="2200" b="0" strike="noStrike" spc="-1" dirty="0" smtClean="0">
+              <a:solidFill>
+                <a:srgbClr val="FFFFFF"/>
+              </a:solidFill>
+              <a:uFill>
+                <a:solidFill>
+                  <a:srgbClr val="FFFFFF"/>
+                </a:solidFill>
+              </a:uFill>
+              <a:latin typeface="Trebuchet MS"/>
+            </a:endParaRPr>
+          </a:p>
+          <a:p>
+            <a:pPr marL="914760" lvl="2">
+              <a:lnSpc>
+                <a:spcPct val="100000"/>
+              </a:lnSpc>
+              <a:buClr>
+                <a:srgbClr val="FFFFFF"/>
+              </a:buClr>
+            </a:pPr>
+            <a:r>
+              <a:rPr lang="en-US" sz="2200" spc="-1" dirty="0" smtClean="0">
+                <a:solidFill>
+                  <a:srgbClr val="FFFFFF"/>
+                </a:solidFill>
+                <a:uFill>
+                  <a:solidFill>
+                    <a:srgbClr val="FFFFFF"/>
+                  </a:solidFill>
+                </a:uFill>
+                <a:latin typeface="Trebuchet MS"/>
+                <a:sym typeface="Wingdings" panose="05000000000000000000" pitchFamily="2" charset="2"/>
+              </a:rPr>
+              <a:t> </a:t>
+            </a:r>
+            <a:r>
+              <a:rPr lang="en-US" sz="2200" b="0" strike="noStrike" spc="-1" dirty="0" err="1" smtClean="0">
+                <a:solidFill>
+                  <a:srgbClr val="FFFFFF"/>
+                </a:solidFill>
+                <a:uFill>
+                  <a:solidFill>
+                    <a:srgbClr val="FFFFFF"/>
+                  </a:solidFill>
+                </a:uFill>
+                <a:latin typeface="Trebuchet MS"/>
+              </a:rPr>
+              <a:t>Gagal</a:t>
+            </a:r>
+            <a:r>
+              <a:rPr lang="en-US" sz="2200" b="0" strike="noStrike" spc="-1" dirty="0" smtClean="0">
+                <a:solidFill>
+                  <a:srgbClr val="FFFFFF"/>
+                </a:solidFill>
+                <a:uFill>
+                  <a:solidFill>
+                    <a:srgbClr val="FFFFFF"/>
+                  </a:solidFill>
+                </a:uFill>
+                <a:latin typeface="Trebuchet MS"/>
+              </a:rPr>
+              <a:t> </a:t>
+            </a:r>
             <a:r>
               <a:rPr lang="en-US" sz="2200" b="0" strike="noStrike" spc="-1" dirty="0">
                 <a:solidFill>
@@ -16083,7 +17538,7 @@
                 </a:uFill>
                 <a:latin typeface="Trebuchet MS"/>
               </a:rPr>
-              <a:t> &gt; </a:t>
+              <a:t>&gt; </a:t>
             </a:r>
             <a:r>
               <a:rPr lang="en-US" sz="2200" b="0" strike="noStrike" spc="-1" dirty="0" err="1">

--- a/TUGAS2_CHATSERVER/DRAFT-CHAT-SERVER.pptx
+++ b/TUGAS2_CHATSERVER/DRAFT-CHAT-SERVER.pptx
@@ -14,13 +14,14 @@
     <p:sldId id="260" r:id="rId8"/>
     <p:sldId id="259" r:id="rId9"/>
     <p:sldId id="272" r:id="rId10"/>
-    <p:sldId id="261" r:id="rId11"/>
-    <p:sldId id="262" r:id="rId12"/>
-    <p:sldId id="263" r:id="rId13"/>
-    <p:sldId id="271" r:id="rId14"/>
-    <p:sldId id="264" r:id="rId15"/>
-    <p:sldId id="265" r:id="rId16"/>
-    <p:sldId id="266" r:id="rId17"/>
+    <p:sldId id="273" r:id="rId11"/>
+    <p:sldId id="261" r:id="rId12"/>
+    <p:sldId id="262" r:id="rId13"/>
+    <p:sldId id="263" r:id="rId14"/>
+    <p:sldId id="271" r:id="rId15"/>
+    <p:sldId id="264" r:id="rId16"/>
+    <p:sldId id="265" r:id="rId17"/>
+    <p:sldId id="266" r:id="rId18"/>
   </p:sldIdLst>
   <p:sldSz cx="12192000" cy="6858000"/>
   <p:notesSz cx="7559675" cy="10691813"/>
@@ -5146,1100 +5147,7 @@
       </p:grpSpPr>
       <p:sp>
         <p:nvSpPr>
-          <p:cNvPr id="90" name="TextShape 1"/>
-          <p:cNvSpPr txBox="1"/>
-          <p:nvPr/>
-        </p:nvSpPr>
-        <p:spPr>
-          <a:xfrm>
-            <a:off x="0" y="1825560"/>
-            <a:ext cx="12192000" cy="5032440"/>
-          </a:xfrm>
-          <a:prstGeom prst="rect">
-            <a:avLst/>
-          </a:prstGeom>
-          <a:noFill/>
-          <a:ln>
-            <a:noFill/>
-          </a:ln>
-        </p:spPr>
-        <p:txBody>
-          <a:bodyPr/>
-          <a:lstStyle/>
-          <a:p>
-            <a:pPr marL="228600" indent="-228240">
-              <a:lnSpc>
-                <a:spcPct val="90000"/>
-              </a:lnSpc>
-              <a:buClr>
-                <a:srgbClr val="FFFFFF"/>
-              </a:buClr>
-              <a:buFont typeface="Arial"/>
-              <a:buChar char="•"/>
-            </a:pPr>
-            <a:r>
-              <a:rPr lang="en-US" sz="3000" b="0" strike="noStrike" spc="-1" dirty="0">
-                <a:solidFill>
-                  <a:srgbClr val="00B0F0"/>
-                </a:solidFill>
-                <a:uFill>
-                  <a:solidFill>
-                    <a:srgbClr val="FFFFFF"/>
-                  </a:solidFill>
-                </a:uFill>
-                <a:latin typeface="Trebuchet MS"/>
-              </a:rPr>
-              <a:t>GABUNG GRUP</a:t>
-            </a:r>
-            <a:endParaRPr lang="en-US" sz="3000" b="0" strike="noStrike" spc="-1" dirty="0">
-              <a:solidFill>
-                <a:srgbClr val="00B0F0"/>
-              </a:solidFill>
-              <a:uFill>
-                <a:solidFill>
-                  <a:srgbClr val="FFFFFF"/>
-                </a:solidFill>
-              </a:uFill>
-              <a:latin typeface="Calibri"/>
-            </a:endParaRPr>
-          </a:p>
-          <a:p>
-            <a:pPr marL="685800" lvl="1" indent="-228240">
-              <a:lnSpc>
-                <a:spcPct val="100000"/>
-              </a:lnSpc>
-              <a:buClr>
-                <a:srgbClr val="FFFFFF"/>
-              </a:buClr>
-              <a:buFont typeface="Arial"/>
-              <a:buChar char="•"/>
-            </a:pPr>
-            <a:r>
-              <a:rPr lang="en-US" sz="2200" spc="-1" dirty="0">
-                <a:solidFill>
-                  <a:srgbClr val="FFFFFF"/>
-                </a:solidFill>
-                <a:uFill>
-                  <a:solidFill>
-                    <a:srgbClr val="FFFFFF"/>
-                  </a:solidFill>
-                </a:uFill>
-                <a:latin typeface="Trebuchet MS"/>
-              </a:rPr>
-              <a:t>DESKRIPSI:</a:t>
-            </a:r>
-          </a:p>
-          <a:p>
-            <a:pPr marL="457560" lvl="1">
-              <a:lnSpc>
-                <a:spcPct val="100000"/>
-              </a:lnSpc>
-              <a:buClr>
-                <a:srgbClr val="FFFFFF"/>
-              </a:buClr>
-            </a:pPr>
-            <a:r>
-              <a:rPr lang="en-US" sz="2200" spc="-1" dirty="0">
-                <a:solidFill>
-                  <a:srgbClr val="FFFFFF"/>
-                </a:solidFill>
-                <a:uFill>
-                  <a:solidFill>
-                    <a:srgbClr val="FFFFFF"/>
-                  </a:solidFill>
-                </a:uFill>
-                <a:latin typeface="Trebuchet MS"/>
-              </a:rPr>
-              <a:t>	User </a:t>
-            </a:r>
-            <a:r>
-              <a:rPr lang="en-US" sz="2200" spc="-1" dirty="0" err="1">
-                <a:solidFill>
-                  <a:srgbClr val="FFFFFF"/>
-                </a:solidFill>
-                <a:uFill>
-                  <a:solidFill>
-                    <a:srgbClr val="FFFFFF"/>
-                  </a:solidFill>
-                </a:uFill>
-                <a:latin typeface="Trebuchet MS"/>
-              </a:rPr>
-              <a:t>dapat</a:t>
-            </a:r>
-            <a:r>
-              <a:rPr lang="en-US" sz="2200" spc="-1" dirty="0">
-                <a:solidFill>
-                  <a:srgbClr val="FFFFFF"/>
-                </a:solidFill>
-                <a:uFill>
-                  <a:solidFill>
-                    <a:srgbClr val="FFFFFF"/>
-                  </a:solidFill>
-                </a:uFill>
-                <a:latin typeface="Trebuchet MS"/>
-              </a:rPr>
-              <a:t> </a:t>
-            </a:r>
-            <a:r>
-              <a:rPr lang="en-US" sz="2200" spc="-1" dirty="0" err="1">
-                <a:solidFill>
-                  <a:srgbClr val="FFFFFF"/>
-                </a:solidFill>
-                <a:uFill>
-                  <a:solidFill>
-                    <a:srgbClr val="FFFFFF"/>
-                  </a:solidFill>
-                </a:uFill>
-                <a:latin typeface="Trebuchet MS"/>
-              </a:rPr>
-              <a:t>bergabung</a:t>
-            </a:r>
-            <a:r>
-              <a:rPr lang="en-US" sz="2200" spc="-1" dirty="0">
-                <a:solidFill>
-                  <a:srgbClr val="FFFFFF"/>
-                </a:solidFill>
-                <a:uFill>
-                  <a:solidFill>
-                    <a:srgbClr val="FFFFFF"/>
-                  </a:solidFill>
-                </a:uFill>
-                <a:latin typeface="Trebuchet MS"/>
-              </a:rPr>
-              <a:t> </a:t>
-            </a:r>
-            <a:r>
-              <a:rPr lang="en-US" sz="2200" spc="-1" dirty="0" err="1">
-                <a:solidFill>
-                  <a:srgbClr val="FFFFFF"/>
-                </a:solidFill>
-                <a:uFill>
-                  <a:solidFill>
-                    <a:srgbClr val="FFFFFF"/>
-                  </a:solidFill>
-                </a:uFill>
-                <a:latin typeface="Trebuchet MS"/>
-              </a:rPr>
-              <a:t>ke</a:t>
-            </a:r>
-            <a:r>
-              <a:rPr lang="en-US" sz="2200" spc="-1" dirty="0">
-                <a:solidFill>
-                  <a:srgbClr val="FFFFFF"/>
-                </a:solidFill>
-                <a:uFill>
-                  <a:solidFill>
-                    <a:srgbClr val="FFFFFF"/>
-                  </a:solidFill>
-                </a:uFill>
-                <a:latin typeface="Trebuchet MS"/>
-              </a:rPr>
-              <a:t> </a:t>
-            </a:r>
-            <a:r>
-              <a:rPr lang="en-US" sz="2200" spc="-1" dirty="0" err="1">
-                <a:solidFill>
-                  <a:srgbClr val="FFFFFF"/>
-                </a:solidFill>
-                <a:uFill>
-                  <a:solidFill>
-                    <a:srgbClr val="FFFFFF"/>
-                  </a:solidFill>
-                </a:uFill>
-                <a:latin typeface="Trebuchet MS"/>
-              </a:rPr>
-              <a:t>dalam</a:t>
-            </a:r>
-            <a:r>
-              <a:rPr lang="en-US" sz="2200" spc="-1" dirty="0">
-                <a:solidFill>
-                  <a:srgbClr val="FFFFFF"/>
-                </a:solidFill>
-                <a:uFill>
-                  <a:solidFill>
-                    <a:srgbClr val="FFFFFF"/>
-                  </a:solidFill>
-                </a:uFill>
-                <a:latin typeface="Trebuchet MS"/>
-              </a:rPr>
-              <a:t> </a:t>
-            </a:r>
-            <a:r>
-              <a:rPr lang="en-US" sz="2200" spc="-1" dirty="0" err="1">
-                <a:solidFill>
-                  <a:srgbClr val="FFFFFF"/>
-                </a:solidFill>
-                <a:uFill>
-                  <a:solidFill>
-                    <a:srgbClr val="FFFFFF"/>
-                  </a:solidFill>
-                </a:uFill>
-                <a:latin typeface="Trebuchet MS"/>
-              </a:rPr>
-              <a:t>suatu</a:t>
-            </a:r>
-            <a:r>
-              <a:rPr lang="en-US" sz="2200" spc="-1" dirty="0">
-                <a:solidFill>
-                  <a:srgbClr val="FFFFFF"/>
-                </a:solidFill>
-                <a:uFill>
-                  <a:solidFill>
-                    <a:srgbClr val="FFFFFF"/>
-                  </a:solidFill>
-                </a:uFill>
-                <a:latin typeface="Trebuchet MS"/>
-              </a:rPr>
-              <a:t> </a:t>
-            </a:r>
-            <a:r>
-              <a:rPr lang="en-US" sz="2200" spc="-1" dirty="0" err="1">
-                <a:solidFill>
-                  <a:srgbClr val="FFFFFF"/>
-                </a:solidFill>
-                <a:uFill>
-                  <a:solidFill>
-                    <a:srgbClr val="FFFFFF"/>
-                  </a:solidFill>
-                </a:uFill>
-                <a:latin typeface="Trebuchet MS"/>
-              </a:rPr>
-              <a:t>grup</a:t>
-            </a:r>
-            <a:r>
-              <a:rPr lang="en-US" sz="2200" spc="-1" dirty="0">
-                <a:solidFill>
-                  <a:srgbClr val="FFFFFF"/>
-                </a:solidFill>
-                <a:uFill>
-                  <a:solidFill>
-                    <a:srgbClr val="FFFFFF"/>
-                  </a:solidFill>
-                </a:uFill>
-                <a:latin typeface="Trebuchet MS"/>
-              </a:rPr>
-              <a:t> yang </a:t>
-            </a:r>
-            <a:r>
-              <a:rPr lang="en-US" sz="2200" spc="-1" dirty="0" err="1">
-                <a:solidFill>
-                  <a:srgbClr val="FFFFFF"/>
-                </a:solidFill>
-                <a:uFill>
-                  <a:solidFill>
-                    <a:srgbClr val="FFFFFF"/>
-                  </a:solidFill>
-                </a:uFill>
-                <a:latin typeface="Trebuchet MS"/>
-              </a:rPr>
-              <a:t>sudah</a:t>
-            </a:r>
-            <a:r>
-              <a:rPr lang="en-US" sz="2200" spc="-1" dirty="0">
-                <a:solidFill>
-                  <a:srgbClr val="FFFFFF"/>
-                </a:solidFill>
-                <a:uFill>
-                  <a:solidFill>
-                    <a:srgbClr val="FFFFFF"/>
-                  </a:solidFill>
-                </a:uFill>
-                <a:latin typeface="Trebuchet MS"/>
-              </a:rPr>
-              <a:t> </a:t>
-            </a:r>
-            <a:r>
-              <a:rPr lang="en-US" sz="2200" spc="-1" dirty="0" err="1">
-                <a:solidFill>
-                  <a:srgbClr val="FFFFFF"/>
-                </a:solidFill>
-                <a:uFill>
-                  <a:solidFill>
-                    <a:srgbClr val="FFFFFF"/>
-                  </a:solidFill>
-                </a:uFill>
-                <a:latin typeface="Trebuchet MS"/>
-              </a:rPr>
-              <a:t>dibuat</a:t>
-            </a:r>
-            <a:r>
-              <a:rPr lang="en-US" sz="2200" spc="-1" dirty="0">
-                <a:solidFill>
-                  <a:srgbClr val="FFFFFF"/>
-                </a:solidFill>
-                <a:uFill>
-                  <a:solidFill>
-                    <a:srgbClr val="FFFFFF"/>
-                  </a:solidFill>
-                </a:uFill>
-                <a:latin typeface="Trebuchet MS"/>
-              </a:rPr>
-              <a:t>. </a:t>
-            </a:r>
-            <a:endParaRPr lang="en-US" sz="2200" b="0" strike="noStrike" spc="-1" dirty="0">
-              <a:solidFill>
-                <a:srgbClr val="FFFFFF"/>
-              </a:solidFill>
-              <a:uFill>
-                <a:solidFill>
-                  <a:srgbClr val="FFFFFF"/>
-                </a:solidFill>
-              </a:uFill>
-              <a:latin typeface="Trebuchet MS"/>
-            </a:endParaRPr>
-          </a:p>
-          <a:p>
-            <a:pPr marL="685800" lvl="1" indent="-228240">
-              <a:lnSpc>
-                <a:spcPct val="100000"/>
-              </a:lnSpc>
-              <a:buClr>
-                <a:srgbClr val="FFFFFF"/>
-              </a:buClr>
-              <a:buFont typeface="Arial"/>
-              <a:buChar char="•"/>
-            </a:pPr>
-            <a:r>
-              <a:rPr lang="en-US" sz="2200" b="0" strike="noStrike" spc="-1" dirty="0">
-                <a:solidFill>
-                  <a:srgbClr val="FFFFFF"/>
-                </a:solidFill>
-                <a:uFill>
-                  <a:solidFill>
-                    <a:srgbClr val="FFFFFF"/>
-                  </a:solidFill>
-                </a:uFill>
-                <a:latin typeface="Trebuchet MS"/>
-              </a:rPr>
-              <a:t>FORMAT MESSAGE:</a:t>
-            </a:r>
-            <a:endParaRPr lang="en-US" sz="2200" b="0" strike="noStrike" spc="-1" dirty="0">
-              <a:solidFill>
-                <a:srgbClr val="FFFFFF"/>
-              </a:solidFill>
-              <a:uFill>
-                <a:solidFill>
-                  <a:srgbClr val="FFFFFF"/>
-                </a:solidFill>
-              </a:uFill>
-              <a:latin typeface="Calibri"/>
-            </a:endParaRPr>
-          </a:p>
-          <a:p>
-            <a:pPr marL="1143000" lvl="2" indent="-228240">
-              <a:lnSpc>
-                <a:spcPct val="100000"/>
-              </a:lnSpc>
-              <a:buClr>
-                <a:srgbClr val="FFFFFF"/>
-              </a:buClr>
-              <a:buFont typeface="Arial"/>
-              <a:buChar char="•"/>
-            </a:pPr>
-            <a:r>
-              <a:rPr lang="en-US" sz="2200" b="0" strike="noStrike" spc="-1" dirty="0">
-                <a:solidFill>
-                  <a:srgbClr val="FFFF00"/>
-                </a:solidFill>
-                <a:uFill>
-                  <a:solidFill>
-                    <a:srgbClr val="FFFFFF"/>
-                  </a:solidFill>
-                </a:uFill>
-                <a:latin typeface="Trebuchet MS"/>
-              </a:rPr>
-              <a:t>GGRUP</a:t>
-            </a:r>
-            <a:r>
-              <a:rPr lang="en-US" sz="2200" b="0" strike="noStrike" spc="-1" dirty="0">
-                <a:solidFill>
-                  <a:srgbClr val="FFFFFF"/>
-                </a:solidFill>
-                <a:uFill>
-                  <a:solidFill>
-                    <a:srgbClr val="FFFFFF"/>
-                  </a:solidFill>
-                </a:uFill>
-                <a:latin typeface="Trebuchet MS"/>
-              </a:rPr>
-              <a:t> </a:t>
-            </a:r>
-            <a:r>
-              <a:rPr lang="en-US" sz="2200" b="0" strike="noStrike" spc="-1" dirty="0" err="1">
-                <a:solidFill>
-                  <a:srgbClr val="FFFFFF"/>
-                </a:solidFill>
-                <a:uFill>
-                  <a:solidFill>
-                    <a:srgbClr val="FFFFFF"/>
-                  </a:solidFill>
-                </a:uFill>
-                <a:latin typeface="Trebuchet MS"/>
-              </a:rPr>
-              <a:t>spasi</a:t>
-            </a:r>
-            <a:r>
-              <a:rPr lang="en-US" sz="2200" b="0" strike="noStrike" spc="-1" dirty="0">
-                <a:solidFill>
-                  <a:srgbClr val="FFFFFF"/>
-                </a:solidFill>
-                <a:uFill>
-                  <a:solidFill>
-                    <a:srgbClr val="FFFFFF"/>
-                  </a:solidFill>
-                </a:uFill>
-                <a:latin typeface="Trebuchet MS"/>
-              </a:rPr>
-              <a:t> </a:t>
-            </a:r>
-            <a:r>
-              <a:rPr lang="en-US" sz="2200" b="0" strike="noStrike" spc="-1" dirty="0">
-                <a:solidFill>
-                  <a:srgbClr val="FFFF00"/>
-                </a:solidFill>
-                <a:uFill>
-                  <a:solidFill>
-                    <a:srgbClr val="FFFFFF"/>
-                  </a:solidFill>
-                </a:uFill>
-                <a:latin typeface="Trebuchet MS"/>
-              </a:rPr>
-              <a:t>NAMA_GRUP</a:t>
-            </a:r>
-            <a:r>
-              <a:rPr lang="en-US" sz="2200" b="0" strike="noStrike" spc="-1" dirty="0">
-                <a:solidFill>
-                  <a:srgbClr val="FFFFFF"/>
-                </a:solidFill>
-                <a:uFill>
-                  <a:solidFill>
-                    <a:srgbClr val="FFFFFF"/>
-                  </a:solidFill>
-                </a:uFill>
-                <a:latin typeface="Trebuchet MS"/>
-              </a:rPr>
-              <a:t> </a:t>
-            </a:r>
-            <a:r>
-              <a:rPr lang="en-US" sz="2200" b="0" strike="noStrike" spc="-1" dirty="0" err="1">
-                <a:solidFill>
-                  <a:srgbClr val="FFFFFF"/>
-                </a:solidFill>
-                <a:uFill>
-                  <a:solidFill>
-                    <a:srgbClr val="FFFFFF"/>
-                  </a:solidFill>
-                </a:uFill>
-                <a:latin typeface="Trebuchet MS"/>
-              </a:rPr>
-              <a:t>spasi</a:t>
-            </a:r>
-            <a:r>
-              <a:rPr lang="en-US" sz="2200" b="0" strike="noStrike" spc="-1" dirty="0">
-                <a:solidFill>
-                  <a:srgbClr val="FFFFFF"/>
-                </a:solidFill>
-                <a:uFill>
-                  <a:solidFill>
-                    <a:srgbClr val="FFFFFF"/>
-                  </a:solidFill>
-                </a:uFill>
-                <a:latin typeface="Trebuchet MS"/>
-              </a:rPr>
-              <a:t> </a:t>
-            </a:r>
-            <a:r>
-              <a:rPr lang="en-US" sz="2200" b="0" strike="noStrike" spc="-1" dirty="0">
-                <a:solidFill>
-                  <a:srgbClr val="FFFF00"/>
-                </a:solidFill>
-                <a:uFill>
-                  <a:solidFill>
-                    <a:srgbClr val="FFFFFF"/>
-                  </a:solidFill>
-                </a:uFill>
-                <a:latin typeface="Trebuchet MS"/>
-              </a:rPr>
-              <a:t>PASS GRUP</a:t>
-            </a:r>
-            <a:endParaRPr lang="en-US" sz="2200" b="0" strike="noStrike" spc="-1" dirty="0">
-              <a:solidFill>
-                <a:srgbClr val="FFFF00"/>
-              </a:solidFill>
-              <a:uFill>
-                <a:solidFill>
-                  <a:srgbClr val="FFFFFF"/>
-                </a:solidFill>
-              </a:uFill>
-              <a:latin typeface="Calibri"/>
-            </a:endParaRPr>
-          </a:p>
-          <a:p>
-            <a:pPr marL="685800" lvl="1" indent="-228240">
-              <a:lnSpc>
-                <a:spcPct val="100000"/>
-              </a:lnSpc>
-              <a:buClr>
-                <a:srgbClr val="FFFFFF"/>
-              </a:buClr>
-              <a:buFont typeface="Arial"/>
-              <a:buChar char="•"/>
-            </a:pPr>
-            <a:r>
-              <a:rPr lang="en-US" sz="2200" b="0" strike="noStrike" spc="-1" dirty="0">
-                <a:solidFill>
-                  <a:srgbClr val="FFFFFF"/>
-                </a:solidFill>
-                <a:uFill>
-                  <a:solidFill>
-                    <a:srgbClr val="FFFFFF"/>
-                  </a:solidFill>
-                </a:uFill>
-                <a:latin typeface="Trebuchet MS"/>
-              </a:rPr>
-              <a:t>PARAMETER:</a:t>
-            </a:r>
-            <a:endParaRPr lang="en-US" sz="2200" b="0" strike="noStrike" spc="-1" dirty="0">
-              <a:solidFill>
-                <a:srgbClr val="FFFFFF"/>
-              </a:solidFill>
-              <a:uFill>
-                <a:solidFill>
-                  <a:srgbClr val="FFFFFF"/>
-                </a:solidFill>
-              </a:uFill>
-              <a:latin typeface="Calibri"/>
-            </a:endParaRPr>
-          </a:p>
-          <a:p>
-            <a:pPr marL="1143000" lvl="2" indent="-228240">
-              <a:lnSpc>
-                <a:spcPct val="100000"/>
-              </a:lnSpc>
-              <a:buClr>
-                <a:srgbClr val="FFFFFF"/>
-              </a:buClr>
-              <a:buFont typeface="Arial"/>
-              <a:buChar char="•"/>
-            </a:pPr>
-            <a:r>
-              <a:rPr lang="en-US" sz="2200" b="0" strike="noStrike" spc="-1" dirty="0">
-                <a:solidFill>
-                  <a:srgbClr val="FFFFFF"/>
-                </a:solidFill>
-                <a:uFill>
-                  <a:solidFill>
-                    <a:srgbClr val="FFFFFF"/>
-                  </a:solidFill>
-                </a:uFill>
-                <a:latin typeface="Trebuchet MS"/>
-              </a:rPr>
-              <a:t>NAMA_GRUP, PASS_GRUP</a:t>
-            </a:r>
-            <a:endParaRPr lang="en-US" sz="2200" b="0" strike="noStrike" spc="-1" dirty="0">
-              <a:solidFill>
-                <a:srgbClr val="FFFFFF"/>
-              </a:solidFill>
-              <a:uFill>
-                <a:solidFill>
-                  <a:srgbClr val="FFFFFF"/>
-                </a:solidFill>
-              </a:uFill>
-              <a:latin typeface="Calibri"/>
-            </a:endParaRPr>
-          </a:p>
-          <a:p>
-            <a:pPr marL="685800" lvl="1" indent="-228240">
-              <a:lnSpc>
-                <a:spcPct val="100000"/>
-              </a:lnSpc>
-              <a:buClr>
-                <a:srgbClr val="FFFFFF"/>
-              </a:buClr>
-              <a:buFont typeface="Arial"/>
-              <a:buChar char="•"/>
-            </a:pPr>
-            <a:r>
-              <a:rPr lang="en-US" sz="2200" b="0" strike="noStrike" spc="-1" dirty="0">
-                <a:solidFill>
-                  <a:srgbClr val="FFFFFF"/>
-                </a:solidFill>
-                <a:uFill>
-                  <a:solidFill>
-                    <a:srgbClr val="FFFFFF"/>
-                  </a:solidFill>
-                </a:uFill>
-                <a:latin typeface="Trebuchet MS"/>
-              </a:rPr>
-              <a:t>RETURN&gt;</a:t>
-            </a:r>
-            <a:endParaRPr lang="en-US" sz="2200" b="0" strike="noStrike" spc="-1" dirty="0">
-              <a:solidFill>
-                <a:srgbClr val="FFFFFF"/>
-              </a:solidFill>
-              <a:uFill>
-                <a:solidFill>
-                  <a:srgbClr val="FFFFFF"/>
-                </a:solidFill>
-              </a:uFill>
-              <a:latin typeface="Calibri"/>
-            </a:endParaRPr>
-          </a:p>
-          <a:p>
-            <a:pPr marL="1143000" lvl="2" indent="-228240">
-              <a:lnSpc>
-                <a:spcPct val="100000"/>
-              </a:lnSpc>
-              <a:buClr>
-                <a:srgbClr val="FFFFFF"/>
-              </a:buClr>
-              <a:buFont typeface="Arial"/>
-              <a:buChar char="•"/>
-            </a:pPr>
-            <a:r>
-              <a:rPr lang="en-US" sz="2200" b="0" strike="noStrike" spc="-1" dirty="0">
-                <a:solidFill>
-                  <a:srgbClr val="FFFFFF"/>
-                </a:solidFill>
-                <a:uFill>
-                  <a:solidFill>
-                    <a:srgbClr val="FFFFFF"/>
-                  </a:solidFill>
-                </a:uFill>
-                <a:latin typeface="Trebuchet MS"/>
-              </a:rPr>
-              <a:t>12: </a:t>
-            </a:r>
-            <a:r>
-              <a:rPr lang="en-US" sz="2200" b="0" strike="noStrike" spc="-1" dirty="0" err="1">
-                <a:solidFill>
-                  <a:srgbClr val="FFFFFF"/>
-                </a:solidFill>
-                <a:uFill>
-                  <a:solidFill>
-                    <a:srgbClr val="FFFFFF"/>
-                  </a:solidFill>
-                </a:uFill>
-                <a:latin typeface="Trebuchet MS"/>
-              </a:rPr>
-              <a:t>Gabung</a:t>
-            </a:r>
-            <a:r>
-              <a:rPr lang="en-US" sz="2200" b="0" strike="noStrike" spc="-1" dirty="0">
-                <a:solidFill>
-                  <a:srgbClr val="FFFFFF"/>
-                </a:solidFill>
-                <a:uFill>
-                  <a:solidFill>
-                    <a:srgbClr val="FFFFFF"/>
-                  </a:solidFill>
-                </a:uFill>
-                <a:latin typeface="Trebuchet MS"/>
-              </a:rPr>
-              <a:t> </a:t>
-            </a:r>
-            <a:r>
-              <a:rPr lang="en-US" sz="2200" b="0" strike="noStrike" spc="-1" dirty="0" err="1">
-                <a:solidFill>
-                  <a:srgbClr val="FFFFFF"/>
-                </a:solidFill>
-                <a:uFill>
-                  <a:solidFill>
-                    <a:srgbClr val="FFFFFF"/>
-                  </a:solidFill>
-                </a:uFill>
-                <a:latin typeface="Trebuchet MS"/>
-              </a:rPr>
-              <a:t>Grup</a:t>
-            </a:r>
-            <a:r>
-              <a:rPr lang="en-US" sz="2200" b="0" strike="noStrike" spc="-1" dirty="0">
-                <a:solidFill>
-                  <a:srgbClr val="FFFFFF"/>
-                </a:solidFill>
-                <a:uFill>
-                  <a:solidFill>
-                    <a:srgbClr val="FFFFFF"/>
-                  </a:solidFill>
-                </a:uFill>
-                <a:latin typeface="Trebuchet MS"/>
-              </a:rPr>
-              <a:t> “NAMA_GRUP” </a:t>
-            </a:r>
-            <a:r>
-              <a:rPr lang="en-US" sz="2200" b="0" strike="noStrike" spc="-1" dirty="0" err="1">
-                <a:solidFill>
-                  <a:srgbClr val="FFFFFF"/>
-                </a:solidFill>
-                <a:uFill>
-                  <a:solidFill>
-                    <a:srgbClr val="FFFFFF"/>
-                  </a:solidFill>
-                </a:uFill>
-                <a:latin typeface="Trebuchet MS"/>
-              </a:rPr>
-              <a:t>Sukses</a:t>
-            </a:r>
-            <a:endParaRPr lang="en-US" sz="2200" b="0" strike="noStrike" spc="-1" dirty="0">
-              <a:solidFill>
-                <a:srgbClr val="FFFFFF"/>
-              </a:solidFill>
-              <a:uFill>
-                <a:solidFill>
-                  <a:srgbClr val="FFFFFF"/>
-                </a:solidFill>
-              </a:uFill>
-              <a:latin typeface="Calibri"/>
-            </a:endParaRPr>
-          </a:p>
-          <a:p>
-            <a:pPr marL="1143000" lvl="2" indent="-228240">
-              <a:lnSpc>
-                <a:spcPct val="100000"/>
-              </a:lnSpc>
-              <a:buClr>
-                <a:srgbClr val="FFFFFF"/>
-              </a:buClr>
-              <a:buFont typeface="Arial"/>
-              <a:buChar char="•"/>
-            </a:pPr>
-            <a:r>
-              <a:rPr lang="en-US" sz="2200" b="0" strike="noStrike" spc="-1" dirty="0">
-                <a:solidFill>
-                  <a:srgbClr val="FFFFFF"/>
-                </a:solidFill>
-                <a:uFill>
-                  <a:solidFill>
-                    <a:srgbClr val="FFFFFF"/>
-                  </a:solidFill>
-                </a:uFill>
-                <a:latin typeface="Trebuchet MS"/>
-              </a:rPr>
-              <a:t>15: </a:t>
-            </a:r>
-            <a:r>
-              <a:rPr lang="en-US" sz="2200" b="0" strike="noStrike" spc="-1" dirty="0" err="1">
-                <a:solidFill>
-                  <a:srgbClr val="FFFFFF"/>
-                </a:solidFill>
-                <a:uFill>
-                  <a:solidFill>
-                    <a:srgbClr val="FFFFFF"/>
-                  </a:solidFill>
-                </a:uFill>
-                <a:latin typeface="Trebuchet MS"/>
-              </a:rPr>
-              <a:t>Gabung</a:t>
-            </a:r>
-            <a:r>
-              <a:rPr lang="en-US" sz="2200" b="0" strike="noStrike" spc="-1" dirty="0">
-                <a:solidFill>
-                  <a:srgbClr val="FFFFFF"/>
-                </a:solidFill>
-                <a:uFill>
-                  <a:solidFill>
-                    <a:srgbClr val="FFFFFF"/>
-                  </a:solidFill>
-                </a:uFill>
-                <a:latin typeface="Trebuchet MS"/>
-              </a:rPr>
-              <a:t> </a:t>
-            </a:r>
-            <a:r>
-              <a:rPr lang="en-US" sz="2200" b="0" strike="noStrike" spc="-1" dirty="0" err="1">
-                <a:solidFill>
-                  <a:srgbClr val="FFFFFF"/>
-                </a:solidFill>
-                <a:uFill>
-                  <a:solidFill>
-                    <a:srgbClr val="FFFFFF"/>
-                  </a:solidFill>
-                </a:uFill>
-                <a:latin typeface="Trebuchet MS"/>
-              </a:rPr>
-              <a:t>Grup</a:t>
-            </a:r>
-            <a:r>
-              <a:rPr lang="en-US" sz="2200" b="0" strike="noStrike" spc="-1" dirty="0">
-                <a:solidFill>
-                  <a:srgbClr val="FFFFFF"/>
-                </a:solidFill>
-                <a:uFill>
-                  <a:solidFill>
-                    <a:srgbClr val="FFFFFF"/>
-                  </a:solidFill>
-                </a:uFill>
-                <a:latin typeface="Trebuchet MS"/>
-              </a:rPr>
-              <a:t> </a:t>
-            </a:r>
-            <a:r>
-              <a:rPr lang="en-US" sz="2200" b="0" strike="noStrike" spc="-1" dirty="0" err="1">
-                <a:solidFill>
-                  <a:srgbClr val="FFFFFF"/>
-                </a:solidFill>
-                <a:uFill>
-                  <a:solidFill>
-                    <a:srgbClr val="FFFFFF"/>
-                  </a:solidFill>
-                </a:uFill>
-                <a:latin typeface="Trebuchet MS"/>
-              </a:rPr>
-              <a:t>Gagal</a:t>
-            </a:r>
-            <a:endParaRPr lang="en-US" sz="2200" b="0" strike="noStrike" spc="-1" dirty="0">
-              <a:solidFill>
-                <a:srgbClr val="FFFFFF"/>
-              </a:solidFill>
-              <a:uFill>
-                <a:solidFill>
-                  <a:srgbClr val="FFFFFF"/>
-                </a:solidFill>
-              </a:uFill>
-              <a:latin typeface="Trebuchet MS"/>
-            </a:endParaRPr>
-          </a:p>
-          <a:p>
-            <a:pPr marL="914760" lvl="2">
-              <a:lnSpc>
-                <a:spcPct val="100000"/>
-              </a:lnSpc>
-              <a:buClr>
-                <a:srgbClr val="FFFFFF"/>
-              </a:buClr>
-            </a:pPr>
-            <a:r>
-              <a:rPr lang="en-US" sz="2200" spc="-1" dirty="0">
-                <a:solidFill>
-                  <a:srgbClr val="FFFFFF"/>
-                </a:solidFill>
-                <a:uFill>
-                  <a:solidFill>
-                    <a:srgbClr val="FFFFFF"/>
-                  </a:solidFill>
-                </a:uFill>
-                <a:latin typeface="Trebuchet MS"/>
-                <a:sym typeface="Wingdings" panose="05000000000000000000" pitchFamily="2" charset="2"/>
-              </a:rPr>
-              <a:t> </a:t>
-            </a:r>
-            <a:r>
-              <a:rPr lang="en-US" sz="2200" b="0" strike="noStrike" spc="-1" dirty="0" err="1">
-                <a:solidFill>
-                  <a:srgbClr val="FFFFFF"/>
-                </a:solidFill>
-                <a:uFill>
-                  <a:solidFill>
-                    <a:srgbClr val="FFFFFF"/>
-                  </a:solidFill>
-                </a:uFill>
-                <a:latin typeface="Trebuchet MS"/>
-              </a:rPr>
-              <a:t>Gagal</a:t>
-            </a:r>
-            <a:r>
-              <a:rPr lang="en-US" sz="2200" b="0" strike="noStrike" spc="-1" dirty="0">
-                <a:solidFill>
-                  <a:srgbClr val="FFFFFF"/>
-                </a:solidFill>
-                <a:uFill>
-                  <a:solidFill>
-                    <a:srgbClr val="FFFFFF"/>
-                  </a:solidFill>
-                </a:uFill>
-                <a:latin typeface="Trebuchet MS"/>
-              </a:rPr>
-              <a:t> &gt; </a:t>
-            </a:r>
-            <a:r>
-              <a:rPr lang="en-US" sz="2200" b="0" strike="noStrike" spc="-1" dirty="0" err="1">
-                <a:solidFill>
-                  <a:srgbClr val="FFFFFF"/>
-                </a:solidFill>
-                <a:uFill>
-                  <a:solidFill>
-                    <a:srgbClr val="FFFFFF"/>
-                  </a:solidFill>
-                </a:uFill>
-                <a:latin typeface="Trebuchet MS"/>
-              </a:rPr>
-              <a:t>karena</a:t>
-            </a:r>
-            <a:r>
-              <a:rPr lang="en-US" sz="2200" b="0" strike="noStrike" spc="-1" dirty="0">
-                <a:solidFill>
-                  <a:srgbClr val="FFFFFF"/>
-                </a:solidFill>
-                <a:uFill>
-                  <a:solidFill>
-                    <a:srgbClr val="FFFFFF"/>
-                  </a:solidFill>
-                </a:uFill>
-                <a:latin typeface="Trebuchet MS"/>
-              </a:rPr>
-              <a:t> NAMA_GRUP </a:t>
-            </a:r>
-            <a:r>
-              <a:rPr lang="en-US" sz="2200" b="0" strike="noStrike" spc="-1" dirty="0" err="1">
-                <a:solidFill>
-                  <a:srgbClr val="FFFFFF"/>
-                </a:solidFill>
-                <a:uFill>
-                  <a:solidFill>
-                    <a:srgbClr val="FFFFFF"/>
-                  </a:solidFill>
-                </a:uFill>
-                <a:latin typeface="Trebuchet MS"/>
-              </a:rPr>
-              <a:t>tidak</a:t>
-            </a:r>
-            <a:r>
-              <a:rPr lang="en-US" sz="2200" b="0" strike="noStrike" spc="-1" dirty="0">
-                <a:solidFill>
-                  <a:srgbClr val="FFFFFF"/>
-                </a:solidFill>
-                <a:uFill>
-                  <a:solidFill>
-                    <a:srgbClr val="FFFFFF"/>
-                  </a:solidFill>
-                </a:uFill>
-                <a:latin typeface="Trebuchet MS"/>
-              </a:rPr>
-              <a:t> </a:t>
-            </a:r>
-            <a:r>
-              <a:rPr lang="en-US" sz="2200" b="0" strike="noStrike" spc="-1" dirty="0" err="1">
-                <a:solidFill>
-                  <a:srgbClr val="FFFFFF"/>
-                </a:solidFill>
-                <a:uFill>
-                  <a:solidFill>
-                    <a:srgbClr val="FFFFFF"/>
-                  </a:solidFill>
-                </a:uFill>
-                <a:latin typeface="Trebuchet MS"/>
-              </a:rPr>
-              <a:t>tersedia</a:t>
-            </a:r>
-            <a:r>
-              <a:rPr lang="en-US" sz="2200" b="0" strike="noStrike" spc="-1" dirty="0">
-                <a:solidFill>
-                  <a:srgbClr val="FFFFFF"/>
-                </a:solidFill>
-                <a:uFill>
-                  <a:solidFill>
-                    <a:srgbClr val="FFFFFF"/>
-                  </a:solidFill>
-                </a:uFill>
-                <a:latin typeface="Trebuchet MS"/>
-              </a:rPr>
-              <a:t>, USER_NAME </a:t>
-            </a:r>
-            <a:r>
-              <a:rPr lang="en-US" sz="2200" b="0" strike="noStrike" spc="-1" dirty="0" err="1">
-                <a:solidFill>
-                  <a:srgbClr val="FFFFFF"/>
-                </a:solidFill>
-                <a:uFill>
-                  <a:solidFill>
-                    <a:srgbClr val="FFFFFF"/>
-                  </a:solidFill>
-                </a:uFill>
-                <a:latin typeface="Trebuchet MS"/>
-              </a:rPr>
-              <a:t>belum</a:t>
-            </a:r>
-            <a:r>
-              <a:rPr lang="en-US" sz="2200" b="0" strike="noStrike" spc="-1" dirty="0">
-                <a:solidFill>
-                  <a:srgbClr val="FFFFFF"/>
-                </a:solidFill>
-                <a:uFill>
-                  <a:solidFill>
-                    <a:srgbClr val="FFFFFF"/>
-                  </a:solidFill>
-                </a:uFill>
-                <a:latin typeface="Trebuchet MS"/>
-              </a:rPr>
-              <a:t> </a:t>
-            </a:r>
-            <a:r>
-              <a:rPr lang="en-US" sz="2200" b="0" strike="noStrike" spc="-1" dirty="0" err="1">
-                <a:solidFill>
-                  <a:srgbClr val="FFFFFF"/>
-                </a:solidFill>
-                <a:uFill>
-                  <a:solidFill>
-                    <a:srgbClr val="FFFFFF"/>
-                  </a:solidFill>
-                </a:uFill>
-                <a:latin typeface="Trebuchet MS"/>
-              </a:rPr>
-              <a:t>terautentikasi</a:t>
-            </a:r>
-            <a:r>
-              <a:rPr lang="en-US" sz="2200" b="0" strike="noStrike" spc="-1" dirty="0">
-                <a:solidFill>
-                  <a:srgbClr val="FFFFFF"/>
-                </a:solidFill>
-                <a:uFill>
-                  <a:solidFill>
-                    <a:srgbClr val="FFFFFF"/>
-                  </a:solidFill>
-                </a:uFill>
-                <a:latin typeface="Trebuchet MS"/>
-              </a:rPr>
-              <a:t>, PASS_GRUP </a:t>
-            </a:r>
-            <a:r>
-              <a:rPr lang="en-US" sz="2200" b="0" strike="noStrike" spc="-1" dirty="0" err="1">
-                <a:solidFill>
-                  <a:srgbClr val="FFFFFF"/>
-                </a:solidFill>
-                <a:uFill>
-                  <a:solidFill>
-                    <a:srgbClr val="FFFFFF"/>
-                  </a:solidFill>
-                </a:uFill>
-                <a:latin typeface="Trebuchet MS"/>
-              </a:rPr>
-              <a:t>salah</a:t>
-            </a:r>
-            <a:endParaRPr lang="en-US" sz="2200" b="0" strike="noStrike" spc="-1" dirty="0">
-              <a:solidFill>
-                <a:srgbClr val="FFFFFF"/>
-              </a:solidFill>
-              <a:uFill>
-                <a:solidFill>
-                  <a:srgbClr val="FFFFFF"/>
-                </a:solidFill>
-              </a:uFill>
-              <a:latin typeface="Calibri"/>
-            </a:endParaRPr>
-          </a:p>
-          <a:p>
-            <a:pPr>
-              <a:lnSpc>
-                <a:spcPct val="100000"/>
-              </a:lnSpc>
-            </a:pPr>
-            <a:endParaRPr lang="en-US" sz="2800" b="0" strike="noStrike" spc="-1" dirty="0">
-              <a:solidFill>
-                <a:srgbClr val="FFFFFF"/>
-              </a:solidFill>
-              <a:uFill>
-                <a:solidFill>
-                  <a:srgbClr val="FFFFFF"/>
-                </a:solidFill>
-              </a:uFill>
-              <a:latin typeface="Calibri"/>
-            </a:endParaRPr>
-          </a:p>
-        </p:txBody>
-      </p:sp>
-      <p:sp>
-        <p:nvSpPr>
-          <p:cNvPr id="4" name="TextShape 1"/>
+          <p:cNvPr id="88" name="TextShape 1"/>
           <p:cNvSpPr txBox="1"/>
           <p:nvPr/>
         </p:nvSpPr>
@@ -6277,37 +5185,981 @@
                 </a:uFill>
                 <a:latin typeface="Trebuchet MS"/>
               </a:rPr>
-              <a:t>GRUP(</a:t>
-            </a:r>
-            <a:r>
-              <a:rPr lang="en-US" sz="6000" b="0" strike="noStrike" spc="-1" dirty="0" err="1">
-                <a:solidFill>
-                  <a:srgbClr val="FFFFFF"/>
-                </a:solidFill>
-                <a:uFill>
-                  <a:solidFill>
-                    <a:srgbClr val="FFFFFF"/>
-                  </a:solidFill>
-                </a:uFill>
-                <a:latin typeface="Trebuchet MS"/>
-              </a:rPr>
-              <a:t>Lanjutan</a:t>
-            </a:r>
-            <a:r>
-              <a:rPr lang="en-US" sz="6000" b="0" strike="noStrike" spc="-1" dirty="0">
-                <a:solidFill>
-                  <a:srgbClr val="FFFFFF"/>
-                </a:solidFill>
-                <a:uFill>
-                  <a:solidFill>
-                    <a:srgbClr val="FFFFFF"/>
-                  </a:solidFill>
-                </a:uFill>
-                <a:latin typeface="Trebuchet MS"/>
-              </a:rPr>
-              <a:t>)</a:t>
+              <a:t>GRUP</a:t>
             </a:r>
             <a:endParaRPr lang="en-US" sz="2800" b="0" strike="noStrike" spc="-1" dirty="0">
+              <a:solidFill>
+                <a:srgbClr val="FFFFFF"/>
+              </a:solidFill>
+              <a:uFill>
+                <a:solidFill>
+                  <a:srgbClr val="FFFFFF"/>
+                </a:solidFill>
+              </a:uFill>
+              <a:latin typeface="Calibri"/>
+            </a:endParaRPr>
+          </a:p>
+        </p:txBody>
+      </p:sp>
+      <p:sp>
+        <p:nvSpPr>
+          <p:cNvPr id="89" name="TextShape 2"/>
+          <p:cNvSpPr txBox="1"/>
+          <p:nvPr/>
+        </p:nvSpPr>
+        <p:spPr>
+          <a:xfrm>
+            <a:off x="-1" y="1828800"/>
+            <a:ext cx="12312869" cy="5029200"/>
+          </a:xfrm>
+          <a:prstGeom prst="rect">
+            <a:avLst/>
+          </a:prstGeom>
+          <a:noFill/>
+          <a:ln>
+            <a:noFill/>
+          </a:ln>
+        </p:spPr>
+        <p:txBody>
+          <a:bodyPr/>
+          <a:lstStyle/>
+          <a:p>
+            <a:pPr marL="228600" indent="-228240">
+              <a:lnSpc>
+                <a:spcPct val="90000"/>
+              </a:lnSpc>
+              <a:buClr>
+                <a:srgbClr val="FFFFFF"/>
+              </a:buClr>
+              <a:buFont typeface="Arial"/>
+              <a:buChar char="•"/>
+            </a:pPr>
+            <a:r>
+              <a:rPr lang="en-US" sz="3000" b="0" strike="noStrike" spc="-1" dirty="0">
+                <a:solidFill>
+                  <a:srgbClr val="00B0F0"/>
+                </a:solidFill>
+                <a:uFill>
+                  <a:solidFill>
+                    <a:srgbClr val="FFFFFF"/>
+                  </a:solidFill>
+                </a:uFill>
+                <a:latin typeface="Trebuchet MS"/>
+              </a:rPr>
+              <a:t>BUAT GRUP</a:t>
+            </a:r>
+            <a:endParaRPr lang="en-US" sz="3000" b="0" strike="noStrike" spc="-1" dirty="0">
+              <a:solidFill>
+                <a:srgbClr val="00B0F0"/>
+              </a:solidFill>
+              <a:uFill>
+                <a:solidFill>
+                  <a:srgbClr val="FFFFFF"/>
+                </a:solidFill>
+              </a:uFill>
+              <a:latin typeface="Calibri"/>
+            </a:endParaRPr>
+          </a:p>
+          <a:p>
+            <a:pPr marL="685800" lvl="1" indent="-228240">
+              <a:lnSpc>
+                <a:spcPct val="100000"/>
+              </a:lnSpc>
+              <a:buClr>
+                <a:srgbClr val="FFFFFF"/>
+              </a:buClr>
+              <a:buFont typeface="Arial"/>
+              <a:buChar char="•"/>
+            </a:pPr>
+            <a:r>
+              <a:rPr lang="en-US" sz="2200" b="0" strike="noStrike" spc="-1" dirty="0">
+                <a:solidFill>
+                  <a:srgbClr val="FFFFFF"/>
+                </a:solidFill>
+                <a:uFill>
+                  <a:solidFill>
+                    <a:srgbClr val="FFFFFF"/>
+                  </a:solidFill>
+                </a:uFill>
+                <a:latin typeface="Trebuchet MS"/>
+              </a:rPr>
+              <a:t>DESKRIPSI:</a:t>
+            </a:r>
+          </a:p>
+          <a:p>
+            <a:pPr marL="457560" lvl="1">
+              <a:lnSpc>
+                <a:spcPct val="100000"/>
+              </a:lnSpc>
+              <a:buClr>
+                <a:srgbClr val="FFFFFF"/>
+              </a:buClr>
+            </a:pPr>
+            <a:r>
+              <a:rPr lang="en-US" sz="2200" spc="-1" dirty="0">
+                <a:solidFill>
+                  <a:srgbClr val="FFFFFF"/>
+                </a:solidFill>
+                <a:uFill>
+                  <a:solidFill>
+                    <a:srgbClr val="FFFFFF"/>
+                  </a:solidFill>
+                </a:uFill>
+                <a:latin typeface="Trebuchet MS"/>
+              </a:rPr>
+              <a:t>	User </a:t>
+            </a:r>
+            <a:r>
+              <a:rPr lang="en-US" sz="2200" spc="-1" dirty="0" err="1">
+                <a:solidFill>
+                  <a:srgbClr val="FFFFFF"/>
+                </a:solidFill>
+                <a:uFill>
+                  <a:solidFill>
+                    <a:srgbClr val="FFFFFF"/>
+                  </a:solidFill>
+                </a:uFill>
+                <a:latin typeface="Trebuchet MS"/>
+              </a:rPr>
+              <a:t>dapat</a:t>
+            </a:r>
+            <a:r>
+              <a:rPr lang="en-US" sz="2200" spc="-1" dirty="0">
+                <a:solidFill>
+                  <a:srgbClr val="FFFFFF"/>
+                </a:solidFill>
+                <a:uFill>
+                  <a:solidFill>
+                    <a:srgbClr val="FFFFFF"/>
+                  </a:solidFill>
+                </a:uFill>
+                <a:latin typeface="Trebuchet MS"/>
+              </a:rPr>
+              <a:t> </a:t>
+            </a:r>
+            <a:r>
+              <a:rPr lang="en-US" sz="2200" spc="-1" dirty="0" err="1">
+                <a:solidFill>
+                  <a:srgbClr val="FFFFFF"/>
+                </a:solidFill>
+                <a:uFill>
+                  <a:solidFill>
+                    <a:srgbClr val="FFFFFF"/>
+                  </a:solidFill>
+                </a:uFill>
+                <a:latin typeface="Trebuchet MS"/>
+              </a:rPr>
+              <a:t>membuat</a:t>
+            </a:r>
+            <a:r>
+              <a:rPr lang="en-US" sz="2200" spc="-1" dirty="0">
+                <a:solidFill>
+                  <a:srgbClr val="FFFFFF"/>
+                </a:solidFill>
+                <a:uFill>
+                  <a:solidFill>
+                    <a:srgbClr val="FFFFFF"/>
+                  </a:solidFill>
+                </a:uFill>
+                <a:latin typeface="Trebuchet MS"/>
+              </a:rPr>
+              <a:t> </a:t>
+            </a:r>
+            <a:r>
+              <a:rPr lang="en-US" sz="2200" spc="-1" dirty="0" err="1">
+                <a:solidFill>
+                  <a:srgbClr val="FFFFFF"/>
+                </a:solidFill>
+                <a:uFill>
+                  <a:solidFill>
+                    <a:srgbClr val="FFFFFF"/>
+                  </a:solidFill>
+                </a:uFill>
+                <a:latin typeface="Trebuchet MS"/>
+              </a:rPr>
+              <a:t>grup</a:t>
+            </a:r>
+            <a:r>
+              <a:rPr lang="en-US" sz="2200" spc="-1" dirty="0">
+                <a:solidFill>
+                  <a:srgbClr val="FFFFFF"/>
+                </a:solidFill>
+                <a:uFill>
+                  <a:solidFill>
+                    <a:srgbClr val="FFFFFF"/>
+                  </a:solidFill>
+                </a:uFill>
+                <a:latin typeface="Trebuchet MS"/>
+              </a:rPr>
+              <a:t> </a:t>
+            </a:r>
+            <a:r>
+              <a:rPr lang="en-US" sz="2200" spc="-1" dirty="0" err="1">
+                <a:solidFill>
+                  <a:srgbClr val="FFFFFF"/>
+                </a:solidFill>
+                <a:uFill>
+                  <a:solidFill>
+                    <a:srgbClr val="FFFFFF"/>
+                  </a:solidFill>
+                </a:uFill>
+                <a:latin typeface="Trebuchet MS"/>
+              </a:rPr>
+              <a:t>baru</a:t>
+            </a:r>
+            <a:r>
+              <a:rPr lang="en-US" sz="2200" spc="-1" dirty="0">
+                <a:solidFill>
+                  <a:srgbClr val="FFFFFF"/>
+                </a:solidFill>
+                <a:uFill>
+                  <a:solidFill>
+                    <a:srgbClr val="FFFFFF"/>
+                  </a:solidFill>
+                </a:uFill>
+                <a:latin typeface="Trebuchet MS"/>
+              </a:rPr>
+              <a:t>.</a:t>
+            </a:r>
+            <a:endParaRPr lang="en-US" sz="2200" b="0" strike="noStrike" spc="-1" dirty="0">
+              <a:solidFill>
+                <a:srgbClr val="FFFFFF"/>
+              </a:solidFill>
+              <a:uFill>
+                <a:solidFill>
+                  <a:srgbClr val="FFFFFF"/>
+                </a:solidFill>
+              </a:uFill>
+              <a:latin typeface="Trebuchet MS"/>
+            </a:endParaRPr>
+          </a:p>
+          <a:p>
+            <a:pPr marL="685800" lvl="1" indent="-228240">
+              <a:lnSpc>
+                <a:spcPct val="100000"/>
+              </a:lnSpc>
+              <a:buClr>
+                <a:srgbClr val="FFFFFF"/>
+              </a:buClr>
+              <a:buFont typeface="Arial"/>
+              <a:buChar char="•"/>
+            </a:pPr>
+            <a:r>
+              <a:rPr lang="en-US" sz="2200" b="0" strike="noStrike" spc="-1" dirty="0">
+                <a:solidFill>
+                  <a:srgbClr val="FFFFFF"/>
+                </a:solidFill>
+                <a:uFill>
+                  <a:solidFill>
+                    <a:srgbClr val="FFFFFF"/>
+                  </a:solidFill>
+                </a:uFill>
+                <a:latin typeface="Trebuchet MS"/>
+              </a:rPr>
+              <a:t>FORMAT MESSAGE:</a:t>
+            </a:r>
+            <a:endParaRPr lang="en-US" sz="2200" b="0" strike="noStrike" spc="-1" dirty="0">
+              <a:solidFill>
+                <a:srgbClr val="FFFFFF"/>
+              </a:solidFill>
+              <a:uFill>
+                <a:solidFill>
+                  <a:srgbClr val="FFFFFF"/>
+                </a:solidFill>
+              </a:uFill>
+              <a:latin typeface="Calibri"/>
+            </a:endParaRPr>
+          </a:p>
+          <a:p>
+            <a:pPr marL="1143000" lvl="2" indent="-228240">
+              <a:lnSpc>
+                <a:spcPct val="100000"/>
+              </a:lnSpc>
+              <a:buClr>
+                <a:srgbClr val="FFFFFF"/>
+              </a:buClr>
+              <a:buFont typeface="Arial"/>
+              <a:buChar char="•"/>
+            </a:pPr>
+            <a:r>
+              <a:rPr lang="en-US" sz="2200" b="0" strike="noStrike" spc="-1" dirty="0">
+                <a:solidFill>
+                  <a:srgbClr val="FFFF00"/>
+                </a:solidFill>
+                <a:uFill>
+                  <a:solidFill>
+                    <a:srgbClr val="FFFFFF"/>
+                  </a:solidFill>
+                </a:uFill>
+                <a:latin typeface="Trebuchet MS"/>
+              </a:rPr>
+              <a:t>BGRUP</a:t>
+            </a:r>
+            <a:r>
+              <a:rPr lang="en-US" sz="2200" b="0" strike="noStrike" spc="-1" dirty="0">
+                <a:solidFill>
+                  <a:srgbClr val="FFFFFF"/>
+                </a:solidFill>
+                <a:uFill>
+                  <a:solidFill>
+                    <a:srgbClr val="FFFFFF"/>
+                  </a:solidFill>
+                </a:uFill>
+                <a:latin typeface="Trebuchet MS"/>
+              </a:rPr>
+              <a:t> </a:t>
+            </a:r>
+            <a:r>
+              <a:rPr lang="en-US" sz="2200" b="0" strike="noStrike" spc="-1" dirty="0" err="1">
+                <a:solidFill>
+                  <a:srgbClr val="FFFFFF"/>
+                </a:solidFill>
+                <a:uFill>
+                  <a:solidFill>
+                    <a:srgbClr val="FFFFFF"/>
+                  </a:solidFill>
+                </a:uFill>
+                <a:latin typeface="Trebuchet MS"/>
+              </a:rPr>
+              <a:t>spasi</a:t>
+            </a:r>
+            <a:r>
+              <a:rPr lang="en-US" sz="2200" b="0" strike="noStrike" spc="-1" dirty="0">
+                <a:solidFill>
+                  <a:srgbClr val="FFFFFF"/>
+                </a:solidFill>
+                <a:uFill>
+                  <a:solidFill>
+                    <a:srgbClr val="FFFFFF"/>
+                  </a:solidFill>
+                </a:uFill>
+                <a:latin typeface="Trebuchet MS"/>
+              </a:rPr>
+              <a:t> </a:t>
+            </a:r>
+            <a:r>
+              <a:rPr lang="en-US" sz="2200" b="0" strike="noStrike" spc="-1" dirty="0">
+                <a:solidFill>
+                  <a:srgbClr val="FFFF00"/>
+                </a:solidFill>
+                <a:uFill>
+                  <a:solidFill>
+                    <a:srgbClr val="FFFFFF"/>
+                  </a:solidFill>
+                </a:uFill>
+                <a:latin typeface="Trebuchet MS"/>
+              </a:rPr>
+              <a:t>NAMA_GRUP</a:t>
+            </a:r>
+            <a:r>
+              <a:rPr lang="en-US" sz="2200" b="0" strike="noStrike" spc="-1" dirty="0">
+                <a:solidFill>
+                  <a:srgbClr val="FFFFFF"/>
+                </a:solidFill>
+                <a:uFill>
+                  <a:solidFill>
+                    <a:srgbClr val="FFFFFF"/>
+                  </a:solidFill>
+                </a:uFill>
+                <a:latin typeface="Trebuchet MS"/>
+              </a:rPr>
+              <a:t> </a:t>
+            </a:r>
+            <a:r>
+              <a:rPr lang="en-US" sz="2200" b="0" strike="noStrike" spc="-1" dirty="0" err="1">
+                <a:solidFill>
+                  <a:srgbClr val="FFFFFF"/>
+                </a:solidFill>
+                <a:uFill>
+                  <a:solidFill>
+                    <a:srgbClr val="FFFFFF"/>
+                  </a:solidFill>
+                </a:uFill>
+                <a:latin typeface="Trebuchet MS"/>
+              </a:rPr>
+              <a:t>spasi</a:t>
+            </a:r>
+            <a:r>
+              <a:rPr lang="en-US" sz="2200" b="0" strike="noStrike" spc="-1" dirty="0">
+                <a:solidFill>
+                  <a:srgbClr val="FFFFFF"/>
+                </a:solidFill>
+                <a:uFill>
+                  <a:solidFill>
+                    <a:srgbClr val="FFFFFF"/>
+                  </a:solidFill>
+                </a:uFill>
+                <a:latin typeface="Trebuchet MS"/>
+              </a:rPr>
+              <a:t> </a:t>
+            </a:r>
+            <a:r>
+              <a:rPr lang="en-US" sz="2200" b="0" strike="noStrike" spc="-1" dirty="0">
+                <a:solidFill>
+                  <a:srgbClr val="FFFF00"/>
+                </a:solidFill>
+                <a:uFill>
+                  <a:solidFill>
+                    <a:srgbClr val="FFFFFF"/>
+                  </a:solidFill>
+                </a:uFill>
+                <a:latin typeface="Trebuchet MS"/>
+              </a:rPr>
+              <a:t>PASS_GRUP</a:t>
+            </a:r>
+            <a:endParaRPr lang="en-US" sz="2200" b="0" strike="noStrike" spc="-1" dirty="0">
+              <a:solidFill>
+                <a:srgbClr val="FFFF00"/>
+              </a:solidFill>
+              <a:uFill>
+                <a:solidFill>
+                  <a:srgbClr val="FFFFFF"/>
+                </a:solidFill>
+              </a:uFill>
+              <a:latin typeface="Calibri"/>
+            </a:endParaRPr>
+          </a:p>
+          <a:p>
+            <a:pPr marL="685800" lvl="1" indent="-228240">
+              <a:lnSpc>
+                <a:spcPct val="100000"/>
+              </a:lnSpc>
+              <a:buClr>
+                <a:srgbClr val="FFFFFF"/>
+              </a:buClr>
+              <a:buFont typeface="Arial"/>
+              <a:buChar char="•"/>
+            </a:pPr>
+            <a:r>
+              <a:rPr lang="en-US" sz="2200" b="0" strike="noStrike" spc="-1" dirty="0">
+                <a:solidFill>
+                  <a:srgbClr val="FFFFFF"/>
+                </a:solidFill>
+                <a:uFill>
+                  <a:solidFill>
+                    <a:srgbClr val="FFFFFF"/>
+                  </a:solidFill>
+                </a:uFill>
+                <a:latin typeface="Trebuchet MS"/>
+              </a:rPr>
+              <a:t>PARAMETER:</a:t>
+            </a:r>
+            <a:endParaRPr lang="en-US" sz="2200" b="0" strike="noStrike" spc="-1" dirty="0">
+              <a:solidFill>
+                <a:srgbClr val="FFFFFF"/>
+              </a:solidFill>
+              <a:uFill>
+                <a:solidFill>
+                  <a:srgbClr val="FFFFFF"/>
+                </a:solidFill>
+              </a:uFill>
+              <a:latin typeface="Calibri"/>
+            </a:endParaRPr>
+          </a:p>
+          <a:p>
+            <a:pPr marL="1143000" lvl="2" indent="-228240">
+              <a:lnSpc>
+                <a:spcPct val="100000"/>
+              </a:lnSpc>
+              <a:buClr>
+                <a:srgbClr val="FFFFFF"/>
+              </a:buClr>
+              <a:buFont typeface="Arial"/>
+              <a:buChar char="•"/>
+            </a:pPr>
+            <a:r>
+              <a:rPr lang="en-US" sz="2200" b="0" strike="noStrike" spc="-1" dirty="0">
+                <a:solidFill>
+                  <a:srgbClr val="FFFFFF"/>
+                </a:solidFill>
+                <a:uFill>
+                  <a:solidFill>
+                    <a:srgbClr val="FFFFFF"/>
+                  </a:solidFill>
+                </a:uFill>
+                <a:latin typeface="Trebuchet MS"/>
+              </a:rPr>
+              <a:t>NAMA_GRUP</a:t>
+            </a:r>
+            <a:endParaRPr lang="en-US" sz="2200" b="0" strike="noStrike" spc="-1" dirty="0">
+              <a:solidFill>
+                <a:srgbClr val="FFFFFF"/>
+              </a:solidFill>
+              <a:uFill>
+                <a:solidFill>
+                  <a:srgbClr val="FFFFFF"/>
+                </a:solidFill>
+              </a:uFill>
+              <a:latin typeface="Calibri"/>
+            </a:endParaRPr>
+          </a:p>
+          <a:p>
+            <a:pPr marL="1143000" lvl="2" indent="-228240">
+              <a:lnSpc>
+                <a:spcPct val="100000"/>
+              </a:lnSpc>
+              <a:buClr>
+                <a:srgbClr val="FFFFFF"/>
+              </a:buClr>
+              <a:buFont typeface="Arial"/>
+              <a:buChar char="•"/>
+            </a:pPr>
+            <a:r>
+              <a:rPr lang="en-US" sz="2200" b="0" strike="noStrike" spc="-1" dirty="0">
+                <a:solidFill>
+                  <a:srgbClr val="FFFFFF"/>
+                </a:solidFill>
+                <a:uFill>
+                  <a:solidFill>
+                    <a:srgbClr val="FFFFFF"/>
+                  </a:solidFill>
+                </a:uFill>
+                <a:latin typeface="Trebuchet MS"/>
+              </a:rPr>
+              <a:t>PASS GRUP</a:t>
+            </a:r>
+            <a:endParaRPr lang="en-US" sz="2200" b="0" strike="noStrike" spc="-1" dirty="0">
+              <a:solidFill>
+                <a:srgbClr val="FFFFFF"/>
+              </a:solidFill>
+              <a:uFill>
+                <a:solidFill>
+                  <a:srgbClr val="FFFFFF"/>
+                </a:solidFill>
+              </a:uFill>
+              <a:latin typeface="Calibri"/>
+            </a:endParaRPr>
+          </a:p>
+          <a:p>
+            <a:pPr marL="685800" lvl="1" indent="-228240">
+              <a:lnSpc>
+                <a:spcPct val="100000"/>
+              </a:lnSpc>
+              <a:buClr>
+                <a:srgbClr val="FFFFFF"/>
+              </a:buClr>
+              <a:buFont typeface="Arial"/>
+              <a:buChar char="•"/>
+            </a:pPr>
+            <a:r>
+              <a:rPr lang="en-US" sz="2200" b="0" strike="noStrike" spc="-1" dirty="0">
+                <a:solidFill>
+                  <a:srgbClr val="FFFFFF"/>
+                </a:solidFill>
+                <a:uFill>
+                  <a:solidFill>
+                    <a:srgbClr val="FFFFFF"/>
+                  </a:solidFill>
+                </a:uFill>
+                <a:latin typeface="Trebuchet MS"/>
+              </a:rPr>
+              <a:t>RETURN&gt;</a:t>
+            </a:r>
+            <a:endParaRPr lang="en-US" sz="2200" b="0" strike="noStrike" spc="-1" dirty="0">
+              <a:solidFill>
+                <a:srgbClr val="FFFFFF"/>
+              </a:solidFill>
+              <a:uFill>
+                <a:solidFill>
+                  <a:srgbClr val="FFFFFF"/>
+                </a:solidFill>
+              </a:uFill>
+              <a:latin typeface="Calibri"/>
+            </a:endParaRPr>
+          </a:p>
+          <a:p>
+            <a:pPr marL="1143000" lvl="2" indent="-228240">
+              <a:lnSpc>
+                <a:spcPct val="100000"/>
+              </a:lnSpc>
+              <a:buClr>
+                <a:srgbClr val="FFFFFF"/>
+              </a:buClr>
+              <a:buFont typeface="Arial"/>
+              <a:buChar char="•"/>
+            </a:pPr>
+            <a:r>
+              <a:rPr lang="en-US" sz="2200" b="0" strike="noStrike" spc="-1" dirty="0">
+                <a:solidFill>
+                  <a:srgbClr val="FFFFFF"/>
+                </a:solidFill>
+                <a:uFill>
+                  <a:solidFill>
+                    <a:srgbClr val="FFFFFF"/>
+                  </a:solidFill>
+                </a:uFill>
+                <a:latin typeface="Trebuchet MS"/>
+              </a:rPr>
+              <a:t>13: </a:t>
+            </a:r>
+            <a:r>
+              <a:rPr lang="en-US" sz="2200" b="0" strike="noStrike" spc="-1" dirty="0" err="1">
+                <a:solidFill>
+                  <a:srgbClr val="FFFFFF"/>
+                </a:solidFill>
+                <a:uFill>
+                  <a:solidFill>
+                    <a:srgbClr val="FFFFFF"/>
+                  </a:solidFill>
+                </a:uFill>
+                <a:latin typeface="Trebuchet MS"/>
+              </a:rPr>
+              <a:t>Buat</a:t>
+            </a:r>
+            <a:r>
+              <a:rPr lang="en-US" sz="2200" b="0" strike="noStrike" spc="-1" dirty="0">
+                <a:solidFill>
+                  <a:srgbClr val="FFFFFF"/>
+                </a:solidFill>
+                <a:uFill>
+                  <a:solidFill>
+                    <a:srgbClr val="FFFFFF"/>
+                  </a:solidFill>
+                </a:uFill>
+                <a:latin typeface="Trebuchet MS"/>
+              </a:rPr>
+              <a:t> </a:t>
+            </a:r>
+            <a:r>
+              <a:rPr lang="en-US" sz="2200" b="0" strike="noStrike" spc="-1" dirty="0" err="1">
+                <a:solidFill>
+                  <a:srgbClr val="FFFFFF"/>
+                </a:solidFill>
+                <a:uFill>
+                  <a:solidFill>
+                    <a:srgbClr val="FFFFFF"/>
+                  </a:solidFill>
+                </a:uFill>
+                <a:latin typeface="Trebuchet MS"/>
+              </a:rPr>
+              <a:t>Grup</a:t>
+            </a:r>
+            <a:r>
+              <a:rPr lang="en-US" sz="2200" b="0" strike="noStrike" spc="-1" dirty="0">
+                <a:solidFill>
+                  <a:srgbClr val="FFFFFF"/>
+                </a:solidFill>
+                <a:uFill>
+                  <a:solidFill>
+                    <a:srgbClr val="FFFFFF"/>
+                  </a:solidFill>
+                </a:uFill>
+                <a:latin typeface="Trebuchet MS"/>
+              </a:rPr>
+              <a:t> </a:t>
+            </a:r>
+            <a:r>
+              <a:rPr lang="en-US" sz="2200" b="0" strike="noStrike" spc="-1" dirty="0" err="1">
+                <a:solidFill>
+                  <a:srgbClr val="FFFFFF"/>
+                </a:solidFill>
+                <a:uFill>
+                  <a:solidFill>
+                    <a:srgbClr val="FFFFFF"/>
+                  </a:solidFill>
+                </a:uFill>
+                <a:latin typeface="Trebuchet MS"/>
+              </a:rPr>
+              <a:t>Sukses</a:t>
+            </a:r>
+            <a:endParaRPr lang="en-US" sz="2200" b="0" strike="noStrike" spc="-1" dirty="0">
+              <a:solidFill>
+                <a:srgbClr val="FFFFFF"/>
+              </a:solidFill>
+              <a:uFill>
+                <a:solidFill>
+                  <a:srgbClr val="FFFFFF"/>
+                </a:solidFill>
+              </a:uFill>
+              <a:latin typeface="Calibri"/>
+            </a:endParaRPr>
+          </a:p>
+          <a:p>
+            <a:pPr marL="1143000" lvl="2" indent="-228240">
+              <a:lnSpc>
+                <a:spcPct val="100000"/>
+              </a:lnSpc>
+              <a:buClr>
+                <a:srgbClr val="FFFFFF"/>
+              </a:buClr>
+              <a:buFont typeface="Arial"/>
+              <a:buChar char="•"/>
+            </a:pPr>
+            <a:r>
+              <a:rPr lang="en-US" sz="2200" b="0" strike="noStrike" spc="-1" dirty="0">
+                <a:solidFill>
+                  <a:srgbClr val="FFFFFF"/>
+                </a:solidFill>
+                <a:uFill>
+                  <a:solidFill>
+                    <a:srgbClr val="FFFFFF"/>
+                  </a:solidFill>
+                </a:uFill>
+                <a:latin typeface="Trebuchet MS"/>
+              </a:rPr>
+              <a:t>14: </a:t>
+            </a:r>
+            <a:r>
+              <a:rPr lang="en-US" sz="2200" b="0" strike="noStrike" spc="-1" dirty="0" err="1">
+                <a:solidFill>
+                  <a:srgbClr val="FFFFFF"/>
+                </a:solidFill>
+                <a:uFill>
+                  <a:solidFill>
+                    <a:srgbClr val="FFFFFF"/>
+                  </a:solidFill>
+                </a:uFill>
+                <a:latin typeface="Trebuchet MS"/>
+              </a:rPr>
+              <a:t>Buat</a:t>
+            </a:r>
+            <a:r>
+              <a:rPr lang="en-US" sz="2200" b="0" strike="noStrike" spc="-1" dirty="0">
+                <a:solidFill>
+                  <a:srgbClr val="FFFFFF"/>
+                </a:solidFill>
+                <a:uFill>
+                  <a:solidFill>
+                    <a:srgbClr val="FFFFFF"/>
+                  </a:solidFill>
+                </a:uFill>
+                <a:latin typeface="Trebuchet MS"/>
+              </a:rPr>
+              <a:t> </a:t>
+            </a:r>
+            <a:r>
+              <a:rPr lang="en-US" sz="2200" b="0" strike="noStrike" spc="-1" dirty="0" err="1">
+                <a:solidFill>
+                  <a:srgbClr val="FFFFFF"/>
+                </a:solidFill>
+                <a:uFill>
+                  <a:solidFill>
+                    <a:srgbClr val="FFFFFF"/>
+                  </a:solidFill>
+                </a:uFill>
+                <a:latin typeface="Trebuchet MS"/>
+              </a:rPr>
+              <a:t>Grup</a:t>
+            </a:r>
+            <a:r>
+              <a:rPr lang="en-US" sz="2200" b="0" strike="noStrike" spc="-1" dirty="0">
+                <a:solidFill>
+                  <a:srgbClr val="FFFFFF"/>
+                </a:solidFill>
+                <a:uFill>
+                  <a:solidFill>
+                    <a:srgbClr val="FFFFFF"/>
+                  </a:solidFill>
+                </a:uFill>
+                <a:latin typeface="Trebuchet MS"/>
+              </a:rPr>
+              <a:t> </a:t>
+            </a:r>
+            <a:r>
+              <a:rPr lang="en-US" sz="2200" b="0" strike="noStrike" spc="-1" dirty="0" err="1">
+                <a:solidFill>
+                  <a:srgbClr val="FFFFFF"/>
+                </a:solidFill>
+                <a:uFill>
+                  <a:solidFill>
+                    <a:srgbClr val="FFFFFF"/>
+                  </a:solidFill>
+                </a:uFill>
+                <a:latin typeface="Trebuchet MS"/>
+              </a:rPr>
+              <a:t>Gagal</a:t>
+            </a:r>
+            <a:endParaRPr lang="en-US" sz="2200" b="0" strike="noStrike" spc="-1" dirty="0">
+              <a:solidFill>
+                <a:srgbClr val="FFFFFF"/>
+              </a:solidFill>
+              <a:uFill>
+                <a:solidFill>
+                  <a:srgbClr val="FFFFFF"/>
+                </a:solidFill>
+              </a:uFill>
+              <a:latin typeface="Trebuchet MS"/>
+            </a:endParaRPr>
+          </a:p>
+          <a:p>
+            <a:pPr marL="914760" lvl="2">
+              <a:lnSpc>
+                <a:spcPct val="100000"/>
+              </a:lnSpc>
+              <a:buClr>
+                <a:srgbClr val="FFFFFF"/>
+              </a:buClr>
+            </a:pPr>
+            <a:r>
+              <a:rPr lang="en-US" sz="2200" spc="-1" dirty="0">
+                <a:solidFill>
+                  <a:srgbClr val="FFFFFF"/>
+                </a:solidFill>
+                <a:uFill>
+                  <a:solidFill>
+                    <a:srgbClr val="FFFFFF"/>
+                  </a:solidFill>
+                </a:uFill>
+                <a:latin typeface="Trebuchet MS"/>
+                <a:sym typeface="Wingdings" panose="05000000000000000000" pitchFamily="2" charset="2"/>
+              </a:rPr>
+              <a:t> </a:t>
+            </a:r>
+            <a:r>
+              <a:rPr lang="en-US" sz="2200" b="0" strike="noStrike" spc="-1" dirty="0" err="1">
+                <a:solidFill>
+                  <a:srgbClr val="FFFFFF"/>
+                </a:solidFill>
+                <a:uFill>
+                  <a:solidFill>
+                    <a:srgbClr val="FFFFFF"/>
+                  </a:solidFill>
+                </a:uFill>
+                <a:latin typeface="Trebuchet MS"/>
+              </a:rPr>
+              <a:t>Gagal</a:t>
+            </a:r>
+            <a:r>
+              <a:rPr lang="en-US" sz="2200" b="0" strike="noStrike" spc="-1" dirty="0">
+                <a:solidFill>
+                  <a:srgbClr val="FFFFFF"/>
+                </a:solidFill>
+                <a:uFill>
+                  <a:solidFill>
+                    <a:srgbClr val="FFFFFF"/>
+                  </a:solidFill>
+                </a:uFill>
+                <a:latin typeface="Trebuchet MS"/>
+              </a:rPr>
+              <a:t> &gt; </a:t>
+            </a:r>
+            <a:r>
+              <a:rPr lang="en-US" sz="2200" b="0" strike="noStrike" spc="-1" dirty="0" err="1">
+                <a:solidFill>
+                  <a:srgbClr val="FFFFFF"/>
+                </a:solidFill>
+                <a:uFill>
+                  <a:solidFill>
+                    <a:srgbClr val="FFFFFF"/>
+                  </a:solidFill>
+                </a:uFill>
+                <a:latin typeface="Trebuchet MS"/>
+              </a:rPr>
+              <a:t>karena</a:t>
+            </a:r>
+            <a:r>
+              <a:rPr lang="en-US" sz="2200" b="0" strike="noStrike" spc="-1" dirty="0">
+                <a:solidFill>
+                  <a:srgbClr val="FFFFFF"/>
+                </a:solidFill>
+                <a:uFill>
+                  <a:solidFill>
+                    <a:srgbClr val="FFFFFF"/>
+                  </a:solidFill>
+                </a:uFill>
+                <a:latin typeface="Trebuchet MS"/>
+              </a:rPr>
+              <a:t> NAMA_GRUP </a:t>
+            </a:r>
+            <a:r>
+              <a:rPr lang="en-US" sz="2200" b="0" strike="noStrike" spc="-1" dirty="0" err="1">
+                <a:solidFill>
+                  <a:srgbClr val="FFFFFF"/>
+                </a:solidFill>
+                <a:uFill>
+                  <a:solidFill>
+                    <a:srgbClr val="FFFFFF"/>
+                  </a:solidFill>
+                </a:uFill>
+                <a:latin typeface="Trebuchet MS"/>
+              </a:rPr>
+              <a:t>sudah</a:t>
+            </a:r>
+            <a:r>
+              <a:rPr lang="en-US" sz="2200" b="0" strike="noStrike" spc="-1" dirty="0">
+                <a:solidFill>
+                  <a:srgbClr val="FFFFFF"/>
+                </a:solidFill>
+                <a:uFill>
+                  <a:solidFill>
+                    <a:srgbClr val="FFFFFF"/>
+                  </a:solidFill>
+                </a:uFill>
+                <a:latin typeface="Trebuchet MS"/>
+              </a:rPr>
+              <a:t> </a:t>
+            </a:r>
+            <a:r>
+              <a:rPr lang="en-US" sz="2200" b="0" strike="noStrike" spc="-1" dirty="0" err="1">
+                <a:solidFill>
+                  <a:srgbClr val="FFFFFF"/>
+                </a:solidFill>
+                <a:uFill>
+                  <a:solidFill>
+                    <a:srgbClr val="FFFFFF"/>
+                  </a:solidFill>
+                </a:uFill>
+                <a:latin typeface="Trebuchet MS"/>
+              </a:rPr>
+              <a:t>dipakai</a:t>
+            </a:r>
+            <a:r>
+              <a:rPr lang="en-US" sz="2200" b="0" strike="noStrike" spc="-1" dirty="0">
+                <a:solidFill>
+                  <a:srgbClr val="FFFFFF"/>
+                </a:solidFill>
+                <a:uFill>
+                  <a:solidFill>
+                    <a:srgbClr val="FFFFFF"/>
+                  </a:solidFill>
+                </a:uFill>
+                <a:latin typeface="Trebuchet MS"/>
+              </a:rPr>
+              <a:t>, USER_NAME </a:t>
+            </a:r>
+            <a:r>
+              <a:rPr lang="en-US" sz="2200" b="0" strike="noStrike" spc="-1" dirty="0" err="1">
+                <a:solidFill>
+                  <a:srgbClr val="FFFFFF"/>
+                </a:solidFill>
+                <a:uFill>
+                  <a:solidFill>
+                    <a:srgbClr val="FFFFFF"/>
+                  </a:solidFill>
+                </a:uFill>
+                <a:latin typeface="Trebuchet MS"/>
+              </a:rPr>
+              <a:t>belum</a:t>
+            </a:r>
+            <a:r>
+              <a:rPr lang="en-US" sz="2200" b="0" strike="noStrike" spc="-1" dirty="0">
+                <a:solidFill>
+                  <a:srgbClr val="FFFFFF"/>
+                </a:solidFill>
+                <a:uFill>
+                  <a:solidFill>
+                    <a:srgbClr val="FFFFFF"/>
+                  </a:solidFill>
+                </a:uFill>
+                <a:latin typeface="Trebuchet MS"/>
+              </a:rPr>
+              <a:t> </a:t>
+            </a:r>
+            <a:r>
+              <a:rPr lang="en-US" sz="2200" b="0" strike="noStrike" spc="-1" dirty="0" err="1">
+                <a:solidFill>
+                  <a:srgbClr val="FFFFFF"/>
+                </a:solidFill>
+                <a:uFill>
+                  <a:solidFill>
+                    <a:srgbClr val="FFFFFF"/>
+                  </a:solidFill>
+                </a:uFill>
+                <a:latin typeface="Trebuchet MS"/>
+              </a:rPr>
+              <a:t>terautentikasi</a:t>
+            </a:r>
+            <a:endParaRPr lang="en-US" sz="2200" b="0" strike="noStrike" spc="-1" dirty="0">
               <a:solidFill>
                 <a:srgbClr val="FFFFFF"/>
               </a:solidFill>
@@ -6375,7 +6227,1100 @@
       </p:grpSpPr>
       <p:sp>
         <p:nvSpPr>
-          <p:cNvPr id="92" name="TextShape 1"/>
+          <p:cNvPr id="90" name="TextShape 1"/>
+          <p:cNvSpPr txBox="1"/>
+          <p:nvPr/>
+        </p:nvSpPr>
+        <p:spPr>
+          <a:xfrm>
+            <a:off x="0" y="1825560"/>
+            <a:ext cx="12192000" cy="5032440"/>
+          </a:xfrm>
+          <a:prstGeom prst="rect">
+            <a:avLst/>
+          </a:prstGeom>
+          <a:noFill/>
+          <a:ln>
+            <a:noFill/>
+          </a:ln>
+        </p:spPr>
+        <p:txBody>
+          <a:bodyPr/>
+          <a:lstStyle/>
+          <a:p>
+            <a:pPr marL="228600" indent="-228240">
+              <a:lnSpc>
+                <a:spcPct val="90000"/>
+              </a:lnSpc>
+              <a:buClr>
+                <a:srgbClr val="FFFFFF"/>
+              </a:buClr>
+              <a:buFont typeface="Arial"/>
+              <a:buChar char="•"/>
+            </a:pPr>
+            <a:r>
+              <a:rPr lang="en-US" sz="3000" b="0" strike="noStrike" spc="-1" dirty="0">
+                <a:solidFill>
+                  <a:srgbClr val="00B0F0"/>
+                </a:solidFill>
+                <a:uFill>
+                  <a:solidFill>
+                    <a:srgbClr val="FFFFFF"/>
+                  </a:solidFill>
+                </a:uFill>
+                <a:latin typeface="Trebuchet MS"/>
+              </a:rPr>
+              <a:t>GABUNG GRUP</a:t>
+            </a:r>
+            <a:endParaRPr lang="en-US" sz="3000" b="0" strike="noStrike" spc="-1" dirty="0">
+              <a:solidFill>
+                <a:srgbClr val="00B0F0"/>
+              </a:solidFill>
+              <a:uFill>
+                <a:solidFill>
+                  <a:srgbClr val="FFFFFF"/>
+                </a:solidFill>
+              </a:uFill>
+              <a:latin typeface="Calibri"/>
+            </a:endParaRPr>
+          </a:p>
+          <a:p>
+            <a:pPr marL="685800" lvl="1" indent="-228240">
+              <a:lnSpc>
+                <a:spcPct val="100000"/>
+              </a:lnSpc>
+              <a:buClr>
+                <a:srgbClr val="FFFFFF"/>
+              </a:buClr>
+              <a:buFont typeface="Arial"/>
+              <a:buChar char="•"/>
+            </a:pPr>
+            <a:r>
+              <a:rPr lang="en-US" sz="2200" spc="-1" dirty="0">
+                <a:solidFill>
+                  <a:srgbClr val="FFFFFF"/>
+                </a:solidFill>
+                <a:uFill>
+                  <a:solidFill>
+                    <a:srgbClr val="FFFFFF"/>
+                  </a:solidFill>
+                </a:uFill>
+                <a:latin typeface="Trebuchet MS"/>
+              </a:rPr>
+              <a:t>DESKRIPSI:</a:t>
+            </a:r>
+          </a:p>
+          <a:p>
+            <a:pPr marL="457560" lvl="1">
+              <a:lnSpc>
+                <a:spcPct val="100000"/>
+              </a:lnSpc>
+              <a:buClr>
+                <a:srgbClr val="FFFFFF"/>
+              </a:buClr>
+            </a:pPr>
+            <a:r>
+              <a:rPr lang="en-US" sz="2200" spc="-1" dirty="0">
+                <a:solidFill>
+                  <a:srgbClr val="FFFFFF"/>
+                </a:solidFill>
+                <a:uFill>
+                  <a:solidFill>
+                    <a:srgbClr val="FFFFFF"/>
+                  </a:solidFill>
+                </a:uFill>
+                <a:latin typeface="Trebuchet MS"/>
+              </a:rPr>
+              <a:t>	User </a:t>
+            </a:r>
+            <a:r>
+              <a:rPr lang="en-US" sz="2200" spc="-1" dirty="0" err="1">
+                <a:solidFill>
+                  <a:srgbClr val="FFFFFF"/>
+                </a:solidFill>
+                <a:uFill>
+                  <a:solidFill>
+                    <a:srgbClr val="FFFFFF"/>
+                  </a:solidFill>
+                </a:uFill>
+                <a:latin typeface="Trebuchet MS"/>
+              </a:rPr>
+              <a:t>dapat</a:t>
+            </a:r>
+            <a:r>
+              <a:rPr lang="en-US" sz="2200" spc="-1" dirty="0">
+                <a:solidFill>
+                  <a:srgbClr val="FFFFFF"/>
+                </a:solidFill>
+                <a:uFill>
+                  <a:solidFill>
+                    <a:srgbClr val="FFFFFF"/>
+                  </a:solidFill>
+                </a:uFill>
+                <a:latin typeface="Trebuchet MS"/>
+              </a:rPr>
+              <a:t> </a:t>
+            </a:r>
+            <a:r>
+              <a:rPr lang="en-US" sz="2200" spc="-1" dirty="0" err="1">
+                <a:solidFill>
+                  <a:srgbClr val="FFFFFF"/>
+                </a:solidFill>
+                <a:uFill>
+                  <a:solidFill>
+                    <a:srgbClr val="FFFFFF"/>
+                  </a:solidFill>
+                </a:uFill>
+                <a:latin typeface="Trebuchet MS"/>
+              </a:rPr>
+              <a:t>bergabung</a:t>
+            </a:r>
+            <a:r>
+              <a:rPr lang="en-US" sz="2200" spc="-1" dirty="0">
+                <a:solidFill>
+                  <a:srgbClr val="FFFFFF"/>
+                </a:solidFill>
+                <a:uFill>
+                  <a:solidFill>
+                    <a:srgbClr val="FFFFFF"/>
+                  </a:solidFill>
+                </a:uFill>
+                <a:latin typeface="Trebuchet MS"/>
+              </a:rPr>
+              <a:t> </a:t>
+            </a:r>
+            <a:r>
+              <a:rPr lang="en-US" sz="2200" spc="-1" dirty="0" err="1">
+                <a:solidFill>
+                  <a:srgbClr val="FFFFFF"/>
+                </a:solidFill>
+                <a:uFill>
+                  <a:solidFill>
+                    <a:srgbClr val="FFFFFF"/>
+                  </a:solidFill>
+                </a:uFill>
+                <a:latin typeface="Trebuchet MS"/>
+              </a:rPr>
+              <a:t>ke</a:t>
+            </a:r>
+            <a:r>
+              <a:rPr lang="en-US" sz="2200" spc="-1" dirty="0">
+                <a:solidFill>
+                  <a:srgbClr val="FFFFFF"/>
+                </a:solidFill>
+                <a:uFill>
+                  <a:solidFill>
+                    <a:srgbClr val="FFFFFF"/>
+                  </a:solidFill>
+                </a:uFill>
+                <a:latin typeface="Trebuchet MS"/>
+              </a:rPr>
+              <a:t> </a:t>
+            </a:r>
+            <a:r>
+              <a:rPr lang="en-US" sz="2200" spc="-1" dirty="0" err="1">
+                <a:solidFill>
+                  <a:srgbClr val="FFFFFF"/>
+                </a:solidFill>
+                <a:uFill>
+                  <a:solidFill>
+                    <a:srgbClr val="FFFFFF"/>
+                  </a:solidFill>
+                </a:uFill>
+                <a:latin typeface="Trebuchet MS"/>
+              </a:rPr>
+              <a:t>dalam</a:t>
+            </a:r>
+            <a:r>
+              <a:rPr lang="en-US" sz="2200" spc="-1" dirty="0">
+                <a:solidFill>
+                  <a:srgbClr val="FFFFFF"/>
+                </a:solidFill>
+                <a:uFill>
+                  <a:solidFill>
+                    <a:srgbClr val="FFFFFF"/>
+                  </a:solidFill>
+                </a:uFill>
+                <a:latin typeface="Trebuchet MS"/>
+              </a:rPr>
+              <a:t> </a:t>
+            </a:r>
+            <a:r>
+              <a:rPr lang="en-US" sz="2200" spc="-1" dirty="0" err="1">
+                <a:solidFill>
+                  <a:srgbClr val="FFFFFF"/>
+                </a:solidFill>
+                <a:uFill>
+                  <a:solidFill>
+                    <a:srgbClr val="FFFFFF"/>
+                  </a:solidFill>
+                </a:uFill>
+                <a:latin typeface="Trebuchet MS"/>
+              </a:rPr>
+              <a:t>suatu</a:t>
+            </a:r>
+            <a:r>
+              <a:rPr lang="en-US" sz="2200" spc="-1" dirty="0">
+                <a:solidFill>
+                  <a:srgbClr val="FFFFFF"/>
+                </a:solidFill>
+                <a:uFill>
+                  <a:solidFill>
+                    <a:srgbClr val="FFFFFF"/>
+                  </a:solidFill>
+                </a:uFill>
+                <a:latin typeface="Trebuchet MS"/>
+              </a:rPr>
+              <a:t> </a:t>
+            </a:r>
+            <a:r>
+              <a:rPr lang="en-US" sz="2200" spc="-1" dirty="0" err="1">
+                <a:solidFill>
+                  <a:srgbClr val="FFFFFF"/>
+                </a:solidFill>
+                <a:uFill>
+                  <a:solidFill>
+                    <a:srgbClr val="FFFFFF"/>
+                  </a:solidFill>
+                </a:uFill>
+                <a:latin typeface="Trebuchet MS"/>
+              </a:rPr>
+              <a:t>grup</a:t>
+            </a:r>
+            <a:r>
+              <a:rPr lang="en-US" sz="2200" spc="-1" dirty="0">
+                <a:solidFill>
+                  <a:srgbClr val="FFFFFF"/>
+                </a:solidFill>
+                <a:uFill>
+                  <a:solidFill>
+                    <a:srgbClr val="FFFFFF"/>
+                  </a:solidFill>
+                </a:uFill>
+                <a:latin typeface="Trebuchet MS"/>
+              </a:rPr>
+              <a:t> yang </a:t>
+            </a:r>
+            <a:r>
+              <a:rPr lang="en-US" sz="2200" spc="-1" dirty="0" err="1">
+                <a:solidFill>
+                  <a:srgbClr val="FFFFFF"/>
+                </a:solidFill>
+                <a:uFill>
+                  <a:solidFill>
+                    <a:srgbClr val="FFFFFF"/>
+                  </a:solidFill>
+                </a:uFill>
+                <a:latin typeface="Trebuchet MS"/>
+              </a:rPr>
+              <a:t>sudah</a:t>
+            </a:r>
+            <a:r>
+              <a:rPr lang="en-US" sz="2200" spc="-1" dirty="0">
+                <a:solidFill>
+                  <a:srgbClr val="FFFFFF"/>
+                </a:solidFill>
+                <a:uFill>
+                  <a:solidFill>
+                    <a:srgbClr val="FFFFFF"/>
+                  </a:solidFill>
+                </a:uFill>
+                <a:latin typeface="Trebuchet MS"/>
+              </a:rPr>
+              <a:t> </a:t>
+            </a:r>
+            <a:r>
+              <a:rPr lang="en-US" sz="2200" spc="-1" dirty="0" err="1">
+                <a:solidFill>
+                  <a:srgbClr val="FFFFFF"/>
+                </a:solidFill>
+                <a:uFill>
+                  <a:solidFill>
+                    <a:srgbClr val="FFFFFF"/>
+                  </a:solidFill>
+                </a:uFill>
+                <a:latin typeface="Trebuchet MS"/>
+              </a:rPr>
+              <a:t>dibuat</a:t>
+            </a:r>
+            <a:r>
+              <a:rPr lang="en-US" sz="2200" spc="-1" dirty="0">
+                <a:solidFill>
+                  <a:srgbClr val="FFFFFF"/>
+                </a:solidFill>
+                <a:uFill>
+                  <a:solidFill>
+                    <a:srgbClr val="FFFFFF"/>
+                  </a:solidFill>
+                </a:uFill>
+                <a:latin typeface="Trebuchet MS"/>
+              </a:rPr>
+              <a:t>. </a:t>
+            </a:r>
+            <a:endParaRPr lang="en-US" sz="2200" b="0" strike="noStrike" spc="-1" dirty="0">
+              <a:solidFill>
+                <a:srgbClr val="FFFFFF"/>
+              </a:solidFill>
+              <a:uFill>
+                <a:solidFill>
+                  <a:srgbClr val="FFFFFF"/>
+                </a:solidFill>
+              </a:uFill>
+              <a:latin typeface="Trebuchet MS"/>
+            </a:endParaRPr>
+          </a:p>
+          <a:p>
+            <a:pPr marL="685800" lvl="1" indent="-228240">
+              <a:lnSpc>
+                <a:spcPct val="100000"/>
+              </a:lnSpc>
+              <a:buClr>
+                <a:srgbClr val="FFFFFF"/>
+              </a:buClr>
+              <a:buFont typeface="Arial"/>
+              <a:buChar char="•"/>
+            </a:pPr>
+            <a:r>
+              <a:rPr lang="en-US" sz="2200" b="0" strike="noStrike" spc="-1" dirty="0">
+                <a:solidFill>
+                  <a:srgbClr val="FFFFFF"/>
+                </a:solidFill>
+                <a:uFill>
+                  <a:solidFill>
+                    <a:srgbClr val="FFFFFF"/>
+                  </a:solidFill>
+                </a:uFill>
+                <a:latin typeface="Trebuchet MS"/>
+              </a:rPr>
+              <a:t>FORMAT MESSAGE:</a:t>
+            </a:r>
+            <a:endParaRPr lang="en-US" sz="2200" b="0" strike="noStrike" spc="-1" dirty="0">
+              <a:solidFill>
+                <a:srgbClr val="FFFFFF"/>
+              </a:solidFill>
+              <a:uFill>
+                <a:solidFill>
+                  <a:srgbClr val="FFFFFF"/>
+                </a:solidFill>
+              </a:uFill>
+              <a:latin typeface="Calibri"/>
+            </a:endParaRPr>
+          </a:p>
+          <a:p>
+            <a:pPr marL="1143000" lvl="2" indent="-228240">
+              <a:lnSpc>
+                <a:spcPct val="100000"/>
+              </a:lnSpc>
+              <a:buClr>
+                <a:srgbClr val="FFFFFF"/>
+              </a:buClr>
+              <a:buFont typeface="Arial"/>
+              <a:buChar char="•"/>
+            </a:pPr>
+            <a:r>
+              <a:rPr lang="en-US" sz="2200" b="0" strike="noStrike" spc="-1" dirty="0">
+                <a:solidFill>
+                  <a:srgbClr val="FFFF00"/>
+                </a:solidFill>
+                <a:uFill>
+                  <a:solidFill>
+                    <a:srgbClr val="FFFFFF"/>
+                  </a:solidFill>
+                </a:uFill>
+                <a:latin typeface="Trebuchet MS"/>
+              </a:rPr>
+              <a:t>GGRUP</a:t>
+            </a:r>
+            <a:r>
+              <a:rPr lang="en-US" sz="2200" b="0" strike="noStrike" spc="-1" dirty="0">
+                <a:solidFill>
+                  <a:srgbClr val="FFFFFF"/>
+                </a:solidFill>
+                <a:uFill>
+                  <a:solidFill>
+                    <a:srgbClr val="FFFFFF"/>
+                  </a:solidFill>
+                </a:uFill>
+                <a:latin typeface="Trebuchet MS"/>
+              </a:rPr>
+              <a:t> </a:t>
+            </a:r>
+            <a:r>
+              <a:rPr lang="en-US" sz="2200" b="0" strike="noStrike" spc="-1" dirty="0" err="1">
+                <a:solidFill>
+                  <a:srgbClr val="FFFFFF"/>
+                </a:solidFill>
+                <a:uFill>
+                  <a:solidFill>
+                    <a:srgbClr val="FFFFFF"/>
+                  </a:solidFill>
+                </a:uFill>
+                <a:latin typeface="Trebuchet MS"/>
+              </a:rPr>
+              <a:t>spasi</a:t>
+            </a:r>
+            <a:r>
+              <a:rPr lang="en-US" sz="2200" b="0" strike="noStrike" spc="-1" dirty="0">
+                <a:solidFill>
+                  <a:srgbClr val="FFFFFF"/>
+                </a:solidFill>
+                <a:uFill>
+                  <a:solidFill>
+                    <a:srgbClr val="FFFFFF"/>
+                  </a:solidFill>
+                </a:uFill>
+                <a:latin typeface="Trebuchet MS"/>
+              </a:rPr>
+              <a:t> </a:t>
+            </a:r>
+            <a:r>
+              <a:rPr lang="en-US" sz="2200" b="0" strike="noStrike" spc="-1" dirty="0">
+                <a:solidFill>
+                  <a:srgbClr val="FFFF00"/>
+                </a:solidFill>
+                <a:uFill>
+                  <a:solidFill>
+                    <a:srgbClr val="FFFFFF"/>
+                  </a:solidFill>
+                </a:uFill>
+                <a:latin typeface="Trebuchet MS"/>
+              </a:rPr>
+              <a:t>NAMA_GRUP</a:t>
+            </a:r>
+            <a:r>
+              <a:rPr lang="en-US" sz="2200" b="0" strike="noStrike" spc="-1" dirty="0">
+                <a:solidFill>
+                  <a:srgbClr val="FFFFFF"/>
+                </a:solidFill>
+                <a:uFill>
+                  <a:solidFill>
+                    <a:srgbClr val="FFFFFF"/>
+                  </a:solidFill>
+                </a:uFill>
+                <a:latin typeface="Trebuchet MS"/>
+              </a:rPr>
+              <a:t> </a:t>
+            </a:r>
+            <a:r>
+              <a:rPr lang="en-US" sz="2200" b="0" strike="noStrike" spc="-1" dirty="0" err="1">
+                <a:solidFill>
+                  <a:srgbClr val="FFFFFF"/>
+                </a:solidFill>
+                <a:uFill>
+                  <a:solidFill>
+                    <a:srgbClr val="FFFFFF"/>
+                  </a:solidFill>
+                </a:uFill>
+                <a:latin typeface="Trebuchet MS"/>
+              </a:rPr>
+              <a:t>spasi</a:t>
+            </a:r>
+            <a:r>
+              <a:rPr lang="en-US" sz="2200" b="0" strike="noStrike" spc="-1" dirty="0">
+                <a:solidFill>
+                  <a:srgbClr val="FFFFFF"/>
+                </a:solidFill>
+                <a:uFill>
+                  <a:solidFill>
+                    <a:srgbClr val="FFFFFF"/>
+                  </a:solidFill>
+                </a:uFill>
+                <a:latin typeface="Trebuchet MS"/>
+              </a:rPr>
+              <a:t> </a:t>
+            </a:r>
+            <a:r>
+              <a:rPr lang="en-US" sz="2200" b="0" strike="noStrike" spc="-1" dirty="0">
+                <a:solidFill>
+                  <a:srgbClr val="FFFF00"/>
+                </a:solidFill>
+                <a:uFill>
+                  <a:solidFill>
+                    <a:srgbClr val="FFFFFF"/>
+                  </a:solidFill>
+                </a:uFill>
+                <a:latin typeface="Trebuchet MS"/>
+              </a:rPr>
+              <a:t>PASS GRUP</a:t>
+            </a:r>
+            <a:endParaRPr lang="en-US" sz="2200" b="0" strike="noStrike" spc="-1" dirty="0">
+              <a:solidFill>
+                <a:srgbClr val="FFFF00"/>
+              </a:solidFill>
+              <a:uFill>
+                <a:solidFill>
+                  <a:srgbClr val="FFFFFF"/>
+                </a:solidFill>
+              </a:uFill>
+              <a:latin typeface="Calibri"/>
+            </a:endParaRPr>
+          </a:p>
+          <a:p>
+            <a:pPr marL="685800" lvl="1" indent="-228240">
+              <a:lnSpc>
+                <a:spcPct val="100000"/>
+              </a:lnSpc>
+              <a:buClr>
+                <a:srgbClr val="FFFFFF"/>
+              </a:buClr>
+              <a:buFont typeface="Arial"/>
+              <a:buChar char="•"/>
+            </a:pPr>
+            <a:r>
+              <a:rPr lang="en-US" sz="2200" b="0" strike="noStrike" spc="-1" dirty="0">
+                <a:solidFill>
+                  <a:srgbClr val="FFFFFF"/>
+                </a:solidFill>
+                <a:uFill>
+                  <a:solidFill>
+                    <a:srgbClr val="FFFFFF"/>
+                  </a:solidFill>
+                </a:uFill>
+                <a:latin typeface="Trebuchet MS"/>
+              </a:rPr>
+              <a:t>PARAMETER:</a:t>
+            </a:r>
+            <a:endParaRPr lang="en-US" sz="2200" b="0" strike="noStrike" spc="-1" dirty="0">
+              <a:solidFill>
+                <a:srgbClr val="FFFFFF"/>
+              </a:solidFill>
+              <a:uFill>
+                <a:solidFill>
+                  <a:srgbClr val="FFFFFF"/>
+                </a:solidFill>
+              </a:uFill>
+              <a:latin typeface="Calibri"/>
+            </a:endParaRPr>
+          </a:p>
+          <a:p>
+            <a:pPr marL="1143000" lvl="2" indent="-228240">
+              <a:lnSpc>
+                <a:spcPct val="100000"/>
+              </a:lnSpc>
+              <a:buClr>
+                <a:srgbClr val="FFFFFF"/>
+              </a:buClr>
+              <a:buFont typeface="Arial"/>
+              <a:buChar char="•"/>
+            </a:pPr>
+            <a:r>
+              <a:rPr lang="en-US" sz="2200" b="0" strike="noStrike" spc="-1" dirty="0">
+                <a:solidFill>
+                  <a:srgbClr val="FFFFFF"/>
+                </a:solidFill>
+                <a:uFill>
+                  <a:solidFill>
+                    <a:srgbClr val="FFFFFF"/>
+                  </a:solidFill>
+                </a:uFill>
+                <a:latin typeface="Trebuchet MS"/>
+              </a:rPr>
+              <a:t>NAMA_GRUP, PASS_GRUP</a:t>
+            </a:r>
+            <a:endParaRPr lang="en-US" sz="2200" b="0" strike="noStrike" spc="-1" dirty="0">
+              <a:solidFill>
+                <a:srgbClr val="FFFFFF"/>
+              </a:solidFill>
+              <a:uFill>
+                <a:solidFill>
+                  <a:srgbClr val="FFFFFF"/>
+                </a:solidFill>
+              </a:uFill>
+              <a:latin typeface="Calibri"/>
+            </a:endParaRPr>
+          </a:p>
+          <a:p>
+            <a:pPr marL="685800" lvl="1" indent="-228240">
+              <a:lnSpc>
+                <a:spcPct val="100000"/>
+              </a:lnSpc>
+              <a:buClr>
+                <a:srgbClr val="FFFFFF"/>
+              </a:buClr>
+              <a:buFont typeface="Arial"/>
+              <a:buChar char="•"/>
+            </a:pPr>
+            <a:r>
+              <a:rPr lang="en-US" sz="2200" b="0" strike="noStrike" spc="-1" dirty="0">
+                <a:solidFill>
+                  <a:srgbClr val="FFFFFF"/>
+                </a:solidFill>
+                <a:uFill>
+                  <a:solidFill>
+                    <a:srgbClr val="FFFFFF"/>
+                  </a:solidFill>
+                </a:uFill>
+                <a:latin typeface="Trebuchet MS"/>
+              </a:rPr>
+              <a:t>RETURN&gt;</a:t>
+            </a:r>
+            <a:endParaRPr lang="en-US" sz="2200" b="0" strike="noStrike" spc="-1" dirty="0">
+              <a:solidFill>
+                <a:srgbClr val="FFFFFF"/>
+              </a:solidFill>
+              <a:uFill>
+                <a:solidFill>
+                  <a:srgbClr val="FFFFFF"/>
+                </a:solidFill>
+              </a:uFill>
+              <a:latin typeface="Calibri"/>
+            </a:endParaRPr>
+          </a:p>
+          <a:p>
+            <a:pPr marL="1143000" lvl="2" indent="-228240">
+              <a:lnSpc>
+                <a:spcPct val="100000"/>
+              </a:lnSpc>
+              <a:buClr>
+                <a:srgbClr val="FFFFFF"/>
+              </a:buClr>
+              <a:buFont typeface="Arial"/>
+              <a:buChar char="•"/>
+            </a:pPr>
+            <a:r>
+              <a:rPr lang="en-US" sz="2200" b="0" strike="noStrike" spc="-1" dirty="0">
+                <a:solidFill>
+                  <a:srgbClr val="FFFFFF"/>
+                </a:solidFill>
+                <a:uFill>
+                  <a:solidFill>
+                    <a:srgbClr val="FFFFFF"/>
+                  </a:solidFill>
+                </a:uFill>
+                <a:latin typeface="Trebuchet MS"/>
+              </a:rPr>
+              <a:t>12: </a:t>
+            </a:r>
+            <a:r>
+              <a:rPr lang="en-US" sz="2200" b="0" strike="noStrike" spc="-1" dirty="0" err="1">
+                <a:solidFill>
+                  <a:srgbClr val="FFFFFF"/>
+                </a:solidFill>
+                <a:uFill>
+                  <a:solidFill>
+                    <a:srgbClr val="FFFFFF"/>
+                  </a:solidFill>
+                </a:uFill>
+                <a:latin typeface="Trebuchet MS"/>
+              </a:rPr>
+              <a:t>Gabung</a:t>
+            </a:r>
+            <a:r>
+              <a:rPr lang="en-US" sz="2200" b="0" strike="noStrike" spc="-1" dirty="0">
+                <a:solidFill>
+                  <a:srgbClr val="FFFFFF"/>
+                </a:solidFill>
+                <a:uFill>
+                  <a:solidFill>
+                    <a:srgbClr val="FFFFFF"/>
+                  </a:solidFill>
+                </a:uFill>
+                <a:latin typeface="Trebuchet MS"/>
+              </a:rPr>
+              <a:t> </a:t>
+            </a:r>
+            <a:r>
+              <a:rPr lang="en-US" sz="2200" b="0" strike="noStrike" spc="-1" dirty="0" err="1">
+                <a:solidFill>
+                  <a:srgbClr val="FFFFFF"/>
+                </a:solidFill>
+                <a:uFill>
+                  <a:solidFill>
+                    <a:srgbClr val="FFFFFF"/>
+                  </a:solidFill>
+                </a:uFill>
+                <a:latin typeface="Trebuchet MS"/>
+              </a:rPr>
+              <a:t>Grup</a:t>
+            </a:r>
+            <a:r>
+              <a:rPr lang="en-US" sz="2200" b="0" strike="noStrike" spc="-1" dirty="0">
+                <a:solidFill>
+                  <a:srgbClr val="FFFFFF"/>
+                </a:solidFill>
+                <a:uFill>
+                  <a:solidFill>
+                    <a:srgbClr val="FFFFFF"/>
+                  </a:solidFill>
+                </a:uFill>
+                <a:latin typeface="Trebuchet MS"/>
+              </a:rPr>
+              <a:t> “NAMA_GRUP” </a:t>
+            </a:r>
+            <a:r>
+              <a:rPr lang="en-US" sz="2200" b="0" strike="noStrike" spc="-1" dirty="0" err="1">
+                <a:solidFill>
+                  <a:srgbClr val="FFFFFF"/>
+                </a:solidFill>
+                <a:uFill>
+                  <a:solidFill>
+                    <a:srgbClr val="FFFFFF"/>
+                  </a:solidFill>
+                </a:uFill>
+                <a:latin typeface="Trebuchet MS"/>
+              </a:rPr>
+              <a:t>Sukses</a:t>
+            </a:r>
+            <a:endParaRPr lang="en-US" sz="2200" b="0" strike="noStrike" spc="-1" dirty="0">
+              <a:solidFill>
+                <a:srgbClr val="FFFFFF"/>
+              </a:solidFill>
+              <a:uFill>
+                <a:solidFill>
+                  <a:srgbClr val="FFFFFF"/>
+                </a:solidFill>
+              </a:uFill>
+              <a:latin typeface="Calibri"/>
+            </a:endParaRPr>
+          </a:p>
+          <a:p>
+            <a:pPr marL="1143000" lvl="2" indent="-228240">
+              <a:lnSpc>
+                <a:spcPct val="100000"/>
+              </a:lnSpc>
+              <a:buClr>
+                <a:srgbClr val="FFFFFF"/>
+              </a:buClr>
+              <a:buFont typeface="Arial"/>
+              <a:buChar char="•"/>
+            </a:pPr>
+            <a:r>
+              <a:rPr lang="en-US" sz="2200" b="0" strike="noStrike" spc="-1" dirty="0">
+                <a:solidFill>
+                  <a:srgbClr val="FFFFFF"/>
+                </a:solidFill>
+                <a:uFill>
+                  <a:solidFill>
+                    <a:srgbClr val="FFFFFF"/>
+                  </a:solidFill>
+                </a:uFill>
+                <a:latin typeface="Trebuchet MS"/>
+              </a:rPr>
+              <a:t>15: </a:t>
+            </a:r>
+            <a:r>
+              <a:rPr lang="en-US" sz="2200" b="0" strike="noStrike" spc="-1" dirty="0" err="1">
+                <a:solidFill>
+                  <a:srgbClr val="FFFFFF"/>
+                </a:solidFill>
+                <a:uFill>
+                  <a:solidFill>
+                    <a:srgbClr val="FFFFFF"/>
+                  </a:solidFill>
+                </a:uFill>
+                <a:latin typeface="Trebuchet MS"/>
+              </a:rPr>
+              <a:t>Gabung</a:t>
+            </a:r>
+            <a:r>
+              <a:rPr lang="en-US" sz="2200" b="0" strike="noStrike" spc="-1" dirty="0">
+                <a:solidFill>
+                  <a:srgbClr val="FFFFFF"/>
+                </a:solidFill>
+                <a:uFill>
+                  <a:solidFill>
+                    <a:srgbClr val="FFFFFF"/>
+                  </a:solidFill>
+                </a:uFill>
+                <a:latin typeface="Trebuchet MS"/>
+              </a:rPr>
+              <a:t> </a:t>
+            </a:r>
+            <a:r>
+              <a:rPr lang="en-US" sz="2200" b="0" strike="noStrike" spc="-1" dirty="0" err="1">
+                <a:solidFill>
+                  <a:srgbClr val="FFFFFF"/>
+                </a:solidFill>
+                <a:uFill>
+                  <a:solidFill>
+                    <a:srgbClr val="FFFFFF"/>
+                  </a:solidFill>
+                </a:uFill>
+                <a:latin typeface="Trebuchet MS"/>
+              </a:rPr>
+              <a:t>Grup</a:t>
+            </a:r>
+            <a:r>
+              <a:rPr lang="en-US" sz="2200" b="0" strike="noStrike" spc="-1" dirty="0">
+                <a:solidFill>
+                  <a:srgbClr val="FFFFFF"/>
+                </a:solidFill>
+                <a:uFill>
+                  <a:solidFill>
+                    <a:srgbClr val="FFFFFF"/>
+                  </a:solidFill>
+                </a:uFill>
+                <a:latin typeface="Trebuchet MS"/>
+              </a:rPr>
+              <a:t> </a:t>
+            </a:r>
+            <a:r>
+              <a:rPr lang="en-US" sz="2200" b="0" strike="noStrike" spc="-1" dirty="0" err="1">
+                <a:solidFill>
+                  <a:srgbClr val="FFFFFF"/>
+                </a:solidFill>
+                <a:uFill>
+                  <a:solidFill>
+                    <a:srgbClr val="FFFFFF"/>
+                  </a:solidFill>
+                </a:uFill>
+                <a:latin typeface="Trebuchet MS"/>
+              </a:rPr>
+              <a:t>Gagal</a:t>
+            </a:r>
+            <a:endParaRPr lang="en-US" sz="2200" b="0" strike="noStrike" spc="-1" dirty="0">
+              <a:solidFill>
+                <a:srgbClr val="FFFFFF"/>
+              </a:solidFill>
+              <a:uFill>
+                <a:solidFill>
+                  <a:srgbClr val="FFFFFF"/>
+                </a:solidFill>
+              </a:uFill>
+              <a:latin typeface="Trebuchet MS"/>
+            </a:endParaRPr>
+          </a:p>
+          <a:p>
+            <a:pPr marL="914760" lvl="2">
+              <a:lnSpc>
+                <a:spcPct val="100000"/>
+              </a:lnSpc>
+              <a:buClr>
+                <a:srgbClr val="FFFFFF"/>
+              </a:buClr>
+            </a:pPr>
+            <a:r>
+              <a:rPr lang="en-US" sz="2200" spc="-1" dirty="0">
+                <a:solidFill>
+                  <a:srgbClr val="FFFFFF"/>
+                </a:solidFill>
+                <a:uFill>
+                  <a:solidFill>
+                    <a:srgbClr val="FFFFFF"/>
+                  </a:solidFill>
+                </a:uFill>
+                <a:latin typeface="Trebuchet MS"/>
+                <a:sym typeface="Wingdings" panose="05000000000000000000" pitchFamily="2" charset="2"/>
+              </a:rPr>
+              <a:t> </a:t>
+            </a:r>
+            <a:r>
+              <a:rPr lang="en-US" sz="2200" b="0" strike="noStrike" spc="-1" dirty="0" err="1">
+                <a:solidFill>
+                  <a:srgbClr val="FFFFFF"/>
+                </a:solidFill>
+                <a:uFill>
+                  <a:solidFill>
+                    <a:srgbClr val="FFFFFF"/>
+                  </a:solidFill>
+                </a:uFill>
+                <a:latin typeface="Trebuchet MS"/>
+              </a:rPr>
+              <a:t>Gagal</a:t>
+            </a:r>
+            <a:r>
+              <a:rPr lang="en-US" sz="2200" b="0" strike="noStrike" spc="-1" dirty="0">
+                <a:solidFill>
+                  <a:srgbClr val="FFFFFF"/>
+                </a:solidFill>
+                <a:uFill>
+                  <a:solidFill>
+                    <a:srgbClr val="FFFFFF"/>
+                  </a:solidFill>
+                </a:uFill>
+                <a:latin typeface="Trebuchet MS"/>
+              </a:rPr>
+              <a:t> &gt; </a:t>
+            </a:r>
+            <a:r>
+              <a:rPr lang="en-US" sz="2200" b="0" strike="noStrike" spc="-1" dirty="0" err="1">
+                <a:solidFill>
+                  <a:srgbClr val="FFFFFF"/>
+                </a:solidFill>
+                <a:uFill>
+                  <a:solidFill>
+                    <a:srgbClr val="FFFFFF"/>
+                  </a:solidFill>
+                </a:uFill>
+                <a:latin typeface="Trebuchet MS"/>
+              </a:rPr>
+              <a:t>karena</a:t>
+            </a:r>
+            <a:r>
+              <a:rPr lang="en-US" sz="2200" b="0" strike="noStrike" spc="-1" dirty="0">
+                <a:solidFill>
+                  <a:srgbClr val="FFFFFF"/>
+                </a:solidFill>
+                <a:uFill>
+                  <a:solidFill>
+                    <a:srgbClr val="FFFFFF"/>
+                  </a:solidFill>
+                </a:uFill>
+                <a:latin typeface="Trebuchet MS"/>
+              </a:rPr>
+              <a:t> NAMA_GRUP </a:t>
+            </a:r>
+            <a:r>
+              <a:rPr lang="en-US" sz="2200" b="0" strike="noStrike" spc="-1" dirty="0" err="1">
+                <a:solidFill>
+                  <a:srgbClr val="FFFFFF"/>
+                </a:solidFill>
+                <a:uFill>
+                  <a:solidFill>
+                    <a:srgbClr val="FFFFFF"/>
+                  </a:solidFill>
+                </a:uFill>
+                <a:latin typeface="Trebuchet MS"/>
+              </a:rPr>
+              <a:t>tidak</a:t>
+            </a:r>
+            <a:r>
+              <a:rPr lang="en-US" sz="2200" b="0" strike="noStrike" spc="-1" dirty="0">
+                <a:solidFill>
+                  <a:srgbClr val="FFFFFF"/>
+                </a:solidFill>
+                <a:uFill>
+                  <a:solidFill>
+                    <a:srgbClr val="FFFFFF"/>
+                  </a:solidFill>
+                </a:uFill>
+                <a:latin typeface="Trebuchet MS"/>
+              </a:rPr>
+              <a:t> </a:t>
+            </a:r>
+            <a:r>
+              <a:rPr lang="en-US" sz="2200" b="0" strike="noStrike" spc="-1" dirty="0" err="1">
+                <a:solidFill>
+                  <a:srgbClr val="FFFFFF"/>
+                </a:solidFill>
+                <a:uFill>
+                  <a:solidFill>
+                    <a:srgbClr val="FFFFFF"/>
+                  </a:solidFill>
+                </a:uFill>
+                <a:latin typeface="Trebuchet MS"/>
+              </a:rPr>
+              <a:t>tersedia</a:t>
+            </a:r>
+            <a:r>
+              <a:rPr lang="en-US" sz="2200" b="0" strike="noStrike" spc="-1" dirty="0">
+                <a:solidFill>
+                  <a:srgbClr val="FFFFFF"/>
+                </a:solidFill>
+                <a:uFill>
+                  <a:solidFill>
+                    <a:srgbClr val="FFFFFF"/>
+                  </a:solidFill>
+                </a:uFill>
+                <a:latin typeface="Trebuchet MS"/>
+              </a:rPr>
+              <a:t>, USER_NAME </a:t>
+            </a:r>
+            <a:r>
+              <a:rPr lang="en-US" sz="2200" b="0" strike="noStrike" spc="-1" dirty="0" err="1">
+                <a:solidFill>
+                  <a:srgbClr val="FFFFFF"/>
+                </a:solidFill>
+                <a:uFill>
+                  <a:solidFill>
+                    <a:srgbClr val="FFFFFF"/>
+                  </a:solidFill>
+                </a:uFill>
+                <a:latin typeface="Trebuchet MS"/>
+              </a:rPr>
+              <a:t>belum</a:t>
+            </a:r>
+            <a:r>
+              <a:rPr lang="en-US" sz="2200" b="0" strike="noStrike" spc="-1" dirty="0">
+                <a:solidFill>
+                  <a:srgbClr val="FFFFFF"/>
+                </a:solidFill>
+                <a:uFill>
+                  <a:solidFill>
+                    <a:srgbClr val="FFFFFF"/>
+                  </a:solidFill>
+                </a:uFill>
+                <a:latin typeface="Trebuchet MS"/>
+              </a:rPr>
+              <a:t> </a:t>
+            </a:r>
+            <a:r>
+              <a:rPr lang="en-US" sz="2200" b="0" strike="noStrike" spc="-1" dirty="0" err="1">
+                <a:solidFill>
+                  <a:srgbClr val="FFFFFF"/>
+                </a:solidFill>
+                <a:uFill>
+                  <a:solidFill>
+                    <a:srgbClr val="FFFFFF"/>
+                  </a:solidFill>
+                </a:uFill>
+                <a:latin typeface="Trebuchet MS"/>
+              </a:rPr>
+              <a:t>terautentikasi</a:t>
+            </a:r>
+            <a:r>
+              <a:rPr lang="en-US" sz="2200" b="0" strike="noStrike" spc="-1" dirty="0">
+                <a:solidFill>
+                  <a:srgbClr val="FFFFFF"/>
+                </a:solidFill>
+                <a:uFill>
+                  <a:solidFill>
+                    <a:srgbClr val="FFFFFF"/>
+                  </a:solidFill>
+                </a:uFill>
+                <a:latin typeface="Trebuchet MS"/>
+              </a:rPr>
+              <a:t>, PASS_GRUP </a:t>
+            </a:r>
+            <a:r>
+              <a:rPr lang="en-US" sz="2200" b="0" strike="noStrike" spc="-1" dirty="0" err="1">
+                <a:solidFill>
+                  <a:srgbClr val="FFFFFF"/>
+                </a:solidFill>
+                <a:uFill>
+                  <a:solidFill>
+                    <a:srgbClr val="FFFFFF"/>
+                  </a:solidFill>
+                </a:uFill>
+                <a:latin typeface="Trebuchet MS"/>
+              </a:rPr>
+              <a:t>salah</a:t>
+            </a:r>
+            <a:endParaRPr lang="en-US" sz="2200" b="0" strike="noStrike" spc="-1" dirty="0">
+              <a:solidFill>
+                <a:srgbClr val="FFFFFF"/>
+              </a:solidFill>
+              <a:uFill>
+                <a:solidFill>
+                  <a:srgbClr val="FFFFFF"/>
+                </a:solidFill>
+              </a:uFill>
+              <a:latin typeface="Calibri"/>
+            </a:endParaRPr>
+          </a:p>
+          <a:p>
+            <a:pPr>
+              <a:lnSpc>
+                <a:spcPct val="100000"/>
+              </a:lnSpc>
+            </a:pPr>
+            <a:endParaRPr lang="en-US" sz="2800" b="0" strike="noStrike" spc="-1" dirty="0">
+              <a:solidFill>
+                <a:srgbClr val="FFFFFF"/>
+              </a:solidFill>
+              <a:uFill>
+                <a:solidFill>
+                  <a:srgbClr val="FFFFFF"/>
+                </a:solidFill>
+              </a:uFill>
+              <a:latin typeface="Calibri"/>
+            </a:endParaRPr>
+          </a:p>
+        </p:txBody>
+      </p:sp>
+      <p:sp>
+        <p:nvSpPr>
+          <p:cNvPr id="4" name="TextShape 1"/>
           <p:cNvSpPr txBox="1"/>
           <p:nvPr/>
         </p:nvSpPr>
@@ -6444,884 +7389,6 @@
               <a:t>)</a:t>
             </a:r>
             <a:endParaRPr lang="en-US" sz="2800" b="0" strike="noStrike" spc="-1" dirty="0">
-              <a:solidFill>
-                <a:srgbClr val="FFFFFF"/>
-              </a:solidFill>
-              <a:uFill>
-                <a:solidFill>
-                  <a:srgbClr val="FFFFFF"/>
-                </a:solidFill>
-              </a:uFill>
-              <a:latin typeface="Calibri"/>
-            </a:endParaRPr>
-          </a:p>
-        </p:txBody>
-      </p:sp>
-      <p:sp>
-        <p:nvSpPr>
-          <p:cNvPr id="93" name="TextShape 2"/>
-          <p:cNvSpPr txBox="1"/>
-          <p:nvPr/>
-        </p:nvSpPr>
-        <p:spPr>
-          <a:xfrm>
-            <a:off x="0" y="1828800"/>
-            <a:ext cx="12192000" cy="5029200"/>
-          </a:xfrm>
-          <a:prstGeom prst="rect">
-            <a:avLst/>
-          </a:prstGeom>
-          <a:noFill/>
-          <a:ln>
-            <a:noFill/>
-          </a:ln>
-        </p:spPr>
-        <p:txBody>
-          <a:bodyPr/>
-          <a:lstStyle/>
-          <a:p>
-            <a:pPr marL="228600" indent="-228240">
-              <a:lnSpc>
-                <a:spcPct val="90000"/>
-              </a:lnSpc>
-              <a:buClr>
-                <a:srgbClr val="FFFFFF"/>
-              </a:buClr>
-              <a:buFont typeface="Arial"/>
-              <a:buChar char="•"/>
-            </a:pPr>
-            <a:r>
-              <a:rPr lang="en-US" sz="3000" b="0" strike="noStrike" spc="-1" dirty="0">
-                <a:solidFill>
-                  <a:srgbClr val="00B0F0"/>
-                </a:solidFill>
-                <a:uFill>
-                  <a:solidFill>
-                    <a:srgbClr val="FFFFFF"/>
-                  </a:solidFill>
-                </a:uFill>
-                <a:latin typeface="Trebuchet MS"/>
-              </a:rPr>
-              <a:t>TAMPIL GRUP</a:t>
-            </a:r>
-            <a:endParaRPr lang="en-US" sz="3000" b="0" strike="noStrike" spc="-1" dirty="0">
-              <a:solidFill>
-                <a:srgbClr val="00B0F0"/>
-              </a:solidFill>
-              <a:uFill>
-                <a:solidFill>
-                  <a:srgbClr val="FFFFFF"/>
-                </a:solidFill>
-              </a:uFill>
-              <a:latin typeface="Calibri"/>
-            </a:endParaRPr>
-          </a:p>
-          <a:p>
-            <a:pPr marL="685800" lvl="1" indent="-228240">
-              <a:lnSpc>
-                <a:spcPct val="100000"/>
-              </a:lnSpc>
-              <a:buClr>
-                <a:srgbClr val="FFFFFF"/>
-              </a:buClr>
-              <a:buFont typeface="Arial"/>
-              <a:buChar char="•"/>
-            </a:pPr>
-            <a:r>
-              <a:rPr lang="en-US" sz="2200" b="0" strike="noStrike" spc="-1" dirty="0">
-                <a:solidFill>
-                  <a:srgbClr val="FFFFFF"/>
-                </a:solidFill>
-                <a:uFill>
-                  <a:solidFill>
-                    <a:srgbClr val="FFFFFF"/>
-                  </a:solidFill>
-                </a:uFill>
-                <a:latin typeface="Trebuchet MS"/>
-              </a:rPr>
-              <a:t>DESKRIPSI:</a:t>
-            </a:r>
-          </a:p>
-          <a:p>
-            <a:pPr marL="914760" lvl="2">
-              <a:buClr>
-                <a:srgbClr val="FFFFFF"/>
-              </a:buClr>
-            </a:pPr>
-            <a:r>
-              <a:rPr lang="en-US" sz="2200" spc="-1" dirty="0">
-                <a:solidFill>
-                  <a:srgbClr val="FFFFFF"/>
-                </a:solidFill>
-                <a:uFill>
-                  <a:solidFill>
-                    <a:srgbClr val="FFFFFF"/>
-                  </a:solidFill>
-                </a:uFill>
-                <a:latin typeface="Trebuchet MS"/>
-              </a:rPr>
-              <a:t>User </a:t>
-            </a:r>
-            <a:r>
-              <a:rPr lang="en-US" sz="2200" spc="-1" dirty="0" err="1">
-                <a:solidFill>
-                  <a:srgbClr val="FFFFFF"/>
-                </a:solidFill>
-                <a:uFill>
-                  <a:solidFill>
-                    <a:srgbClr val="FFFFFF"/>
-                  </a:solidFill>
-                </a:uFill>
-                <a:latin typeface="Trebuchet MS"/>
-              </a:rPr>
-              <a:t>dapat</a:t>
-            </a:r>
-            <a:r>
-              <a:rPr lang="en-US" sz="2200" spc="-1" dirty="0">
-                <a:solidFill>
-                  <a:srgbClr val="FFFFFF"/>
-                </a:solidFill>
-                <a:uFill>
-                  <a:solidFill>
-                    <a:srgbClr val="FFFFFF"/>
-                  </a:solidFill>
-                </a:uFill>
-                <a:latin typeface="Trebuchet MS"/>
-              </a:rPr>
-              <a:t> </a:t>
-            </a:r>
-            <a:r>
-              <a:rPr lang="en-US" sz="2200" spc="-1" dirty="0" err="1">
-                <a:solidFill>
-                  <a:srgbClr val="FFFFFF"/>
-                </a:solidFill>
-                <a:uFill>
-                  <a:solidFill>
-                    <a:srgbClr val="FFFFFF"/>
-                  </a:solidFill>
-                </a:uFill>
-                <a:latin typeface="Trebuchet MS"/>
-              </a:rPr>
-              <a:t>melihat</a:t>
-            </a:r>
-            <a:r>
-              <a:rPr lang="en-US" sz="2200" spc="-1" dirty="0">
-                <a:solidFill>
-                  <a:srgbClr val="FFFFFF"/>
-                </a:solidFill>
-                <a:uFill>
-                  <a:solidFill>
-                    <a:srgbClr val="FFFFFF"/>
-                  </a:solidFill>
-                </a:uFill>
-                <a:latin typeface="Trebuchet MS"/>
-              </a:rPr>
-              <a:t> list </a:t>
-            </a:r>
-            <a:r>
-              <a:rPr lang="en-US" sz="2200" spc="-1" dirty="0" err="1">
-                <a:solidFill>
-                  <a:srgbClr val="FFFFFF"/>
-                </a:solidFill>
-                <a:uFill>
-                  <a:solidFill>
-                    <a:srgbClr val="FFFFFF"/>
-                  </a:solidFill>
-                </a:uFill>
-                <a:latin typeface="Trebuchet MS"/>
-              </a:rPr>
-              <a:t>grup</a:t>
-            </a:r>
-            <a:r>
-              <a:rPr lang="en-US" sz="2200" spc="-1" dirty="0">
-                <a:solidFill>
-                  <a:srgbClr val="FFFFFF"/>
-                </a:solidFill>
-                <a:uFill>
-                  <a:solidFill>
-                    <a:srgbClr val="FFFFFF"/>
-                  </a:solidFill>
-                </a:uFill>
-                <a:latin typeface="Trebuchet MS"/>
-              </a:rPr>
-              <a:t> yang </a:t>
-            </a:r>
-            <a:r>
-              <a:rPr lang="en-US" sz="2200" spc="-1" dirty="0" err="1">
-                <a:solidFill>
-                  <a:srgbClr val="FFFFFF"/>
-                </a:solidFill>
-                <a:uFill>
-                  <a:solidFill>
-                    <a:srgbClr val="FFFFFF"/>
-                  </a:solidFill>
-                </a:uFill>
-                <a:latin typeface="Trebuchet MS"/>
-              </a:rPr>
-              <a:t>ada</a:t>
-            </a:r>
-            <a:r>
-              <a:rPr lang="en-US" sz="2200" spc="-1" dirty="0">
-                <a:solidFill>
-                  <a:srgbClr val="FFFFFF"/>
-                </a:solidFill>
-                <a:uFill>
-                  <a:solidFill>
-                    <a:srgbClr val="FFFFFF"/>
-                  </a:solidFill>
-                </a:uFill>
-                <a:latin typeface="Trebuchet MS"/>
-              </a:rPr>
-              <a:t> </a:t>
-            </a:r>
-            <a:r>
-              <a:rPr lang="en-US" sz="2200" spc="-1" dirty="0" err="1">
-                <a:solidFill>
-                  <a:srgbClr val="FFFFFF"/>
-                </a:solidFill>
-                <a:uFill>
-                  <a:solidFill>
-                    <a:srgbClr val="FFFFFF"/>
-                  </a:solidFill>
-                </a:uFill>
-                <a:latin typeface="Trebuchet MS"/>
-              </a:rPr>
-              <a:t>dalam</a:t>
-            </a:r>
-            <a:r>
-              <a:rPr lang="en-US" sz="2200" spc="-1" dirty="0">
-                <a:solidFill>
-                  <a:srgbClr val="FFFFFF"/>
-                </a:solidFill>
-                <a:uFill>
-                  <a:solidFill>
-                    <a:srgbClr val="FFFFFF"/>
-                  </a:solidFill>
-                </a:uFill>
-                <a:latin typeface="Trebuchet MS"/>
-              </a:rPr>
-              <a:t> chat server. </a:t>
-            </a:r>
-            <a:endParaRPr lang="en-US" sz="2200" b="0" strike="noStrike" spc="-1" dirty="0">
-              <a:solidFill>
-                <a:srgbClr val="FFFFFF"/>
-              </a:solidFill>
-              <a:uFill>
-                <a:solidFill>
-                  <a:srgbClr val="FFFFFF"/>
-                </a:solidFill>
-              </a:uFill>
-              <a:latin typeface="Trebuchet MS"/>
-            </a:endParaRPr>
-          </a:p>
-          <a:p>
-            <a:pPr marL="685800" lvl="1" indent="-228240">
-              <a:lnSpc>
-                <a:spcPct val="100000"/>
-              </a:lnSpc>
-              <a:buClr>
-                <a:srgbClr val="FFFFFF"/>
-              </a:buClr>
-              <a:buFont typeface="Arial"/>
-              <a:buChar char="•"/>
-            </a:pPr>
-            <a:r>
-              <a:rPr lang="en-US" sz="2200" b="0" strike="noStrike" spc="-1" dirty="0">
-                <a:solidFill>
-                  <a:srgbClr val="FFFFFF"/>
-                </a:solidFill>
-                <a:uFill>
-                  <a:solidFill>
-                    <a:srgbClr val="FFFFFF"/>
-                  </a:solidFill>
-                </a:uFill>
-                <a:latin typeface="Trebuchet MS"/>
-              </a:rPr>
-              <a:t>FORMAT MESSAGE:</a:t>
-            </a:r>
-            <a:endParaRPr lang="en-US" sz="2200" b="0" strike="noStrike" spc="-1" dirty="0">
-              <a:solidFill>
-                <a:srgbClr val="FFFFFF"/>
-              </a:solidFill>
-              <a:uFill>
-                <a:solidFill>
-                  <a:srgbClr val="FFFFFF"/>
-                </a:solidFill>
-              </a:uFill>
-              <a:latin typeface="Calibri"/>
-            </a:endParaRPr>
-          </a:p>
-          <a:p>
-            <a:pPr marL="1143000" lvl="2" indent="-228240">
-              <a:lnSpc>
-                <a:spcPct val="100000"/>
-              </a:lnSpc>
-              <a:buClr>
-                <a:srgbClr val="FFFFFF"/>
-              </a:buClr>
-              <a:buFont typeface="Arial"/>
-              <a:buChar char="•"/>
-            </a:pPr>
-            <a:r>
-              <a:rPr lang="en-US" sz="2200" b="0" strike="noStrike" spc="-1" dirty="0">
-                <a:solidFill>
-                  <a:srgbClr val="FFFF00"/>
-                </a:solidFill>
-                <a:uFill>
-                  <a:solidFill>
-                    <a:srgbClr val="FFFFFF"/>
-                  </a:solidFill>
-                </a:uFill>
-                <a:latin typeface="Trebuchet MS"/>
-              </a:rPr>
-              <a:t>TGRUP</a:t>
-            </a:r>
-            <a:endParaRPr lang="en-US" sz="2200" b="0" strike="noStrike" spc="-1" dirty="0">
-              <a:solidFill>
-                <a:srgbClr val="FFFF00"/>
-              </a:solidFill>
-              <a:uFill>
-                <a:solidFill>
-                  <a:srgbClr val="FFFFFF"/>
-                </a:solidFill>
-              </a:uFill>
-              <a:latin typeface="Calibri"/>
-            </a:endParaRPr>
-          </a:p>
-          <a:p>
-            <a:pPr marL="685800" lvl="1" indent="-228240">
-              <a:lnSpc>
-                <a:spcPct val="100000"/>
-              </a:lnSpc>
-              <a:buClr>
-                <a:srgbClr val="FFFFFF"/>
-              </a:buClr>
-              <a:buFont typeface="Arial"/>
-              <a:buChar char="•"/>
-            </a:pPr>
-            <a:r>
-              <a:rPr lang="en-US" sz="2200" b="0" strike="noStrike" spc="-1" dirty="0">
-                <a:solidFill>
-                  <a:srgbClr val="FFFFFF"/>
-                </a:solidFill>
-                <a:uFill>
-                  <a:solidFill>
-                    <a:srgbClr val="FFFFFF"/>
-                  </a:solidFill>
-                </a:uFill>
-                <a:latin typeface="Trebuchet MS"/>
-              </a:rPr>
-              <a:t>PARAMETER:</a:t>
-            </a:r>
-            <a:endParaRPr lang="en-US" sz="2200" b="0" strike="noStrike" spc="-1" dirty="0">
-              <a:solidFill>
-                <a:srgbClr val="FFFFFF"/>
-              </a:solidFill>
-              <a:uFill>
-                <a:solidFill>
-                  <a:srgbClr val="FFFFFF"/>
-                </a:solidFill>
-              </a:uFill>
-              <a:latin typeface="Calibri"/>
-            </a:endParaRPr>
-          </a:p>
-          <a:p>
-            <a:pPr marL="1143000" lvl="2" indent="-228240">
-              <a:lnSpc>
-                <a:spcPct val="100000"/>
-              </a:lnSpc>
-              <a:buClr>
-                <a:srgbClr val="FFFFFF"/>
-              </a:buClr>
-              <a:buFont typeface="Arial"/>
-              <a:buChar char="•"/>
-            </a:pPr>
-            <a:r>
-              <a:rPr lang="en-US" sz="2200" b="0" strike="noStrike" spc="-1" dirty="0">
-                <a:solidFill>
-                  <a:srgbClr val="FFFFFF"/>
-                </a:solidFill>
-                <a:uFill>
-                  <a:solidFill>
-                    <a:srgbClr val="FFFFFF"/>
-                  </a:solidFill>
-                </a:uFill>
-                <a:latin typeface="Trebuchet MS"/>
-              </a:rPr>
-              <a:t>-</a:t>
-            </a:r>
-            <a:endParaRPr lang="en-US" sz="2200" b="0" strike="noStrike" spc="-1" dirty="0">
-              <a:solidFill>
-                <a:srgbClr val="FFFFFF"/>
-              </a:solidFill>
-              <a:uFill>
-                <a:solidFill>
-                  <a:srgbClr val="FFFFFF"/>
-                </a:solidFill>
-              </a:uFill>
-              <a:latin typeface="Calibri"/>
-            </a:endParaRPr>
-          </a:p>
-          <a:p>
-            <a:pPr marL="685800" lvl="1" indent="-228240">
-              <a:lnSpc>
-                <a:spcPct val="100000"/>
-              </a:lnSpc>
-              <a:buClr>
-                <a:srgbClr val="FFFFFF"/>
-              </a:buClr>
-              <a:buFont typeface="Arial"/>
-              <a:buChar char="•"/>
-            </a:pPr>
-            <a:r>
-              <a:rPr lang="en-US" sz="2200" b="0" strike="noStrike" spc="-1" dirty="0">
-                <a:solidFill>
-                  <a:srgbClr val="FFFFFF"/>
-                </a:solidFill>
-                <a:uFill>
-                  <a:solidFill>
-                    <a:srgbClr val="FFFFFF"/>
-                  </a:solidFill>
-                </a:uFill>
-                <a:latin typeface="Trebuchet MS"/>
-              </a:rPr>
-              <a:t>RETURN&gt;</a:t>
-            </a:r>
-            <a:endParaRPr lang="en-US" sz="2200" b="0" strike="noStrike" spc="-1" dirty="0">
-              <a:solidFill>
-                <a:srgbClr val="FFFFFF"/>
-              </a:solidFill>
-              <a:uFill>
-                <a:solidFill>
-                  <a:srgbClr val="FFFFFF"/>
-                </a:solidFill>
-              </a:uFill>
-              <a:latin typeface="Calibri"/>
-            </a:endParaRPr>
-          </a:p>
-          <a:p>
-            <a:pPr marL="1143000" lvl="2" indent="-228240">
-              <a:lnSpc>
-                <a:spcPct val="100000"/>
-              </a:lnSpc>
-              <a:buClr>
-                <a:srgbClr val="FFFFFF"/>
-              </a:buClr>
-              <a:buFont typeface="Arial"/>
-              <a:buChar char="•"/>
-            </a:pPr>
-            <a:r>
-              <a:rPr lang="en-US" sz="2200" b="0" strike="noStrike" spc="-1" dirty="0">
-                <a:solidFill>
-                  <a:srgbClr val="FFFFFF"/>
-                </a:solidFill>
-                <a:uFill>
-                  <a:solidFill>
-                    <a:srgbClr val="FFFFFF"/>
-                  </a:solidFill>
-                </a:uFill>
-                <a:latin typeface="Trebuchet MS"/>
-              </a:rPr>
-              <a:t>20: Data </a:t>
-            </a:r>
-            <a:r>
-              <a:rPr lang="en-US" sz="2200" b="0" strike="noStrike" spc="-1" dirty="0" err="1">
-                <a:solidFill>
-                  <a:srgbClr val="FFFFFF"/>
-                </a:solidFill>
-                <a:uFill>
-                  <a:solidFill>
-                    <a:srgbClr val="FFFFFF"/>
-                  </a:solidFill>
-                </a:uFill>
-                <a:latin typeface="Trebuchet MS"/>
-              </a:rPr>
-              <a:t>Berhasil</a:t>
-            </a:r>
-            <a:r>
-              <a:rPr lang="en-US" sz="2200" b="0" strike="noStrike" spc="-1" dirty="0">
-                <a:solidFill>
-                  <a:srgbClr val="FFFFFF"/>
-                </a:solidFill>
-                <a:uFill>
-                  <a:solidFill>
-                    <a:srgbClr val="FFFFFF"/>
-                  </a:solidFill>
-                </a:uFill>
-                <a:latin typeface="Trebuchet MS"/>
-              </a:rPr>
-              <a:t> </a:t>
-            </a:r>
-            <a:r>
-              <a:rPr lang="en-US" sz="2200" spc="-1" dirty="0" err="1">
-                <a:solidFill>
-                  <a:srgbClr val="FFFFFF"/>
-                </a:solidFill>
-                <a:uFill>
-                  <a:solidFill>
-                    <a:srgbClr val="FFFFFF"/>
-                  </a:solidFill>
-                </a:uFill>
-                <a:latin typeface="Trebuchet MS"/>
-              </a:rPr>
-              <a:t>Diterima</a:t>
-            </a:r>
-            <a:endParaRPr lang="en-US" sz="2200" spc="-1" dirty="0">
-              <a:solidFill>
-                <a:srgbClr val="FFFFFF"/>
-              </a:solidFill>
-              <a:uFill>
-                <a:solidFill>
-                  <a:srgbClr val="FFFFFF"/>
-                </a:solidFill>
-              </a:uFill>
-              <a:latin typeface="Trebuchet MS"/>
-            </a:endParaRPr>
-          </a:p>
-          <a:p>
-            <a:pPr marL="914760" lvl="2">
-              <a:lnSpc>
-                <a:spcPct val="100000"/>
-              </a:lnSpc>
-              <a:buClr>
-                <a:srgbClr val="FFFFFF"/>
-              </a:buClr>
-            </a:pPr>
-            <a:r>
-              <a:rPr lang="en-US" sz="2200" b="0" strike="noStrike" spc="-1" dirty="0">
-                <a:solidFill>
-                  <a:srgbClr val="FFFFFF"/>
-                </a:solidFill>
-                <a:uFill>
-                  <a:solidFill>
-                    <a:srgbClr val="FFFFFF"/>
-                  </a:solidFill>
-                </a:uFill>
-                <a:latin typeface="Trebuchet MS"/>
-                <a:sym typeface="Wingdings" panose="05000000000000000000" pitchFamily="2" charset="2"/>
-              </a:rPr>
-              <a:t> </a:t>
-            </a:r>
-            <a:r>
-              <a:rPr lang="en-US" sz="2200" b="0" strike="noStrike" spc="-1" dirty="0" err="1">
-                <a:solidFill>
-                  <a:srgbClr val="FFFFFF"/>
-                </a:solidFill>
-                <a:uFill>
-                  <a:solidFill>
-                    <a:srgbClr val="FFFFFF"/>
-                  </a:solidFill>
-                </a:uFill>
-                <a:latin typeface="Trebuchet MS"/>
-              </a:rPr>
-              <a:t>Sukses</a:t>
-            </a:r>
-            <a:r>
-              <a:rPr lang="en-US" sz="2200" b="0" strike="noStrike" spc="-1" dirty="0">
-                <a:solidFill>
-                  <a:srgbClr val="FFFFFF"/>
-                </a:solidFill>
-                <a:uFill>
-                  <a:solidFill>
-                    <a:srgbClr val="FFFFFF"/>
-                  </a:solidFill>
-                </a:uFill>
-                <a:latin typeface="Trebuchet MS"/>
-              </a:rPr>
-              <a:t> &gt; </a:t>
-            </a:r>
-            <a:r>
-              <a:rPr lang="en-US" sz="2200" b="0" strike="noStrike" spc="-1" dirty="0" err="1">
-                <a:solidFill>
-                  <a:srgbClr val="FFFFFF"/>
-                </a:solidFill>
-                <a:uFill>
-                  <a:solidFill>
-                    <a:srgbClr val="FFFFFF"/>
-                  </a:solidFill>
-                </a:uFill>
-                <a:latin typeface="Trebuchet MS"/>
-              </a:rPr>
-              <a:t>daftar</a:t>
-            </a:r>
-            <a:r>
-              <a:rPr lang="en-US" sz="2200" b="0" strike="noStrike" spc="-1" dirty="0">
-                <a:solidFill>
-                  <a:srgbClr val="FFFFFF"/>
-                </a:solidFill>
-                <a:uFill>
-                  <a:solidFill>
-                    <a:srgbClr val="FFFFFF"/>
-                  </a:solidFill>
-                </a:uFill>
-                <a:latin typeface="Trebuchet MS"/>
-              </a:rPr>
-              <a:t> </a:t>
-            </a:r>
-            <a:r>
-              <a:rPr lang="en-US" sz="2200" b="0" strike="noStrike" spc="-1" dirty="0" err="1">
-                <a:solidFill>
-                  <a:srgbClr val="FFFFFF"/>
-                </a:solidFill>
-                <a:uFill>
-                  <a:solidFill>
-                    <a:srgbClr val="FFFFFF"/>
-                  </a:solidFill>
-                </a:uFill>
-                <a:latin typeface="Trebuchet MS"/>
-              </a:rPr>
-              <a:t>grup</a:t>
-            </a:r>
-            <a:r>
-              <a:rPr lang="en-US" sz="2200" b="0" strike="noStrike" spc="-1" dirty="0">
-                <a:solidFill>
-                  <a:srgbClr val="FFFFFF"/>
-                </a:solidFill>
-                <a:uFill>
-                  <a:solidFill>
-                    <a:srgbClr val="FFFFFF"/>
-                  </a:solidFill>
-                </a:uFill>
-                <a:latin typeface="Trebuchet MS"/>
-              </a:rPr>
-              <a:t> </a:t>
-            </a:r>
-            <a:r>
-              <a:rPr lang="en-US" sz="2200" b="0" strike="noStrike" spc="-1" dirty="0" err="1">
-                <a:solidFill>
-                  <a:srgbClr val="FFFFFF"/>
-                </a:solidFill>
-                <a:uFill>
-                  <a:solidFill>
-                    <a:srgbClr val="FFFFFF"/>
-                  </a:solidFill>
-                </a:uFill>
-                <a:latin typeface="Trebuchet MS"/>
-              </a:rPr>
-              <a:t>ditampilkan</a:t>
-            </a:r>
-            <a:endParaRPr lang="en-US" sz="2200" b="0" strike="noStrike" spc="-1" dirty="0">
-              <a:solidFill>
-                <a:srgbClr val="FFFFFF"/>
-              </a:solidFill>
-              <a:uFill>
-                <a:solidFill>
-                  <a:srgbClr val="FFFFFF"/>
-                </a:solidFill>
-              </a:uFill>
-              <a:latin typeface="Calibri"/>
-            </a:endParaRPr>
-          </a:p>
-          <a:p>
-            <a:pPr marL="1143000" lvl="2" indent="-228240">
-              <a:lnSpc>
-                <a:spcPct val="100000"/>
-              </a:lnSpc>
-              <a:buClr>
-                <a:srgbClr val="FFFFFF"/>
-              </a:buClr>
-              <a:buFont typeface="Arial"/>
-              <a:buChar char="•"/>
-            </a:pPr>
-            <a:r>
-              <a:rPr lang="en-US" sz="2200" b="0" strike="noStrike" spc="-1" dirty="0">
-                <a:solidFill>
-                  <a:srgbClr val="FFFFFF"/>
-                </a:solidFill>
-                <a:uFill>
-                  <a:solidFill>
-                    <a:srgbClr val="FFFFFF"/>
-                  </a:solidFill>
-                </a:uFill>
-                <a:latin typeface="Trebuchet MS"/>
-              </a:rPr>
-              <a:t>21: Data </a:t>
-            </a:r>
-            <a:r>
-              <a:rPr lang="en-US" sz="2200" b="0" strike="noStrike" spc="-1" dirty="0" err="1">
-                <a:solidFill>
-                  <a:srgbClr val="FFFFFF"/>
-                </a:solidFill>
-                <a:uFill>
-                  <a:solidFill>
-                    <a:srgbClr val="FFFFFF"/>
-                  </a:solidFill>
-                </a:uFill>
-                <a:latin typeface="Trebuchet MS"/>
-              </a:rPr>
-              <a:t>Gagal</a:t>
-            </a:r>
-            <a:r>
-              <a:rPr lang="en-US" sz="2200" b="0" strike="noStrike" spc="-1" dirty="0">
-                <a:solidFill>
-                  <a:srgbClr val="FFFFFF"/>
-                </a:solidFill>
-                <a:uFill>
-                  <a:solidFill>
-                    <a:srgbClr val="FFFFFF"/>
-                  </a:solidFill>
-                </a:uFill>
-                <a:latin typeface="Trebuchet MS"/>
-              </a:rPr>
-              <a:t> </a:t>
-            </a:r>
-            <a:r>
-              <a:rPr lang="en-US" sz="2200" b="0" strike="noStrike" spc="-1" dirty="0" err="1">
-                <a:solidFill>
-                  <a:srgbClr val="FFFFFF"/>
-                </a:solidFill>
-                <a:uFill>
-                  <a:solidFill>
-                    <a:srgbClr val="FFFFFF"/>
-                  </a:solidFill>
-                </a:uFill>
-                <a:latin typeface="Trebuchet MS"/>
-              </a:rPr>
-              <a:t>Diterima</a:t>
-            </a:r>
-            <a:endParaRPr lang="en-US" sz="2200" b="0" strike="noStrike" spc="-1" dirty="0">
-              <a:solidFill>
-                <a:srgbClr val="FFFFFF"/>
-              </a:solidFill>
-              <a:uFill>
-                <a:solidFill>
-                  <a:srgbClr val="FFFFFF"/>
-                </a:solidFill>
-              </a:uFill>
-              <a:latin typeface="Trebuchet MS"/>
-            </a:endParaRPr>
-          </a:p>
-          <a:p>
-            <a:pPr marL="914760" lvl="2">
-              <a:lnSpc>
-                <a:spcPct val="100000"/>
-              </a:lnSpc>
-              <a:buClr>
-                <a:srgbClr val="FFFFFF"/>
-              </a:buClr>
-            </a:pPr>
-            <a:r>
-              <a:rPr lang="en-US" sz="2200" spc="-1" dirty="0">
-                <a:solidFill>
-                  <a:srgbClr val="FFFFFF"/>
-                </a:solidFill>
-                <a:uFill>
-                  <a:solidFill>
-                    <a:srgbClr val="FFFFFF"/>
-                  </a:solidFill>
-                </a:uFill>
-                <a:latin typeface="Trebuchet MS"/>
-                <a:sym typeface="Wingdings" panose="05000000000000000000" pitchFamily="2" charset="2"/>
-              </a:rPr>
-              <a:t> </a:t>
-            </a:r>
-            <a:r>
-              <a:rPr lang="en-US" sz="2200" b="0" strike="noStrike" spc="-1" dirty="0" err="1">
-                <a:solidFill>
-                  <a:srgbClr val="FFFFFF"/>
-                </a:solidFill>
-                <a:uFill>
-                  <a:solidFill>
-                    <a:srgbClr val="FFFFFF"/>
-                  </a:solidFill>
-                </a:uFill>
-                <a:latin typeface="Trebuchet MS"/>
-              </a:rPr>
-              <a:t>Gagal</a:t>
-            </a:r>
-            <a:r>
-              <a:rPr lang="en-US" sz="2200" b="0" strike="noStrike" spc="-1" dirty="0">
-                <a:solidFill>
-                  <a:srgbClr val="FFFFFF"/>
-                </a:solidFill>
-                <a:uFill>
-                  <a:solidFill>
-                    <a:srgbClr val="FFFFFF"/>
-                  </a:solidFill>
-                </a:uFill>
-                <a:latin typeface="Trebuchet MS"/>
-              </a:rPr>
-              <a:t> &gt; USER_NAME </a:t>
-            </a:r>
-            <a:r>
-              <a:rPr lang="en-US" sz="2200" b="0" strike="noStrike" spc="-1" dirty="0" err="1">
-                <a:solidFill>
-                  <a:srgbClr val="FFFFFF"/>
-                </a:solidFill>
-                <a:uFill>
-                  <a:solidFill>
-                    <a:srgbClr val="FFFFFF"/>
-                  </a:solidFill>
-                </a:uFill>
-                <a:latin typeface="Trebuchet MS"/>
-              </a:rPr>
-              <a:t>belum</a:t>
-            </a:r>
-            <a:r>
-              <a:rPr lang="en-US" sz="2200" b="0" strike="noStrike" spc="-1" dirty="0">
-                <a:solidFill>
-                  <a:srgbClr val="FFFFFF"/>
-                </a:solidFill>
-                <a:uFill>
-                  <a:solidFill>
-                    <a:srgbClr val="FFFFFF"/>
-                  </a:solidFill>
-                </a:uFill>
-                <a:latin typeface="Trebuchet MS"/>
-              </a:rPr>
-              <a:t> </a:t>
-            </a:r>
-            <a:r>
-              <a:rPr lang="en-US" sz="2200" b="0" strike="noStrike" spc="-1" dirty="0" err="1">
-                <a:solidFill>
-                  <a:srgbClr val="FFFFFF"/>
-                </a:solidFill>
-                <a:uFill>
-                  <a:solidFill>
-                    <a:srgbClr val="FFFFFF"/>
-                  </a:solidFill>
-                </a:uFill>
-                <a:latin typeface="Trebuchet MS"/>
-              </a:rPr>
-              <a:t>terautentikasi</a:t>
-            </a:r>
-            <a:endParaRPr lang="en-US" sz="2200" b="0" strike="noStrike" spc="-1" dirty="0">
-              <a:solidFill>
-                <a:srgbClr val="FFFFFF"/>
-              </a:solidFill>
-              <a:uFill>
-                <a:solidFill>
-                  <a:srgbClr val="FFFFFF"/>
-                </a:solidFill>
-              </a:uFill>
-              <a:latin typeface="Calibri"/>
-            </a:endParaRPr>
-          </a:p>
-          <a:p>
-            <a:pPr>
-              <a:lnSpc>
-                <a:spcPct val="90000"/>
-              </a:lnSpc>
-            </a:pPr>
-            <a:endParaRPr lang="en-US" sz="2200" b="0" strike="noStrike" spc="-1" dirty="0">
-              <a:solidFill>
-                <a:srgbClr val="FFFFFF"/>
-              </a:solidFill>
-              <a:uFill>
-                <a:solidFill>
-                  <a:srgbClr val="FFFFFF"/>
-                </a:solidFill>
-              </a:uFill>
-              <a:latin typeface="Calibri"/>
-            </a:endParaRPr>
-          </a:p>
-          <a:p>
-            <a:pPr>
-              <a:lnSpc>
-                <a:spcPct val="90000"/>
-              </a:lnSpc>
-            </a:pPr>
-            <a:endParaRPr lang="en-US" sz="2200" b="0" strike="noStrike" spc="-1" dirty="0">
               <a:solidFill>
                 <a:srgbClr val="FFFFFF"/>
               </a:solidFill>
@@ -7516,7 +7583,7 @@
                 </a:uFill>
                 <a:latin typeface="Trebuchet MS"/>
               </a:rPr>
-              <a:t>KELUAR GRUP</a:t>
+              <a:t>TAMPIL GRUP</a:t>
             </a:r>
             <a:endParaRPr lang="en-US" sz="3000" b="0" strike="noStrike" spc="-1" dirty="0">
               <a:solidFill>
@@ -7616,7 +7683,7 @@
                 </a:uFill>
                 <a:latin typeface="Trebuchet MS"/>
               </a:rPr>
-              <a:t>keluar</a:t>
+              <a:t>melihat</a:t>
             </a:r>
             <a:r>
               <a:rPr lang="en-US" sz="2200" spc="-1" dirty="0">
@@ -7630,6 +7697,62 @@
                 </a:uFill>
                 <a:latin typeface="Trebuchet MS"/>
               </a:rPr>
+              <a:t> list </a:t>
+            </a:r>
+            <a:r>
+              <a:rPr lang="en-US" sz="2200" spc="-1" dirty="0" err="1">
+                <a:solidFill>
+                  <a:srgbClr val="FFFFFF"/>
+                </a:solidFill>
+                <a:uFill>
+                  <a:solidFill>
+                    <a:srgbClr val="FFFFFF"/>
+                  </a:solidFill>
+                </a:uFill>
+                <a:latin typeface="Trebuchet MS"/>
+              </a:rPr>
+              <a:t>grup</a:t>
+            </a:r>
+            <a:r>
+              <a:rPr lang="en-US" sz="2200" spc="-1" dirty="0">
+                <a:solidFill>
+                  <a:srgbClr val="FFFFFF"/>
+                </a:solidFill>
+                <a:uFill>
+                  <a:solidFill>
+                    <a:srgbClr val="FFFFFF"/>
+                  </a:solidFill>
+                </a:uFill>
+                <a:latin typeface="Trebuchet MS"/>
+              </a:rPr>
+              <a:t> yang </a:t>
+            </a:r>
+            <a:r>
+              <a:rPr lang="en-US" sz="2200" spc="-1" dirty="0" err="1">
+                <a:solidFill>
+                  <a:srgbClr val="FFFFFF"/>
+                </a:solidFill>
+                <a:uFill>
+                  <a:solidFill>
+                    <a:srgbClr val="FFFFFF"/>
+                  </a:solidFill>
+                </a:uFill>
+                <a:latin typeface="Trebuchet MS"/>
+              </a:rPr>
+              <a:t>ada</a:t>
+            </a:r>
+            <a:r>
+              <a:rPr lang="en-US" sz="2200" spc="-1" dirty="0">
+                <a:solidFill>
+                  <a:srgbClr val="FFFFFF"/>
+                </a:solidFill>
+                <a:uFill>
+                  <a:solidFill>
+                    <a:srgbClr val="FFFFFF"/>
+                  </a:solidFill>
+                </a:uFill>
+                <a:latin typeface="Trebuchet MS"/>
+              </a:rPr>
               <a:t> </a:t>
             </a:r>
             <a:r>
@@ -7644,7 +7767,7 @@
                 </a:uFill>
                 <a:latin typeface="Trebuchet MS"/>
               </a:rPr>
-              <a:t>dari</a:t>
+              <a:t>dalam</a:t>
             </a:r>
             <a:r>
               <a:rPr lang="en-US" sz="2200" spc="-1" dirty="0">
@@ -7658,35 +7781,7 @@
                 </a:uFill>
                 <a:latin typeface="Trebuchet MS"/>
               </a:rPr>
-              <a:t> </a:t>
-            </a:r>
-            <a:r>
-              <a:rPr lang="en-US" sz="2200" spc="-1" dirty="0" err="1">
-                <a:solidFill>
-                  <a:srgbClr val="FFFFFF"/>
-                </a:solidFill>
-                <a:uFill>
-                  <a:solidFill>
-                    <a:srgbClr val="FFFFFF"/>
-                  </a:solidFill>
-                </a:uFill>
-                <a:latin typeface="Trebuchet MS"/>
-              </a:rPr>
-              <a:t>grup</a:t>
-            </a:r>
-            <a:r>
-              <a:rPr lang="en-US" sz="2200" spc="-1" dirty="0">
-                <a:solidFill>
-                  <a:srgbClr val="FFFFFF"/>
-                </a:solidFill>
-                <a:uFill>
-                  <a:solidFill>
-                    <a:srgbClr val="FFFFFF"/>
-                  </a:solidFill>
-                </a:uFill>
-                <a:latin typeface="Trebuchet MS"/>
-              </a:rPr>
-              <a:t>.</a:t>
+              <a:t> chat server. </a:t>
             </a:r>
             <a:endParaRPr lang="en-US" sz="2200" b="0" strike="noStrike" spc="-1" dirty="0">
               <a:solidFill>
@@ -7738,7 +7833,7 @@
             </a:endParaRPr>
           </a:p>
           <a:p>
-            <a:pPr marL="1150938" lvl="2" indent="-236538">
+            <a:pPr marL="1143000" lvl="2" indent="-228240">
               <a:lnSpc>
                 <a:spcPct val="100000"/>
               </a:lnSpc>
@@ -7749,7 +7844,7 @@
               <a:buChar char="•"/>
             </a:pPr>
             <a:r>
-              <a:rPr lang="en-US" sz="2200" spc="-1" dirty="0">
+              <a:rPr lang="en-US" sz="2200" b="0" strike="noStrike" spc="-1" dirty="0">
                 <a:solidFill>
                   <a:srgbClr val="FFFF00"/>
                 </a:solidFill>
@@ -7760,65 +7855,9 @@
                 </a:uFill>
                 <a:latin typeface="Trebuchet MS"/>
               </a:rPr>
-              <a:t>KGRUP</a:t>
-            </a:r>
-            <a:r>
-              <a:rPr lang="en-US" sz="2200" spc="-1" dirty="0">
-                <a:solidFill>
-                  <a:srgbClr val="FFFFFF"/>
-                </a:solidFill>
-                <a:uFill>
-                  <a:solidFill>
-                    <a:srgbClr val="FFFFFF"/>
-                  </a:solidFill>
-                </a:uFill>
-                <a:latin typeface="Trebuchet MS"/>
-              </a:rPr>
-              <a:t> </a:t>
-            </a:r>
-            <a:r>
-              <a:rPr lang="en-US" sz="2200" spc="-1" dirty="0" err="1">
-                <a:solidFill>
-                  <a:srgbClr val="FFFFFF"/>
-                </a:solidFill>
-                <a:uFill>
-                  <a:solidFill>
-                    <a:srgbClr val="FFFFFF"/>
-                  </a:solidFill>
-                </a:uFill>
-                <a:latin typeface="Trebuchet MS"/>
-              </a:rPr>
-              <a:t>spasi</a:t>
-            </a:r>
-            <a:r>
-              <a:rPr lang="en-US" sz="2200" spc="-1" dirty="0">
-                <a:solidFill>
-                  <a:srgbClr val="FFFFFF"/>
-                </a:solidFill>
-                <a:uFill>
-                  <a:solidFill>
-                    <a:srgbClr val="FFFFFF"/>
-                  </a:solidFill>
-                </a:uFill>
-                <a:latin typeface="Trebuchet MS"/>
-              </a:rPr>
-              <a:t> </a:t>
-            </a:r>
-            <a:r>
-              <a:rPr lang="en-US" sz="2200" spc="-1" dirty="0">
-                <a:solidFill>
-                  <a:srgbClr val="FFFF00"/>
-                </a:solidFill>
-                <a:uFill>
-                  <a:solidFill>
-                    <a:srgbClr val="FFFFFF"/>
-                  </a:solidFill>
-                </a:uFill>
-                <a:latin typeface="Trebuchet MS"/>
-              </a:rPr>
-              <a:t>NAMA_GRUP</a:t>
-            </a:r>
-            <a:endParaRPr lang="en-US" sz="2200" spc="-1" dirty="0">
+              <a:t>TGRUP</a:t>
+            </a:r>
+            <a:endParaRPr lang="en-US" sz="2200" b="0" strike="noStrike" spc="-1" dirty="0">
               <a:solidFill>
                 <a:srgbClr val="FFFF00"/>
               </a:solidFill>
@@ -7879,18 +7918,18 @@
               <a:buChar char="•"/>
             </a:pPr>
             <a:r>
-              <a:rPr lang="en-US" sz="2200" spc="-1" dirty="0">
-                <a:solidFill>
-                  <a:srgbClr val="FFFFFF"/>
-                </a:solidFill>
-                <a:uFill>
-                  <a:solidFill>
-                    <a:srgbClr val="FFFFFF"/>
-                  </a:solidFill>
-                </a:uFill>
-                <a:latin typeface="Trebuchet MS"/>
-              </a:rPr>
-              <a:t>NAMA_GRUP</a:t>
+              <a:rPr lang="en-US" sz="2200" b="0" strike="noStrike" spc="-1" dirty="0">
+                <a:solidFill>
+                  <a:srgbClr val="FFFFFF"/>
+                </a:solidFill>
+                <a:uFill>
+                  <a:solidFill>
+                    <a:srgbClr val="FFFFFF"/>
+                  </a:solidFill>
+                </a:uFill>
+                <a:latin typeface="Trebuchet MS"/>
+              </a:rPr>
+              <a:t>-</a:t>
             </a:r>
             <a:endParaRPr lang="en-US" sz="2200" b="0" strike="noStrike" spc="-1" dirty="0">
               <a:solidFill>
@@ -7964,7 +8003,7 @@
                 </a:uFill>
                 <a:latin typeface="Trebuchet MS"/>
               </a:rPr>
-              <a:t>16: </a:t>
+              <a:t>20: Data </a:t>
             </a:r>
             <a:r>
               <a:rPr lang="en-US" sz="2200" b="0" strike="noStrike" spc="-1" dirty="0" err="1">
@@ -7978,7 +8017,7 @@
                 </a:uFill>
                 <a:latin typeface="Trebuchet MS"/>
               </a:rPr>
-              <a:t>Keluar</a:t>
+              <a:t>Berhasil</a:t>
             </a:r>
             <a:r>
               <a:rPr lang="en-US" sz="2200" b="0" strike="noStrike" spc="-1" dirty="0">
@@ -7995,6 +8034,56 @@
               <a:t> </a:t>
             </a:r>
             <a:r>
+              <a:rPr lang="en-US" sz="2200" spc="-1" dirty="0" err="1">
+                <a:solidFill>
+                  <a:srgbClr val="FFFFFF"/>
+                </a:solidFill>
+                <a:uFill>
+                  <a:solidFill>
+                    <a:srgbClr val="FFFFFF"/>
+                  </a:solidFill>
+                </a:uFill>
+                <a:latin typeface="Trebuchet MS"/>
+              </a:rPr>
+              <a:t>Diterima</a:t>
+            </a:r>
+            <a:endParaRPr lang="en-US" sz="2200" spc="-1" dirty="0">
+              <a:solidFill>
+                <a:srgbClr val="FFFFFF"/>
+              </a:solidFill>
+              <a:uFill>
+                <a:solidFill>
+                  <a:srgbClr val="FFFFFF"/>
+                </a:solidFill>
+              </a:uFill>
+              <a:latin typeface="Trebuchet MS"/>
+            </a:endParaRPr>
+          </a:p>
+          <a:p>
+            <a:pPr marL="914760" lvl="2">
+              <a:lnSpc>
+                <a:spcPct val="100000"/>
+              </a:lnSpc>
+              <a:buClr>
+                <a:srgbClr val="FFFFFF"/>
+              </a:buClr>
+            </a:pPr>
+            <a:r>
+              <a:rPr lang="en-US" sz="2200" b="0" strike="noStrike" spc="-1" dirty="0">
+                <a:solidFill>
+                  <a:srgbClr val="FFFFFF"/>
+                </a:solidFill>
+                <a:uFill>
+                  <a:solidFill>
+                    <a:srgbClr val="FFFFFF"/>
+                  </a:solidFill>
+                </a:uFill>
+                <a:latin typeface="Trebuchet MS"/>
+                <a:sym typeface="Wingdings" panose="05000000000000000000" pitchFamily="2" charset="2"/>
+              </a:rPr>
+              <a:t> </a:t>
+            </a:r>
+            <a:r>
               <a:rPr lang="en-US" sz="2200" b="0" strike="noStrike" spc="-1" dirty="0" err="1">
                 <a:solidFill>
                   <a:srgbClr val="FFFFFF"/>
@@ -8006,7 +8095,7 @@
                 </a:uFill>
                 <a:latin typeface="Trebuchet MS"/>
               </a:rPr>
-              <a:t>Grup</a:t>
+              <a:t>Sukses</a:t>
             </a:r>
             <a:r>
               <a:rPr lang="en-US" sz="2200" b="0" strike="noStrike" spc="-1" dirty="0">
@@ -8020,6 +8109,34 @@
                 </a:uFill>
                 <a:latin typeface="Trebuchet MS"/>
               </a:rPr>
+              <a:t> &gt; </a:t>
+            </a:r>
+            <a:r>
+              <a:rPr lang="en-US" sz="2200" b="0" strike="noStrike" spc="-1" dirty="0" err="1">
+                <a:solidFill>
+                  <a:srgbClr val="FFFFFF"/>
+                </a:solidFill>
+                <a:uFill>
+                  <a:solidFill>
+                    <a:srgbClr val="FFFFFF"/>
+                  </a:solidFill>
+                </a:uFill>
+                <a:latin typeface="Trebuchet MS"/>
+              </a:rPr>
+              <a:t>daftar</a:t>
+            </a:r>
+            <a:r>
+              <a:rPr lang="en-US" sz="2200" b="0" strike="noStrike" spc="-1" dirty="0">
+                <a:solidFill>
+                  <a:srgbClr val="FFFFFF"/>
+                </a:solidFill>
+                <a:uFill>
+                  <a:solidFill>
+                    <a:srgbClr val="FFFFFF"/>
+                  </a:solidFill>
+                </a:uFill>
+                <a:latin typeface="Trebuchet MS"/>
+              </a:rPr>
               <a:t> </a:t>
             </a:r>
             <a:r>
@@ -8034,7 +8151,35 @@
                 </a:uFill>
                 <a:latin typeface="Trebuchet MS"/>
               </a:rPr>
-              <a:t>Berhasil</a:t>
+              <a:t>grup</a:t>
+            </a:r>
+            <a:r>
+              <a:rPr lang="en-US" sz="2200" b="0" strike="noStrike" spc="-1" dirty="0">
+                <a:solidFill>
+                  <a:srgbClr val="FFFFFF"/>
+                </a:solidFill>
+                <a:uFill>
+                  <a:solidFill>
+                    <a:srgbClr val="FFFFFF"/>
+                  </a:solidFill>
+                </a:uFill>
+                <a:latin typeface="Trebuchet MS"/>
+              </a:rPr>
+              <a:t> </a:t>
+            </a:r>
+            <a:r>
+              <a:rPr lang="en-US" sz="2200" b="0" strike="noStrike" spc="-1" dirty="0" err="1">
+                <a:solidFill>
+                  <a:srgbClr val="FFFFFF"/>
+                </a:solidFill>
+                <a:uFill>
+                  <a:solidFill>
+                    <a:srgbClr val="FFFFFF"/>
+                  </a:solidFill>
+                </a:uFill>
+                <a:latin typeface="Trebuchet MS"/>
+              </a:rPr>
+              <a:t>ditampilkan</a:t>
             </a:r>
             <a:endParaRPr lang="en-US" sz="2200" b="0" strike="noStrike" spc="-1" dirty="0">
               <a:solidFill>
@@ -8045,7 +8190,7 @@
                   <a:srgbClr val="FFFFFF"/>
                 </a:solidFill>
               </a:uFill>
-              <a:latin typeface="Trebuchet MS"/>
+              <a:latin typeface="Calibri"/>
             </a:endParaRPr>
           </a:p>
           <a:p>
@@ -8071,7 +8216,7 @@
                 </a:uFill>
                 <a:latin typeface="Trebuchet MS"/>
               </a:rPr>
-              <a:t>17: </a:t>
+              <a:t>21: Data </a:t>
             </a:r>
             <a:r>
               <a:rPr lang="en-US" sz="2200" b="0" strike="noStrike" spc="-1" dirty="0" err="1">
@@ -8085,7 +8230,7 @@
                 </a:uFill>
                 <a:latin typeface="Trebuchet MS"/>
               </a:rPr>
-              <a:t>Keluar</a:t>
+              <a:t>Gagal</a:t>
             </a:r>
             <a:r>
               <a:rPr lang="en-US" sz="2200" b="0" strike="noStrike" spc="-1" dirty="0">
@@ -8113,7 +8258,57 @@
                 </a:uFill>
                 <a:latin typeface="Trebuchet MS"/>
               </a:rPr>
-              <a:t>Grup</a:t>
+              <a:t>Diterima</a:t>
+            </a:r>
+            <a:endParaRPr lang="en-US" sz="2200" b="0" strike="noStrike" spc="-1" dirty="0">
+              <a:solidFill>
+                <a:srgbClr val="FFFFFF"/>
+              </a:solidFill>
+              <a:uFill>
+                <a:solidFill>
+                  <a:srgbClr val="FFFFFF"/>
+                </a:solidFill>
+              </a:uFill>
+              <a:latin typeface="Trebuchet MS"/>
+            </a:endParaRPr>
+          </a:p>
+          <a:p>
+            <a:pPr marL="914760" lvl="2">
+              <a:lnSpc>
+                <a:spcPct val="100000"/>
+              </a:lnSpc>
+              <a:buClr>
+                <a:srgbClr val="FFFFFF"/>
+              </a:buClr>
+            </a:pPr>
+            <a:r>
+              <a:rPr lang="en-US" sz="2200" spc="-1" dirty="0">
+                <a:solidFill>
+                  <a:srgbClr val="FFFFFF"/>
+                </a:solidFill>
+                <a:uFill>
+                  <a:solidFill>
+                    <a:srgbClr val="FFFFFF"/>
+                  </a:solidFill>
+                </a:uFill>
+                <a:latin typeface="Trebuchet MS"/>
+                <a:sym typeface="Wingdings" panose="05000000000000000000" pitchFamily="2" charset="2"/>
+              </a:rPr>
+              <a:t> </a:t>
+            </a:r>
+            <a:r>
+              <a:rPr lang="en-US" sz="2200" b="0" strike="noStrike" spc="-1" dirty="0" err="1">
+                <a:solidFill>
+                  <a:srgbClr val="FFFFFF"/>
+                </a:solidFill>
+                <a:uFill>
+                  <a:solidFill>
+                    <a:srgbClr val="FFFFFF"/>
+                  </a:solidFill>
+                </a:uFill>
+                <a:latin typeface="Trebuchet MS"/>
+              </a:rPr>
+              <a:t>Gagal</a:t>
             </a:r>
             <a:r>
               <a:rPr lang="en-US" sz="2200" b="0" strike="noStrike" spc="-1" dirty="0">
@@ -8127,6 +8322,34 @@
                 </a:uFill>
                 <a:latin typeface="Trebuchet MS"/>
               </a:rPr>
+              <a:t> &gt; USER_NAME </a:t>
+            </a:r>
+            <a:r>
+              <a:rPr lang="en-US" sz="2200" b="0" strike="noStrike" spc="-1" dirty="0" err="1">
+                <a:solidFill>
+                  <a:srgbClr val="FFFFFF"/>
+                </a:solidFill>
+                <a:uFill>
+                  <a:solidFill>
+                    <a:srgbClr val="FFFFFF"/>
+                  </a:solidFill>
+                </a:uFill>
+                <a:latin typeface="Trebuchet MS"/>
+              </a:rPr>
+              <a:t>belum</a:t>
+            </a:r>
+            <a:r>
+              <a:rPr lang="en-US" sz="2200" b="0" strike="noStrike" spc="-1" dirty="0">
+                <a:solidFill>
+                  <a:srgbClr val="FFFFFF"/>
+                </a:solidFill>
+                <a:uFill>
+                  <a:solidFill>
+                    <a:srgbClr val="FFFFFF"/>
+                  </a:solidFill>
+                </a:uFill>
+                <a:latin typeface="Trebuchet MS"/>
+              </a:rPr>
               <a:t> </a:t>
             </a:r>
             <a:r>
@@ -8141,7 +8364,7 @@
                 </a:uFill>
                 <a:latin typeface="Trebuchet MS"/>
               </a:rPr>
-              <a:t>Gagal</a:t>
+              <a:t>terautentikasi</a:t>
             </a:r>
             <a:endParaRPr lang="en-US" sz="2200" b="0" strike="noStrike" spc="-1" dirty="0">
               <a:solidFill>
@@ -8152,7 +8375,7 @@
                   <a:srgbClr val="FFFFFF"/>
                 </a:solidFill>
               </a:uFill>
-              <a:latin typeface="Trebuchet MS"/>
+              <a:latin typeface="Calibri"/>
             </a:endParaRPr>
           </a:p>
           <a:p>
@@ -8194,11 +8417,6 @@
         </p:txBody>
       </p:sp>
     </p:spTree>
-    <p:extLst>
-      <p:ext uri="{BB962C8B-B14F-4D97-AF65-F5344CB8AC3E}">
-        <p14:creationId xmlns:p14="http://schemas.microsoft.com/office/powerpoint/2010/main" val="2623540419"/>
-      </p:ext>
-    </p:extLst>
   </p:cSld>
   <p:clrMapOvr>
     <a:masterClrMapping/>
@@ -8252,7 +8470,7 @@
       </p:grpSpPr>
       <p:sp>
         <p:nvSpPr>
-          <p:cNvPr id="94" name="TextShape 1"/>
+          <p:cNvPr id="92" name="TextShape 1"/>
           <p:cNvSpPr txBox="1"/>
           <p:nvPr/>
         </p:nvSpPr>
@@ -8279,20 +8497,48 @@
               </a:lnSpc>
             </a:pPr>
             <a:r>
-              <a:rPr lang="en-US" sz="6000" b="0" strike="noStrike" spc="-1">
-                <a:solidFill>
-                  <a:srgbClr val="FFFFFF"/>
-                </a:solidFill>
-                <a:uFill>
-                  <a:solidFill>
-                    <a:srgbClr val="FFFFFF"/>
-                  </a:solidFill>
-                </a:uFill>
-                <a:latin typeface="Trebuchet MS"/>
-              </a:rPr>
-              <a:t>GRUP(Lanjutan)</a:t>
-            </a:r>
-            <a:endParaRPr lang="en-US" sz="6000" b="0" strike="noStrike" spc="-1">
+              <a:rPr lang="en-US" sz="6000" b="0" strike="noStrike" spc="-1" dirty="0">
+                <a:solidFill>
+                  <a:srgbClr val="FFFFFF"/>
+                </a:solidFill>
+                <a:uFill>
+                  <a:solidFill>
+                    <a:srgbClr val="FFFFFF"/>
+                  </a:solidFill>
+                </a:uFill>
+                <a:latin typeface="Trebuchet MS"/>
+              </a:rPr>
+              <a:t>GRUP(</a:t>
+            </a:r>
+            <a:r>
+              <a:rPr lang="en-US" sz="6000" b="0" strike="noStrike" spc="-1" dirty="0" err="1">
+                <a:solidFill>
+                  <a:srgbClr val="FFFFFF"/>
+                </a:solidFill>
+                <a:uFill>
+                  <a:solidFill>
+                    <a:srgbClr val="FFFFFF"/>
+                  </a:solidFill>
+                </a:uFill>
+                <a:latin typeface="Trebuchet MS"/>
+              </a:rPr>
+              <a:t>Lanjutan</a:t>
+            </a:r>
+            <a:r>
+              <a:rPr lang="en-US" sz="6000" b="0" strike="noStrike" spc="-1" dirty="0">
+                <a:solidFill>
+                  <a:srgbClr val="FFFFFF"/>
+                </a:solidFill>
+                <a:uFill>
+                  <a:solidFill>
+                    <a:srgbClr val="FFFFFF"/>
+                  </a:solidFill>
+                </a:uFill>
+                <a:latin typeface="Trebuchet MS"/>
+              </a:rPr>
+              <a:t>)</a:t>
+            </a:r>
+            <a:endParaRPr lang="en-US" sz="2800" b="0" strike="noStrike" spc="-1" dirty="0">
               <a:solidFill>
                 <a:srgbClr val="FFFFFF"/>
               </a:solidFill>
@@ -8308,7 +8554,7 @@
       </p:sp>
       <p:sp>
         <p:nvSpPr>
-          <p:cNvPr id="95" name="TextShape 2"/>
+          <p:cNvPr id="93" name="TextShape 2"/>
           <p:cNvSpPr txBox="1"/>
           <p:nvPr/>
         </p:nvSpPr>
@@ -8351,7 +8597,7 @@
                 </a:uFill>
                 <a:latin typeface="Trebuchet MS"/>
               </a:rPr>
-              <a:t>HAPUS GRUP</a:t>
+              <a:t>KELUAR GRUP</a:t>
             </a:r>
             <a:endParaRPr lang="en-US" sz="3000" b="0" strike="noStrike" spc="-1" dirty="0">
               <a:solidFill>
@@ -8451,7 +8697,35 @@
                 </a:uFill>
                 <a:latin typeface="Trebuchet MS"/>
               </a:rPr>
-              <a:t>menghapus</a:t>
+              <a:t>keluar</a:t>
+            </a:r>
+            <a:r>
+              <a:rPr lang="en-US" sz="2200" spc="-1" dirty="0">
+                <a:solidFill>
+                  <a:srgbClr val="FFFFFF"/>
+                </a:solidFill>
+                <a:uFill>
+                  <a:solidFill>
+                    <a:srgbClr val="FFFFFF"/>
+                  </a:solidFill>
+                </a:uFill>
+                <a:latin typeface="Trebuchet MS"/>
+              </a:rPr>
+              <a:t> </a:t>
+            </a:r>
+            <a:r>
+              <a:rPr lang="en-US" sz="2200" spc="-1" dirty="0" err="1">
+                <a:solidFill>
+                  <a:srgbClr val="FFFFFF"/>
+                </a:solidFill>
+                <a:uFill>
+                  <a:solidFill>
+                    <a:srgbClr val="FFFFFF"/>
+                  </a:solidFill>
+                </a:uFill>
+                <a:latin typeface="Trebuchet MS"/>
+              </a:rPr>
+              <a:t>dari</a:t>
             </a:r>
             <a:r>
               <a:rPr lang="en-US" sz="2200" spc="-1" dirty="0">
@@ -8545,6 +8819,136 @@
             </a:endParaRPr>
           </a:p>
           <a:p>
+            <a:pPr marL="1150938" lvl="2" indent="-236538">
+              <a:lnSpc>
+                <a:spcPct val="100000"/>
+              </a:lnSpc>
+              <a:buClr>
+                <a:srgbClr val="FFFFFF"/>
+              </a:buClr>
+              <a:buFont typeface="Arial"/>
+              <a:buChar char="•"/>
+            </a:pPr>
+            <a:r>
+              <a:rPr lang="en-US" sz="2200" spc="-1" dirty="0">
+                <a:solidFill>
+                  <a:srgbClr val="FFFF00"/>
+                </a:solidFill>
+                <a:uFill>
+                  <a:solidFill>
+                    <a:srgbClr val="FFFFFF"/>
+                  </a:solidFill>
+                </a:uFill>
+                <a:latin typeface="Trebuchet MS"/>
+              </a:rPr>
+              <a:t>KGRUP</a:t>
+            </a:r>
+            <a:r>
+              <a:rPr lang="en-US" sz="2200" spc="-1" dirty="0">
+                <a:solidFill>
+                  <a:srgbClr val="FFFFFF"/>
+                </a:solidFill>
+                <a:uFill>
+                  <a:solidFill>
+                    <a:srgbClr val="FFFFFF"/>
+                  </a:solidFill>
+                </a:uFill>
+                <a:latin typeface="Trebuchet MS"/>
+              </a:rPr>
+              <a:t> </a:t>
+            </a:r>
+            <a:r>
+              <a:rPr lang="en-US" sz="2200" spc="-1" dirty="0" err="1">
+                <a:solidFill>
+                  <a:srgbClr val="FFFFFF"/>
+                </a:solidFill>
+                <a:uFill>
+                  <a:solidFill>
+                    <a:srgbClr val="FFFFFF"/>
+                  </a:solidFill>
+                </a:uFill>
+                <a:latin typeface="Trebuchet MS"/>
+              </a:rPr>
+              <a:t>spasi</a:t>
+            </a:r>
+            <a:r>
+              <a:rPr lang="en-US" sz="2200" spc="-1" dirty="0">
+                <a:solidFill>
+                  <a:srgbClr val="FFFFFF"/>
+                </a:solidFill>
+                <a:uFill>
+                  <a:solidFill>
+                    <a:srgbClr val="FFFFFF"/>
+                  </a:solidFill>
+                </a:uFill>
+                <a:latin typeface="Trebuchet MS"/>
+              </a:rPr>
+              <a:t> </a:t>
+            </a:r>
+            <a:r>
+              <a:rPr lang="en-US" sz="2200" spc="-1" dirty="0">
+                <a:solidFill>
+                  <a:srgbClr val="FFFF00"/>
+                </a:solidFill>
+                <a:uFill>
+                  <a:solidFill>
+                    <a:srgbClr val="FFFFFF"/>
+                  </a:solidFill>
+                </a:uFill>
+                <a:latin typeface="Trebuchet MS"/>
+              </a:rPr>
+              <a:t>NAMA_GRUP</a:t>
+            </a:r>
+            <a:endParaRPr lang="en-US" sz="2200" spc="-1" dirty="0">
+              <a:solidFill>
+                <a:srgbClr val="FFFF00"/>
+              </a:solidFill>
+              <a:uFill>
+                <a:solidFill>
+                  <a:srgbClr val="FFFFFF"/>
+                </a:solidFill>
+              </a:uFill>
+              <a:latin typeface="Calibri"/>
+            </a:endParaRPr>
+          </a:p>
+          <a:p>
+            <a:pPr marL="685800" lvl="1" indent="-228240">
+              <a:lnSpc>
+                <a:spcPct val="100000"/>
+              </a:lnSpc>
+              <a:buClr>
+                <a:srgbClr val="FFFFFF"/>
+              </a:buClr>
+              <a:buFont typeface="Arial"/>
+              <a:buChar char="•"/>
+            </a:pPr>
+            <a:r>
+              <a:rPr lang="en-US" sz="2200" b="0" strike="noStrike" spc="-1" dirty="0">
+                <a:solidFill>
+                  <a:srgbClr val="FFFFFF"/>
+                </a:solidFill>
+                <a:uFill>
+                  <a:solidFill>
+                    <a:srgbClr val="FFFFFF"/>
+                  </a:solidFill>
+                </a:uFill>
+                <a:latin typeface="Trebuchet MS"/>
+              </a:rPr>
+              <a:t>PARAMETER:</a:t>
+            </a:r>
+            <a:endParaRPr lang="en-US" sz="2200" b="0" strike="noStrike" spc="-1" dirty="0">
+              <a:solidFill>
+                <a:srgbClr val="FFFFFF"/>
+              </a:solidFill>
+              <a:uFill>
+                <a:solidFill>
+                  <a:srgbClr val="FFFFFF"/>
+                </a:solidFill>
+              </a:uFill>
+              <a:latin typeface="Calibri"/>
+            </a:endParaRPr>
+          </a:p>
+          <a:p>
             <a:pPr marL="1143000" lvl="2" indent="-228240">
               <a:lnSpc>
                 <a:spcPct val="100000"/>
@@ -8556,65 +8960,9 @@
               <a:buChar char="•"/>
             </a:pPr>
             <a:r>
-              <a:rPr lang="en-US" sz="2200" b="0" strike="noStrike" spc="-1" dirty="0">
-                <a:solidFill>
-                  <a:srgbClr val="FFFF00"/>
-                </a:solidFill>
-                <a:uFill>
-                  <a:solidFill>
-                    <a:srgbClr val="FFFFFF"/>
-                  </a:solidFill>
-                </a:uFill>
-                <a:latin typeface="Trebuchet MS"/>
-              </a:rPr>
-              <a:t>HGRUP</a:t>
-            </a:r>
-            <a:r>
-              <a:rPr lang="en-US" sz="2200" b="0" strike="noStrike" spc="-1" dirty="0">
-                <a:solidFill>
-                  <a:srgbClr val="FFFFFF"/>
-                </a:solidFill>
-                <a:uFill>
-                  <a:solidFill>
-                    <a:srgbClr val="FFFFFF"/>
-                  </a:solidFill>
-                </a:uFill>
-                <a:latin typeface="Trebuchet MS"/>
-              </a:rPr>
-              <a:t> </a:t>
-            </a:r>
-            <a:r>
-              <a:rPr lang="en-US" sz="2200" b="0" strike="noStrike" spc="-1" dirty="0" err="1">
-                <a:solidFill>
-                  <a:srgbClr val="FFFFFF"/>
-                </a:solidFill>
-                <a:uFill>
-                  <a:solidFill>
-                    <a:srgbClr val="FFFFFF"/>
-                  </a:solidFill>
-                </a:uFill>
-                <a:latin typeface="Trebuchet MS"/>
-              </a:rPr>
-              <a:t>spasi</a:t>
-            </a:r>
-            <a:r>
-              <a:rPr lang="en-US" sz="2200" b="0" strike="noStrike" spc="-1" dirty="0">
-                <a:solidFill>
-                  <a:srgbClr val="FFFFFF"/>
-                </a:solidFill>
-                <a:uFill>
-                  <a:solidFill>
-                    <a:srgbClr val="FFFFFF"/>
-                  </a:solidFill>
-                </a:uFill>
-                <a:latin typeface="Trebuchet MS"/>
-              </a:rPr>
-              <a:t> </a:t>
-            </a:r>
-            <a:r>
-              <a:rPr lang="en-US" sz="2200" b="0" strike="noStrike" spc="-1" dirty="0">
-                <a:solidFill>
-                  <a:srgbClr val="FFFF00"/>
+              <a:rPr lang="en-US" sz="2200" spc="-1" dirty="0">
+                <a:solidFill>
+                  <a:srgbClr val="FFFFFF"/>
                 </a:solidFill>
                 <a:uFill>
                   <a:solidFill>
@@ -8625,65 +8973,9 @@
               </a:rPr>
               <a:t>NAMA_GRUP</a:t>
             </a:r>
-            <a:r>
-              <a:rPr lang="en-US" sz="2200" b="0" strike="noStrike" spc="-1" dirty="0">
-                <a:solidFill>
-                  <a:srgbClr val="FFFFFF"/>
-                </a:solidFill>
-                <a:uFill>
-                  <a:solidFill>
-                    <a:srgbClr val="FFFFFF"/>
-                  </a:solidFill>
-                </a:uFill>
-                <a:latin typeface="Trebuchet MS"/>
-              </a:rPr>
-              <a:t> </a:t>
-            </a:r>
-            <a:r>
-              <a:rPr lang="en-US" sz="2200" b="0" strike="noStrike" spc="-1" dirty="0" err="1">
-                <a:solidFill>
-                  <a:srgbClr val="FFFFFF"/>
-                </a:solidFill>
-                <a:uFill>
-                  <a:solidFill>
-                    <a:srgbClr val="FFFFFF"/>
-                  </a:solidFill>
-                </a:uFill>
-                <a:latin typeface="Trebuchet MS"/>
-              </a:rPr>
-              <a:t>spasi</a:t>
-            </a:r>
-            <a:r>
-              <a:rPr lang="en-US" sz="2200" b="0" strike="noStrike" spc="-1" dirty="0">
-                <a:solidFill>
-                  <a:srgbClr val="FFFFFF"/>
-                </a:solidFill>
-                <a:uFill>
-                  <a:solidFill>
-                    <a:srgbClr val="FFFFFF"/>
-                  </a:solidFill>
-                </a:uFill>
-                <a:latin typeface="Trebuchet MS"/>
-              </a:rPr>
-              <a:t> </a:t>
-            </a:r>
-            <a:r>
-              <a:rPr lang="en-US" sz="2200" b="0" strike="noStrike" spc="-1" dirty="0">
-                <a:solidFill>
-                  <a:srgbClr val="FFFF00"/>
-                </a:solidFill>
-                <a:uFill>
-                  <a:solidFill>
-                    <a:srgbClr val="FFFFFF"/>
-                  </a:solidFill>
-                </a:uFill>
-                <a:latin typeface="Trebuchet MS"/>
-              </a:rPr>
-              <a:t>PASS_GRUP</a:t>
-            </a:r>
             <a:endParaRPr lang="en-US" sz="2200" b="0" strike="noStrike" spc="-1" dirty="0">
               <a:solidFill>
-                <a:srgbClr val="FFFF00"/>
+                <a:srgbClr val="FFFFFF"/>
               </a:solidFill>
               <a:uFill>
                 <a:solidFill>
@@ -8716,7 +9008,7 @@
                 </a:uFill>
                 <a:latin typeface="Trebuchet MS"/>
               </a:rPr>
-              <a:t>PARAMETER:</a:t>
+              <a:t>RETURN&gt;</a:t>
             </a:r>
             <a:endParaRPr lang="en-US" sz="2200" b="0" strike="noStrike" spc="-1" dirty="0">
               <a:solidFill>
@@ -8753,7 +9045,77 @@
                 </a:uFill>
                 <a:latin typeface="Trebuchet MS"/>
               </a:rPr>
-              <a:t>NAMA_GRUP</a:t>
+              <a:t>16: </a:t>
+            </a:r>
+            <a:r>
+              <a:rPr lang="en-US" sz="2200" b="0" strike="noStrike" spc="-1" dirty="0" err="1">
+                <a:solidFill>
+                  <a:srgbClr val="FFFFFF"/>
+                </a:solidFill>
+                <a:uFill>
+                  <a:solidFill>
+                    <a:srgbClr val="FFFFFF"/>
+                  </a:solidFill>
+                </a:uFill>
+                <a:latin typeface="Trebuchet MS"/>
+              </a:rPr>
+              <a:t>Keluar</a:t>
+            </a:r>
+            <a:r>
+              <a:rPr lang="en-US" sz="2200" b="0" strike="noStrike" spc="-1" dirty="0">
+                <a:solidFill>
+                  <a:srgbClr val="FFFFFF"/>
+                </a:solidFill>
+                <a:uFill>
+                  <a:solidFill>
+                    <a:srgbClr val="FFFFFF"/>
+                  </a:solidFill>
+                </a:uFill>
+                <a:latin typeface="Trebuchet MS"/>
+              </a:rPr>
+              <a:t> </a:t>
+            </a:r>
+            <a:r>
+              <a:rPr lang="en-US" sz="2200" b="0" strike="noStrike" spc="-1" dirty="0" err="1">
+                <a:solidFill>
+                  <a:srgbClr val="FFFFFF"/>
+                </a:solidFill>
+                <a:uFill>
+                  <a:solidFill>
+                    <a:srgbClr val="FFFFFF"/>
+                  </a:solidFill>
+                </a:uFill>
+                <a:latin typeface="Trebuchet MS"/>
+              </a:rPr>
+              <a:t>Grup</a:t>
+            </a:r>
+            <a:r>
+              <a:rPr lang="en-US" sz="2200" b="0" strike="noStrike" spc="-1" dirty="0">
+                <a:solidFill>
+                  <a:srgbClr val="FFFFFF"/>
+                </a:solidFill>
+                <a:uFill>
+                  <a:solidFill>
+                    <a:srgbClr val="FFFFFF"/>
+                  </a:solidFill>
+                </a:uFill>
+                <a:latin typeface="Trebuchet MS"/>
+              </a:rPr>
+              <a:t> </a:t>
+            </a:r>
+            <a:r>
+              <a:rPr lang="en-US" sz="2200" b="0" strike="noStrike" spc="-1" dirty="0" err="1">
+                <a:solidFill>
+                  <a:srgbClr val="FFFFFF"/>
+                </a:solidFill>
+                <a:uFill>
+                  <a:solidFill>
+                    <a:srgbClr val="FFFFFF"/>
+                  </a:solidFill>
+                </a:uFill>
+                <a:latin typeface="Trebuchet MS"/>
+              </a:rPr>
+              <a:t>Berhasil</a:t>
             </a:r>
             <a:endParaRPr lang="en-US" sz="2200" b="0" strike="noStrike" spc="-1" dirty="0">
               <a:solidFill>
@@ -8764,7 +9126,7 @@
                   <a:srgbClr val="FFFFFF"/>
                 </a:solidFill>
               </a:uFill>
-              <a:latin typeface="Calibri"/>
+              <a:latin typeface="Trebuchet MS"/>
             </a:endParaRPr>
           </a:p>
           <a:p>
@@ -8790,7 +9152,77 @@
                 </a:uFill>
                 <a:latin typeface="Trebuchet MS"/>
               </a:rPr>
-              <a:t>PASS_GRUP</a:t>
+              <a:t>17: </a:t>
+            </a:r>
+            <a:r>
+              <a:rPr lang="en-US" sz="2200" b="0" strike="noStrike" spc="-1" dirty="0" err="1">
+                <a:solidFill>
+                  <a:srgbClr val="FFFFFF"/>
+                </a:solidFill>
+                <a:uFill>
+                  <a:solidFill>
+                    <a:srgbClr val="FFFFFF"/>
+                  </a:solidFill>
+                </a:uFill>
+                <a:latin typeface="Trebuchet MS"/>
+              </a:rPr>
+              <a:t>Keluar</a:t>
+            </a:r>
+            <a:r>
+              <a:rPr lang="en-US" sz="2200" b="0" strike="noStrike" spc="-1" dirty="0">
+                <a:solidFill>
+                  <a:srgbClr val="FFFFFF"/>
+                </a:solidFill>
+                <a:uFill>
+                  <a:solidFill>
+                    <a:srgbClr val="FFFFFF"/>
+                  </a:solidFill>
+                </a:uFill>
+                <a:latin typeface="Trebuchet MS"/>
+              </a:rPr>
+              <a:t> </a:t>
+            </a:r>
+            <a:r>
+              <a:rPr lang="en-US" sz="2200" b="0" strike="noStrike" spc="-1" dirty="0" err="1">
+                <a:solidFill>
+                  <a:srgbClr val="FFFFFF"/>
+                </a:solidFill>
+                <a:uFill>
+                  <a:solidFill>
+                    <a:srgbClr val="FFFFFF"/>
+                  </a:solidFill>
+                </a:uFill>
+                <a:latin typeface="Trebuchet MS"/>
+              </a:rPr>
+              <a:t>Grup</a:t>
+            </a:r>
+            <a:r>
+              <a:rPr lang="en-US" sz="2200" b="0" strike="noStrike" spc="-1" dirty="0">
+                <a:solidFill>
+                  <a:srgbClr val="FFFFFF"/>
+                </a:solidFill>
+                <a:uFill>
+                  <a:solidFill>
+                    <a:srgbClr val="FFFFFF"/>
+                  </a:solidFill>
+                </a:uFill>
+                <a:latin typeface="Trebuchet MS"/>
+              </a:rPr>
+              <a:t> </a:t>
+            </a:r>
+            <a:r>
+              <a:rPr lang="en-US" sz="2200" b="0" strike="noStrike" spc="-1" dirty="0" err="1">
+                <a:solidFill>
+                  <a:srgbClr val="FFFFFF"/>
+                </a:solidFill>
+                <a:uFill>
+                  <a:solidFill>
+                    <a:srgbClr val="FFFFFF"/>
+                  </a:solidFill>
+                </a:uFill>
+                <a:latin typeface="Trebuchet MS"/>
+              </a:rPr>
+              <a:t>Gagal</a:t>
             </a:r>
             <a:endParaRPr lang="en-US" sz="2200" b="0" strike="noStrike" spc="-1" dirty="0">
               <a:solidFill>
@@ -8801,438 +9233,33 @@
                   <a:srgbClr val="FFFFFF"/>
                 </a:solidFill>
               </a:uFill>
+              <a:latin typeface="Trebuchet MS"/>
+            </a:endParaRPr>
+          </a:p>
+          <a:p>
+            <a:pPr>
+              <a:lnSpc>
+                <a:spcPct val="90000"/>
+              </a:lnSpc>
+            </a:pPr>
+            <a:endParaRPr lang="en-US" sz="2200" b="0" strike="noStrike" spc="-1" dirty="0">
+              <a:solidFill>
+                <a:srgbClr val="FFFFFF"/>
+              </a:solidFill>
+              <a:uFill>
+                <a:solidFill>
+                  <a:srgbClr val="FFFFFF"/>
+                </a:solidFill>
+              </a:uFill>
               <a:latin typeface="Calibri"/>
             </a:endParaRPr>
           </a:p>
           <a:p>
-            <a:pPr marL="685800" lvl="1" indent="-228240">
+            <a:pPr>
               <a:lnSpc>
-                <a:spcPct val="100000"/>
+                <a:spcPct val="90000"/>
               </a:lnSpc>
-              <a:buClr>
-                <a:srgbClr val="FFFFFF"/>
-              </a:buClr>
-              <a:buFont typeface="Arial"/>
-              <a:buChar char="•"/>
             </a:pPr>
-            <a:r>
-              <a:rPr lang="en-US" sz="2200" b="0" strike="noStrike" spc="-1" dirty="0">
-                <a:solidFill>
-                  <a:srgbClr val="FFFFFF"/>
-                </a:solidFill>
-                <a:uFill>
-                  <a:solidFill>
-                    <a:srgbClr val="FFFFFF"/>
-                  </a:solidFill>
-                </a:uFill>
-                <a:latin typeface="Trebuchet MS"/>
-              </a:rPr>
-              <a:t>RETURN&gt;</a:t>
-            </a:r>
-            <a:endParaRPr lang="en-US" sz="2200" b="0" strike="noStrike" spc="-1" dirty="0">
-              <a:solidFill>
-                <a:srgbClr val="FFFFFF"/>
-              </a:solidFill>
-              <a:uFill>
-                <a:solidFill>
-                  <a:srgbClr val="FFFFFF"/>
-                </a:solidFill>
-              </a:uFill>
-              <a:latin typeface="Calibri"/>
-            </a:endParaRPr>
-          </a:p>
-          <a:p>
-            <a:pPr marL="1143000" lvl="2" indent="-228240">
-              <a:lnSpc>
-                <a:spcPct val="100000"/>
-              </a:lnSpc>
-              <a:buClr>
-                <a:srgbClr val="FFFFFF"/>
-              </a:buClr>
-              <a:buFont typeface="Arial"/>
-              <a:buChar char="•"/>
-            </a:pPr>
-            <a:r>
-              <a:rPr lang="en-US" sz="2200" b="0" strike="noStrike" spc="-1" dirty="0">
-                <a:solidFill>
-                  <a:srgbClr val="FFFFFF"/>
-                </a:solidFill>
-                <a:uFill>
-                  <a:solidFill>
-                    <a:srgbClr val="FFFFFF"/>
-                  </a:solidFill>
-                </a:uFill>
-                <a:latin typeface="Trebuchet MS"/>
-              </a:rPr>
-              <a:t>18: </a:t>
-            </a:r>
-            <a:r>
-              <a:rPr lang="en-US" sz="2200" b="0" strike="noStrike" spc="-1" dirty="0" err="1">
-                <a:solidFill>
-                  <a:srgbClr val="FFFFFF"/>
-                </a:solidFill>
-                <a:uFill>
-                  <a:solidFill>
-                    <a:srgbClr val="FFFFFF"/>
-                  </a:solidFill>
-                </a:uFill>
-                <a:latin typeface="Trebuchet MS"/>
-              </a:rPr>
-              <a:t>Hapus</a:t>
-            </a:r>
-            <a:r>
-              <a:rPr lang="en-US" sz="2200" b="0" strike="noStrike" spc="-1" dirty="0">
-                <a:solidFill>
-                  <a:srgbClr val="FFFFFF"/>
-                </a:solidFill>
-                <a:uFill>
-                  <a:solidFill>
-                    <a:srgbClr val="FFFFFF"/>
-                  </a:solidFill>
-                </a:uFill>
-                <a:latin typeface="Trebuchet MS"/>
-              </a:rPr>
-              <a:t> </a:t>
-            </a:r>
-            <a:r>
-              <a:rPr lang="en-US" sz="2200" b="0" strike="noStrike" spc="-1" dirty="0" err="1">
-                <a:solidFill>
-                  <a:srgbClr val="FFFFFF"/>
-                </a:solidFill>
-                <a:uFill>
-                  <a:solidFill>
-                    <a:srgbClr val="FFFFFF"/>
-                  </a:solidFill>
-                </a:uFill>
-                <a:latin typeface="Trebuchet MS"/>
-              </a:rPr>
-              <a:t>Grup</a:t>
-            </a:r>
-            <a:r>
-              <a:rPr lang="en-US" sz="2200" b="0" strike="noStrike" spc="-1" dirty="0">
-                <a:solidFill>
-                  <a:srgbClr val="FFFFFF"/>
-                </a:solidFill>
-                <a:uFill>
-                  <a:solidFill>
-                    <a:srgbClr val="FFFFFF"/>
-                  </a:solidFill>
-                </a:uFill>
-                <a:latin typeface="Trebuchet MS"/>
-              </a:rPr>
-              <a:t> </a:t>
-            </a:r>
-            <a:r>
-              <a:rPr lang="en-US" sz="2200" b="0" strike="noStrike" spc="-1" dirty="0" err="1">
-                <a:solidFill>
-                  <a:srgbClr val="FFFFFF"/>
-                </a:solidFill>
-                <a:uFill>
-                  <a:solidFill>
-                    <a:srgbClr val="FFFFFF"/>
-                  </a:solidFill>
-                </a:uFill>
-                <a:latin typeface="Trebuchet MS"/>
-              </a:rPr>
-              <a:t>Berhasil</a:t>
-            </a:r>
-            <a:endParaRPr lang="en-US" sz="2200" b="0" strike="noStrike" spc="-1" dirty="0">
-              <a:solidFill>
-                <a:srgbClr val="FFFFFF"/>
-              </a:solidFill>
-              <a:uFill>
-                <a:solidFill>
-                  <a:srgbClr val="FFFFFF"/>
-                </a:solidFill>
-              </a:uFill>
-              <a:latin typeface="Calibri"/>
-            </a:endParaRPr>
-          </a:p>
-          <a:p>
-            <a:pPr marL="1143000" lvl="2" indent="-228240">
-              <a:lnSpc>
-                <a:spcPct val="100000"/>
-              </a:lnSpc>
-              <a:buClr>
-                <a:srgbClr val="FFFFFF"/>
-              </a:buClr>
-              <a:buFont typeface="Arial"/>
-              <a:buChar char="•"/>
-            </a:pPr>
-            <a:r>
-              <a:rPr lang="en-US" sz="2200" b="0" strike="noStrike" spc="-1" dirty="0">
-                <a:solidFill>
-                  <a:srgbClr val="FFFFFF"/>
-                </a:solidFill>
-                <a:uFill>
-                  <a:solidFill>
-                    <a:srgbClr val="FFFFFF"/>
-                  </a:solidFill>
-                </a:uFill>
-                <a:latin typeface="Trebuchet MS"/>
-              </a:rPr>
-              <a:t>19: </a:t>
-            </a:r>
-            <a:r>
-              <a:rPr lang="en-US" sz="2200" b="0" strike="noStrike" spc="-1" dirty="0" err="1">
-                <a:solidFill>
-                  <a:srgbClr val="FFFFFF"/>
-                </a:solidFill>
-                <a:uFill>
-                  <a:solidFill>
-                    <a:srgbClr val="FFFFFF"/>
-                  </a:solidFill>
-                </a:uFill>
-                <a:latin typeface="Trebuchet MS"/>
-              </a:rPr>
-              <a:t>Hapus</a:t>
-            </a:r>
-            <a:r>
-              <a:rPr lang="en-US" sz="2200" b="0" strike="noStrike" spc="-1" dirty="0">
-                <a:solidFill>
-                  <a:srgbClr val="FFFFFF"/>
-                </a:solidFill>
-                <a:uFill>
-                  <a:solidFill>
-                    <a:srgbClr val="FFFFFF"/>
-                  </a:solidFill>
-                </a:uFill>
-                <a:latin typeface="Trebuchet MS"/>
-              </a:rPr>
-              <a:t> </a:t>
-            </a:r>
-            <a:r>
-              <a:rPr lang="en-US" sz="2200" b="0" strike="noStrike" spc="-1" dirty="0" err="1">
-                <a:solidFill>
-                  <a:srgbClr val="FFFFFF"/>
-                </a:solidFill>
-                <a:uFill>
-                  <a:solidFill>
-                    <a:srgbClr val="FFFFFF"/>
-                  </a:solidFill>
-                </a:uFill>
-                <a:latin typeface="Trebuchet MS"/>
-              </a:rPr>
-              <a:t>Grup</a:t>
-            </a:r>
-            <a:r>
-              <a:rPr lang="en-US" sz="2200" b="0" strike="noStrike" spc="-1" dirty="0">
-                <a:solidFill>
-                  <a:srgbClr val="FFFFFF"/>
-                </a:solidFill>
-                <a:uFill>
-                  <a:solidFill>
-                    <a:srgbClr val="FFFFFF"/>
-                  </a:solidFill>
-                </a:uFill>
-                <a:latin typeface="Trebuchet MS"/>
-              </a:rPr>
-              <a:t> </a:t>
-            </a:r>
-            <a:r>
-              <a:rPr lang="en-US" sz="2200" b="0" strike="noStrike" spc="-1" dirty="0" err="1">
-                <a:solidFill>
-                  <a:srgbClr val="FFFFFF"/>
-                </a:solidFill>
-                <a:uFill>
-                  <a:solidFill>
-                    <a:srgbClr val="FFFFFF"/>
-                  </a:solidFill>
-                </a:uFill>
-                <a:latin typeface="Trebuchet MS"/>
-              </a:rPr>
-              <a:t>Gagal</a:t>
-            </a:r>
-            <a:endParaRPr lang="en-US" sz="2200" b="0" strike="noStrike" spc="-1" dirty="0">
-              <a:solidFill>
-                <a:srgbClr val="FFFFFF"/>
-              </a:solidFill>
-              <a:uFill>
-                <a:solidFill>
-                  <a:srgbClr val="FFFFFF"/>
-                </a:solidFill>
-              </a:uFill>
-              <a:latin typeface="Trebuchet MS"/>
-            </a:endParaRPr>
-          </a:p>
-          <a:p>
-            <a:pPr marL="914760" lvl="2">
-              <a:lnSpc>
-                <a:spcPct val="100000"/>
-              </a:lnSpc>
-              <a:buClr>
-                <a:srgbClr val="FFFFFF"/>
-              </a:buClr>
-            </a:pPr>
-            <a:r>
-              <a:rPr lang="en-US" sz="2200" spc="-1" dirty="0">
-                <a:solidFill>
-                  <a:srgbClr val="FFFFFF"/>
-                </a:solidFill>
-                <a:uFill>
-                  <a:solidFill>
-                    <a:srgbClr val="FFFFFF"/>
-                  </a:solidFill>
-                </a:uFill>
-                <a:latin typeface="Trebuchet MS"/>
-                <a:sym typeface="Wingdings" panose="05000000000000000000" pitchFamily="2" charset="2"/>
-              </a:rPr>
-              <a:t> </a:t>
-            </a:r>
-            <a:r>
-              <a:rPr lang="en-US" sz="2200" b="0" strike="noStrike" spc="-1" dirty="0" err="1">
-                <a:solidFill>
-                  <a:srgbClr val="FFFFFF"/>
-                </a:solidFill>
-                <a:uFill>
-                  <a:solidFill>
-                    <a:srgbClr val="FFFFFF"/>
-                  </a:solidFill>
-                </a:uFill>
-                <a:latin typeface="Trebuchet MS"/>
-              </a:rPr>
-              <a:t>Gagal</a:t>
-            </a:r>
-            <a:r>
-              <a:rPr lang="en-US" sz="2200" b="0" strike="noStrike" spc="-1" dirty="0">
-                <a:solidFill>
-                  <a:srgbClr val="FFFFFF"/>
-                </a:solidFill>
-                <a:uFill>
-                  <a:solidFill>
-                    <a:srgbClr val="FFFFFF"/>
-                  </a:solidFill>
-                </a:uFill>
-                <a:latin typeface="Trebuchet MS"/>
-              </a:rPr>
-              <a:t> &gt; USER_NAME </a:t>
-            </a:r>
-            <a:r>
-              <a:rPr lang="en-US" sz="2200" b="0" strike="noStrike" spc="-1" dirty="0" err="1">
-                <a:solidFill>
-                  <a:srgbClr val="FFFFFF"/>
-                </a:solidFill>
-                <a:uFill>
-                  <a:solidFill>
-                    <a:srgbClr val="FFFFFF"/>
-                  </a:solidFill>
-                </a:uFill>
-                <a:latin typeface="Trebuchet MS"/>
-              </a:rPr>
-              <a:t>belum</a:t>
-            </a:r>
-            <a:r>
-              <a:rPr lang="en-US" sz="2200" b="0" strike="noStrike" spc="-1" dirty="0">
-                <a:solidFill>
-                  <a:srgbClr val="FFFFFF"/>
-                </a:solidFill>
-                <a:uFill>
-                  <a:solidFill>
-                    <a:srgbClr val="FFFFFF"/>
-                  </a:solidFill>
-                </a:uFill>
-                <a:latin typeface="Trebuchet MS"/>
-              </a:rPr>
-              <a:t> </a:t>
-            </a:r>
-            <a:r>
-              <a:rPr lang="en-US" sz="2200" b="0" strike="noStrike" spc="-1" dirty="0" err="1">
-                <a:solidFill>
-                  <a:srgbClr val="FFFFFF"/>
-                </a:solidFill>
-                <a:uFill>
-                  <a:solidFill>
-                    <a:srgbClr val="FFFFFF"/>
-                  </a:solidFill>
-                </a:uFill>
-                <a:latin typeface="Trebuchet MS"/>
-              </a:rPr>
-              <a:t>terautentikasi</a:t>
-            </a:r>
-            <a:r>
-              <a:rPr lang="en-US" sz="2200" b="0" strike="noStrike" spc="-1" dirty="0">
-                <a:solidFill>
-                  <a:srgbClr val="FFFFFF"/>
-                </a:solidFill>
-                <a:uFill>
-                  <a:solidFill>
-                    <a:srgbClr val="FFFFFF"/>
-                  </a:solidFill>
-                </a:uFill>
-                <a:latin typeface="Trebuchet MS"/>
-              </a:rPr>
-              <a:t>, NAMA_GRUP </a:t>
-            </a:r>
-            <a:r>
-              <a:rPr lang="en-US" sz="2200" b="0" strike="noStrike" spc="-1" dirty="0" err="1">
-                <a:solidFill>
-                  <a:srgbClr val="FFFFFF"/>
-                </a:solidFill>
-                <a:uFill>
-                  <a:solidFill>
-                    <a:srgbClr val="FFFFFF"/>
-                  </a:solidFill>
-                </a:uFill>
-                <a:latin typeface="Trebuchet MS"/>
-              </a:rPr>
-              <a:t>tidak</a:t>
-            </a:r>
-            <a:r>
-              <a:rPr lang="en-US" sz="2200" b="0" strike="noStrike" spc="-1" dirty="0">
-                <a:solidFill>
-                  <a:srgbClr val="FFFFFF"/>
-                </a:solidFill>
-                <a:uFill>
-                  <a:solidFill>
-                    <a:srgbClr val="FFFFFF"/>
-                  </a:solidFill>
-                </a:uFill>
-                <a:latin typeface="Trebuchet MS"/>
-              </a:rPr>
-              <a:t> </a:t>
-            </a:r>
-            <a:r>
-              <a:rPr lang="en-US" sz="2200" b="0" strike="noStrike" spc="-1" dirty="0" err="1">
-                <a:solidFill>
-                  <a:srgbClr val="FFFFFF"/>
-                </a:solidFill>
-                <a:uFill>
-                  <a:solidFill>
-                    <a:srgbClr val="FFFFFF"/>
-                  </a:solidFill>
-                </a:uFill>
-                <a:latin typeface="Trebuchet MS"/>
-              </a:rPr>
-              <a:t>tersedia</a:t>
-            </a:r>
-            <a:r>
-              <a:rPr lang="en-US" sz="2200" b="0" strike="noStrike" spc="-1" dirty="0">
-                <a:solidFill>
-                  <a:srgbClr val="FFFFFF"/>
-                </a:solidFill>
-                <a:uFill>
-                  <a:solidFill>
-                    <a:srgbClr val="FFFFFF"/>
-                  </a:solidFill>
-                </a:uFill>
-                <a:latin typeface="Trebuchet MS"/>
-              </a:rPr>
-              <a:t>, PASS_GRUP </a:t>
-            </a:r>
-            <a:r>
-              <a:rPr lang="en-US" sz="2200" b="0" strike="noStrike" spc="-1" dirty="0" err="1">
-                <a:solidFill>
-                  <a:srgbClr val="FFFFFF"/>
-                </a:solidFill>
-                <a:uFill>
-                  <a:solidFill>
-                    <a:srgbClr val="FFFFFF"/>
-                  </a:solidFill>
-                </a:uFill>
-                <a:latin typeface="Trebuchet MS"/>
-              </a:rPr>
-              <a:t>salah</a:t>
-            </a:r>
             <a:endParaRPr lang="en-US" sz="2200" b="0" strike="noStrike" spc="-1" dirty="0">
               <a:solidFill>
                 <a:srgbClr val="FFFFFF"/>
@@ -9248,6 +9275,11 @@
         </p:txBody>
       </p:sp>
     </p:spTree>
+    <p:extLst>
+      <p:ext uri="{BB962C8B-B14F-4D97-AF65-F5344CB8AC3E}">
+        <p14:creationId xmlns:p14="http://schemas.microsoft.com/office/powerpoint/2010/main" val="2623540419"/>
+      </p:ext>
+    </p:extLst>
   </p:cSld>
   <p:clrMapOvr>
     <a:masterClrMapping/>
@@ -9301,7 +9333,7 @@
       </p:grpSpPr>
       <p:sp>
         <p:nvSpPr>
-          <p:cNvPr id="96" name="TextShape 1"/>
+          <p:cNvPr id="94" name="TextShape 1"/>
           <p:cNvSpPr txBox="1"/>
           <p:nvPr/>
         </p:nvSpPr>
@@ -9357,7 +9389,7 @@
       </p:sp>
       <p:sp>
         <p:nvSpPr>
-          <p:cNvPr id="97" name="TextShape 2"/>
+          <p:cNvPr id="95" name="TextShape 2"/>
           <p:cNvSpPr txBox="1"/>
           <p:nvPr/>
         </p:nvSpPr>
@@ -9400,8 +9432,19 @@
                 </a:uFill>
                 <a:latin typeface="Trebuchet MS"/>
               </a:rPr>
-              <a:t>PRINT GRUP SEKARANG</a:t>
-            </a:r>
+              <a:t>HAPUS GRUP</a:t>
+            </a:r>
+            <a:endParaRPr lang="en-US" sz="3000" b="0" strike="noStrike" spc="-1" dirty="0">
+              <a:solidFill>
+                <a:srgbClr val="00B0F0"/>
+              </a:solidFill>
+              <a:uFill>
+                <a:solidFill>
+                  <a:srgbClr val="FFFFFF"/>
+                </a:solidFill>
+              </a:uFill>
+              <a:latin typeface="Calibri"/>
+            </a:endParaRPr>
           </a:p>
           <a:p>
             <a:pPr marL="685800" lvl="1" indent="-228240">
@@ -9430,10 +9473,7 @@
             </a:r>
           </a:p>
           <a:p>
-            <a:pPr marL="457560" lvl="1">
-              <a:lnSpc>
-                <a:spcPct val="100000"/>
-              </a:lnSpc>
+            <a:pPr marL="914760" lvl="2">
               <a:buClr>
                 <a:srgbClr val="FFFFFF"/>
               </a:buClr>
@@ -9450,7 +9490,7 @@
                 </a:uFill>
                 <a:latin typeface="Trebuchet MS"/>
               </a:rPr>
-              <a:t>	User </a:t>
+              <a:t>User </a:t>
             </a:r>
             <a:r>
               <a:rPr lang="en-US" sz="2200" spc="-1" dirty="0" err="1">
@@ -9492,7 +9532,7 @@
                 </a:uFill>
                 <a:latin typeface="Trebuchet MS"/>
               </a:rPr>
-              <a:t>menampilkan</a:t>
+              <a:t>menghapus</a:t>
             </a:r>
             <a:r>
               <a:rPr lang="en-US" sz="2200" spc="-1" dirty="0">
@@ -9521,62 +9561,6 @@
                 <a:latin typeface="Trebuchet MS"/>
               </a:rPr>
               <a:t>grup</a:t>
-            </a:r>
-            <a:r>
-              <a:rPr lang="en-US" sz="2200" spc="-1" dirty="0">
-                <a:solidFill>
-                  <a:srgbClr val="FFFFFF"/>
-                </a:solidFill>
-                <a:uFill>
-                  <a:solidFill>
-                    <a:srgbClr val="FFFFFF"/>
-                  </a:solidFill>
-                </a:uFill>
-                <a:latin typeface="Trebuchet MS"/>
-              </a:rPr>
-              <a:t> yang </a:t>
-            </a:r>
-            <a:r>
-              <a:rPr lang="en-US" sz="2200" spc="-1" dirty="0" err="1">
-                <a:solidFill>
-                  <a:srgbClr val="FFFFFF"/>
-                </a:solidFill>
-                <a:uFill>
-                  <a:solidFill>
-                    <a:srgbClr val="FFFFFF"/>
-                  </a:solidFill>
-                </a:uFill>
-                <a:latin typeface="Trebuchet MS"/>
-              </a:rPr>
-              <a:t>sedang</a:t>
-            </a:r>
-            <a:r>
-              <a:rPr lang="en-US" sz="2200" spc="-1" dirty="0">
-                <a:solidFill>
-                  <a:srgbClr val="FFFFFF"/>
-                </a:solidFill>
-                <a:uFill>
-                  <a:solidFill>
-                    <a:srgbClr val="FFFFFF"/>
-                  </a:solidFill>
-                </a:uFill>
-                <a:latin typeface="Trebuchet MS"/>
-              </a:rPr>
-              <a:t> user </a:t>
-            </a:r>
-            <a:r>
-              <a:rPr lang="en-US" sz="2200" spc="-1" dirty="0" err="1">
-                <a:solidFill>
-                  <a:srgbClr val="FFFFFF"/>
-                </a:solidFill>
-                <a:uFill>
-                  <a:solidFill>
-                    <a:srgbClr val="FFFFFF"/>
-                  </a:solidFill>
-                </a:uFill>
-                <a:latin typeface="Trebuchet MS"/>
-              </a:rPr>
-              <a:t>masuki</a:t>
             </a:r>
             <a:r>
               <a:rPr lang="en-US" sz="2200" spc="-1" dirty="0">
@@ -9664,7 +9648,119 @@
                 </a:uFill>
                 <a:latin typeface="Trebuchet MS"/>
               </a:rPr>
-              <a:t>PGS</a:t>
+              <a:t>HGRUP</a:t>
+            </a:r>
+            <a:r>
+              <a:rPr lang="en-US" sz="2200" b="0" strike="noStrike" spc="-1" dirty="0">
+                <a:solidFill>
+                  <a:srgbClr val="FFFFFF"/>
+                </a:solidFill>
+                <a:uFill>
+                  <a:solidFill>
+                    <a:srgbClr val="FFFFFF"/>
+                  </a:solidFill>
+                </a:uFill>
+                <a:latin typeface="Trebuchet MS"/>
+              </a:rPr>
+              <a:t> </a:t>
+            </a:r>
+            <a:r>
+              <a:rPr lang="en-US" sz="2200" b="0" strike="noStrike" spc="-1" dirty="0" err="1">
+                <a:solidFill>
+                  <a:srgbClr val="FFFFFF"/>
+                </a:solidFill>
+                <a:uFill>
+                  <a:solidFill>
+                    <a:srgbClr val="FFFFFF"/>
+                  </a:solidFill>
+                </a:uFill>
+                <a:latin typeface="Trebuchet MS"/>
+              </a:rPr>
+              <a:t>spasi</a:t>
+            </a:r>
+            <a:r>
+              <a:rPr lang="en-US" sz="2200" b="0" strike="noStrike" spc="-1" dirty="0">
+                <a:solidFill>
+                  <a:srgbClr val="FFFFFF"/>
+                </a:solidFill>
+                <a:uFill>
+                  <a:solidFill>
+                    <a:srgbClr val="FFFFFF"/>
+                  </a:solidFill>
+                </a:uFill>
+                <a:latin typeface="Trebuchet MS"/>
+              </a:rPr>
+              <a:t> </a:t>
+            </a:r>
+            <a:r>
+              <a:rPr lang="en-US" sz="2200" b="0" strike="noStrike" spc="-1" dirty="0">
+                <a:solidFill>
+                  <a:srgbClr val="FFFF00"/>
+                </a:solidFill>
+                <a:uFill>
+                  <a:solidFill>
+                    <a:srgbClr val="FFFFFF"/>
+                  </a:solidFill>
+                </a:uFill>
+                <a:latin typeface="Trebuchet MS"/>
+              </a:rPr>
+              <a:t>NAMA_GRUP</a:t>
+            </a:r>
+            <a:r>
+              <a:rPr lang="en-US" sz="2200" b="0" strike="noStrike" spc="-1" dirty="0">
+                <a:solidFill>
+                  <a:srgbClr val="FFFFFF"/>
+                </a:solidFill>
+                <a:uFill>
+                  <a:solidFill>
+                    <a:srgbClr val="FFFFFF"/>
+                  </a:solidFill>
+                </a:uFill>
+                <a:latin typeface="Trebuchet MS"/>
+              </a:rPr>
+              <a:t> </a:t>
+            </a:r>
+            <a:r>
+              <a:rPr lang="en-US" sz="2200" b="0" strike="noStrike" spc="-1" dirty="0" err="1">
+                <a:solidFill>
+                  <a:srgbClr val="FFFFFF"/>
+                </a:solidFill>
+                <a:uFill>
+                  <a:solidFill>
+                    <a:srgbClr val="FFFFFF"/>
+                  </a:solidFill>
+                </a:uFill>
+                <a:latin typeface="Trebuchet MS"/>
+              </a:rPr>
+              <a:t>spasi</a:t>
+            </a:r>
+            <a:r>
+              <a:rPr lang="en-US" sz="2200" b="0" strike="noStrike" spc="-1" dirty="0">
+                <a:solidFill>
+                  <a:srgbClr val="FFFFFF"/>
+                </a:solidFill>
+                <a:uFill>
+                  <a:solidFill>
+                    <a:srgbClr val="FFFFFF"/>
+                  </a:solidFill>
+                </a:uFill>
+                <a:latin typeface="Trebuchet MS"/>
+              </a:rPr>
+              <a:t> </a:t>
+            </a:r>
+            <a:r>
+              <a:rPr lang="en-US" sz="2200" b="0" strike="noStrike" spc="-1" dirty="0">
+                <a:solidFill>
+                  <a:srgbClr val="FFFF00"/>
+                </a:solidFill>
+                <a:uFill>
+                  <a:solidFill>
+                    <a:srgbClr val="FFFFFF"/>
+                  </a:solidFill>
+                </a:uFill>
+                <a:latin typeface="Trebuchet MS"/>
+              </a:rPr>
+              <a:t>PASS_GRUP</a:t>
             </a:r>
             <a:endParaRPr lang="en-US" sz="2200" b="0" strike="noStrike" spc="-1" dirty="0">
               <a:solidFill>
@@ -9701,7 +9797,81 @@
                 </a:uFill>
                 <a:latin typeface="Trebuchet MS"/>
               </a:rPr>
-              <a:t>PARAMETER:-</a:t>
+              <a:t>PARAMETER:</a:t>
+            </a:r>
+            <a:endParaRPr lang="en-US" sz="2200" b="0" strike="noStrike" spc="-1" dirty="0">
+              <a:solidFill>
+                <a:srgbClr val="FFFFFF"/>
+              </a:solidFill>
+              <a:uFill>
+                <a:solidFill>
+                  <a:srgbClr val="FFFFFF"/>
+                </a:solidFill>
+              </a:uFill>
+              <a:latin typeface="Calibri"/>
+            </a:endParaRPr>
+          </a:p>
+          <a:p>
+            <a:pPr marL="1143000" lvl="2" indent="-228240">
+              <a:lnSpc>
+                <a:spcPct val="100000"/>
+              </a:lnSpc>
+              <a:buClr>
+                <a:srgbClr val="FFFFFF"/>
+              </a:buClr>
+              <a:buFont typeface="Arial"/>
+              <a:buChar char="•"/>
+            </a:pPr>
+            <a:r>
+              <a:rPr lang="en-US" sz="2200" b="0" strike="noStrike" spc="-1" dirty="0">
+                <a:solidFill>
+                  <a:srgbClr val="FFFFFF"/>
+                </a:solidFill>
+                <a:uFill>
+                  <a:solidFill>
+                    <a:srgbClr val="FFFFFF"/>
+                  </a:solidFill>
+                </a:uFill>
+                <a:latin typeface="Trebuchet MS"/>
+              </a:rPr>
+              <a:t>NAMA_GRUP</a:t>
+            </a:r>
+            <a:endParaRPr lang="en-US" sz="2200" b="0" strike="noStrike" spc="-1" dirty="0">
+              <a:solidFill>
+                <a:srgbClr val="FFFFFF"/>
+              </a:solidFill>
+              <a:uFill>
+                <a:solidFill>
+                  <a:srgbClr val="FFFFFF"/>
+                </a:solidFill>
+              </a:uFill>
+              <a:latin typeface="Calibri"/>
+            </a:endParaRPr>
+          </a:p>
+          <a:p>
+            <a:pPr marL="1143000" lvl="2" indent="-228240">
+              <a:lnSpc>
+                <a:spcPct val="100000"/>
+              </a:lnSpc>
+              <a:buClr>
+                <a:srgbClr val="FFFFFF"/>
+              </a:buClr>
+              <a:buFont typeface="Arial"/>
+              <a:buChar char="•"/>
+            </a:pPr>
+            <a:r>
+              <a:rPr lang="en-US" sz="2200" b="0" strike="noStrike" spc="-1" dirty="0">
+                <a:solidFill>
+                  <a:srgbClr val="FFFFFF"/>
+                </a:solidFill>
+                <a:uFill>
+                  <a:solidFill>
+                    <a:srgbClr val="FFFFFF"/>
+                  </a:solidFill>
+                </a:uFill>
+                <a:latin typeface="Trebuchet MS"/>
+              </a:rPr>
+              <a:t>PASS_GRUP</a:t>
             </a:r>
             <a:endParaRPr lang="en-US" sz="2200" b="0" strike="noStrike" spc="-1" dirty="0">
               <a:solidFill>
@@ -9775,7 +9945,7 @@
                 </a:uFill>
                 <a:latin typeface="Trebuchet MS"/>
               </a:rPr>
-              <a:t>20: Data </a:t>
+              <a:t>18: </a:t>
             </a:r>
             <a:r>
               <a:rPr lang="en-US" sz="2200" b="0" strike="noStrike" spc="-1" dirty="0" err="1">
@@ -9789,8 +9959,87 @@
                 </a:uFill>
                 <a:latin typeface="Trebuchet MS"/>
               </a:rPr>
+              <a:t>Hapus</a:t>
+            </a:r>
+            <a:r>
+              <a:rPr lang="en-US" sz="2200" b="0" strike="noStrike" spc="-1" dirty="0">
+                <a:solidFill>
+                  <a:srgbClr val="FFFFFF"/>
+                </a:solidFill>
+                <a:uFill>
+                  <a:solidFill>
+                    <a:srgbClr val="FFFFFF"/>
+                  </a:solidFill>
+                </a:uFill>
+                <a:latin typeface="Trebuchet MS"/>
+              </a:rPr>
+              <a:t> </a:t>
+            </a:r>
+            <a:r>
+              <a:rPr lang="en-US" sz="2200" b="0" strike="noStrike" spc="-1" dirty="0" err="1">
+                <a:solidFill>
+                  <a:srgbClr val="FFFFFF"/>
+                </a:solidFill>
+                <a:uFill>
+                  <a:solidFill>
+                    <a:srgbClr val="FFFFFF"/>
+                  </a:solidFill>
+                </a:uFill>
+                <a:latin typeface="Trebuchet MS"/>
+              </a:rPr>
+              <a:t>Grup</a:t>
+            </a:r>
+            <a:r>
+              <a:rPr lang="en-US" sz="2200" b="0" strike="noStrike" spc="-1" dirty="0">
+                <a:solidFill>
+                  <a:srgbClr val="FFFFFF"/>
+                </a:solidFill>
+                <a:uFill>
+                  <a:solidFill>
+                    <a:srgbClr val="FFFFFF"/>
+                  </a:solidFill>
+                </a:uFill>
+                <a:latin typeface="Trebuchet MS"/>
+              </a:rPr>
+              <a:t> </a:t>
+            </a:r>
+            <a:r>
+              <a:rPr lang="en-US" sz="2200" b="0" strike="noStrike" spc="-1" dirty="0" err="1">
+                <a:solidFill>
+                  <a:srgbClr val="FFFFFF"/>
+                </a:solidFill>
+                <a:uFill>
+                  <a:solidFill>
+                    <a:srgbClr val="FFFFFF"/>
+                  </a:solidFill>
+                </a:uFill>
+                <a:latin typeface="Trebuchet MS"/>
+              </a:rPr>
               <a:t>Berhasil</a:t>
             </a:r>
+            <a:endParaRPr lang="en-US" sz="2200" b="0" strike="noStrike" spc="-1" dirty="0">
+              <a:solidFill>
+                <a:srgbClr val="FFFFFF"/>
+              </a:solidFill>
+              <a:uFill>
+                <a:solidFill>
+                  <a:srgbClr val="FFFFFF"/>
+                </a:solidFill>
+              </a:uFill>
+              <a:latin typeface="Calibri"/>
+            </a:endParaRPr>
+          </a:p>
+          <a:p>
+            <a:pPr marL="1143000" lvl="2" indent="-228240">
+              <a:lnSpc>
+                <a:spcPct val="100000"/>
+              </a:lnSpc>
+              <a:buClr>
+                <a:srgbClr val="FFFFFF"/>
+              </a:buClr>
+              <a:buFont typeface="Arial"/>
+              <a:buChar char="•"/>
+            </a:pPr>
             <a:r>
               <a:rPr lang="en-US" sz="2200" b="0" strike="noStrike" spc="-1" dirty="0">
                 <a:solidFill>
@@ -9803,6 +10052,34 @@
                 </a:uFill>
                 <a:latin typeface="Trebuchet MS"/>
               </a:rPr>
+              <a:t>19: </a:t>
+            </a:r>
+            <a:r>
+              <a:rPr lang="en-US" sz="2200" b="0" strike="noStrike" spc="-1" dirty="0" err="1">
+                <a:solidFill>
+                  <a:srgbClr val="FFFFFF"/>
+                </a:solidFill>
+                <a:uFill>
+                  <a:solidFill>
+                    <a:srgbClr val="FFFFFF"/>
+                  </a:solidFill>
+                </a:uFill>
+                <a:latin typeface="Trebuchet MS"/>
+              </a:rPr>
+              <a:t>Hapus</a:t>
+            </a:r>
+            <a:r>
+              <a:rPr lang="en-US" sz="2200" b="0" strike="noStrike" spc="-1" dirty="0">
+                <a:solidFill>
+                  <a:srgbClr val="FFFFFF"/>
+                </a:solidFill>
+                <a:uFill>
+                  <a:solidFill>
+                    <a:srgbClr val="FFFFFF"/>
+                  </a:solidFill>
+                </a:uFill>
+                <a:latin typeface="Trebuchet MS"/>
+              </a:rPr>
               <a:t> </a:t>
             </a:r>
             <a:r>
@@ -9817,7 +10094,35 @@
                 </a:uFill>
                 <a:latin typeface="Trebuchet MS"/>
               </a:rPr>
-              <a:t>Diterima</a:t>
+              <a:t>Grup</a:t>
+            </a:r>
+            <a:r>
+              <a:rPr lang="en-US" sz="2200" b="0" strike="noStrike" spc="-1" dirty="0">
+                <a:solidFill>
+                  <a:srgbClr val="FFFFFF"/>
+                </a:solidFill>
+                <a:uFill>
+                  <a:solidFill>
+                    <a:srgbClr val="FFFFFF"/>
+                  </a:solidFill>
+                </a:uFill>
+                <a:latin typeface="Trebuchet MS"/>
+              </a:rPr>
+              <a:t> </a:t>
+            </a:r>
+            <a:r>
+              <a:rPr lang="en-US" sz="2200" b="0" strike="noStrike" spc="-1" dirty="0" err="1">
+                <a:solidFill>
+                  <a:srgbClr val="FFFFFF"/>
+                </a:solidFill>
+                <a:uFill>
+                  <a:solidFill>
+                    <a:srgbClr val="FFFFFF"/>
+                  </a:solidFill>
+                </a:uFill>
+                <a:latin typeface="Trebuchet MS"/>
+              </a:rPr>
+              <a:t>Gagal</a:t>
             </a:r>
             <a:endParaRPr lang="en-US" sz="2200" b="0" strike="noStrike" spc="-1" dirty="0">
               <a:solidFill>
@@ -9856,49 +10161,49 @@
               <a:t> </a:t>
             </a:r>
             <a:r>
-              <a:rPr lang="en-US" sz="2200" spc="-1" dirty="0" err="1">
-                <a:solidFill>
-                  <a:srgbClr val="FFFFFF"/>
-                </a:solidFill>
-                <a:uFill>
-                  <a:solidFill>
-                    <a:srgbClr val="FFFFFF"/>
-                  </a:solidFill>
-                </a:uFill>
-                <a:latin typeface="Trebuchet MS"/>
-              </a:rPr>
-              <a:t>Sukses</a:t>
-            </a:r>
-            <a:r>
-              <a:rPr lang="en-US" sz="2200" spc="-1" dirty="0">
-                <a:solidFill>
-                  <a:srgbClr val="FFFFFF"/>
-                </a:solidFill>
-                <a:uFill>
-                  <a:solidFill>
-                    <a:srgbClr val="FFFFFF"/>
-                  </a:solidFill>
-                </a:uFill>
-                <a:latin typeface="Trebuchet MS"/>
-              </a:rPr>
-              <a:t> &gt; </a:t>
-            </a:r>
-            <a:r>
-              <a:rPr lang="en-US" sz="2200" spc="-1" dirty="0" err="1">
-                <a:solidFill>
-                  <a:srgbClr val="FFFFFF"/>
-                </a:solidFill>
-                <a:uFill>
-                  <a:solidFill>
-                    <a:srgbClr val="FFFFFF"/>
-                  </a:solidFill>
-                </a:uFill>
-                <a:latin typeface="Trebuchet MS"/>
-              </a:rPr>
-              <a:t>nama</a:t>
-            </a:r>
-            <a:r>
-              <a:rPr lang="en-US" sz="2200" spc="-1" dirty="0">
+              <a:rPr lang="en-US" sz="2200" b="0" strike="noStrike" spc="-1" dirty="0" err="1">
+                <a:solidFill>
+                  <a:srgbClr val="FFFFFF"/>
+                </a:solidFill>
+                <a:uFill>
+                  <a:solidFill>
+                    <a:srgbClr val="FFFFFF"/>
+                  </a:solidFill>
+                </a:uFill>
+                <a:latin typeface="Trebuchet MS"/>
+              </a:rPr>
+              <a:t>Gagal</a:t>
+            </a:r>
+            <a:r>
+              <a:rPr lang="en-US" sz="2200" b="0" strike="noStrike" spc="-1" dirty="0">
+                <a:solidFill>
+                  <a:srgbClr val="FFFFFF"/>
+                </a:solidFill>
+                <a:uFill>
+                  <a:solidFill>
+                    <a:srgbClr val="FFFFFF"/>
+                  </a:solidFill>
+                </a:uFill>
+                <a:latin typeface="Trebuchet MS"/>
+              </a:rPr>
+              <a:t> &gt; USER_NAME </a:t>
+            </a:r>
+            <a:r>
+              <a:rPr lang="en-US" sz="2200" b="0" strike="noStrike" spc="-1" dirty="0" err="1">
+                <a:solidFill>
+                  <a:srgbClr val="FFFFFF"/>
+                </a:solidFill>
+                <a:uFill>
+                  <a:solidFill>
+                    <a:srgbClr val="FFFFFF"/>
+                  </a:solidFill>
+                </a:uFill>
+                <a:latin typeface="Trebuchet MS"/>
+              </a:rPr>
+              <a:t>belum</a:t>
+            </a:r>
+            <a:r>
+              <a:rPr lang="en-US" sz="2200" b="0" strike="noStrike" spc="-1" dirty="0">
                 <a:solidFill>
                   <a:srgbClr val="FFFFFF"/>
                 </a:solidFill>
@@ -9912,49 +10217,49 @@
               <a:t> </a:t>
             </a:r>
             <a:r>
-              <a:rPr lang="en-US" sz="2200" spc="-1" dirty="0" err="1">
-                <a:solidFill>
-                  <a:srgbClr val="FFFFFF"/>
-                </a:solidFill>
-                <a:uFill>
-                  <a:solidFill>
-                    <a:srgbClr val="FFFFFF"/>
-                  </a:solidFill>
-                </a:uFill>
-                <a:latin typeface="Trebuchet MS"/>
-              </a:rPr>
-              <a:t>grup</a:t>
-            </a:r>
-            <a:r>
-              <a:rPr lang="en-US" sz="2200" spc="-1" dirty="0">
-                <a:solidFill>
-                  <a:srgbClr val="FFFFFF"/>
-                </a:solidFill>
-                <a:uFill>
-                  <a:solidFill>
-                    <a:srgbClr val="FFFFFF"/>
-                  </a:solidFill>
-                </a:uFill>
-                <a:latin typeface="Trebuchet MS"/>
-              </a:rPr>
-              <a:t> yang </a:t>
-            </a:r>
-            <a:r>
-              <a:rPr lang="en-US" sz="2200" spc="-1" dirty="0" err="1">
-                <a:solidFill>
-                  <a:srgbClr val="FFFFFF"/>
-                </a:solidFill>
-                <a:uFill>
-                  <a:solidFill>
-                    <a:srgbClr val="FFFFFF"/>
-                  </a:solidFill>
-                </a:uFill>
-                <a:latin typeface="Trebuchet MS"/>
-              </a:rPr>
-              <a:t>sedang</a:t>
-            </a:r>
-            <a:r>
-              <a:rPr lang="en-US" sz="2200" spc="-1" dirty="0">
+              <a:rPr lang="en-US" sz="2200" b="0" strike="noStrike" spc="-1" dirty="0" err="1">
+                <a:solidFill>
+                  <a:srgbClr val="FFFFFF"/>
+                </a:solidFill>
+                <a:uFill>
+                  <a:solidFill>
+                    <a:srgbClr val="FFFFFF"/>
+                  </a:solidFill>
+                </a:uFill>
+                <a:latin typeface="Trebuchet MS"/>
+              </a:rPr>
+              <a:t>terautentikasi</a:t>
+            </a:r>
+            <a:r>
+              <a:rPr lang="en-US" sz="2200" b="0" strike="noStrike" spc="-1" dirty="0">
+                <a:solidFill>
+                  <a:srgbClr val="FFFFFF"/>
+                </a:solidFill>
+                <a:uFill>
+                  <a:solidFill>
+                    <a:srgbClr val="FFFFFF"/>
+                  </a:solidFill>
+                </a:uFill>
+                <a:latin typeface="Trebuchet MS"/>
+              </a:rPr>
+              <a:t>, NAMA_GRUP </a:t>
+            </a:r>
+            <a:r>
+              <a:rPr lang="en-US" sz="2200" b="0" strike="noStrike" spc="-1" dirty="0" err="1">
+                <a:solidFill>
+                  <a:srgbClr val="FFFFFF"/>
+                </a:solidFill>
+                <a:uFill>
+                  <a:solidFill>
+                    <a:srgbClr val="FFFFFF"/>
+                  </a:solidFill>
+                </a:uFill>
+                <a:latin typeface="Trebuchet MS"/>
+              </a:rPr>
+              <a:t>tidak</a:t>
+            </a:r>
+            <a:r>
+              <a:rPr lang="en-US" sz="2200" b="0" strike="noStrike" spc="-1" dirty="0">
                 <a:solidFill>
                   <a:srgbClr val="FFFFFF"/>
                 </a:solidFill>
@@ -9968,74 +10273,46 @@
               <a:t> </a:t>
             </a:r>
             <a:r>
-              <a:rPr lang="en-US" sz="2200" spc="-1" dirty="0" err="1">
-                <a:solidFill>
-                  <a:srgbClr val="FFFFFF"/>
-                </a:solidFill>
-                <a:uFill>
-                  <a:solidFill>
-                    <a:srgbClr val="FFFFFF"/>
-                  </a:solidFill>
-                </a:uFill>
-                <a:latin typeface="Trebuchet MS"/>
-              </a:rPr>
-              <a:t>dimasuki</a:t>
-            </a:r>
-            <a:r>
-              <a:rPr lang="en-US" sz="2200" spc="-1" dirty="0">
-                <a:solidFill>
-                  <a:srgbClr val="FFFFFF"/>
-                </a:solidFill>
-                <a:uFill>
-                  <a:solidFill>
-                    <a:srgbClr val="FFFFFF"/>
-                  </a:solidFill>
-                </a:uFill>
-                <a:latin typeface="Trebuchet MS"/>
-              </a:rPr>
-              <a:t> </a:t>
-            </a:r>
-            <a:r>
-              <a:rPr lang="en-US" sz="2200" spc="-1" dirty="0" err="1">
-                <a:solidFill>
-                  <a:srgbClr val="FFFFFF"/>
-                </a:solidFill>
-                <a:uFill>
-                  <a:solidFill>
-                    <a:srgbClr val="FFFFFF"/>
-                  </a:solidFill>
-                </a:uFill>
-                <a:latin typeface="Trebuchet MS"/>
-              </a:rPr>
-              <a:t>seorang</a:t>
-            </a:r>
-            <a:r>
-              <a:rPr lang="en-US" sz="2200" spc="-1" dirty="0">
-                <a:solidFill>
-                  <a:srgbClr val="FFFFFF"/>
-                </a:solidFill>
-                <a:uFill>
-                  <a:solidFill>
-                    <a:srgbClr val="FFFFFF"/>
-                  </a:solidFill>
-                </a:uFill>
-                <a:latin typeface="Trebuchet MS"/>
-              </a:rPr>
-              <a:t> user </a:t>
-            </a:r>
-            <a:r>
-              <a:rPr lang="en-US" sz="2200" spc="-1" dirty="0" err="1">
-                <a:solidFill>
-                  <a:srgbClr val="FFFFFF"/>
-                </a:solidFill>
-                <a:uFill>
-                  <a:solidFill>
-                    <a:srgbClr val="FFFFFF"/>
-                  </a:solidFill>
-                </a:uFill>
-                <a:latin typeface="Trebuchet MS"/>
-              </a:rPr>
-              <a:t>ditampilkan</a:t>
+              <a:rPr lang="en-US" sz="2200" b="0" strike="noStrike" spc="-1" dirty="0" err="1">
+                <a:solidFill>
+                  <a:srgbClr val="FFFFFF"/>
+                </a:solidFill>
+                <a:uFill>
+                  <a:solidFill>
+                    <a:srgbClr val="FFFFFF"/>
+                  </a:solidFill>
+                </a:uFill>
+                <a:latin typeface="Trebuchet MS"/>
+              </a:rPr>
+              <a:t>tersedia</a:t>
+            </a:r>
+            <a:r>
+              <a:rPr lang="en-US" sz="2200" b="0" strike="noStrike" spc="-1" dirty="0">
+                <a:solidFill>
+                  <a:srgbClr val="FFFFFF"/>
+                </a:solidFill>
+                <a:uFill>
+                  <a:solidFill>
+                    <a:srgbClr val="FFFFFF"/>
+                  </a:solidFill>
+                </a:uFill>
+                <a:latin typeface="Trebuchet MS"/>
+              </a:rPr>
+              <a:t>, PASS_GRUP </a:t>
+            </a:r>
+            <a:r>
+              <a:rPr lang="en-US" sz="2200" b="0" strike="noStrike" spc="-1" dirty="0" err="1">
+                <a:solidFill>
+                  <a:srgbClr val="FFFFFF"/>
+                </a:solidFill>
+                <a:uFill>
+                  <a:solidFill>
+                    <a:srgbClr val="FFFFFF"/>
+                  </a:solidFill>
+                </a:uFill>
+                <a:latin typeface="Trebuchet MS"/>
+              </a:rPr>
+              <a:t>salah</a:t>
             </a:r>
             <a:endParaRPr lang="en-US" sz="2200" b="0" strike="noStrike" spc="-1" dirty="0">
               <a:solidFill>
@@ -10046,86 +10323,7 @@
                   <a:srgbClr val="FFFFFF"/>
                 </a:solidFill>
               </a:uFill>
-              <a:latin typeface="Trebuchet MS"/>
-            </a:endParaRPr>
-          </a:p>
-          <a:p>
-            <a:pPr marL="1143000" lvl="2" indent="-228240">
-              <a:lnSpc>
-                <a:spcPct val="100000"/>
-              </a:lnSpc>
-              <a:buClr>
-                <a:srgbClr val="FFFFFF"/>
-              </a:buClr>
-              <a:buFont typeface="Arial"/>
-              <a:buChar char="•"/>
-            </a:pPr>
-            <a:r>
-              <a:rPr lang="en-US" sz="2200" spc="-1" dirty="0">
-                <a:solidFill>
-                  <a:srgbClr val="FFFFFF"/>
-                </a:solidFill>
-                <a:uFill>
-                  <a:solidFill>
-                    <a:srgbClr val="FFFFFF"/>
-                  </a:solidFill>
-                </a:uFill>
-                <a:latin typeface="Trebuchet MS"/>
-              </a:rPr>
-              <a:t>21: Data </a:t>
-            </a:r>
-            <a:r>
-              <a:rPr lang="en-US" sz="2200" spc="-1" dirty="0" err="1">
-                <a:solidFill>
-                  <a:srgbClr val="FFFFFF"/>
-                </a:solidFill>
-                <a:uFill>
-                  <a:solidFill>
-                    <a:srgbClr val="FFFFFF"/>
-                  </a:solidFill>
-                </a:uFill>
-                <a:latin typeface="Trebuchet MS"/>
-              </a:rPr>
-              <a:t>Gagal</a:t>
-            </a:r>
-            <a:r>
-              <a:rPr lang="en-US" sz="2200" spc="-1" dirty="0">
-                <a:solidFill>
-                  <a:srgbClr val="FFFFFF"/>
-                </a:solidFill>
-                <a:uFill>
-                  <a:solidFill>
-                    <a:srgbClr val="FFFFFF"/>
-                  </a:solidFill>
-                </a:uFill>
-                <a:latin typeface="Trebuchet MS"/>
-              </a:rPr>
-              <a:t> </a:t>
-            </a:r>
-            <a:r>
-              <a:rPr lang="en-US" sz="2200" spc="-1" dirty="0" err="1">
-                <a:solidFill>
-                  <a:srgbClr val="FFFFFF"/>
-                </a:solidFill>
-                <a:uFill>
-                  <a:solidFill>
-                    <a:srgbClr val="FFFFFF"/>
-                  </a:solidFill>
-                </a:uFill>
-                <a:latin typeface="Trebuchet MS"/>
-              </a:rPr>
-              <a:t>Diterima</a:t>
-            </a:r>
-            <a:endParaRPr lang="en-US" sz="2200" b="0" strike="noStrike" spc="-1" dirty="0">
-              <a:solidFill>
-                <a:srgbClr val="FFFFFF"/>
-              </a:solidFill>
-              <a:uFill>
-                <a:solidFill>
-                  <a:srgbClr val="FFFFFF"/>
-                </a:solidFill>
-              </a:uFill>
-              <a:latin typeface="Trebuchet MS"/>
+              <a:latin typeface="Calibri"/>
             </a:endParaRPr>
           </a:p>
         </p:txBody>
@@ -10166,6 +10364,889 @@
 </file>
 
 <file path=ppt/slides/slide15.xml><?xml version="1.0" encoding="utf-8"?>
+<p:sld xmlns:a="http://schemas.openxmlformats.org/drawingml/2006/main" xmlns:r="http://schemas.openxmlformats.org/officeDocument/2006/relationships" xmlns:p="http://schemas.openxmlformats.org/presentationml/2006/main">
+  <p:cSld>
+    <p:spTree>
+      <p:nvGrpSpPr>
+        <p:cNvPr id="1" name=""/>
+        <p:cNvGrpSpPr/>
+        <p:nvPr/>
+      </p:nvGrpSpPr>
+      <p:grpSpPr>
+        <a:xfrm>
+          <a:off x="0" y="0"/>
+          <a:ext cx="0" cy="0"/>
+          <a:chOff x="0" y="0"/>
+          <a:chExt cx="0" cy="0"/>
+        </a:xfrm>
+      </p:grpSpPr>
+      <p:sp>
+        <p:nvSpPr>
+          <p:cNvPr id="96" name="TextShape 1"/>
+          <p:cNvSpPr txBox="1"/>
+          <p:nvPr/>
+        </p:nvSpPr>
+        <p:spPr>
+          <a:xfrm>
+            <a:off x="838080" y="365040"/>
+            <a:ext cx="10515240" cy="1325160"/>
+          </a:xfrm>
+          <a:prstGeom prst="rect">
+            <a:avLst/>
+          </a:prstGeom>
+          <a:noFill/>
+          <a:ln>
+            <a:noFill/>
+          </a:ln>
+        </p:spPr>
+        <p:txBody>
+          <a:bodyPr anchor="ctr"/>
+          <a:lstStyle/>
+          <a:p>
+            <a:pPr>
+              <a:lnSpc>
+                <a:spcPct val="90000"/>
+              </a:lnSpc>
+            </a:pPr>
+            <a:r>
+              <a:rPr lang="en-US" sz="6000" b="0" strike="noStrike" spc="-1">
+                <a:solidFill>
+                  <a:srgbClr val="FFFFFF"/>
+                </a:solidFill>
+                <a:uFill>
+                  <a:solidFill>
+                    <a:srgbClr val="FFFFFF"/>
+                  </a:solidFill>
+                </a:uFill>
+                <a:latin typeface="Trebuchet MS"/>
+              </a:rPr>
+              <a:t>GRUP(Lanjutan)</a:t>
+            </a:r>
+            <a:endParaRPr lang="en-US" sz="6000" b="0" strike="noStrike" spc="-1">
+              <a:solidFill>
+                <a:srgbClr val="FFFFFF"/>
+              </a:solidFill>
+              <a:uFill>
+                <a:solidFill>
+                  <a:srgbClr val="FFFFFF"/>
+                </a:solidFill>
+              </a:uFill>
+              <a:latin typeface="Calibri"/>
+            </a:endParaRPr>
+          </a:p>
+        </p:txBody>
+      </p:sp>
+      <p:sp>
+        <p:nvSpPr>
+          <p:cNvPr id="97" name="TextShape 2"/>
+          <p:cNvSpPr txBox="1"/>
+          <p:nvPr/>
+        </p:nvSpPr>
+        <p:spPr>
+          <a:xfrm>
+            <a:off x="0" y="1828800"/>
+            <a:ext cx="12192000" cy="5029200"/>
+          </a:xfrm>
+          <a:prstGeom prst="rect">
+            <a:avLst/>
+          </a:prstGeom>
+          <a:noFill/>
+          <a:ln>
+            <a:noFill/>
+          </a:ln>
+        </p:spPr>
+        <p:txBody>
+          <a:bodyPr/>
+          <a:lstStyle/>
+          <a:p>
+            <a:pPr marL="228600" indent="-228240">
+              <a:lnSpc>
+                <a:spcPct val="90000"/>
+              </a:lnSpc>
+              <a:buClr>
+                <a:srgbClr val="FFFFFF"/>
+              </a:buClr>
+              <a:buFont typeface="Arial"/>
+              <a:buChar char="•"/>
+            </a:pPr>
+            <a:r>
+              <a:rPr lang="en-US" sz="3000" b="0" strike="noStrike" spc="-1" dirty="0">
+                <a:solidFill>
+                  <a:srgbClr val="00B0F0"/>
+                </a:solidFill>
+                <a:uFill>
+                  <a:solidFill>
+                    <a:srgbClr val="FFFFFF"/>
+                  </a:solidFill>
+                </a:uFill>
+                <a:latin typeface="Trebuchet MS"/>
+              </a:rPr>
+              <a:t>PRINT GRUP SEKARANG</a:t>
+            </a:r>
+          </a:p>
+          <a:p>
+            <a:pPr marL="685800" lvl="1" indent="-228240">
+              <a:lnSpc>
+                <a:spcPct val="100000"/>
+              </a:lnSpc>
+              <a:buClr>
+                <a:srgbClr val="FFFFFF"/>
+              </a:buClr>
+              <a:buFont typeface="Arial"/>
+              <a:buChar char="•"/>
+            </a:pPr>
+            <a:r>
+              <a:rPr lang="en-US" sz="2200" b="0" strike="noStrike" spc="-1" dirty="0">
+                <a:solidFill>
+                  <a:srgbClr val="FFFFFF"/>
+                </a:solidFill>
+                <a:uFill>
+                  <a:solidFill>
+                    <a:srgbClr val="FFFFFF"/>
+                  </a:solidFill>
+                </a:uFill>
+                <a:latin typeface="Trebuchet MS"/>
+              </a:rPr>
+              <a:t>DESKRIPSI:</a:t>
+            </a:r>
+          </a:p>
+          <a:p>
+            <a:pPr marL="457560" lvl="1">
+              <a:lnSpc>
+                <a:spcPct val="100000"/>
+              </a:lnSpc>
+              <a:buClr>
+                <a:srgbClr val="FFFFFF"/>
+              </a:buClr>
+            </a:pPr>
+            <a:r>
+              <a:rPr lang="en-US" sz="2200" spc="-1" dirty="0">
+                <a:solidFill>
+                  <a:srgbClr val="FFFFFF"/>
+                </a:solidFill>
+                <a:uFill>
+                  <a:solidFill>
+                    <a:srgbClr val="FFFFFF"/>
+                  </a:solidFill>
+                </a:uFill>
+                <a:latin typeface="Trebuchet MS"/>
+              </a:rPr>
+              <a:t>	User </a:t>
+            </a:r>
+            <a:r>
+              <a:rPr lang="en-US" sz="2200" spc="-1" dirty="0" err="1">
+                <a:solidFill>
+                  <a:srgbClr val="FFFFFF"/>
+                </a:solidFill>
+                <a:uFill>
+                  <a:solidFill>
+                    <a:srgbClr val="FFFFFF"/>
+                  </a:solidFill>
+                </a:uFill>
+                <a:latin typeface="Trebuchet MS"/>
+              </a:rPr>
+              <a:t>dapat</a:t>
+            </a:r>
+            <a:r>
+              <a:rPr lang="en-US" sz="2200" spc="-1" dirty="0">
+                <a:solidFill>
+                  <a:srgbClr val="FFFFFF"/>
+                </a:solidFill>
+                <a:uFill>
+                  <a:solidFill>
+                    <a:srgbClr val="FFFFFF"/>
+                  </a:solidFill>
+                </a:uFill>
+                <a:latin typeface="Trebuchet MS"/>
+              </a:rPr>
+              <a:t> </a:t>
+            </a:r>
+            <a:r>
+              <a:rPr lang="en-US" sz="2200" spc="-1" dirty="0" err="1">
+                <a:solidFill>
+                  <a:srgbClr val="FFFFFF"/>
+                </a:solidFill>
+                <a:uFill>
+                  <a:solidFill>
+                    <a:srgbClr val="FFFFFF"/>
+                  </a:solidFill>
+                </a:uFill>
+                <a:latin typeface="Trebuchet MS"/>
+              </a:rPr>
+              <a:t>menampilkan</a:t>
+            </a:r>
+            <a:r>
+              <a:rPr lang="en-US" sz="2200" spc="-1" dirty="0">
+                <a:solidFill>
+                  <a:srgbClr val="FFFFFF"/>
+                </a:solidFill>
+                <a:uFill>
+                  <a:solidFill>
+                    <a:srgbClr val="FFFFFF"/>
+                  </a:solidFill>
+                </a:uFill>
+                <a:latin typeface="Trebuchet MS"/>
+              </a:rPr>
+              <a:t> </a:t>
+            </a:r>
+            <a:r>
+              <a:rPr lang="en-US" sz="2200" spc="-1" dirty="0" err="1">
+                <a:solidFill>
+                  <a:srgbClr val="FFFFFF"/>
+                </a:solidFill>
+                <a:uFill>
+                  <a:solidFill>
+                    <a:srgbClr val="FFFFFF"/>
+                  </a:solidFill>
+                </a:uFill>
+                <a:latin typeface="Trebuchet MS"/>
+              </a:rPr>
+              <a:t>grup</a:t>
+            </a:r>
+            <a:r>
+              <a:rPr lang="en-US" sz="2200" spc="-1" dirty="0">
+                <a:solidFill>
+                  <a:srgbClr val="FFFFFF"/>
+                </a:solidFill>
+                <a:uFill>
+                  <a:solidFill>
+                    <a:srgbClr val="FFFFFF"/>
+                  </a:solidFill>
+                </a:uFill>
+                <a:latin typeface="Trebuchet MS"/>
+              </a:rPr>
+              <a:t> yang </a:t>
+            </a:r>
+            <a:r>
+              <a:rPr lang="en-US" sz="2200" spc="-1" dirty="0" err="1">
+                <a:solidFill>
+                  <a:srgbClr val="FFFFFF"/>
+                </a:solidFill>
+                <a:uFill>
+                  <a:solidFill>
+                    <a:srgbClr val="FFFFFF"/>
+                  </a:solidFill>
+                </a:uFill>
+                <a:latin typeface="Trebuchet MS"/>
+              </a:rPr>
+              <a:t>sedang</a:t>
+            </a:r>
+            <a:r>
+              <a:rPr lang="en-US" sz="2200" spc="-1" dirty="0">
+                <a:solidFill>
+                  <a:srgbClr val="FFFFFF"/>
+                </a:solidFill>
+                <a:uFill>
+                  <a:solidFill>
+                    <a:srgbClr val="FFFFFF"/>
+                  </a:solidFill>
+                </a:uFill>
+                <a:latin typeface="Trebuchet MS"/>
+              </a:rPr>
+              <a:t> user </a:t>
+            </a:r>
+            <a:r>
+              <a:rPr lang="en-US" sz="2200" spc="-1" dirty="0" err="1">
+                <a:solidFill>
+                  <a:srgbClr val="FFFFFF"/>
+                </a:solidFill>
+                <a:uFill>
+                  <a:solidFill>
+                    <a:srgbClr val="FFFFFF"/>
+                  </a:solidFill>
+                </a:uFill>
+                <a:latin typeface="Trebuchet MS"/>
+              </a:rPr>
+              <a:t>masuki</a:t>
+            </a:r>
+            <a:r>
+              <a:rPr lang="en-US" sz="2200" spc="-1" dirty="0">
+                <a:solidFill>
+                  <a:srgbClr val="FFFFFF"/>
+                </a:solidFill>
+                <a:uFill>
+                  <a:solidFill>
+                    <a:srgbClr val="FFFFFF"/>
+                  </a:solidFill>
+                </a:uFill>
+                <a:latin typeface="Trebuchet MS"/>
+              </a:rPr>
+              <a:t>.</a:t>
+            </a:r>
+            <a:endParaRPr lang="en-US" sz="2200" b="0" strike="noStrike" spc="-1" dirty="0">
+              <a:solidFill>
+                <a:srgbClr val="FFFFFF"/>
+              </a:solidFill>
+              <a:uFill>
+                <a:solidFill>
+                  <a:srgbClr val="FFFFFF"/>
+                </a:solidFill>
+              </a:uFill>
+              <a:latin typeface="Trebuchet MS"/>
+            </a:endParaRPr>
+          </a:p>
+          <a:p>
+            <a:pPr marL="685800" lvl="1" indent="-228240">
+              <a:lnSpc>
+                <a:spcPct val="100000"/>
+              </a:lnSpc>
+              <a:buClr>
+                <a:srgbClr val="FFFFFF"/>
+              </a:buClr>
+              <a:buFont typeface="Arial"/>
+              <a:buChar char="•"/>
+            </a:pPr>
+            <a:r>
+              <a:rPr lang="en-US" sz="2200" b="0" strike="noStrike" spc="-1" dirty="0">
+                <a:solidFill>
+                  <a:srgbClr val="FFFFFF"/>
+                </a:solidFill>
+                <a:uFill>
+                  <a:solidFill>
+                    <a:srgbClr val="FFFFFF"/>
+                  </a:solidFill>
+                </a:uFill>
+                <a:latin typeface="Trebuchet MS"/>
+              </a:rPr>
+              <a:t>FORMAT MESSAGE:</a:t>
+            </a:r>
+            <a:endParaRPr lang="en-US" sz="2200" b="0" strike="noStrike" spc="-1" dirty="0">
+              <a:solidFill>
+                <a:srgbClr val="FFFFFF"/>
+              </a:solidFill>
+              <a:uFill>
+                <a:solidFill>
+                  <a:srgbClr val="FFFFFF"/>
+                </a:solidFill>
+              </a:uFill>
+              <a:latin typeface="Calibri"/>
+            </a:endParaRPr>
+          </a:p>
+          <a:p>
+            <a:pPr marL="1143000" lvl="2" indent="-228240">
+              <a:lnSpc>
+                <a:spcPct val="100000"/>
+              </a:lnSpc>
+              <a:buClr>
+                <a:srgbClr val="FFFFFF"/>
+              </a:buClr>
+              <a:buFont typeface="Arial"/>
+              <a:buChar char="•"/>
+            </a:pPr>
+            <a:r>
+              <a:rPr lang="en-US" sz="2200" b="0" strike="noStrike" spc="-1" dirty="0">
+                <a:solidFill>
+                  <a:srgbClr val="FFFF00"/>
+                </a:solidFill>
+                <a:uFill>
+                  <a:solidFill>
+                    <a:srgbClr val="FFFFFF"/>
+                  </a:solidFill>
+                </a:uFill>
+                <a:latin typeface="Trebuchet MS"/>
+              </a:rPr>
+              <a:t>PGS</a:t>
+            </a:r>
+            <a:endParaRPr lang="en-US" sz="2200" b="0" strike="noStrike" spc="-1" dirty="0">
+              <a:solidFill>
+                <a:srgbClr val="FFFF00"/>
+              </a:solidFill>
+              <a:uFill>
+                <a:solidFill>
+                  <a:srgbClr val="FFFFFF"/>
+                </a:solidFill>
+              </a:uFill>
+              <a:latin typeface="Calibri"/>
+            </a:endParaRPr>
+          </a:p>
+          <a:p>
+            <a:pPr marL="685800" lvl="1" indent="-228240">
+              <a:lnSpc>
+                <a:spcPct val="100000"/>
+              </a:lnSpc>
+              <a:buClr>
+                <a:srgbClr val="FFFFFF"/>
+              </a:buClr>
+              <a:buFont typeface="Arial"/>
+              <a:buChar char="•"/>
+            </a:pPr>
+            <a:r>
+              <a:rPr lang="en-US" sz="2200" b="0" strike="noStrike" spc="-1" dirty="0">
+                <a:solidFill>
+                  <a:srgbClr val="FFFFFF"/>
+                </a:solidFill>
+                <a:uFill>
+                  <a:solidFill>
+                    <a:srgbClr val="FFFFFF"/>
+                  </a:solidFill>
+                </a:uFill>
+                <a:latin typeface="Trebuchet MS"/>
+              </a:rPr>
+              <a:t>PARAMETER:-</a:t>
+            </a:r>
+            <a:endParaRPr lang="en-US" sz="2200" b="0" strike="noStrike" spc="-1" dirty="0">
+              <a:solidFill>
+                <a:srgbClr val="FFFFFF"/>
+              </a:solidFill>
+              <a:uFill>
+                <a:solidFill>
+                  <a:srgbClr val="FFFFFF"/>
+                </a:solidFill>
+              </a:uFill>
+              <a:latin typeface="Calibri"/>
+            </a:endParaRPr>
+          </a:p>
+          <a:p>
+            <a:pPr marL="685800" lvl="1" indent="-228240">
+              <a:lnSpc>
+                <a:spcPct val="100000"/>
+              </a:lnSpc>
+              <a:buClr>
+                <a:srgbClr val="FFFFFF"/>
+              </a:buClr>
+              <a:buFont typeface="Arial"/>
+              <a:buChar char="•"/>
+            </a:pPr>
+            <a:r>
+              <a:rPr lang="en-US" sz="2200" b="0" strike="noStrike" spc="-1" dirty="0">
+                <a:solidFill>
+                  <a:srgbClr val="FFFFFF"/>
+                </a:solidFill>
+                <a:uFill>
+                  <a:solidFill>
+                    <a:srgbClr val="FFFFFF"/>
+                  </a:solidFill>
+                </a:uFill>
+                <a:latin typeface="Trebuchet MS"/>
+              </a:rPr>
+              <a:t>RETURN&gt;</a:t>
+            </a:r>
+            <a:endParaRPr lang="en-US" sz="2200" b="0" strike="noStrike" spc="-1" dirty="0">
+              <a:solidFill>
+                <a:srgbClr val="FFFFFF"/>
+              </a:solidFill>
+              <a:uFill>
+                <a:solidFill>
+                  <a:srgbClr val="FFFFFF"/>
+                </a:solidFill>
+              </a:uFill>
+              <a:latin typeface="Calibri"/>
+            </a:endParaRPr>
+          </a:p>
+          <a:p>
+            <a:pPr marL="1143000" lvl="2" indent="-228240">
+              <a:lnSpc>
+                <a:spcPct val="100000"/>
+              </a:lnSpc>
+              <a:buClr>
+                <a:srgbClr val="FFFFFF"/>
+              </a:buClr>
+              <a:buFont typeface="Arial"/>
+              <a:buChar char="•"/>
+            </a:pPr>
+            <a:r>
+              <a:rPr lang="en-US" sz="2200" b="0" strike="noStrike" spc="-1" dirty="0">
+                <a:solidFill>
+                  <a:srgbClr val="FFFFFF"/>
+                </a:solidFill>
+                <a:uFill>
+                  <a:solidFill>
+                    <a:srgbClr val="FFFFFF"/>
+                  </a:solidFill>
+                </a:uFill>
+                <a:latin typeface="Trebuchet MS"/>
+              </a:rPr>
+              <a:t>20: Data </a:t>
+            </a:r>
+            <a:r>
+              <a:rPr lang="en-US" sz="2200" b="0" strike="noStrike" spc="-1" dirty="0" err="1">
+                <a:solidFill>
+                  <a:srgbClr val="FFFFFF"/>
+                </a:solidFill>
+                <a:uFill>
+                  <a:solidFill>
+                    <a:srgbClr val="FFFFFF"/>
+                  </a:solidFill>
+                </a:uFill>
+                <a:latin typeface="Trebuchet MS"/>
+              </a:rPr>
+              <a:t>Berhasil</a:t>
+            </a:r>
+            <a:r>
+              <a:rPr lang="en-US" sz="2200" b="0" strike="noStrike" spc="-1" dirty="0">
+                <a:solidFill>
+                  <a:srgbClr val="FFFFFF"/>
+                </a:solidFill>
+                <a:uFill>
+                  <a:solidFill>
+                    <a:srgbClr val="FFFFFF"/>
+                  </a:solidFill>
+                </a:uFill>
+                <a:latin typeface="Trebuchet MS"/>
+              </a:rPr>
+              <a:t> </a:t>
+            </a:r>
+            <a:r>
+              <a:rPr lang="en-US" sz="2200" b="0" strike="noStrike" spc="-1" dirty="0" err="1">
+                <a:solidFill>
+                  <a:srgbClr val="FFFFFF"/>
+                </a:solidFill>
+                <a:uFill>
+                  <a:solidFill>
+                    <a:srgbClr val="FFFFFF"/>
+                  </a:solidFill>
+                </a:uFill>
+                <a:latin typeface="Trebuchet MS"/>
+              </a:rPr>
+              <a:t>Diterima</a:t>
+            </a:r>
+            <a:endParaRPr lang="en-US" sz="2200" b="0" strike="noStrike" spc="-1" dirty="0">
+              <a:solidFill>
+                <a:srgbClr val="FFFFFF"/>
+              </a:solidFill>
+              <a:uFill>
+                <a:solidFill>
+                  <a:srgbClr val="FFFFFF"/>
+                </a:solidFill>
+              </a:uFill>
+              <a:latin typeface="Trebuchet MS"/>
+            </a:endParaRPr>
+          </a:p>
+          <a:p>
+            <a:pPr marL="914760" lvl="2">
+              <a:lnSpc>
+                <a:spcPct val="100000"/>
+              </a:lnSpc>
+              <a:buClr>
+                <a:srgbClr val="FFFFFF"/>
+              </a:buClr>
+            </a:pPr>
+            <a:r>
+              <a:rPr lang="en-US" sz="2200" spc="-1" dirty="0">
+                <a:solidFill>
+                  <a:srgbClr val="FFFFFF"/>
+                </a:solidFill>
+                <a:uFill>
+                  <a:solidFill>
+                    <a:srgbClr val="FFFFFF"/>
+                  </a:solidFill>
+                </a:uFill>
+                <a:latin typeface="Trebuchet MS"/>
+                <a:sym typeface="Wingdings" panose="05000000000000000000" pitchFamily="2" charset="2"/>
+              </a:rPr>
+              <a:t> </a:t>
+            </a:r>
+            <a:r>
+              <a:rPr lang="en-US" sz="2200" spc="-1" dirty="0" err="1">
+                <a:solidFill>
+                  <a:srgbClr val="FFFFFF"/>
+                </a:solidFill>
+                <a:uFill>
+                  <a:solidFill>
+                    <a:srgbClr val="FFFFFF"/>
+                  </a:solidFill>
+                </a:uFill>
+                <a:latin typeface="Trebuchet MS"/>
+              </a:rPr>
+              <a:t>Sukses</a:t>
+            </a:r>
+            <a:r>
+              <a:rPr lang="en-US" sz="2200" spc="-1" dirty="0">
+                <a:solidFill>
+                  <a:srgbClr val="FFFFFF"/>
+                </a:solidFill>
+                <a:uFill>
+                  <a:solidFill>
+                    <a:srgbClr val="FFFFFF"/>
+                  </a:solidFill>
+                </a:uFill>
+                <a:latin typeface="Trebuchet MS"/>
+              </a:rPr>
+              <a:t> &gt; </a:t>
+            </a:r>
+            <a:r>
+              <a:rPr lang="en-US" sz="2200" spc="-1" dirty="0" err="1">
+                <a:solidFill>
+                  <a:srgbClr val="FFFFFF"/>
+                </a:solidFill>
+                <a:uFill>
+                  <a:solidFill>
+                    <a:srgbClr val="FFFFFF"/>
+                  </a:solidFill>
+                </a:uFill>
+                <a:latin typeface="Trebuchet MS"/>
+              </a:rPr>
+              <a:t>nama</a:t>
+            </a:r>
+            <a:r>
+              <a:rPr lang="en-US" sz="2200" spc="-1" dirty="0">
+                <a:solidFill>
+                  <a:srgbClr val="FFFFFF"/>
+                </a:solidFill>
+                <a:uFill>
+                  <a:solidFill>
+                    <a:srgbClr val="FFFFFF"/>
+                  </a:solidFill>
+                </a:uFill>
+                <a:latin typeface="Trebuchet MS"/>
+              </a:rPr>
+              <a:t> </a:t>
+            </a:r>
+            <a:r>
+              <a:rPr lang="en-US" sz="2200" spc="-1" dirty="0" err="1">
+                <a:solidFill>
+                  <a:srgbClr val="FFFFFF"/>
+                </a:solidFill>
+                <a:uFill>
+                  <a:solidFill>
+                    <a:srgbClr val="FFFFFF"/>
+                  </a:solidFill>
+                </a:uFill>
+                <a:latin typeface="Trebuchet MS"/>
+              </a:rPr>
+              <a:t>grup</a:t>
+            </a:r>
+            <a:r>
+              <a:rPr lang="en-US" sz="2200" spc="-1" dirty="0">
+                <a:solidFill>
+                  <a:srgbClr val="FFFFFF"/>
+                </a:solidFill>
+                <a:uFill>
+                  <a:solidFill>
+                    <a:srgbClr val="FFFFFF"/>
+                  </a:solidFill>
+                </a:uFill>
+                <a:latin typeface="Trebuchet MS"/>
+              </a:rPr>
+              <a:t> yang </a:t>
+            </a:r>
+            <a:r>
+              <a:rPr lang="en-US" sz="2200" spc="-1" dirty="0" err="1">
+                <a:solidFill>
+                  <a:srgbClr val="FFFFFF"/>
+                </a:solidFill>
+                <a:uFill>
+                  <a:solidFill>
+                    <a:srgbClr val="FFFFFF"/>
+                  </a:solidFill>
+                </a:uFill>
+                <a:latin typeface="Trebuchet MS"/>
+              </a:rPr>
+              <a:t>sedang</a:t>
+            </a:r>
+            <a:r>
+              <a:rPr lang="en-US" sz="2200" spc="-1" dirty="0">
+                <a:solidFill>
+                  <a:srgbClr val="FFFFFF"/>
+                </a:solidFill>
+                <a:uFill>
+                  <a:solidFill>
+                    <a:srgbClr val="FFFFFF"/>
+                  </a:solidFill>
+                </a:uFill>
+                <a:latin typeface="Trebuchet MS"/>
+              </a:rPr>
+              <a:t> </a:t>
+            </a:r>
+            <a:r>
+              <a:rPr lang="en-US" sz="2200" spc="-1" dirty="0" err="1">
+                <a:solidFill>
+                  <a:srgbClr val="FFFFFF"/>
+                </a:solidFill>
+                <a:uFill>
+                  <a:solidFill>
+                    <a:srgbClr val="FFFFFF"/>
+                  </a:solidFill>
+                </a:uFill>
+                <a:latin typeface="Trebuchet MS"/>
+              </a:rPr>
+              <a:t>dimasuki</a:t>
+            </a:r>
+            <a:r>
+              <a:rPr lang="en-US" sz="2200" spc="-1" dirty="0">
+                <a:solidFill>
+                  <a:srgbClr val="FFFFFF"/>
+                </a:solidFill>
+                <a:uFill>
+                  <a:solidFill>
+                    <a:srgbClr val="FFFFFF"/>
+                  </a:solidFill>
+                </a:uFill>
+                <a:latin typeface="Trebuchet MS"/>
+              </a:rPr>
+              <a:t> </a:t>
+            </a:r>
+            <a:r>
+              <a:rPr lang="en-US" sz="2200" spc="-1" dirty="0" err="1">
+                <a:solidFill>
+                  <a:srgbClr val="FFFFFF"/>
+                </a:solidFill>
+                <a:uFill>
+                  <a:solidFill>
+                    <a:srgbClr val="FFFFFF"/>
+                  </a:solidFill>
+                </a:uFill>
+                <a:latin typeface="Trebuchet MS"/>
+              </a:rPr>
+              <a:t>seorang</a:t>
+            </a:r>
+            <a:r>
+              <a:rPr lang="en-US" sz="2200" spc="-1" dirty="0">
+                <a:solidFill>
+                  <a:srgbClr val="FFFFFF"/>
+                </a:solidFill>
+                <a:uFill>
+                  <a:solidFill>
+                    <a:srgbClr val="FFFFFF"/>
+                  </a:solidFill>
+                </a:uFill>
+                <a:latin typeface="Trebuchet MS"/>
+              </a:rPr>
+              <a:t> user </a:t>
+            </a:r>
+            <a:r>
+              <a:rPr lang="en-US" sz="2200" spc="-1" dirty="0" err="1">
+                <a:solidFill>
+                  <a:srgbClr val="FFFFFF"/>
+                </a:solidFill>
+                <a:uFill>
+                  <a:solidFill>
+                    <a:srgbClr val="FFFFFF"/>
+                  </a:solidFill>
+                </a:uFill>
+                <a:latin typeface="Trebuchet MS"/>
+              </a:rPr>
+              <a:t>ditampilkan</a:t>
+            </a:r>
+            <a:endParaRPr lang="en-US" sz="2200" b="0" strike="noStrike" spc="-1" dirty="0">
+              <a:solidFill>
+                <a:srgbClr val="FFFFFF"/>
+              </a:solidFill>
+              <a:uFill>
+                <a:solidFill>
+                  <a:srgbClr val="FFFFFF"/>
+                </a:solidFill>
+              </a:uFill>
+              <a:latin typeface="Trebuchet MS"/>
+            </a:endParaRPr>
+          </a:p>
+          <a:p>
+            <a:pPr marL="1143000" lvl="2" indent="-228240">
+              <a:lnSpc>
+                <a:spcPct val="100000"/>
+              </a:lnSpc>
+              <a:buClr>
+                <a:srgbClr val="FFFFFF"/>
+              </a:buClr>
+              <a:buFont typeface="Arial"/>
+              <a:buChar char="•"/>
+            </a:pPr>
+            <a:r>
+              <a:rPr lang="en-US" sz="2200" spc="-1" dirty="0">
+                <a:solidFill>
+                  <a:srgbClr val="FFFFFF"/>
+                </a:solidFill>
+                <a:uFill>
+                  <a:solidFill>
+                    <a:srgbClr val="FFFFFF"/>
+                  </a:solidFill>
+                </a:uFill>
+                <a:latin typeface="Trebuchet MS"/>
+              </a:rPr>
+              <a:t>21: Data </a:t>
+            </a:r>
+            <a:r>
+              <a:rPr lang="en-US" sz="2200" spc="-1" dirty="0" err="1">
+                <a:solidFill>
+                  <a:srgbClr val="FFFFFF"/>
+                </a:solidFill>
+                <a:uFill>
+                  <a:solidFill>
+                    <a:srgbClr val="FFFFFF"/>
+                  </a:solidFill>
+                </a:uFill>
+                <a:latin typeface="Trebuchet MS"/>
+              </a:rPr>
+              <a:t>Gagal</a:t>
+            </a:r>
+            <a:r>
+              <a:rPr lang="en-US" sz="2200" spc="-1" dirty="0">
+                <a:solidFill>
+                  <a:srgbClr val="FFFFFF"/>
+                </a:solidFill>
+                <a:uFill>
+                  <a:solidFill>
+                    <a:srgbClr val="FFFFFF"/>
+                  </a:solidFill>
+                </a:uFill>
+                <a:latin typeface="Trebuchet MS"/>
+              </a:rPr>
+              <a:t> </a:t>
+            </a:r>
+            <a:r>
+              <a:rPr lang="en-US" sz="2200" spc="-1" dirty="0" err="1">
+                <a:solidFill>
+                  <a:srgbClr val="FFFFFF"/>
+                </a:solidFill>
+                <a:uFill>
+                  <a:solidFill>
+                    <a:srgbClr val="FFFFFF"/>
+                  </a:solidFill>
+                </a:uFill>
+                <a:latin typeface="Trebuchet MS"/>
+              </a:rPr>
+              <a:t>Diterima</a:t>
+            </a:r>
+            <a:endParaRPr lang="en-US" sz="2200" b="0" strike="noStrike" spc="-1" dirty="0">
+              <a:solidFill>
+                <a:srgbClr val="FFFFFF"/>
+              </a:solidFill>
+              <a:uFill>
+                <a:solidFill>
+                  <a:srgbClr val="FFFFFF"/>
+                </a:solidFill>
+              </a:uFill>
+              <a:latin typeface="Trebuchet MS"/>
+            </a:endParaRPr>
+          </a:p>
+        </p:txBody>
+      </p:sp>
+    </p:spTree>
+  </p:cSld>
+  <p:clrMapOvr>
+    <a:masterClrMapping/>
+  </p:clrMapOvr>
+  <p:timing>
+    <p:tnLst>
+      <p:par>
+        <p:cTn id="1" dur="indefinite" restart="never" nodeType="tmRoot">
+          <p:childTnLst>
+            <p:seq>
+              <p:cTn id="2" nodeType="mainSeq"/>
+              <p:prevCondLst>
+                <p:cond evt="onPrev" delay="0">
+                  <p:tgtEl>
+                    <p:sldTgt/>
+                  </p:tgtEl>
+                </p:cond>
+              </p:prevCondLst>
+              <p:nextCondLst>
+                <p:cond evt="onNext" delay="0">
+                  <p:tgtEl>
+                    <p:sldTgt/>
+                  </p:tgtEl>
+                </p:cond>
+              </p:nextCondLst>
+            </p:seq>
+          </p:childTnLst>
+        </p:cTn>
+      </p:par>
+    </p:tnLst>
+  </p:timing>
+</p:sld>
+</file>
+
+<file path=ppt/slides/slide16.xml><?xml version="1.0" encoding="utf-8"?>
 <p:sld xmlns:a="http://schemas.openxmlformats.org/drawingml/2006/main" xmlns:r="http://schemas.openxmlformats.org/officeDocument/2006/relationships" xmlns:p="http://schemas.openxmlformats.org/presentationml/2006/main">
   <p:cSld>
     <p:spTree>
@@ -16220,7 +17301,12 @@
             <p:ph type="subTitle"/>
           </p:nvPr>
         </p:nvSpPr>
-        <p:spPr/>
+        <p:spPr>
+          <a:xfrm>
+            <a:off x="231591" y="2436436"/>
+            <a:ext cx="10515240" cy="1325160"/>
+          </a:xfrm>
+        </p:spPr>
         <p:txBody>
           <a:bodyPr/>
           <a:lstStyle/>
@@ -16819,87 +17905,81 @@
       </p:grpSpPr>
       <p:sp>
         <p:nvSpPr>
-          <p:cNvPr id="88" name="TextShape 1"/>
-          <p:cNvSpPr txBox="1"/>
-          <p:nvPr/>
+          <p:cNvPr id="2" name="Title 1"/>
+          <p:cNvSpPr>
+            <a:spLocks noGrp="1"/>
+          </p:cNvSpPr>
+          <p:nvPr>
+            <p:ph type="title"/>
+          </p:nvPr>
         </p:nvSpPr>
-        <p:spPr>
-          <a:xfrm>
-            <a:off x="838080" y="365040"/>
-            <a:ext cx="10515240" cy="1325160"/>
-          </a:xfrm>
-          <a:prstGeom prst="rect">
-            <a:avLst/>
-          </a:prstGeom>
-          <a:noFill/>
-          <a:ln>
-            <a:noFill/>
-          </a:ln>
-        </p:spPr>
+        <p:spPr/>
         <p:txBody>
-          <a:bodyPr anchor="ctr"/>
+          <a:bodyPr/>
           <a:lstStyle/>
           <a:p>
-            <a:pPr>
-              <a:lnSpc>
-                <a:spcPct val="90000"/>
-              </a:lnSpc>
-            </a:pPr>
-            <a:r>
-              <a:rPr lang="en-US" sz="6000" b="0" strike="noStrike" spc="-1" dirty="0">
-                <a:solidFill>
-                  <a:srgbClr val="FFFFFF"/>
-                </a:solidFill>
-                <a:uFill>
-                  <a:solidFill>
-                    <a:srgbClr val="FFFFFF"/>
-                  </a:solidFill>
-                </a:uFill>
-                <a:latin typeface="Trebuchet MS"/>
-              </a:rPr>
-              <a:t>GRUP</a:t>
-            </a:r>
-            <a:endParaRPr lang="en-US" sz="2800" b="0" strike="noStrike" spc="-1" dirty="0">
-              <a:solidFill>
-                <a:srgbClr val="FFFFFF"/>
-              </a:solidFill>
-              <a:uFill>
-                <a:solidFill>
-                  <a:srgbClr val="FFFFFF"/>
-                </a:solidFill>
-              </a:uFill>
-              <a:latin typeface="Calibri"/>
-            </a:endParaRPr>
+            <a:r>
+              <a:rPr lang="en-US" spc="-1" dirty="0">
+                <a:solidFill>
+                  <a:srgbClr val="FFFFFF"/>
+                </a:solidFill>
+                <a:uFill>
+                  <a:solidFill>
+                    <a:srgbClr val="FFFFFF"/>
+                  </a:solidFill>
+                </a:uFill>
+                <a:latin typeface="Trebuchet MS"/>
+              </a:rPr>
+              <a:t>PESAN(</a:t>
+            </a:r>
+            <a:r>
+              <a:rPr lang="en-US" spc="-1" dirty="0" err="1">
+                <a:solidFill>
+                  <a:srgbClr val="FFFFFF"/>
+                </a:solidFill>
+                <a:uFill>
+                  <a:solidFill>
+                    <a:srgbClr val="FFFFFF"/>
+                  </a:solidFill>
+                </a:uFill>
+                <a:latin typeface="Trebuchet MS"/>
+              </a:rPr>
+              <a:t>Lanjutan</a:t>
+            </a:r>
+            <a:r>
+              <a:rPr lang="en-US" spc="-1" dirty="0">
+                <a:solidFill>
+                  <a:srgbClr val="FFFFFF"/>
+                </a:solidFill>
+                <a:uFill>
+                  <a:solidFill>
+                    <a:srgbClr val="FFFFFF"/>
+                  </a:solidFill>
+                </a:uFill>
+                <a:latin typeface="Trebuchet MS"/>
+              </a:rPr>
+              <a:t>)</a:t>
+            </a:r>
+            <a:endParaRPr lang="en-US" dirty="0"/>
           </a:p>
         </p:txBody>
       </p:sp>
       <p:sp>
         <p:nvSpPr>
-          <p:cNvPr id="89" name="TextShape 2"/>
-          <p:cNvSpPr txBox="1"/>
-          <p:nvPr/>
+          <p:cNvPr id="3" name="Subtitle 2"/>
+          <p:cNvSpPr>
+            <a:spLocks noGrp="1"/>
+          </p:cNvSpPr>
+          <p:nvPr>
+            <p:ph type="subTitle"/>
+          </p:nvPr>
         </p:nvSpPr>
-        <p:spPr>
-          <a:xfrm>
-            <a:off x="-1" y="1828800"/>
-            <a:ext cx="12312869" cy="5029200"/>
-          </a:xfrm>
-          <a:prstGeom prst="rect">
-            <a:avLst/>
-          </a:prstGeom>
-          <a:noFill/>
-          <a:ln>
-            <a:noFill/>
-          </a:ln>
-        </p:spPr>
+        <p:spPr/>
         <p:txBody>
           <a:bodyPr/>
           <a:lstStyle/>
           <a:p>
-            <a:pPr marL="228600" indent="-228240">
-              <a:lnSpc>
-                <a:spcPct val="90000"/>
-              </a:lnSpc>
+            <a:pPr indent="-228240">
               <a:buClr>
                 <a:srgbClr val="FFFFFF"/>
               </a:buClr>
@@ -16907,7 +17987,7 @@
               <a:buChar char="•"/>
             </a:pPr>
             <a:r>
-              <a:rPr lang="en-US" sz="3000" b="0" strike="noStrike" spc="-1" dirty="0">
+              <a:rPr lang="en-US" sz="3000" spc="-1" dirty="0">
                 <a:solidFill>
                   <a:srgbClr val="00B0F0"/>
                 </a:solidFill>
@@ -16918,25 +17998,86 @@
                 </a:uFill>
                 <a:latin typeface="Trebuchet MS"/>
               </a:rPr>
-              <a:t>BUAT GRUP</a:t>
-            </a:r>
-            <a:endParaRPr lang="en-US" sz="3000" b="0" strike="noStrike" spc="-1" dirty="0">
-              <a:solidFill>
-                <a:srgbClr val="00B0F0"/>
-              </a:solidFill>
-              <a:uFill>
-                <a:solidFill>
-                  <a:srgbClr val="FFFFFF"/>
-                </a:solidFill>
-              </a:uFill>
-              <a:latin typeface="Calibri"/>
-            </a:endParaRPr>
-          </a:p>
-          <a:p>
-            <a:pPr marL="685800" lvl="1" indent="-228240">
-              <a:lnSpc>
-                <a:spcPct val="100000"/>
-              </a:lnSpc>
+              <a:t>FORMAT PESAN YANG DIDAPAT</a:t>
+            </a:r>
+          </a:p>
+          <a:p>
+            <a:pPr marL="360" indent="0" algn="ctr">
+              <a:buClr>
+                <a:srgbClr val="FFFFFF"/>
+              </a:buClr>
+              <a:buNone/>
+            </a:pPr>
+            <a:r>
+              <a:rPr lang="en-US" sz="3200" spc="-1" dirty="0">
+                <a:solidFill>
+                  <a:srgbClr val="FFFFFF"/>
+                </a:solidFill>
+                <a:uFill>
+                  <a:solidFill>
+                    <a:srgbClr val="FFFFFF"/>
+                  </a:solidFill>
+                </a:uFill>
+                <a:latin typeface="Trebuchet MS"/>
+              </a:rPr>
+              <a:t>&lt;</a:t>
+            </a:r>
+            <a:r>
+              <a:rPr lang="en-US" sz="3200" spc="-1" dirty="0" err="1">
+                <a:solidFill>
+                  <a:srgbClr val="FFFFFF"/>
+                </a:solidFill>
+                <a:uFill>
+                  <a:solidFill>
+                    <a:srgbClr val="FFFFFF"/>
+                  </a:solidFill>
+                </a:uFill>
+                <a:latin typeface="Trebuchet MS"/>
+              </a:rPr>
+              <a:t>nama_pengirim</a:t>
+            </a:r>
+            <a:r>
+              <a:rPr lang="en-US" sz="3200" spc="-1" dirty="0">
+                <a:solidFill>
+                  <a:srgbClr val="FFFFFF"/>
+                </a:solidFill>
+                <a:uFill>
+                  <a:solidFill>
+                    <a:srgbClr val="FFFFFF"/>
+                  </a:solidFill>
+                </a:uFill>
+                <a:latin typeface="Trebuchet MS"/>
+              </a:rPr>
+              <a:t>&gt; </a:t>
+            </a:r>
+            <a:r>
+              <a:rPr lang="en-US" sz="3200" spc="-1" dirty="0" err="1">
+                <a:solidFill>
+                  <a:srgbClr val="FFFFFF"/>
+                </a:solidFill>
+                <a:uFill>
+                  <a:solidFill>
+                    <a:srgbClr val="FFFFFF"/>
+                  </a:solidFill>
+                </a:uFill>
+                <a:latin typeface="Trebuchet MS"/>
+              </a:rPr>
+              <a:t>isi_pesan</a:t>
+            </a:r>
+            <a:endParaRPr lang="en-US" sz="3200" spc="-1" dirty="0">
+              <a:solidFill>
+                <a:srgbClr val="FFFFFF"/>
+              </a:solidFill>
+              <a:uFill>
+                <a:solidFill>
+                  <a:srgbClr val="FFFFFF"/>
+                </a:solidFill>
+              </a:uFill>
+              <a:latin typeface="Trebuchet MS"/>
+            </a:endParaRPr>
+          </a:p>
+          <a:p>
+            <a:pPr indent="-228240">
               <a:buClr>
                 <a:srgbClr val="FFFFFF"/>
               </a:buClr>
@@ -16944,939 +18085,143 @@
               <a:buChar char="•"/>
             </a:pPr>
             <a:r>
-              <a:rPr lang="en-US" sz="2200" b="0" strike="noStrike" spc="-1" dirty="0">
-                <a:solidFill>
-                  <a:srgbClr val="FFFFFF"/>
-                </a:solidFill>
-                <a:uFill>
-                  <a:solidFill>
-                    <a:srgbClr val="FFFFFF"/>
-                  </a:solidFill>
-                </a:uFill>
-                <a:latin typeface="Trebuchet MS"/>
-              </a:rPr>
-              <a:t>DESKRIPSI:</a:t>
-            </a:r>
-          </a:p>
-          <a:p>
-            <a:pPr marL="457560" lvl="1">
-              <a:lnSpc>
-                <a:spcPct val="100000"/>
-              </a:lnSpc>
+              <a:rPr lang="en-US" sz="3000" spc="-1" dirty="0" err="1">
+                <a:solidFill>
+                  <a:srgbClr val="00B0F0"/>
+                </a:solidFill>
+                <a:uFill>
+                  <a:solidFill>
+                    <a:srgbClr val="FFFFFF"/>
+                  </a:solidFill>
+                </a:uFill>
+                <a:latin typeface="Trebuchet MS"/>
+              </a:rPr>
+              <a:t>Contoh</a:t>
+            </a:r>
+            <a:r>
+              <a:rPr lang="en-US" sz="3000" spc="-1" dirty="0">
+                <a:solidFill>
+                  <a:srgbClr val="00B0F0"/>
+                </a:solidFill>
+                <a:uFill>
+                  <a:solidFill>
+                    <a:srgbClr val="FFFFFF"/>
+                  </a:solidFill>
+                </a:uFill>
+                <a:latin typeface="Trebuchet MS"/>
+              </a:rPr>
+              <a:t>:</a:t>
+            </a:r>
+          </a:p>
+          <a:p>
+            <a:pPr marL="360" indent="0" algn="ctr">
               <a:buClr>
                 <a:srgbClr val="FFFFFF"/>
               </a:buClr>
+              <a:buNone/>
             </a:pPr>
             <a:r>
-              <a:rPr lang="en-US" sz="2200" spc="-1" dirty="0">
-                <a:solidFill>
-                  <a:srgbClr val="FFFFFF"/>
-                </a:solidFill>
-                <a:uFill>
-                  <a:solidFill>
-                    <a:srgbClr val="FFFFFF"/>
-                  </a:solidFill>
-                </a:uFill>
-                <a:latin typeface="Trebuchet MS"/>
-              </a:rPr>
-              <a:t>	User </a:t>
-            </a:r>
-            <a:r>
-              <a:rPr lang="en-US" sz="2200" spc="-1" dirty="0" err="1">
-                <a:solidFill>
-                  <a:srgbClr val="FFFFFF"/>
-                </a:solidFill>
-                <a:uFill>
-                  <a:solidFill>
-                    <a:srgbClr val="FFFFFF"/>
-                  </a:solidFill>
-                </a:uFill>
-                <a:latin typeface="Trebuchet MS"/>
-              </a:rPr>
-              <a:t>dapat</a:t>
-            </a:r>
-            <a:r>
-              <a:rPr lang="en-US" sz="2200" spc="-1" dirty="0">
-                <a:solidFill>
-                  <a:srgbClr val="FFFFFF"/>
-                </a:solidFill>
-                <a:uFill>
-                  <a:solidFill>
-                    <a:srgbClr val="FFFFFF"/>
-                  </a:solidFill>
-                </a:uFill>
-                <a:latin typeface="Trebuchet MS"/>
-              </a:rPr>
-              <a:t> </a:t>
-            </a:r>
-            <a:r>
-              <a:rPr lang="en-US" sz="2200" spc="-1" dirty="0" err="1">
-                <a:solidFill>
-                  <a:srgbClr val="FFFFFF"/>
-                </a:solidFill>
-                <a:uFill>
-                  <a:solidFill>
-                    <a:srgbClr val="FFFFFF"/>
-                  </a:solidFill>
-                </a:uFill>
-                <a:latin typeface="Trebuchet MS"/>
-              </a:rPr>
-              <a:t>membuat</a:t>
-            </a:r>
-            <a:r>
-              <a:rPr lang="en-US" sz="2200" spc="-1" dirty="0">
-                <a:solidFill>
-                  <a:srgbClr val="FFFFFF"/>
-                </a:solidFill>
-                <a:uFill>
-                  <a:solidFill>
-                    <a:srgbClr val="FFFFFF"/>
-                  </a:solidFill>
-                </a:uFill>
-                <a:latin typeface="Trebuchet MS"/>
-              </a:rPr>
-              <a:t> </a:t>
-            </a:r>
-            <a:r>
-              <a:rPr lang="en-US" sz="2200" spc="-1" dirty="0" err="1">
-                <a:solidFill>
-                  <a:srgbClr val="FFFFFF"/>
-                </a:solidFill>
-                <a:uFill>
-                  <a:solidFill>
-                    <a:srgbClr val="FFFFFF"/>
-                  </a:solidFill>
-                </a:uFill>
-                <a:latin typeface="Trebuchet MS"/>
-              </a:rPr>
-              <a:t>grup</a:t>
-            </a:r>
-            <a:r>
-              <a:rPr lang="en-US" sz="2200" spc="-1" dirty="0">
-                <a:solidFill>
-                  <a:srgbClr val="FFFFFF"/>
-                </a:solidFill>
-                <a:uFill>
-                  <a:solidFill>
-                    <a:srgbClr val="FFFFFF"/>
-                  </a:solidFill>
-                </a:uFill>
-                <a:latin typeface="Trebuchet MS"/>
-              </a:rPr>
-              <a:t> </a:t>
-            </a:r>
-            <a:r>
-              <a:rPr lang="en-US" sz="2200" spc="-1" dirty="0" err="1">
-                <a:solidFill>
-                  <a:srgbClr val="FFFFFF"/>
-                </a:solidFill>
-                <a:uFill>
-                  <a:solidFill>
-                    <a:srgbClr val="FFFFFF"/>
-                  </a:solidFill>
-                </a:uFill>
-                <a:latin typeface="Trebuchet MS"/>
-              </a:rPr>
-              <a:t>baru</a:t>
-            </a:r>
-            <a:r>
-              <a:rPr lang="en-US" sz="2200" spc="-1" dirty="0">
-                <a:solidFill>
-                  <a:srgbClr val="FFFFFF"/>
-                </a:solidFill>
-                <a:uFill>
-                  <a:solidFill>
-                    <a:srgbClr val="FFFFFF"/>
-                  </a:solidFill>
-                </a:uFill>
-                <a:latin typeface="Trebuchet MS"/>
-              </a:rPr>
-              <a:t>.</a:t>
-            </a:r>
-            <a:endParaRPr lang="en-US" sz="2200" b="0" strike="noStrike" spc="-1" dirty="0">
-              <a:solidFill>
-                <a:srgbClr val="FFFFFF"/>
-              </a:solidFill>
-              <a:uFill>
-                <a:solidFill>
-                  <a:srgbClr val="FFFFFF"/>
-                </a:solidFill>
-              </a:uFill>
-              <a:latin typeface="Trebuchet MS"/>
-            </a:endParaRPr>
-          </a:p>
-          <a:p>
-            <a:pPr marL="685800" lvl="1" indent="-228240">
-              <a:lnSpc>
-                <a:spcPct val="100000"/>
-              </a:lnSpc>
+              <a:rPr lang="en-US" sz="3000" spc="-1" dirty="0">
+                <a:solidFill>
+                  <a:schemeClr val="bg1"/>
+                </a:solidFill>
+                <a:uFill>
+                  <a:solidFill>
+                    <a:srgbClr val="FFFFFF"/>
+                  </a:solidFill>
+                </a:uFill>
+                <a:latin typeface="Trebuchet MS"/>
+              </a:rPr>
+              <a:t>&lt;admin&gt; halo</a:t>
+            </a:r>
+          </a:p>
+          <a:p>
+            <a:pPr marL="360" indent="0">
               <a:buClr>
                 <a:srgbClr val="FFFFFF"/>
               </a:buClr>
-              <a:buFont typeface="Arial"/>
-              <a:buChar char="•"/>
+              <a:buNone/>
             </a:pPr>
             <a:r>
-              <a:rPr lang="en-US" sz="2200" b="0" strike="noStrike" spc="-1" dirty="0">
-                <a:solidFill>
-                  <a:srgbClr val="FFFFFF"/>
-                </a:solidFill>
-                <a:uFill>
-                  <a:solidFill>
-                    <a:srgbClr val="FFFFFF"/>
-                  </a:solidFill>
-                </a:uFill>
-                <a:latin typeface="Trebuchet MS"/>
-              </a:rPr>
-              <a:t>FORMAT MESSAGE:</a:t>
-            </a:r>
-            <a:endParaRPr lang="en-US" sz="2200" b="0" strike="noStrike" spc="-1" dirty="0">
-              <a:solidFill>
-                <a:srgbClr val="FFFFFF"/>
-              </a:solidFill>
-              <a:uFill>
-                <a:solidFill>
-                  <a:srgbClr val="FFFFFF"/>
-                </a:solidFill>
-              </a:uFill>
-              <a:latin typeface="Calibri"/>
-            </a:endParaRPr>
-          </a:p>
-          <a:p>
-            <a:pPr marL="1143000" lvl="2" indent="-228240">
-              <a:lnSpc>
-                <a:spcPct val="100000"/>
-              </a:lnSpc>
+              <a:rPr lang="en-US" sz="3000" spc="-1" dirty="0" err="1">
+                <a:solidFill>
+                  <a:schemeClr val="bg1"/>
+                </a:solidFill>
+                <a:uFill>
+                  <a:solidFill>
+                    <a:srgbClr val="FFFFFF"/>
+                  </a:solidFill>
+                </a:uFill>
+                <a:latin typeface="Trebuchet MS"/>
+              </a:rPr>
+              <a:t>nama_pengirim</a:t>
+            </a:r>
+            <a:r>
+              <a:rPr lang="en-US" sz="3000" spc="-1" dirty="0">
+                <a:solidFill>
+                  <a:schemeClr val="bg1"/>
+                </a:solidFill>
+                <a:uFill>
+                  <a:solidFill>
+                    <a:srgbClr val="FFFFFF"/>
+                  </a:solidFill>
+                </a:uFill>
+                <a:latin typeface="Trebuchet MS"/>
+              </a:rPr>
+              <a:t> 	= admin</a:t>
+            </a:r>
+          </a:p>
+          <a:p>
+            <a:pPr marL="360" indent="0">
               <a:buClr>
                 <a:srgbClr val="FFFFFF"/>
               </a:buClr>
-              <a:buFont typeface="Arial"/>
-              <a:buChar char="•"/>
+              <a:buNone/>
             </a:pPr>
             <a:r>
-              <a:rPr lang="en-US" sz="2200" b="0" strike="noStrike" spc="-1" dirty="0">
-                <a:solidFill>
-                  <a:srgbClr val="FFFF00"/>
-                </a:solidFill>
-                <a:uFill>
-                  <a:solidFill>
-                    <a:srgbClr val="FFFFFF"/>
-                  </a:solidFill>
-                </a:uFill>
-                <a:latin typeface="Trebuchet MS"/>
-              </a:rPr>
-              <a:t>BGRUP</a:t>
-            </a:r>
-            <a:r>
-              <a:rPr lang="en-US" sz="2200" b="0" strike="noStrike" spc="-1" dirty="0">
-                <a:solidFill>
-                  <a:srgbClr val="FFFFFF"/>
-                </a:solidFill>
-                <a:uFill>
-                  <a:solidFill>
-                    <a:srgbClr val="FFFFFF"/>
-                  </a:solidFill>
-                </a:uFill>
-                <a:latin typeface="Trebuchet MS"/>
-              </a:rPr>
-              <a:t> </a:t>
-            </a:r>
-            <a:r>
-              <a:rPr lang="en-US" sz="2200" b="0" strike="noStrike" spc="-1" dirty="0" err="1">
-                <a:solidFill>
-                  <a:srgbClr val="FFFFFF"/>
-                </a:solidFill>
-                <a:uFill>
-                  <a:solidFill>
-                    <a:srgbClr val="FFFFFF"/>
-                  </a:solidFill>
-                </a:uFill>
-                <a:latin typeface="Trebuchet MS"/>
-              </a:rPr>
-              <a:t>spasi</a:t>
-            </a:r>
-            <a:r>
-              <a:rPr lang="en-US" sz="2200" b="0" strike="noStrike" spc="-1" dirty="0">
-                <a:solidFill>
-                  <a:srgbClr val="FFFFFF"/>
-                </a:solidFill>
-                <a:uFill>
-                  <a:solidFill>
-                    <a:srgbClr val="FFFFFF"/>
-                  </a:solidFill>
-                </a:uFill>
-                <a:latin typeface="Trebuchet MS"/>
-              </a:rPr>
-              <a:t> </a:t>
-            </a:r>
-            <a:r>
-              <a:rPr lang="en-US" sz="2200" b="0" strike="noStrike" spc="-1" dirty="0">
-                <a:solidFill>
-                  <a:srgbClr val="FFFF00"/>
-                </a:solidFill>
-                <a:uFill>
-                  <a:solidFill>
-                    <a:srgbClr val="FFFFFF"/>
-                  </a:solidFill>
-                </a:uFill>
-                <a:latin typeface="Trebuchet MS"/>
-              </a:rPr>
-              <a:t>NAMA_GRUP</a:t>
-            </a:r>
-            <a:r>
-              <a:rPr lang="en-US" sz="2200" b="0" strike="noStrike" spc="-1" dirty="0">
-                <a:solidFill>
-                  <a:srgbClr val="FFFFFF"/>
-                </a:solidFill>
-                <a:uFill>
-                  <a:solidFill>
-                    <a:srgbClr val="FFFFFF"/>
-                  </a:solidFill>
-                </a:uFill>
-                <a:latin typeface="Trebuchet MS"/>
-              </a:rPr>
-              <a:t> </a:t>
-            </a:r>
-            <a:r>
-              <a:rPr lang="en-US" sz="2200" b="0" strike="noStrike" spc="-1" dirty="0" err="1">
-                <a:solidFill>
-                  <a:srgbClr val="FFFFFF"/>
-                </a:solidFill>
-                <a:uFill>
-                  <a:solidFill>
-                    <a:srgbClr val="FFFFFF"/>
-                  </a:solidFill>
-                </a:uFill>
-                <a:latin typeface="Trebuchet MS"/>
-              </a:rPr>
-              <a:t>spasi</a:t>
-            </a:r>
-            <a:r>
-              <a:rPr lang="en-US" sz="2200" b="0" strike="noStrike" spc="-1" dirty="0">
-                <a:solidFill>
-                  <a:srgbClr val="FFFFFF"/>
-                </a:solidFill>
-                <a:uFill>
-                  <a:solidFill>
-                    <a:srgbClr val="FFFFFF"/>
-                  </a:solidFill>
-                </a:uFill>
-                <a:latin typeface="Trebuchet MS"/>
-              </a:rPr>
-              <a:t> </a:t>
-            </a:r>
-            <a:r>
-              <a:rPr lang="en-US" sz="2200" b="0" strike="noStrike" spc="-1" dirty="0">
-                <a:solidFill>
-                  <a:srgbClr val="FFFF00"/>
-                </a:solidFill>
-                <a:uFill>
-                  <a:solidFill>
-                    <a:srgbClr val="FFFFFF"/>
-                  </a:solidFill>
-                </a:uFill>
-                <a:latin typeface="Trebuchet MS"/>
-              </a:rPr>
-              <a:t>PASS_GRUP</a:t>
-            </a:r>
-            <a:endParaRPr lang="en-US" sz="2200" b="0" strike="noStrike" spc="-1" dirty="0">
-              <a:solidFill>
-                <a:srgbClr val="FFFF00"/>
-              </a:solidFill>
-              <a:uFill>
-                <a:solidFill>
-                  <a:srgbClr val="FFFFFF"/>
-                </a:solidFill>
-              </a:uFill>
-              <a:latin typeface="Calibri"/>
-            </a:endParaRPr>
-          </a:p>
-          <a:p>
-            <a:pPr marL="685800" lvl="1" indent="-228240">
-              <a:lnSpc>
-                <a:spcPct val="100000"/>
-              </a:lnSpc>
-              <a:buClr>
-                <a:srgbClr val="FFFFFF"/>
-              </a:buClr>
-              <a:buFont typeface="Arial"/>
-              <a:buChar char="•"/>
-            </a:pPr>
-            <a:r>
-              <a:rPr lang="en-US" sz="2200" b="0" strike="noStrike" spc="-1" dirty="0">
-                <a:solidFill>
-                  <a:srgbClr val="FFFFFF"/>
-                </a:solidFill>
-                <a:uFill>
-                  <a:solidFill>
-                    <a:srgbClr val="FFFFFF"/>
-                  </a:solidFill>
-                </a:uFill>
-                <a:latin typeface="Trebuchet MS"/>
-              </a:rPr>
-              <a:t>PARAMETER:</a:t>
-            </a:r>
-            <a:endParaRPr lang="en-US" sz="2200" b="0" strike="noStrike" spc="-1" dirty="0">
-              <a:solidFill>
-                <a:srgbClr val="FFFFFF"/>
-              </a:solidFill>
-              <a:uFill>
-                <a:solidFill>
-                  <a:srgbClr val="FFFFFF"/>
-                </a:solidFill>
-              </a:uFill>
-              <a:latin typeface="Calibri"/>
-            </a:endParaRPr>
-          </a:p>
-          <a:p>
-            <a:pPr marL="1143000" lvl="2" indent="-228240">
-              <a:lnSpc>
-                <a:spcPct val="100000"/>
-              </a:lnSpc>
-              <a:buClr>
-                <a:srgbClr val="FFFFFF"/>
-              </a:buClr>
-              <a:buFont typeface="Arial"/>
-              <a:buChar char="•"/>
-            </a:pPr>
-            <a:r>
-              <a:rPr lang="en-US" sz="2200" b="0" strike="noStrike" spc="-1" dirty="0">
-                <a:solidFill>
-                  <a:srgbClr val="FFFFFF"/>
-                </a:solidFill>
-                <a:uFill>
-                  <a:solidFill>
-                    <a:srgbClr val="FFFFFF"/>
-                  </a:solidFill>
-                </a:uFill>
-                <a:latin typeface="Trebuchet MS"/>
-              </a:rPr>
-              <a:t>NAMA_GRUP</a:t>
-            </a:r>
-            <a:endParaRPr lang="en-US" sz="2200" b="0" strike="noStrike" spc="-1" dirty="0">
-              <a:solidFill>
-                <a:srgbClr val="FFFFFF"/>
-              </a:solidFill>
-              <a:uFill>
-                <a:solidFill>
-                  <a:srgbClr val="FFFFFF"/>
-                </a:solidFill>
-              </a:uFill>
-              <a:latin typeface="Calibri"/>
-            </a:endParaRPr>
-          </a:p>
-          <a:p>
-            <a:pPr marL="1143000" lvl="2" indent="-228240">
-              <a:lnSpc>
-                <a:spcPct val="100000"/>
-              </a:lnSpc>
-              <a:buClr>
-                <a:srgbClr val="FFFFFF"/>
-              </a:buClr>
-              <a:buFont typeface="Arial"/>
-              <a:buChar char="•"/>
-            </a:pPr>
-            <a:r>
-              <a:rPr lang="en-US" sz="2200" b="0" strike="noStrike" spc="-1" dirty="0">
-                <a:solidFill>
-                  <a:srgbClr val="FFFFFF"/>
-                </a:solidFill>
-                <a:uFill>
-                  <a:solidFill>
-                    <a:srgbClr val="FFFFFF"/>
-                  </a:solidFill>
-                </a:uFill>
-                <a:latin typeface="Trebuchet MS"/>
-              </a:rPr>
-              <a:t>PASS GRUP</a:t>
-            </a:r>
-            <a:endParaRPr lang="en-US" sz="2200" b="0" strike="noStrike" spc="-1" dirty="0">
-              <a:solidFill>
-                <a:srgbClr val="FFFFFF"/>
-              </a:solidFill>
-              <a:uFill>
-                <a:solidFill>
-                  <a:srgbClr val="FFFFFF"/>
-                </a:solidFill>
-              </a:uFill>
-              <a:latin typeface="Calibri"/>
-            </a:endParaRPr>
-          </a:p>
-          <a:p>
-            <a:pPr marL="685800" lvl="1" indent="-228240">
-              <a:lnSpc>
-                <a:spcPct val="100000"/>
-              </a:lnSpc>
-              <a:buClr>
-                <a:srgbClr val="FFFFFF"/>
-              </a:buClr>
-              <a:buFont typeface="Arial"/>
-              <a:buChar char="•"/>
-            </a:pPr>
-            <a:r>
-              <a:rPr lang="en-US" sz="2200" b="0" strike="noStrike" spc="-1" dirty="0">
-                <a:solidFill>
-                  <a:srgbClr val="FFFFFF"/>
-                </a:solidFill>
-                <a:uFill>
-                  <a:solidFill>
-                    <a:srgbClr val="FFFFFF"/>
-                  </a:solidFill>
-                </a:uFill>
-                <a:latin typeface="Trebuchet MS"/>
-              </a:rPr>
-              <a:t>RETURN&gt;</a:t>
-            </a:r>
-            <a:endParaRPr lang="en-US" sz="2200" b="0" strike="noStrike" spc="-1" dirty="0">
-              <a:solidFill>
-                <a:srgbClr val="FFFFFF"/>
-              </a:solidFill>
-              <a:uFill>
-                <a:solidFill>
-                  <a:srgbClr val="FFFFFF"/>
-                </a:solidFill>
-              </a:uFill>
-              <a:latin typeface="Calibri"/>
-            </a:endParaRPr>
-          </a:p>
-          <a:p>
-            <a:pPr marL="1143000" lvl="2" indent="-228240">
-              <a:lnSpc>
-                <a:spcPct val="100000"/>
-              </a:lnSpc>
-              <a:buClr>
-                <a:srgbClr val="FFFFFF"/>
-              </a:buClr>
-              <a:buFont typeface="Arial"/>
-              <a:buChar char="•"/>
-            </a:pPr>
-            <a:r>
-              <a:rPr lang="en-US" sz="2200" b="0" strike="noStrike" spc="-1" dirty="0">
-                <a:solidFill>
-                  <a:srgbClr val="FFFFFF"/>
-                </a:solidFill>
-                <a:uFill>
-                  <a:solidFill>
-                    <a:srgbClr val="FFFFFF"/>
-                  </a:solidFill>
-                </a:uFill>
-                <a:latin typeface="Trebuchet MS"/>
-              </a:rPr>
-              <a:t>13: </a:t>
-            </a:r>
-            <a:r>
-              <a:rPr lang="en-US" sz="2200" b="0" strike="noStrike" spc="-1" dirty="0" err="1">
-                <a:solidFill>
-                  <a:srgbClr val="FFFFFF"/>
-                </a:solidFill>
-                <a:uFill>
-                  <a:solidFill>
-                    <a:srgbClr val="FFFFFF"/>
-                  </a:solidFill>
-                </a:uFill>
-                <a:latin typeface="Trebuchet MS"/>
-              </a:rPr>
-              <a:t>Buat</a:t>
-            </a:r>
-            <a:r>
-              <a:rPr lang="en-US" sz="2200" b="0" strike="noStrike" spc="-1" dirty="0">
-                <a:solidFill>
-                  <a:srgbClr val="FFFFFF"/>
-                </a:solidFill>
-                <a:uFill>
-                  <a:solidFill>
-                    <a:srgbClr val="FFFFFF"/>
-                  </a:solidFill>
-                </a:uFill>
-                <a:latin typeface="Trebuchet MS"/>
-              </a:rPr>
-              <a:t> </a:t>
-            </a:r>
-            <a:r>
-              <a:rPr lang="en-US" sz="2200" b="0" strike="noStrike" spc="-1" dirty="0" err="1">
-                <a:solidFill>
-                  <a:srgbClr val="FFFFFF"/>
-                </a:solidFill>
-                <a:uFill>
-                  <a:solidFill>
-                    <a:srgbClr val="FFFFFF"/>
-                  </a:solidFill>
-                </a:uFill>
-                <a:latin typeface="Trebuchet MS"/>
-              </a:rPr>
-              <a:t>Grup</a:t>
-            </a:r>
-            <a:r>
-              <a:rPr lang="en-US" sz="2200" b="0" strike="noStrike" spc="-1" dirty="0">
-                <a:solidFill>
-                  <a:srgbClr val="FFFFFF"/>
-                </a:solidFill>
-                <a:uFill>
-                  <a:solidFill>
-                    <a:srgbClr val="FFFFFF"/>
-                  </a:solidFill>
-                </a:uFill>
-                <a:latin typeface="Trebuchet MS"/>
-              </a:rPr>
-              <a:t> </a:t>
-            </a:r>
-            <a:r>
-              <a:rPr lang="en-US" sz="2200" b="0" strike="noStrike" spc="-1" dirty="0" err="1">
-                <a:solidFill>
-                  <a:srgbClr val="FFFFFF"/>
-                </a:solidFill>
-                <a:uFill>
-                  <a:solidFill>
-                    <a:srgbClr val="FFFFFF"/>
-                  </a:solidFill>
-                </a:uFill>
-                <a:latin typeface="Trebuchet MS"/>
-              </a:rPr>
-              <a:t>Sukses</a:t>
-            </a:r>
-            <a:endParaRPr lang="en-US" sz="2200" b="0" strike="noStrike" spc="-1" dirty="0">
-              <a:solidFill>
-                <a:srgbClr val="FFFFFF"/>
-              </a:solidFill>
-              <a:uFill>
-                <a:solidFill>
-                  <a:srgbClr val="FFFFFF"/>
-                </a:solidFill>
-              </a:uFill>
-              <a:latin typeface="Calibri"/>
-            </a:endParaRPr>
-          </a:p>
-          <a:p>
-            <a:pPr marL="1143000" lvl="2" indent="-228240">
-              <a:lnSpc>
-                <a:spcPct val="100000"/>
-              </a:lnSpc>
-              <a:buClr>
-                <a:srgbClr val="FFFFFF"/>
-              </a:buClr>
-              <a:buFont typeface="Arial"/>
-              <a:buChar char="•"/>
-            </a:pPr>
-            <a:r>
-              <a:rPr lang="en-US" sz="2200" b="0" strike="noStrike" spc="-1" dirty="0">
-                <a:solidFill>
-                  <a:srgbClr val="FFFFFF"/>
-                </a:solidFill>
-                <a:uFill>
-                  <a:solidFill>
-                    <a:srgbClr val="FFFFFF"/>
-                  </a:solidFill>
-                </a:uFill>
-                <a:latin typeface="Trebuchet MS"/>
-              </a:rPr>
-              <a:t>14: </a:t>
-            </a:r>
-            <a:r>
-              <a:rPr lang="en-US" sz="2200" b="0" strike="noStrike" spc="-1" dirty="0" err="1">
-                <a:solidFill>
-                  <a:srgbClr val="FFFFFF"/>
-                </a:solidFill>
-                <a:uFill>
-                  <a:solidFill>
-                    <a:srgbClr val="FFFFFF"/>
-                  </a:solidFill>
-                </a:uFill>
-                <a:latin typeface="Trebuchet MS"/>
-              </a:rPr>
-              <a:t>Buat</a:t>
-            </a:r>
-            <a:r>
-              <a:rPr lang="en-US" sz="2200" b="0" strike="noStrike" spc="-1" dirty="0">
-                <a:solidFill>
-                  <a:srgbClr val="FFFFFF"/>
-                </a:solidFill>
-                <a:uFill>
-                  <a:solidFill>
-                    <a:srgbClr val="FFFFFF"/>
-                  </a:solidFill>
-                </a:uFill>
-                <a:latin typeface="Trebuchet MS"/>
-              </a:rPr>
-              <a:t> </a:t>
-            </a:r>
-            <a:r>
-              <a:rPr lang="en-US" sz="2200" b="0" strike="noStrike" spc="-1" dirty="0" err="1">
-                <a:solidFill>
-                  <a:srgbClr val="FFFFFF"/>
-                </a:solidFill>
-                <a:uFill>
-                  <a:solidFill>
-                    <a:srgbClr val="FFFFFF"/>
-                  </a:solidFill>
-                </a:uFill>
-                <a:latin typeface="Trebuchet MS"/>
-              </a:rPr>
-              <a:t>Grup</a:t>
-            </a:r>
-            <a:r>
-              <a:rPr lang="en-US" sz="2200" b="0" strike="noStrike" spc="-1" dirty="0">
-                <a:solidFill>
-                  <a:srgbClr val="FFFFFF"/>
-                </a:solidFill>
-                <a:uFill>
-                  <a:solidFill>
-                    <a:srgbClr val="FFFFFF"/>
-                  </a:solidFill>
-                </a:uFill>
-                <a:latin typeface="Trebuchet MS"/>
-              </a:rPr>
-              <a:t> </a:t>
-            </a:r>
-            <a:r>
-              <a:rPr lang="en-US" sz="2200" b="0" strike="noStrike" spc="-1" dirty="0" err="1">
-                <a:solidFill>
-                  <a:srgbClr val="FFFFFF"/>
-                </a:solidFill>
-                <a:uFill>
-                  <a:solidFill>
-                    <a:srgbClr val="FFFFFF"/>
-                  </a:solidFill>
-                </a:uFill>
-                <a:latin typeface="Trebuchet MS"/>
-              </a:rPr>
-              <a:t>Gagal</a:t>
-            </a:r>
-            <a:endParaRPr lang="en-US" sz="2200" b="0" strike="noStrike" spc="-1" dirty="0">
-              <a:solidFill>
-                <a:srgbClr val="FFFFFF"/>
-              </a:solidFill>
-              <a:uFill>
-                <a:solidFill>
-                  <a:srgbClr val="FFFFFF"/>
-                </a:solidFill>
-              </a:uFill>
-              <a:latin typeface="Trebuchet MS"/>
-            </a:endParaRPr>
-          </a:p>
-          <a:p>
-            <a:pPr marL="914760" lvl="2">
-              <a:lnSpc>
-                <a:spcPct val="100000"/>
-              </a:lnSpc>
-              <a:buClr>
-                <a:srgbClr val="FFFFFF"/>
-              </a:buClr>
-            </a:pPr>
-            <a:r>
-              <a:rPr lang="en-US" sz="2200" spc="-1" dirty="0">
-                <a:solidFill>
-                  <a:srgbClr val="FFFFFF"/>
-                </a:solidFill>
-                <a:uFill>
-                  <a:solidFill>
-                    <a:srgbClr val="FFFFFF"/>
-                  </a:solidFill>
-                </a:uFill>
-                <a:latin typeface="Trebuchet MS"/>
-                <a:sym typeface="Wingdings" panose="05000000000000000000" pitchFamily="2" charset="2"/>
-              </a:rPr>
-              <a:t> </a:t>
-            </a:r>
-            <a:r>
-              <a:rPr lang="en-US" sz="2200" b="0" strike="noStrike" spc="-1" dirty="0" err="1">
-                <a:solidFill>
-                  <a:srgbClr val="FFFFFF"/>
-                </a:solidFill>
-                <a:uFill>
-                  <a:solidFill>
-                    <a:srgbClr val="FFFFFF"/>
-                  </a:solidFill>
-                </a:uFill>
-                <a:latin typeface="Trebuchet MS"/>
-              </a:rPr>
-              <a:t>Gagal</a:t>
-            </a:r>
-            <a:r>
-              <a:rPr lang="en-US" sz="2200" b="0" strike="noStrike" spc="-1" dirty="0">
-                <a:solidFill>
-                  <a:srgbClr val="FFFFFF"/>
-                </a:solidFill>
-                <a:uFill>
-                  <a:solidFill>
-                    <a:srgbClr val="FFFFFF"/>
-                  </a:solidFill>
-                </a:uFill>
-                <a:latin typeface="Trebuchet MS"/>
-              </a:rPr>
-              <a:t> &gt; </a:t>
-            </a:r>
-            <a:r>
-              <a:rPr lang="en-US" sz="2200" b="0" strike="noStrike" spc="-1" dirty="0" err="1">
-                <a:solidFill>
-                  <a:srgbClr val="FFFFFF"/>
-                </a:solidFill>
-                <a:uFill>
-                  <a:solidFill>
-                    <a:srgbClr val="FFFFFF"/>
-                  </a:solidFill>
-                </a:uFill>
-                <a:latin typeface="Trebuchet MS"/>
-              </a:rPr>
-              <a:t>karena</a:t>
-            </a:r>
-            <a:r>
-              <a:rPr lang="en-US" sz="2200" b="0" strike="noStrike" spc="-1" dirty="0">
-                <a:solidFill>
-                  <a:srgbClr val="FFFFFF"/>
-                </a:solidFill>
-                <a:uFill>
-                  <a:solidFill>
-                    <a:srgbClr val="FFFFFF"/>
-                  </a:solidFill>
-                </a:uFill>
-                <a:latin typeface="Trebuchet MS"/>
-              </a:rPr>
-              <a:t> NAMA_GRUP </a:t>
-            </a:r>
-            <a:r>
-              <a:rPr lang="en-US" sz="2200" b="0" strike="noStrike" spc="-1" dirty="0" err="1">
-                <a:solidFill>
-                  <a:srgbClr val="FFFFFF"/>
-                </a:solidFill>
-                <a:uFill>
-                  <a:solidFill>
-                    <a:srgbClr val="FFFFFF"/>
-                  </a:solidFill>
-                </a:uFill>
-                <a:latin typeface="Trebuchet MS"/>
-              </a:rPr>
-              <a:t>sudah</a:t>
-            </a:r>
-            <a:r>
-              <a:rPr lang="en-US" sz="2200" b="0" strike="noStrike" spc="-1" dirty="0">
-                <a:solidFill>
-                  <a:srgbClr val="FFFFFF"/>
-                </a:solidFill>
-                <a:uFill>
-                  <a:solidFill>
-                    <a:srgbClr val="FFFFFF"/>
-                  </a:solidFill>
-                </a:uFill>
-                <a:latin typeface="Trebuchet MS"/>
-              </a:rPr>
-              <a:t> </a:t>
-            </a:r>
-            <a:r>
-              <a:rPr lang="en-US" sz="2200" b="0" strike="noStrike" spc="-1" dirty="0" err="1">
-                <a:solidFill>
-                  <a:srgbClr val="FFFFFF"/>
-                </a:solidFill>
-                <a:uFill>
-                  <a:solidFill>
-                    <a:srgbClr val="FFFFFF"/>
-                  </a:solidFill>
-                </a:uFill>
-                <a:latin typeface="Trebuchet MS"/>
-              </a:rPr>
-              <a:t>dipakai</a:t>
-            </a:r>
-            <a:r>
-              <a:rPr lang="en-US" sz="2200" b="0" strike="noStrike" spc="-1" dirty="0">
-                <a:solidFill>
-                  <a:srgbClr val="FFFFFF"/>
-                </a:solidFill>
-                <a:uFill>
-                  <a:solidFill>
-                    <a:srgbClr val="FFFFFF"/>
-                  </a:solidFill>
-                </a:uFill>
-                <a:latin typeface="Trebuchet MS"/>
-              </a:rPr>
-              <a:t>, USER_NAME </a:t>
-            </a:r>
-            <a:r>
-              <a:rPr lang="en-US" sz="2200" b="0" strike="noStrike" spc="-1" dirty="0" err="1">
-                <a:solidFill>
-                  <a:srgbClr val="FFFFFF"/>
-                </a:solidFill>
-                <a:uFill>
-                  <a:solidFill>
-                    <a:srgbClr val="FFFFFF"/>
-                  </a:solidFill>
-                </a:uFill>
-                <a:latin typeface="Trebuchet MS"/>
-              </a:rPr>
-              <a:t>belum</a:t>
-            </a:r>
-            <a:r>
-              <a:rPr lang="en-US" sz="2200" b="0" strike="noStrike" spc="-1" dirty="0">
-                <a:solidFill>
-                  <a:srgbClr val="FFFFFF"/>
-                </a:solidFill>
-                <a:uFill>
-                  <a:solidFill>
-                    <a:srgbClr val="FFFFFF"/>
-                  </a:solidFill>
-                </a:uFill>
-                <a:latin typeface="Trebuchet MS"/>
-              </a:rPr>
-              <a:t> </a:t>
-            </a:r>
-            <a:r>
-              <a:rPr lang="en-US" sz="2200" b="0" strike="noStrike" spc="-1" dirty="0" err="1">
-                <a:solidFill>
-                  <a:srgbClr val="FFFFFF"/>
-                </a:solidFill>
-                <a:uFill>
-                  <a:solidFill>
-                    <a:srgbClr val="FFFFFF"/>
-                  </a:solidFill>
-                </a:uFill>
-                <a:latin typeface="Trebuchet MS"/>
-              </a:rPr>
-              <a:t>terautentikasi</a:t>
-            </a:r>
-            <a:endParaRPr lang="en-US" sz="2200" b="0" strike="noStrike" spc="-1" dirty="0">
-              <a:solidFill>
-                <a:srgbClr val="FFFFFF"/>
-              </a:solidFill>
-              <a:uFill>
-                <a:solidFill>
-                  <a:srgbClr val="FFFFFF"/>
-                </a:solidFill>
-              </a:uFill>
-              <a:latin typeface="Calibri"/>
-            </a:endParaRPr>
+              <a:rPr lang="en-US" sz="3000" spc="-1" dirty="0" err="1">
+                <a:solidFill>
+                  <a:schemeClr val="bg1"/>
+                </a:solidFill>
+                <a:uFill>
+                  <a:solidFill>
+                    <a:srgbClr val="FFFFFF"/>
+                  </a:solidFill>
+                </a:uFill>
+                <a:latin typeface="Trebuchet MS"/>
+              </a:rPr>
+              <a:t>isi_pesan</a:t>
+            </a:r>
+            <a:r>
+              <a:rPr lang="en-US" sz="3000" spc="-1" dirty="0">
+                <a:solidFill>
+                  <a:schemeClr val="bg1"/>
+                </a:solidFill>
+                <a:uFill>
+                  <a:solidFill>
+                    <a:srgbClr val="FFFFFF"/>
+                  </a:solidFill>
+                </a:uFill>
+                <a:latin typeface="Trebuchet MS"/>
+              </a:rPr>
+              <a:t> 		= halo</a:t>
+            </a:r>
+          </a:p>
+          <a:p>
+            <a:endParaRPr lang="en-US" dirty="0"/>
           </a:p>
         </p:txBody>
       </p:sp>
     </p:spTree>
+    <p:extLst>
+      <p:ext uri="{BB962C8B-B14F-4D97-AF65-F5344CB8AC3E}">
+        <p14:creationId xmlns:p14="http://schemas.microsoft.com/office/powerpoint/2010/main" val="4031415709"/>
+      </p:ext>
+    </p:extLst>
   </p:cSld>
   <p:clrMapOvr>
     <a:masterClrMapping/>
   </p:clrMapOvr>
-  <p:timing>
-    <p:tnLst>
-      <p:par>
-        <p:cTn id="1" dur="indefinite" restart="never" nodeType="tmRoot">
-          <p:childTnLst>
-            <p:seq>
-              <p:cTn id="2" nodeType="mainSeq"/>
-              <p:prevCondLst>
-                <p:cond evt="onPrev" delay="0">
-                  <p:tgtEl>
-                    <p:sldTgt/>
-                  </p:tgtEl>
-                </p:cond>
-              </p:prevCondLst>
-              <p:nextCondLst>
-                <p:cond evt="onNext" delay="0">
-                  <p:tgtEl>
-                    <p:sldTgt/>
-                  </p:tgtEl>
-                </p:cond>
-              </p:nextCondLst>
-            </p:seq>
-          </p:childTnLst>
-        </p:cTn>
-      </p:par>
-    </p:tnLst>
-  </p:timing>
 </p:sld>
 </file>
 
